--- a/КВЕСТ/Kvest 0504.pptx
+++ b/КВЕСТ/Kvest 0504.pptx
@@ -9,6 +9,7 @@
     <p:sldId id="259" r:id="rId3"/>
     <p:sldId id="260" r:id="rId4"/>
     <p:sldId id="261" r:id="rId5"/>
+    <p:sldId id="262" r:id="rId6"/>
   </p:sldIdLst>
   <p:sldSz cx="12192000" cy="6858000"/>
   <p:notesSz cx="6858000" cy="9144000"/>
@@ -3760,6 +3761,133 @@
 </p:sld>
 </file>
 
+<file path=ppt/slides/slide5.xml><?xml version="1.0" encoding="utf-8"?>
+<p:sld xmlns:a="http://schemas.openxmlformats.org/drawingml/2006/main" xmlns:r="http://schemas.openxmlformats.org/officeDocument/2006/relationships" xmlns:p="http://schemas.openxmlformats.org/presentationml/2006/main">
+  <p:cSld>
+    <p:spTree>
+      <p:nvGrpSpPr>
+        <p:cNvPr id="1" name=""/>
+        <p:cNvGrpSpPr/>
+        <p:nvPr/>
+      </p:nvGrpSpPr>
+      <p:grpSpPr>
+        <a:xfrm>
+          <a:off x="0" y="0"/>
+          <a:ext cx="0" cy="0"/>
+          <a:chOff x="0" y="0"/>
+          <a:chExt cx="0" cy="0"/>
+        </a:xfrm>
+      </p:grpSpPr>
+      <p:sp>
+        <p:nvSpPr>
+          <p:cNvPr id="2" name="Заголовок 1">
+            <a:extLst>
+              <a:ext uri="{FF2B5EF4-FFF2-40B4-BE49-F238E27FC236}">
+                <a16:creationId xmlns:a16="http://schemas.microsoft.com/office/drawing/2014/main" id="{11F5FB1B-22C1-EAF4-9CAC-FF213577DFA6}"/>
+              </a:ext>
+            </a:extLst>
+          </p:cNvPr>
+          <p:cNvSpPr>
+            <a:spLocks noGrp="1"/>
+          </p:cNvSpPr>
+          <p:nvPr>
+            <p:ph type="title"/>
+          </p:nvPr>
+        </p:nvSpPr>
+        <p:spPr/>
+        <p:txBody>
+          <a:bodyPr/>
+          <a:lstStyle/>
+          <a:p>
+            <a:r>
+              <a:rPr lang="ru-RU" dirty="0"/>
+              <a:t>Введи </a:t>
+            </a:r>
+            <a:r>
+              <a:rPr lang="ru-RU"/>
+              <a:t>первые буквы слов</a:t>
+            </a:r>
+            <a:endParaRPr lang="ru-RU" dirty="0"/>
+          </a:p>
+        </p:txBody>
+      </p:sp>
+      <p:sp>
+        <p:nvSpPr>
+          <p:cNvPr id="3" name="Объект 2">
+            <a:extLst>
+              <a:ext uri="{FF2B5EF4-FFF2-40B4-BE49-F238E27FC236}">
+                <a16:creationId xmlns:a16="http://schemas.microsoft.com/office/drawing/2014/main" id="{A4DA454D-BE38-149B-8A89-05DF3E284456}"/>
+              </a:ext>
+            </a:extLst>
+          </p:cNvPr>
+          <p:cNvSpPr>
+            <a:spLocks noGrp="1"/>
+          </p:cNvSpPr>
+          <p:nvPr>
+            <p:ph idx="1"/>
+          </p:nvPr>
+        </p:nvSpPr>
+        <p:spPr/>
+        <p:txBody>
+          <a:bodyPr/>
+          <a:lstStyle/>
+          <a:p>
+            <a:r>
+              <a:rPr lang="ru-RU" dirty="0"/>
+              <a:t>Фото </a:t>
+            </a:r>
+          </a:p>
+        </p:txBody>
+      </p:sp>
+      <p:pic>
+        <p:nvPicPr>
+          <p:cNvPr id="5" name="Рисунок 4">
+            <a:extLst>
+              <a:ext uri="{FF2B5EF4-FFF2-40B4-BE49-F238E27FC236}">
+                <a16:creationId xmlns:a16="http://schemas.microsoft.com/office/drawing/2014/main" id="{55A4B658-3CAB-45B7-95C3-5B94498B1E6D}"/>
+              </a:ext>
+            </a:extLst>
+          </p:cNvPr>
+          <p:cNvPicPr>
+            <a:picLocks noChangeAspect="1"/>
+          </p:cNvPicPr>
+          <p:nvPr/>
+        </p:nvPicPr>
+        <p:blipFill>
+          <a:blip r:embed="rId2">
+            <a:extLst>
+              <a:ext uri="{28A0092B-C50C-407E-A947-70E740481C1C}">
+                <a14:useLocalDpi xmlns:a14="http://schemas.microsoft.com/office/drawing/2010/main" val="0"/>
+              </a:ext>
+            </a:extLst>
+          </a:blip>
+          <a:stretch>
+            <a:fillRect/>
+          </a:stretch>
+        </p:blipFill>
+        <p:spPr>
+          <a:xfrm>
+            <a:off x="1778841" y="1500819"/>
+            <a:ext cx="7675877" cy="5437080"/>
+          </a:xfrm>
+          <a:prstGeom prst="rect">
+            <a:avLst/>
+          </a:prstGeom>
+        </p:spPr>
+      </p:pic>
+    </p:spTree>
+    <p:extLst>
+      <p:ext uri="{BB962C8B-B14F-4D97-AF65-F5344CB8AC3E}">
+        <p14:creationId xmlns:p14="http://schemas.microsoft.com/office/powerpoint/2010/main" val="1366416670"/>
+      </p:ext>
+    </p:extLst>
+  </p:cSld>
+  <p:clrMapOvr>
+    <a:masterClrMapping/>
+  </p:clrMapOvr>
+</p:sld>
+</file>
+
 <file path=ppt/theme/theme1.xml><?xml version="1.0" encoding="utf-8"?>
 <a:theme xmlns:a="http://schemas.openxmlformats.org/drawingml/2006/main" name="Office Theme">
   <a:themeElements>

--- a/КВЕСТ/Kvest 0504.pptx
+++ b/КВЕСТ/Kvest 0504.pptx
@@ -9,7 +9,8 @@
     <p:sldId id="259" r:id="rId3"/>
     <p:sldId id="260" r:id="rId4"/>
     <p:sldId id="261" r:id="rId5"/>
-    <p:sldId id="262" r:id="rId6"/>
+    <p:sldId id="264" r:id="rId6"/>
+    <p:sldId id="262" r:id="rId7"/>
   </p:sldIdLst>
   <p:sldSz cx="12192000" cy="6858000"/>
   <p:notesSz cx="6858000" cy="9144000"/>
@@ -3744,7 +3745,20 @@
           <a:bodyPr/>
           <a:lstStyle/>
           <a:p>
-            <a:endParaRPr lang="ru-RU"/>
+            <a:r>
+              <a:rPr lang="ru-RU" dirty="0"/>
+              <a:t>фото</a:t>
+            </a:r>
+            <a:r>
+              <a:rPr lang="en-US" dirty="0"/>
+              <a:t>- Ox</a:t>
+            </a:r>
+          </a:p>
+          <a:p>
+            <a:r>
+              <a:rPr lang="ru-RU" dirty="0"/>
+              <a:t>Верный ответ : теплица</a:t>
+            </a:r>
           </a:p>
         </p:txBody>
       </p:sp>
@@ -3783,6 +3797,523 @@
           <p:cNvPr id="2" name="Заголовок 1">
             <a:extLst>
               <a:ext uri="{FF2B5EF4-FFF2-40B4-BE49-F238E27FC236}">
+                <a16:creationId xmlns:a16="http://schemas.microsoft.com/office/drawing/2014/main" id="{87F6637F-21E0-21AB-7985-2335BE95653E}"/>
+              </a:ext>
+            </a:extLst>
+          </p:cNvPr>
+          <p:cNvSpPr>
+            <a:spLocks noGrp="1"/>
+          </p:cNvSpPr>
+          <p:nvPr>
+            <p:ph type="title"/>
+          </p:nvPr>
+        </p:nvSpPr>
+        <p:spPr>
+          <a:xfrm>
+            <a:off x="838200" y="365125"/>
+            <a:ext cx="10515600" cy="6009042"/>
+          </a:xfrm>
+        </p:spPr>
+        <p:txBody>
+          <a:bodyPr>
+            <a:noAutofit/>
+          </a:bodyPr>
+          <a:lstStyle/>
+          <a:p>
+            <a:pPr algn="ctr"/>
+            <a:br>
+              <a:rPr lang="ru-RU" sz="12000" b="1" cap="none" spc="0" dirty="0">
+                <a:ln w="22225">
+                  <a:solidFill>
+                    <a:schemeClr val="accent2"/>
+                  </a:solidFill>
+                  <a:prstDash val="solid"/>
+                </a:ln>
+                <a:solidFill>
+                  <a:schemeClr val="accent2">
+                    <a:lumMod val="40000"/>
+                    <a:lumOff val="60000"/>
+                  </a:schemeClr>
+                </a:solidFill>
+                <a:effectLst/>
+              </a:rPr>
+            </a:br>
+            <a:r>
+              <a:rPr lang="ru-RU" sz="14000" b="1" cap="none" spc="300" dirty="0">
+                <a:ln w="22225">
+                  <a:solidFill>
+                    <a:schemeClr val="accent2"/>
+                  </a:solidFill>
+                  <a:prstDash val="solid"/>
+                </a:ln>
+                <a:solidFill>
+                  <a:schemeClr val="accent2">
+                    <a:lumMod val="40000"/>
+                    <a:lumOff val="60000"/>
+                  </a:schemeClr>
+                </a:solidFill>
+                <a:effectLst>
+                  <a:outerShdw blurRad="38100" dist="38100" dir="2700000" algn="tl">
+                    <a:srgbClr val="000000">
+                      <a:alpha val="43137"/>
+                    </a:srgbClr>
+                  </a:outerShdw>
+                </a:effectLst>
+              </a:rPr>
+              <a:t>ГО</a:t>
+            </a:r>
+            <a:r>
+              <a:rPr lang="ru-RU" sz="14000" b="1" cap="none" spc="300" dirty="0">
+                <a:ln w="22225">
+                  <a:solidFill>
+                    <a:schemeClr val="accent2"/>
+                  </a:solidFill>
+                  <a:prstDash val="solid"/>
+                </a:ln>
+                <a:solidFill>
+                  <a:srgbClr val="7030A0"/>
+                </a:solidFill>
+                <a:effectLst>
+                  <a:outerShdw blurRad="38100" dist="38100" dir="2700000" algn="tl">
+                    <a:srgbClr val="000000">
+                      <a:alpha val="43137"/>
+                    </a:srgbClr>
+                  </a:outerShdw>
+                </a:effectLst>
+              </a:rPr>
+              <a:t>А</a:t>
+            </a:r>
+            <a:r>
+              <a:rPr lang="ru-RU" sz="14000" b="1" cap="none" spc="300" dirty="0">
+                <a:ln w="22225">
+                  <a:solidFill>
+                    <a:schemeClr val="accent2"/>
+                  </a:solidFill>
+                  <a:prstDash val="solid"/>
+                </a:ln>
+                <a:solidFill>
+                  <a:schemeClr val="accent2">
+                    <a:lumMod val="40000"/>
+                    <a:lumOff val="60000"/>
+                  </a:schemeClr>
+                </a:solidFill>
+                <a:effectLst>
+                  <a:outerShdw blurRad="38100" dist="38100" dir="2700000" algn="tl">
+                    <a:srgbClr val="000000">
+                      <a:alpha val="43137"/>
+                    </a:srgbClr>
+                  </a:outerShdw>
+                </a:effectLst>
+              </a:rPr>
+              <a:t>БМ</a:t>
+            </a:r>
+            <a:r>
+              <a:rPr lang="ru-RU" sz="14000" b="1" cap="none" spc="300" dirty="0">
+                <a:ln w="22225">
+                  <a:solidFill>
+                    <a:schemeClr val="accent2"/>
+                  </a:solidFill>
+                  <a:prstDash val="solid"/>
+                </a:ln>
+                <a:solidFill>
+                  <a:srgbClr val="FF9900"/>
+                </a:solidFill>
+                <a:effectLst>
+                  <a:outerShdw blurRad="38100" dist="38100" dir="2700000" algn="tl">
+                    <a:srgbClr val="000000">
+                      <a:alpha val="43137"/>
+                    </a:srgbClr>
+                  </a:outerShdw>
+                </a:effectLst>
+              </a:rPr>
+              <a:t>Е</a:t>
+            </a:r>
+            <a:r>
+              <a:rPr lang="ru-RU" sz="14000" b="1" cap="none" spc="300" dirty="0">
+                <a:ln w="22225">
+                  <a:solidFill>
+                    <a:schemeClr val="accent2"/>
+                  </a:solidFill>
+                  <a:prstDash val="solid"/>
+                </a:ln>
+                <a:solidFill>
+                  <a:schemeClr val="accent2">
+                    <a:lumMod val="40000"/>
+                    <a:lumOff val="60000"/>
+                  </a:schemeClr>
+                </a:solidFill>
+                <a:effectLst>
+                  <a:outerShdw blurRad="38100" dist="38100" dir="2700000" algn="tl">
+                    <a:srgbClr val="000000">
+                      <a:alpha val="43137"/>
+                    </a:srgbClr>
+                  </a:outerShdw>
+                </a:effectLst>
+              </a:rPr>
+              <a:t>СФ</a:t>
+            </a:r>
+            <a:br>
+              <a:rPr lang="ru-RU" sz="14000" b="1" cap="none" spc="300" dirty="0">
+                <a:ln w="22225">
+                  <a:solidFill>
+                    <a:schemeClr val="accent2"/>
+                  </a:solidFill>
+                  <a:prstDash val="solid"/>
+                </a:ln>
+                <a:solidFill>
+                  <a:schemeClr val="accent2">
+                    <a:lumMod val="40000"/>
+                    <a:lumOff val="60000"/>
+                  </a:schemeClr>
+                </a:solidFill>
+                <a:effectLst>
+                  <a:outerShdw blurRad="38100" dist="38100" dir="2700000" algn="tl">
+                    <a:srgbClr val="000000">
+                      <a:alpha val="43137"/>
+                    </a:srgbClr>
+                  </a:outerShdw>
+                </a:effectLst>
+              </a:rPr>
+            </a:br>
+            <a:r>
+              <a:rPr lang="ru-RU" sz="14000" b="1" cap="none" spc="300" dirty="0">
+                <a:ln w="22225">
+                  <a:solidFill>
+                    <a:schemeClr val="accent2"/>
+                  </a:solidFill>
+                  <a:prstDash val="solid"/>
+                </a:ln>
+                <a:solidFill>
+                  <a:schemeClr val="accent2">
+                    <a:lumMod val="40000"/>
+                    <a:lumOff val="60000"/>
+                  </a:schemeClr>
+                </a:solidFill>
+                <a:effectLst>
+                  <a:outerShdw blurRad="38100" dist="38100" dir="2700000" algn="tl">
+                    <a:srgbClr val="000000">
+                      <a:alpha val="43137"/>
+                    </a:srgbClr>
+                  </a:outerShdw>
+                </a:effectLst>
+              </a:rPr>
+              <a:t>З</a:t>
+            </a:r>
+            <a:r>
+              <a:rPr lang="ru-RU" sz="14000" b="1" cap="none" spc="300" dirty="0">
+                <a:ln w="22225">
+                  <a:solidFill>
+                    <a:schemeClr val="accent2"/>
+                  </a:solidFill>
+                  <a:prstDash val="solid"/>
+                </a:ln>
+                <a:solidFill>
+                  <a:srgbClr val="00B0F0"/>
+                </a:solidFill>
+                <a:effectLst>
+                  <a:outerShdw blurRad="38100" dist="38100" dir="2700000" algn="tl">
+                    <a:srgbClr val="000000">
+                      <a:alpha val="43137"/>
+                    </a:srgbClr>
+                  </a:outerShdw>
+                </a:effectLst>
+              </a:rPr>
+              <a:t>И</a:t>
+            </a:r>
+            <a:r>
+              <a:rPr lang="ru-RU" sz="14000" b="1" cap="none" spc="300" dirty="0">
+                <a:ln w="22225">
+                  <a:solidFill>
+                    <a:schemeClr val="accent2"/>
+                  </a:solidFill>
+                  <a:prstDash val="solid"/>
+                </a:ln>
+                <a:solidFill>
+                  <a:schemeClr val="accent2">
+                    <a:lumMod val="40000"/>
+                    <a:lumOff val="60000"/>
+                  </a:schemeClr>
+                </a:solidFill>
+                <a:effectLst>
+                  <a:outerShdw blurRad="38100" dist="38100" dir="2700000" algn="tl">
+                    <a:srgbClr val="000000">
+                      <a:alpha val="43137"/>
+                    </a:srgbClr>
+                  </a:outerShdw>
+                </a:effectLst>
+              </a:rPr>
+              <a:t>В</a:t>
+            </a:r>
+            <a:r>
+              <a:rPr lang="ru-RU" sz="14000" b="1" cap="none" spc="300" dirty="0">
+                <a:ln w="22225">
+                  <a:solidFill>
+                    <a:schemeClr val="accent2"/>
+                  </a:solidFill>
+                  <a:prstDash val="solid"/>
+                </a:ln>
+                <a:solidFill>
+                  <a:srgbClr val="00B050"/>
+                </a:solidFill>
+                <a:effectLst>
+                  <a:outerShdw blurRad="38100" dist="38100" dir="2700000" algn="tl">
+                    <a:srgbClr val="000000">
+                      <a:alpha val="43137"/>
+                    </a:srgbClr>
+                  </a:outerShdw>
+                </a:effectLst>
+              </a:rPr>
+              <a:t>Л</a:t>
+            </a:r>
+            <a:r>
+              <a:rPr lang="ru-RU" sz="14000" b="1" cap="none" spc="300" dirty="0">
+                <a:ln w="22225">
+                  <a:solidFill>
+                    <a:schemeClr val="accent2"/>
+                  </a:solidFill>
+                  <a:prstDash val="solid"/>
+                </a:ln>
+                <a:solidFill>
+                  <a:schemeClr val="accent2">
+                    <a:lumMod val="40000"/>
+                    <a:lumOff val="60000"/>
+                  </a:schemeClr>
+                </a:solidFill>
+                <a:effectLst>
+                  <a:outerShdw blurRad="38100" dist="38100" dir="2700000" algn="tl">
+                    <a:srgbClr val="000000">
+                      <a:alpha val="43137"/>
+                    </a:srgbClr>
+                  </a:outerShdw>
+                </a:effectLst>
+              </a:rPr>
+              <a:t>НД</a:t>
+            </a:r>
+            <a:r>
+              <a:rPr lang="ru-RU" sz="14000" b="1" cap="none" spc="300" dirty="0">
+                <a:ln w="22225">
+                  <a:solidFill>
+                    <a:schemeClr val="accent2"/>
+                  </a:solidFill>
+                  <a:prstDash val="solid"/>
+                </a:ln>
+                <a:solidFill>
+                  <a:srgbClr val="FFFF00"/>
+                </a:solidFill>
+                <a:effectLst>
+                  <a:outerShdw blurRad="38100" dist="38100" dir="2700000" algn="tl">
+                    <a:srgbClr val="000000">
+                      <a:alpha val="43137"/>
+                    </a:srgbClr>
+                  </a:outerShdw>
+                </a:effectLst>
+              </a:rPr>
+              <a:t>П</a:t>
+            </a:r>
+            <a:br>
+              <a:rPr lang="ru-RU" sz="14000" b="1" cap="none" spc="300" dirty="0">
+                <a:ln w="22225">
+                  <a:solidFill>
+                    <a:schemeClr val="accent2"/>
+                  </a:solidFill>
+                  <a:prstDash val="solid"/>
+                </a:ln>
+                <a:solidFill>
+                  <a:srgbClr val="FFFF00"/>
+                </a:solidFill>
+                <a:effectLst>
+                  <a:outerShdw blurRad="38100" dist="38100" dir="2700000" algn="tl">
+                    <a:srgbClr val="000000">
+                      <a:alpha val="43137"/>
+                    </a:srgbClr>
+                  </a:outerShdw>
+                </a:effectLst>
+              </a:rPr>
+            </a:br>
+            <a:r>
+              <a:rPr lang="ru-RU" sz="14000" b="1" cap="none" spc="300" dirty="0">
+                <a:ln w="22225">
+                  <a:solidFill>
+                    <a:schemeClr val="accent2"/>
+                  </a:solidFill>
+                  <a:prstDash val="solid"/>
+                </a:ln>
+                <a:solidFill>
+                  <a:schemeClr val="accent2">
+                    <a:lumMod val="40000"/>
+                    <a:lumOff val="60000"/>
+                  </a:schemeClr>
+                </a:solidFill>
+                <a:effectLst>
+                  <a:outerShdw blurRad="38100" dist="38100" dir="2700000" algn="tl">
+                    <a:srgbClr val="000000">
+                      <a:alpha val="43137"/>
+                    </a:srgbClr>
+                  </a:outerShdw>
+                </a:effectLst>
+              </a:rPr>
+              <a:t>РЖ</a:t>
+            </a:r>
+            <a:r>
+              <a:rPr lang="ru-RU" sz="14000" b="1" cap="none" spc="300" dirty="0">
+                <a:ln w="22225">
+                  <a:solidFill>
+                    <a:schemeClr val="accent2"/>
+                  </a:solidFill>
+                  <a:prstDash val="solid"/>
+                </a:ln>
+                <a:solidFill>
+                  <a:srgbClr val="FF0000"/>
+                </a:solidFill>
+                <a:effectLst>
+                  <a:outerShdw blurRad="38100" dist="38100" dir="2700000" algn="tl">
+                    <a:srgbClr val="000000">
+                      <a:alpha val="43137"/>
+                    </a:srgbClr>
+                  </a:outerShdw>
+                </a:effectLst>
+              </a:rPr>
+              <a:t>Т</a:t>
+            </a:r>
+            <a:r>
+              <a:rPr lang="ru-RU" sz="14000" b="1" cap="none" spc="300" dirty="0">
+                <a:ln w="22225">
+                  <a:solidFill>
+                    <a:schemeClr val="accent2"/>
+                  </a:solidFill>
+                  <a:prstDash val="solid"/>
+                </a:ln>
+                <a:solidFill>
+                  <a:schemeClr val="accent2">
+                    <a:lumMod val="40000"/>
+                    <a:lumOff val="60000"/>
+                  </a:schemeClr>
+                </a:solidFill>
+                <a:effectLst>
+                  <a:outerShdw blurRad="38100" dist="38100" dir="2700000" algn="tl">
+                    <a:srgbClr val="000000">
+                      <a:alpha val="43137"/>
+                    </a:srgbClr>
+                  </a:outerShdw>
+                </a:effectLst>
+              </a:rPr>
+              <a:t>УК</a:t>
+            </a:r>
+            <a:r>
+              <a:rPr lang="ru-RU" sz="14000" b="1" cap="none" spc="300" dirty="0">
+                <a:ln w="22225">
+                  <a:solidFill>
+                    <a:schemeClr val="accent2"/>
+                  </a:solidFill>
+                  <a:prstDash val="solid"/>
+                </a:ln>
+                <a:solidFill>
+                  <a:srgbClr val="002060"/>
+                </a:solidFill>
+                <a:effectLst>
+                  <a:outerShdw blurRad="38100" dist="38100" dir="2700000" algn="tl">
+                    <a:srgbClr val="000000">
+                      <a:alpha val="43137"/>
+                    </a:srgbClr>
+                  </a:outerShdw>
+                </a:effectLst>
+              </a:rPr>
+              <a:t>Ц</a:t>
+            </a:r>
+            <a:r>
+              <a:rPr lang="ru-RU" sz="14000" b="1" cap="none" spc="300" dirty="0">
+                <a:ln w="22225">
+                  <a:solidFill>
+                    <a:schemeClr val="accent2"/>
+                  </a:solidFill>
+                  <a:prstDash val="solid"/>
+                </a:ln>
+                <a:solidFill>
+                  <a:schemeClr val="accent2">
+                    <a:lumMod val="40000"/>
+                    <a:lumOff val="60000"/>
+                  </a:schemeClr>
+                </a:solidFill>
+                <a:effectLst>
+                  <a:outerShdw blurRad="38100" dist="38100" dir="2700000" algn="tl">
+                    <a:srgbClr val="000000">
+                      <a:alpha val="43137"/>
+                    </a:srgbClr>
+                  </a:outerShdw>
+                </a:effectLst>
+              </a:rPr>
+              <a:t>Х</a:t>
+            </a:r>
+            <a:br>
+              <a:rPr lang="ru-RU" sz="12000" b="1" cap="none" spc="300" dirty="0">
+                <a:ln w="22225">
+                  <a:solidFill>
+                    <a:schemeClr val="accent2"/>
+                  </a:solidFill>
+                  <a:prstDash val="solid"/>
+                </a:ln>
+                <a:solidFill>
+                  <a:schemeClr val="accent2">
+                    <a:lumMod val="40000"/>
+                    <a:lumOff val="60000"/>
+                  </a:schemeClr>
+                </a:solidFill>
+                <a:effectLst>
+                  <a:outerShdw blurRad="38100" dist="38100" dir="2700000" algn="tl">
+                    <a:srgbClr val="000000">
+                      <a:alpha val="43137"/>
+                    </a:srgbClr>
+                  </a:outerShdw>
+                </a:effectLst>
+              </a:rPr>
+            </a:br>
+            <a:endParaRPr lang="ru-RU" sz="12000" b="1" spc="300" dirty="0">
+              <a:effectLst>
+                <a:outerShdw blurRad="38100" dist="38100" dir="2700000" algn="tl">
+                  <a:srgbClr val="000000">
+                    <a:alpha val="43137"/>
+                  </a:srgbClr>
+                </a:outerShdw>
+              </a:effectLst>
+            </a:endParaRPr>
+          </a:p>
+        </p:txBody>
+      </p:sp>
+    </p:spTree>
+    <p:extLst>
+      <p:ext uri="{BB962C8B-B14F-4D97-AF65-F5344CB8AC3E}">
+        <p14:creationId xmlns:p14="http://schemas.microsoft.com/office/powerpoint/2010/main" val="37034714"/>
+      </p:ext>
+    </p:extLst>
+  </p:cSld>
+  <p:clrMapOvr>
+    <a:masterClrMapping/>
+  </p:clrMapOvr>
+</p:sld>
+</file>
+
+<file path=ppt/slides/slide6.xml><?xml version="1.0" encoding="utf-8"?>
+<p:sld xmlns:a="http://schemas.openxmlformats.org/drawingml/2006/main" xmlns:r="http://schemas.openxmlformats.org/officeDocument/2006/relationships" xmlns:p="http://schemas.openxmlformats.org/presentationml/2006/main">
+  <p:cSld>
+    <p:spTree>
+      <p:nvGrpSpPr>
+        <p:cNvPr id="1" name=""/>
+        <p:cNvGrpSpPr/>
+        <p:nvPr/>
+      </p:nvGrpSpPr>
+      <p:grpSpPr>
+        <a:xfrm>
+          <a:off x="0" y="0"/>
+          <a:ext cx="0" cy="0"/>
+          <a:chOff x="0" y="0"/>
+          <a:chExt cx="0" cy="0"/>
+        </a:xfrm>
+      </p:grpSpPr>
+      <p:sp>
+        <p:nvSpPr>
+          <p:cNvPr id="2" name="Заголовок 1">
+            <a:extLst>
+              <a:ext uri="{FF2B5EF4-FFF2-40B4-BE49-F238E27FC236}">
                 <a16:creationId xmlns:a16="http://schemas.microsoft.com/office/drawing/2014/main" id="{11F5FB1B-22C1-EAF4-9CAC-FF213577DFA6}"/>
               </a:ext>
             </a:extLst>
@@ -3794,20 +4325,20 @@
             <p:ph type="title"/>
           </p:nvPr>
         </p:nvSpPr>
-        <p:spPr/>
+        <p:spPr>
+          <a:xfrm>
+            <a:off x="838200" y="204187"/>
+            <a:ext cx="10515600" cy="1486502"/>
+          </a:xfrm>
+        </p:spPr>
         <p:txBody>
           <a:bodyPr/>
           <a:lstStyle/>
           <a:p>
             <a:r>
               <a:rPr lang="ru-RU" dirty="0"/>
-              <a:t>Введи </a:t>
-            </a:r>
-            <a:r>
-              <a:rPr lang="ru-RU"/>
-              <a:t>первые буквы слов</a:t>
-            </a:r>
-            <a:endParaRPr lang="ru-RU" dirty="0"/>
+              <a:t>Введи первые буквы слов</a:t>
+            </a:r>
           </a:p>
         </p:txBody>
       </p:sp>
@@ -3827,14 +4358,19 @@
             <p:ph idx="1"/>
           </p:nvPr>
         </p:nvSpPr>
-        <p:spPr/>
+        <p:spPr>
+          <a:xfrm>
+            <a:off x="838200" y="1287262"/>
+            <a:ext cx="10515600" cy="4889701"/>
+          </a:xfrm>
+        </p:spPr>
         <p:txBody>
           <a:bodyPr/>
           <a:lstStyle/>
           <a:p>
             <a:r>
               <a:rPr lang="ru-RU" dirty="0"/>
-              <a:t>Фото </a:t>
+              <a:t>Верный ответ : ВСЗ</a:t>
             </a:r>
           </a:p>
         </p:txBody>
@@ -3867,7 +4403,7 @@
         </p:blipFill>
         <p:spPr>
           <a:xfrm>
-            <a:off x="1778841" y="1500819"/>
+            <a:off x="1503633" y="1909192"/>
             <a:ext cx="7675877" cy="5437080"/>
           </a:xfrm>
           <a:prstGeom prst="rect">

--- a/КВЕСТ/Kvest 0504.pptx
+++ b/КВЕСТ/Kvest 0504.pptx
@@ -5,12 +5,12 @@
     <p:sldMasterId id="2147483648" r:id="rId1"/>
   </p:sldMasterIdLst>
   <p:sldIdLst>
-    <p:sldId id="258" r:id="rId2"/>
-    <p:sldId id="259" r:id="rId3"/>
-    <p:sldId id="260" r:id="rId4"/>
-    <p:sldId id="261" r:id="rId5"/>
-    <p:sldId id="264" r:id="rId6"/>
-    <p:sldId id="262" r:id="rId7"/>
+    <p:sldId id="259" r:id="rId2"/>
+    <p:sldId id="260" r:id="rId3"/>
+    <p:sldId id="261" r:id="rId4"/>
+    <p:sldId id="264" r:id="rId5"/>
+    <p:sldId id="262" r:id="rId6"/>
+    <p:sldId id="265" r:id="rId7"/>
   </p:sldIdLst>
   <p:sldSz cx="12192000" cy="6858000"/>
   <p:notesSz cx="6858000" cy="9144000"/>
@@ -3350,20 +3350,6 @@
 <file path=ppt/slides/slide1.xml><?xml version="1.0" encoding="utf-8"?>
 <p:sld xmlns:a="http://schemas.openxmlformats.org/drawingml/2006/main" xmlns:r="http://schemas.openxmlformats.org/officeDocument/2006/relationships" xmlns:p="http://schemas.openxmlformats.org/presentationml/2006/main">
   <p:cSld>
-    <p:bg>
-      <p:bgPr>
-        <a:blipFill dpi="0" rotWithShape="1">
-          <a:blip r:embed="rId2">
-            <a:lum/>
-          </a:blip>
-          <a:srcRect/>
-          <a:stretch>
-            <a:fillRect t="-9000" b="-9000"/>
-          </a:stretch>
-        </a:blipFill>
-        <a:effectLst/>
-      </p:bgPr>
-    </p:bg>
     <p:spTree>
       <p:nvGrpSpPr>
         <p:cNvPr id="1" name=""/>
@@ -3380,90 +3366,81 @@
       </p:grpSpPr>
       <p:sp>
         <p:nvSpPr>
-          <p:cNvPr id="2" name="Rectangle 1">
-            <a:extLst>
-              <a:ext uri="{FF2B5EF4-FFF2-40B4-BE49-F238E27FC236}">
-                <a16:creationId xmlns:a16="http://schemas.microsoft.com/office/drawing/2014/main" id="{198A0A7D-23AB-0BB3-F5C0-961BA305C098}"/>
-              </a:ext>
-            </a:extLst>
-          </p:cNvPr>
-          <p:cNvSpPr/>
-          <p:nvPr/>
-        </p:nvSpPr>
-        <p:spPr>
-          <a:xfrm>
-            <a:off x="0" y="0"/>
-            <a:ext cx="12192000" cy="6858000"/>
-          </a:xfrm>
-          <a:prstGeom prst="rect">
-            <a:avLst/>
-          </a:prstGeom>
-          <a:solidFill>
-            <a:schemeClr val="bg1"/>
-          </a:solidFill>
-          <a:ln>
-            <a:noFill/>
-          </a:ln>
-        </p:spPr>
-        <p:style>
-          <a:lnRef idx="2">
-            <a:schemeClr val="accent1">
-              <a:shade val="50000"/>
-            </a:schemeClr>
-          </a:lnRef>
-          <a:fillRef idx="1">
-            <a:schemeClr val="accent1"/>
-          </a:fillRef>
-          <a:effectRef idx="0">
-            <a:schemeClr val="accent1"/>
-          </a:effectRef>
-          <a:fontRef idx="minor">
-            <a:schemeClr val="lt1"/>
-          </a:fontRef>
-        </p:style>
-        <p:txBody>
-          <a:bodyPr rtlCol="0" anchor="ctr"/>
-          <a:lstStyle/>
-          <a:p>
-            <a:pPr algn="ctr"/>
-            <a:endParaRPr lang="ru-RU"/>
-          </a:p>
-        </p:txBody>
-      </p:sp>
-      <p:pic>
-        <p:nvPicPr>
-          <p:cNvPr id="6" name="Рисунок 5">
-            <a:extLst>
-              <a:ext uri="{FF2B5EF4-FFF2-40B4-BE49-F238E27FC236}">
-                <a16:creationId xmlns:a16="http://schemas.microsoft.com/office/drawing/2014/main" id="{56CAFCED-B77A-4AF0-CD23-D5777937021E}"/>
-              </a:ext>
-            </a:extLst>
-          </p:cNvPr>
-          <p:cNvPicPr>
-            <a:picLocks noChangeAspect="1"/>
-          </p:cNvPicPr>
-          <p:nvPr/>
-        </p:nvPicPr>
-        <p:blipFill>
-          <a:blip r:embed="rId3"/>
-          <a:stretch>
-            <a:fillRect/>
-          </a:stretch>
-        </p:blipFill>
-        <p:spPr>
-          <a:xfrm>
-            <a:off x="-346228" y="-693937"/>
-            <a:ext cx="12538228" cy="7551937"/>
-          </a:xfrm>
-          <a:prstGeom prst="rect">
-            <a:avLst/>
-          </a:prstGeom>
-        </p:spPr>
-      </p:pic>
+          <p:cNvPr id="2" name="Заголовок 1">
+            <a:extLst>
+              <a:ext uri="{FF2B5EF4-FFF2-40B4-BE49-F238E27FC236}">
+                <a16:creationId xmlns:a16="http://schemas.microsoft.com/office/drawing/2014/main" id="{4F43607C-E50F-DF94-67CB-EA5B5612E79A}"/>
+              </a:ext>
+            </a:extLst>
+          </p:cNvPr>
+          <p:cNvSpPr>
+            <a:spLocks noGrp="1"/>
+          </p:cNvSpPr>
+          <p:nvPr>
+            <p:ph type="ctrTitle"/>
+          </p:nvPr>
+        </p:nvSpPr>
+        <p:spPr/>
+        <p:txBody>
+          <a:bodyPr/>
+          <a:lstStyle/>
+          <a:p>
+            <a:r>
+              <a:rPr lang="ru-RU" dirty="0"/>
+              <a:t>Пусть ответит Саша</a:t>
+            </a:r>
+          </a:p>
+        </p:txBody>
+      </p:sp>
+      <p:sp>
+        <p:nvSpPr>
+          <p:cNvPr id="3" name="Подзаголовок 2">
+            <a:extLst>
+              <a:ext uri="{FF2B5EF4-FFF2-40B4-BE49-F238E27FC236}">
+                <a16:creationId xmlns:a16="http://schemas.microsoft.com/office/drawing/2014/main" id="{E263FEC9-5C45-A7E3-143A-930E02E71AAE}"/>
+              </a:ext>
+            </a:extLst>
+          </p:cNvPr>
+          <p:cNvSpPr>
+            <a:spLocks noGrp="1"/>
+          </p:cNvSpPr>
+          <p:nvPr>
+            <p:ph type="subTitle" idx="1"/>
+          </p:nvPr>
+        </p:nvSpPr>
+        <p:spPr/>
+        <p:txBody>
+          <a:bodyPr/>
+          <a:lstStyle/>
+          <a:p>
+            <a:r>
+              <a:rPr lang="ru-RU" dirty="0"/>
+              <a:t>Видео </a:t>
+            </a:r>
+            <a:r>
+              <a:rPr lang="en-US" dirty="0"/>
+              <a:t>Boy</a:t>
+            </a:r>
+          </a:p>
+          <a:p>
+            <a:r>
+              <a:rPr lang="ru-RU" dirty="0"/>
+              <a:t>Что ответил малыш?</a:t>
+            </a:r>
+            <a:endParaRPr lang="en-US" dirty="0"/>
+          </a:p>
+          <a:p>
+            <a:r>
+              <a:rPr lang="ru-RU" dirty="0"/>
+              <a:t>Верный ответ: в левом</a:t>
+            </a:r>
+          </a:p>
+        </p:txBody>
+      </p:sp>
     </p:spTree>
     <p:extLst>
       <p:ext uri="{BB962C8B-B14F-4D97-AF65-F5344CB8AC3E}">
-        <p14:creationId xmlns:p14="http://schemas.microsoft.com/office/powerpoint/2010/main" val="1369604881"/>
+        <p14:creationId xmlns:p14="http://schemas.microsoft.com/office/powerpoint/2010/main" val="1848217577"/>
       </p:ext>
     </p:extLst>
   </p:cSld>
@@ -3495,7 +3472,7 @@
           <p:cNvPr id="2" name="Заголовок 1">
             <a:extLst>
               <a:ext uri="{FF2B5EF4-FFF2-40B4-BE49-F238E27FC236}">
-                <a16:creationId xmlns:a16="http://schemas.microsoft.com/office/drawing/2014/main" id="{4F43607C-E50F-DF94-67CB-EA5B5612E79A}"/>
+                <a16:creationId xmlns:a16="http://schemas.microsoft.com/office/drawing/2014/main" id="{5FB3325E-9D6C-A28C-3F21-31F9BA99619D}"/>
               </a:ext>
             </a:extLst>
           </p:cNvPr>
@@ -3513,7 +3490,7 @@
           <a:p>
             <a:r>
               <a:rPr lang="ru-RU" dirty="0"/>
-              <a:t>Пусть ответит Саша</a:t>
+              <a:t>Кто поёт?</a:t>
             </a:r>
           </a:p>
         </p:txBody>
@@ -3523,7 +3500,7 @@
           <p:cNvPr id="3" name="Подзаголовок 2">
             <a:extLst>
               <a:ext uri="{FF2B5EF4-FFF2-40B4-BE49-F238E27FC236}">
-                <a16:creationId xmlns:a16="http://schemas.microsoft.com/office/drawing/2014/main" id="{E263FEC9-5C45-A7E3-143A-930E02E71AAE}"/>
+                <a16:creationId xmlns:a16="http://schemas.microsoft.com/office/drawing/2014/main" id="{36D6255F-32AA-040A-53A9-E17AEFA5B033}"/>
               </a:ext>
             </a:extLst>
           </p:cNvPr>
@@ -3538,6 +3515,12 @@
         <p:txBody>
           <a:bodyPr/>
           <a:lstStyle/>
+          <a:p>
+            <a:r>
+              <a:rPr lang="ru-RU" dirty="0"/>
+              <a:t>Введите имя</a:t>
+            </a:r>
+          </a:p>
           <a:p>
             <a:r>
               <a:rPr lang="ru-RU" dirty="0"/>
@@ -3545,20 +3528,14 @@
             </a:r>
             <a:r>
               <a:rPr lang="en-US" dirty="0"/>
-              <a:t>Boy</a:t>
-            </a:r>
+              <a:t>Who</a:t>
+            </a:r>
+            <a:endParaRPr lang="ru-RU" dirty="0"/>
           </a:p>
           <a:p>
             <a:r>
               <a:rPr lang="ru-RU" dirty="0"/>
-              <a:t>Что ответил малыш?</a:t>
-            </a:r>
-            <a:endParaRPr lang="en-US" dirty="0"/>
-          </a:p>
-          <a:p>
-            <a:r>
-              <a:rPr lang="ru-RU" dirty="0"/>
-              <a:t>Верный ответ: в левом</a:t>
+              <a:t>Верный ответ: Ляпис</a:t>
             </a:r>
           </a:p>
         </p:txBody>
@@ -3566,7 +3543,7 @@
     </p:spTree>
     <p:extLst>
       <p:ext uri="{BB962C8B-B14F-4D97-AF65-F5344CB8AC3E}">
-        <p14:creationId xmlns:p14="http://schemas.microsoft.com/office/powerpoint/2010/main" val="1848217577"/>
+        <p14:creationId xmlns:p14="http://schemas.microsoft.com/office/powerpoint/2010/main" val="461976653"/>
       </p:ext>
     </p:extLst>
   </p:cSld>
@@ -3598,109 +3575,6 @@
           <p:cNvPr id="2" name="Заголовок 1">
             <a:extLst>
               <a:ext uri="{FF2B5EF4-FFF2-40B4-BE49-F238E27FC236}">
-                <a16:creationId xmlns:a16="http://schemas.microsoft.com/office/drawing/2014/main" id="{5FB3325E-9D6C-A28C-3F21-31F9BA99619D}"/>
-              </a:ext>
-            </a:extLst>
-          </p:cNvPr>
-          <p:cNvSpPr>
-            <a:spLocks noGrp="1"/>
-          </p:cNvSpPr>
-          <p:nvPr>
-            <p:ph type="ctrTitle"/>
-          </p:nvPr>
-        </p:nvSpPr>
-        <p:spPr/>
-        <p:txBody>
-          <a:bodyPr/>
-          <a:lstStyle/>
-          <a:p>
-            <a:r>
-              <a:rPr lang="ru-RU" dirty="0"/>
-              <a:t>Кто поёт?</a:t>
-            </a:r>
-          </a:p>
-        </p:txBody>
-      </p:sp>
-      <p:sp>
-        <p:nvSpPr>
-          <p:cNvPr id="3" name="Подзаголовок 2">
-            <a:extLst>
-              <a:ext uri="{FF2B5EF4-FFF2-40B4-BE49-F238E27FC236}">
-                <a16:creationId xmlns:a16="http://schemas.microsoft.com/office/drawing/2014/main" id="{36D6255F-32AA-040A-53A9-E17AEFA5B033}"/>
-              </a:ext>
-            </a:extLst>
-          </p:cNvPr>
-          <p:cNvSpPr>
-            <a:spLocks noGrp="1"/>
-          </p:cNvSpPr>
-          <p:nvPr>
-            <p:ph type="subTitle" idx="1"/>
-          </p:nvPr>
-        </p:nvSpPr>
-        <p:spPr/>
-        <p:txBody>
-          <a:bodyPr/>
-          <a:lstStyle/>
-          <a:p>
-            <a:r>
-              <a:rPr lang="ru-RU" dirty="0"/>
-              <a:t>Введите имя</a:t>
-            </a:r>
-          </a:p>
-          <a:p>
-            <a:r>
-              <a:rPr lang="ru-RU" dirty="0"/>
-              <a:t>Видео </a:t>
-            </a:r>
-            <a:r>
-              <a:rPr lang="en-US" dirty="0"/>
-              <a:t>Who</a:t>
-            </a:r>
-            <a:endParaRPr lang="ru-RU" dirty="0"/>
-          </a:p>
-          <a:p>
-            <a:r>
-              <a:rPr lang="ru-RU" dirty="0"/>
-              <a:t>Верный ответ: Ляпис</a:t>
-            </a:r>
-          </a:p>
-        </p:txBody>
-      </p:sp>
-    </p:spTree>
-    <p:extLst>
-      <p:ext uri="{BB962C8B-B14F-4D97-AF65-F5344CB8AC3E}">
-        <p14:creationId xmlns:p14="http://schemas.microsoft.com/office/powerpoint/2010/main" val="461976653"/>
-      </p:ext>
-    </p:extLst>
-  </p:cSld>
-  <p:clrMapOvr>
-    <a:masterClrMapping/>
-  </p:clrMapOvr>
-</p:sld>
-</file>
-
-<file path=ppt/slides/slide4.xml><?xml version="1.0" encoding="utf-8"?>
-<p:sld xmlns:a="http://schemas.openxmlformats.org/drawingml/2006/main" xmlns:r="http://schemas.openxmlformats.org/officeDocument/2006/relationships" xmlns:p="http://schemas.openxmlformats.org/presentationml/2006/main">
-  <p:cSld>
-    <p:spTree>
-      <p:nvGrpSpPr>
-        <p:cNvPr id="1" name=""/>
-        <p:cNvGrpSpPr/>
-        <p:nvPr/>
-      </p:nvGrpSpPr>
-      <p:grpSpPr>
-        <a:xfrm>
-          <a:off x="0" y="0"/>
-          <a:ext cx="0" cy="0"/>
-          <a:chOff x="0" y="0"/>
-          <a:chExt cx="0" cy="0"/>
-        </a:xfrm>
-      </p:grpSpPr>
-      <p:sp>
-        <p:nvSpPr>
-          <p:cNvPr id="2" name="Заголовок 1">
-            <a:extLst>
-              <a:ext uri="{FF2B5EF4-FFF2-40B4-BE49-F238E27FC236}">
                 <a16:creationId xmlns:a16="http://schemas.microsoft.com/office/drawing/2014/main" id="{73E8ACFF-45E7-D84F-A7A8-28D43511CDCE}"/>
               </a:ext>
             </a:extLst>
@@ -3775,7 +3649,7 @@
 </p:sld>
 </file>
 
-<file path=ppt/slides/slide5.xml><?xml version="1.0" encoding="utf-8"?>
+<file path=ppt/slides/slide4.xml><?xml version="1.0" encoding="utf-8"?>
 <p:sld xmlns:a="http://schemas.openxmlformats.org/drawingml/2006/main" xmlns:r="http://schemas.openxmlformats.org/officeDocument/2006/relationships" xmlns:p="http://schemas.openxmlformats.org/presentationml/2006/main">
   <p:cSld>
     <p:spTree>
@@ -4292,7 +4166,7 @@
 </p:sld>
 </file>
 
-<file path=ppt/slides/slide6.xml><?xml version="1.0" encoding="utf-8"?>
+<file path=ppt/slides/slide5.xml><?xml version="1.0" encoding="utf-8"?>
 <p:sld xmlns:a="http://schemas.openxmlformats.org/drawingml/2006/main" xmlns:r="http://schemas.openxmlformats.org/officeDocument/2006/relationships" xmlns:p="http://schemas.openxmlformats.org/presentationml/2006/main">
   <p:cSld>
     <p:spTree>
@@ -4415,6 +4289,86 @@
     <p:extLst>
       <p:ext uri="{BB962C8B-B14F-4D97-AF65-F5344CB8AC3E}">
         <p14:creationId xmlns:p14="http://schemas.microsoft.com/office/powerpoint/2010/main" val="1366416670"/>
+      </p:ext>
+    </p:extLst>
+  </p:cSld>
+  <p:clrMapOvr>
+    <a:masterClrMapping/>
+  </p:clrMapOvr>
+</p:sld>
+</file>
+
+<file path=ppt/slides/slide6.xml><?xml version="1.0" encoding="utf-8"?>
+<p:sld xmlns:a="http://schemas.openxmlformats.org/drawingml/2006/main" xmlns:r="http://schemas.openxmlformats.org/officeDocument/2006/relationships" xmlns:p="http://schemas.openxmlformats.org/presentationml/2006/main">
+  <p:cSld>
+    <p:spTree>
+      <p:nvGrpSpPr>
+        <p:cNvPr id="1" name=""/>
+        <p:cNvGrpSpPr/>
+        <p:nvPr/>
+      </p:nvGrpSpPr>
+      <p:grpSpPr>
+        <a:xfrm>
+          <a:off x="0" y="0"/>
+          <a:ext cx="0" cy="0"/>
+          <a:chOff x="0" y="0"/>
+          <a:chExt cx="0" cy="0"/>
+        </a:xfrm>
+      </p:grpSpPr>
+      <p:sp>
+        <p:nvSpPr>
+          <p:cNvPr id="2" name="Заголовок 1">
+            <a:extLst>
+              <a:ext uri="{FF2B5EF4-FFF2-40B4-BE49-F238E27FC236}">
+                <a16:creationId xmlns:a16="http://schemas.microsoft.com/office/drawing/2014/main" id="{6860B2BE-212D-DC8E-21EC-82A838AEFAFF}"/>
+              </a:ext>
+            </a:extLst>
+          </p:cNvPr>
+          <p:cNvSpPr>
+            <a:spLocks noGrp="1"/>
+          </p:cNvSpPr>
+          <p:nvPr>
+            <p:ph type="title"/>
+          </p:nvPr>
+        </p:nvSpPr>
+        <p:spPr/>
+        <p:txBody>
+          <a:bodyPr/>
+          <a:lstStyle/>
+          <a:p>
+            <a:endParaRPr lang="ru-RU"/>
+          </a:p>
+        </p:txBody>
+      </p:sp>
+      <p:sp>
+        <p:nvSpPr>
+          <p:cNvPr id="3" name="Объект 2">
+            <a:extLst>
+              <a:ext uri="{FF2B5EF4-FFF2-40B4-BE49-F238E27FC236}">
+                <a16:creationId xmlns:a16="http://schemas.microsoft.com/office/drawing/2014/main" id="{AE832EDE-85E1-1FE4-A123-78AC3D4F5693}"/>
+              </a:ext>
+            </a:extLst>
+          </p:cNvPr>
+          <p:cNvSpPr>
+            <a:spLocks noGrp="1"/>
+          </p:cNvSpPr>
+          <p:nvPr>
+            <p:ph idx="1"/>
+          </p:nvPr>
+        </p:nvSpPr>
+        <p:spPr/>
+        <p:txBody>
+          <a:bodyPr/>
+          <a:lstStyle/>
+          <a:p>
+            <a:endParaRPr lang="ru-RU"/>
+          </a:p>
+        </p:txBody>
+      </p:sp>
+    </p:spTree>
+    <p:extLst>
+      <p:ext uri="{BB962C8B-B14F-4D97-AF65-F5344CB8AC3E}">
+        <p14:creationId xmlns:p14="http://schemas.microsoft.com/office/powerpoint/2010/main" val="1641110879"/>
       </p:ext>
     </p:extLst>
   </p:cSld>

--- a/КВЕСТ/Kvest 0504.pptx
+++ b/КВЕСТ/Kvest 0504.pptx
@@ -5,12 +5,13 @@
     <p:sldMasterId id="2147483648" r:id="rId1"/>
   </p:sldMasterIdLst>
   <p:sldIdLst>
-    <p:sldId id="259" r:id="rId2"/>
+    <p:sldId id="266" r:id="rId2"/>
     <p:sldId id="260" r:id="rId3"/>
-    <p:sldId id="261" r:id="rId4"/>
-    <p:sldId id="264" r:id="rId5"/>
-    <p:sldId id="262" r:id="rId6"/>
-    <p:sldId id="265" r:id="rId7"/>
+    <p:sldId id="259" r:id="rId4"/>
+    <p:sldId id="261" r:id="rId5"/>
+    <p:sldId id="264" r:id="rId6"/>
+    <p:sldId id="262" r:id="rId7"/>
+    <p:sldId id="265" r:id="rId8"/>
   </p:sldIdLst>
   <p:sldSz cx="12192000" cy="6858000"/>
   <p:notesSz cx="6858000" cy="9144000"/>
@@ -278,7 +279,7 @@
           <a:p>
             <a:fld id="{4B97895D-DA35-40F5-989A-72840795F350}" type="datetimeFigureOut">
               <a:rPr lang="ru-RU" smtClean="0"/>
-              <a:t>22.03.2024</a:t>
+              <a:t>23.03.2024</a:t>
             </a:fld>
             <a:endParaRPr lang="ru-RU"/>
           </a:p>
@@ -478,7 +479,7 @@
           <a:p>
             <a:fld id="{4B97895D-DA35-40F5-989A-72840795F350}" type="datetimeFigureOut">
               <a:rPr lang="ru-RU" smtClean="0"/>
-              <a:t>22.03.2024</a:t>
+              <a:t>23.03.2024</a:t>
             </a:fld>
             <a:endParaRPr lang="ru-RU"/>
           </a:p>
@@ -688,7 +689,7 @@
           <a:p>
             <a:fld id="{4B97895D-DA35-40F5-989A-72840795F350}" type="datetimeFigureOut">
               <a:rPr lang="ru-RU" smtClean="0"/>
-              <a:t>22.03.2024</a:t>
+              <a:t>23.03.2024</a:t>
             </a:fld>
             <a:endParaRPr lang="ru-RU"/>
           </a:p>
@@ -888,7 +889,7 @@
           <a:p>
             <a:fld id="{4B97895D-DA35-40F5-989A-72840795F350}" type="datetimeFigureOut">
               <a:rPr lang="ru-RU" smtClean="0"/>
-              <a:t>22.03.2024</a:t>
+              <a:t>23.03.2024</a:t>
             </a:fld>
             <a:endParaRPr lang="ru-RU"/>
           </a:p>
@@ -1164,7 +1165,7 @@
           <a:p>
             <a:fld id="{4B97895D-DA35-40F5-989A-72840795F350}" type="datetimeFigureOut">
               <a:rPr lang="ru-RU" smtClean="0"/>
-              <a:t>22.03.2024</a:t>
+              <a:t>23.03.2024</a:t>
             </a:fld>
             <a:endParaRPr lang="ru-RU"/>
           </a:p>
@@ -1432,7 +1433,7 @@
           <a:p>
             <a:fld id="{4B97895D-DA35-40F5-989A-72840795F350}" type="datetimeFigureOut">
               <a:rPr lang="ru-RU" smtClean="0"/>
-              <a:t>22.03.2024</a:t>
+              <a:t>23.03.2024</a:t>
             </a:fld>
             <a:endParaRPr lang="ru-RU"/>
           </a:p>
@@ -1847,7 +1848,7 @@
           <a:p>
             <a:fld id="{4B97895D-DA35-40F5-989A-72840795F350}" type="datetimeFigureOut">
               <a:rPr lang="ru-RU" smtClean="0"/>
-              <a:t>22.03.2024</a:t>
+              <a:t>23.03.2024</a:t>
             </a:fld>
             <a:endParaRPr lang="ru-RU"/>
           </a:p>
@@ -1989,7 +1990,7 @@
           <a:p>
             <a:fld id="{4B97895D-DA35-40F5-989A-72840795F350}" type="datetimeFigureOut">
               <a:rPr lang="ru-RU" smtClean="0"/>
-              <a:t>22.03.2024</a:t>
+              <a:t>23.03.2024</a:t>
             </a:fld>
             <a:endParaRPr lang="ru-RU"/>
           </a:p>
@@ -2102,7 +2103,7 @@
           <a:p>
             <a:fld id="{4B97895D-DA35-40F5-989A-72840795F350}" type="datetimeFigureOut">
               <a:rPr lang="ru-RU" smtClean="0"/>
-              <a:t>22.03.2024</a:t>
+              <a:t>23.03.2024</a:t>
             </a:fld>
             <a:endParaRPr lang="ru-RU"/>
           </a:p>
@@ -2415,7 +2416,7 @@
           <a:p>
             <a:fld id="{4B97895D-DA35-40F5-989A-72840795F350}" type="datetimeFigureOut">
               <a:rPr lang="ru-RU" smtClean="0"/>
-              <a:t>22.03.2024</a:t>
+              <a:t>23.03.2024</a:t>
             </a:fld>
             <a:endParaRPr lang="ru-RU"/>
           </a:p>
@@ -2704,7 +2705,7 @@
           <a:p>
             <a:fld id="{4B97895D-DA35-40F5-989A-72840795F350}" type="datetimeFigureOut">
               <a:rPr lang="ru-RU" smtClean="0"/>
-              <a:t>22.03.2024</a:t>
+              <a:t>23.03.2024</a:t>
             </a:fld>
             <a:endParaRPr lang="ru-RU"/>
           </a:p>
@@ -2947,7 +2948,7 @@
           <a:p>
             <a:fld id="{4B97895D-DA35-40F5-989A-72840795F350}" type="datetimeFigureOut">
               <a:rPr lang="ru-RU" smtClean="0"/>
-              <a:t>22.03.2024</a:t>
+              <a:t>23.03.2024</a:t>
             </a:fld>
             <a:endParaRPr lang="ru-RU"/>
           </a:p>
@@ -3369,15 +3370,15 @@
           <p:cNvPr id="2" name="Заголовок 1">
             <a:extLst>
               <a:ext uri="{FF2B5EF4-FFF2-40B4-BE49-F238E27FC236}">
-                <a16:creationId xmlns:a16="http://schemas.microsoft.com/office/drawing/2014/main" id="{4F43607C-E50F-DF94-67CB-EA5B5612E79A}"/>
-              </a:ext>
-            </a:extLst>
-          </p:cNvPr>
-          <p:cNvSpPr>
-            <a:spLocks noGrp="1"/>
-          </p:cNvSpPr>
-          <p:nvPr>
-            <p:ph type="ctrTitle"/>
+                <a16:creationId xmlns:a16="http://schemas.microsoft.com/office/drawing/2014/main" id="{7D793F2D-155C-A215-F675-2DA2F1D28D18}"/>
+              </a:ext>
+            </a:extLst>
+          </p:cNvPr>
+          <p:cNvSpPr>
+            <a:spLocks noGrp="1"/>
+          </p:cNvSpPr>
+          <p:nvPr>
+            <p:ph type="title"/>
           </p:nvPr>
         </p:nvSpPr>
         <p:spPr/>
@@ -3387,60 +3388,85 @@
           <a:p>
             <a:r>
               <a:rPr lang="ru-RU" dirty="0"/>
-              <a:t>Пусть ответит Саша</a:t>
-            </a:r>
-          </a:p>
-        </p:txBody>
-      </p:sp>
-      <p:sp>
-        <p:nvSpPr>
-          <p:cNvPr id="3" name="Подзаголовок 2">
-            <a:extLst>
-              <a:ext uri="{FF2B5EF4-FFF2-40B4-BE49-F238E27FC236}">
-                <a16:creationId xmlns:a16="http://schemas.microsoft.com/office/drawing/2014/main" id="{E263FEC9-5C45-A7E3-143A-930E02E71AAE}"/>
-              </a:ext>
-            </a:extLst>
-          </p:cNvPr>
-          <p:cNvSpPr>
-            <a:spLocks noGrp="1"/>
-          </p:cNvSpPr>
-          <p:nvPr>
-            <p:ph type="subTitle" idx="1"/>
-          </p:nvPr>
-        </p:nvSpPr>
-        <p:spPr/>
-        <p:txBody>
-          <a:bodyPr/>
-          <a:lstStyle/>
-          <a:p>
+              <a:t>ПОЗДРАВЛЯЕМ НАШУ ИМЕНИННИЦУ</a:t>
+            </a:r>
+          </a:p>
+        </p:txBody>
+      </p:sp>
+      <p:sp>
+        <p:nvSpPr>
+          <p:cNvPr id="3" name="Прямоугольник 2">
+            <a:extLst>
+              <a:ext uri="{FF2B5EF4-FFF2-40B4-BE49-F238E27FC236}">
+                <a16:creationId xmlns:a16="http://schemas.microsoft.com/office/drawing/2014/main" id="{80DA47D9-8503-E414-80EC-B2D80573FB54}"/>
+              </a:ext>
+            </a:extLst>
+          </p:cNvPr>
+          <p:cNvSpPr/>
+          <p:nvPr/>
+        </p:nvSpPr>
+        <p:spPr>
+          <a:xfrm>
+            <a:off x="1455938" y="2263806"/>
+            <a:ext cx="8753382" cy="3799643"/>
+          </a:xfrm>
+          <a:prstGeom prst="rect">
+            <a:avLst/>
+          </a:prstGeom>
+        </p:spPr>
+        <p:style>
+          <a:lnRef idx="2">
+            <a:schemeClr val="accent1">
+              <a:shade val="50000"/>
+            </a:schemeClr>
+          </a:lnRef>
+          <a:fillRef idx="1">
+            <a:schemeClr val="accent1"/>
+          </a:fillRef>
+          <a:effectRef idx="0">
+            <a:schemeClr val="accent1"/>
+          </a:effectRef>
+          <a:fontRef idx="minor">
+            <a:schemeClr val="lt1"/>
+          </a:fontRef>
+        </p:style>
+        <p:txBody>
+          <a:bodyPr rtlCol="0" anchor="ctr"/>
+          <a:lstStyle/>
+          <a:p>
+            <a:pPr algn="ctr"/>
             <a:r>
               <a:rPr lang="ru-RU" dirty="0"/>
-              <a:t>Видео </a:t>
+              <a:t>Собери </a:t>
+            </a:r>
+            <a:r>
+              <a:rPr lang="ru-RU" dirty="0" err="1"/>
+              <a:t>пазл</a:t>
+            </a:r>
+            <a:endParaRPr lang="ru-RU" dirty="0"/>
+          </a:p>
+          <a:p>
+            <a:pPr algn="ctr"/>
+            <a:r>
+              <a:rPr lang="ru-RU" dirty="0"/>
+              <a:t>Файл </a:t>
+            </a:r>
+            <a:r>
+              <a:rPr lang="en-US" dirty="0" err="1"/>
+              <a:t>Pazl</a:t>
             </a:r>
             <a:r>
               <a:rPr lang="en-US" dirty="0"/>
-              <a:t>Boy</a:t>
-            </a:r>
-          </a:p>
-          <a:p>
-            <a:r>
-              <a:rPr lang="ru-RU" dirty="0"/>
-              <a:t>Что ответил малыш?</a:t>
-            </a:r>
-            <a:endParaRPr lang="en-US" dirty="0"/>
-          </a:p>
-          <a:p>
-            <a:r>
-              <a:rPr lang="ru-RU" dirty="0"/>
-              <a:t>Верный ответ: в левом</a:t>
-            </a:r>
+              <a:t> L</a:t>
+            </a:r>
+            <a:endParaRPr lang="ru-RU" dirty="0"/>
           </a:p>
         </p:txBody>
       </p:sp>
     </p:spTree>
     <p:extLst>
       <p:ext uri="{BB962C8B-B14F-4D97-AF65-F5344CB8AC3E}">
-        <p14:creationId xmlns:p14="http://schemas.microsoft.com/office/powerpoint/2010/main" val="1848217577"/>
+        <p14:creationId xmlns:p14="http://schemas.microsoft.com/office/powerpoint/2010/main" val="3231727173"/>
       </p:ext>
     </p:extLst>
   </p:cSld>
@@ -3575,6 +3601,109 @@
           <p:cNvPr id="2" name="Заголовок 1">
             <a:extLst>
               <a:ext uri="{FF2B5EF4-FFF2-40B4-BE49-F238E27FC236}">
+                <a16:creationId xmlns:a16="http://schemas.microsoft.com/office/drawing/2014/main" id="{4F43607C-E50F-DF94-67CB-EA5B5612E79A}"/>
+              </a:ext>
+            </a:extLst>
+          </p:cNvPr>
+          <p:cNvSpPr>
+            <a:spLocks noGrp="1"/>
+          </p:cNvSpPr>
+          <p:nvPr>
+            <p:ph type="ctrTitle"/>
+          </p:nvPr>
+        </p:nvSpPr>
+        <p:spPr/>
+        <p:txBody>
+          <a:bodyPr/>
+          <a:lstStyle/>
+          <a:p>
+            <a:r>
+              <a:rPr lang="ru-RU" dirty="0"/>
+              <a:t>Пусть ответит Саша</a:t>
+            </a:r>
+          </a:p>
+        </p:txBody>
+      </p:sp>
+      <p:sp>
+        <p:nvSpPr>
+          <p:cNvPr id="3" name="Подзаголовок 2">
+            <a:extLst>
+              <a:ext uri="{FF2B5EF4-FFF2-40B4-BE49-F238E27FC236}">
+                <a16:creationId xmlns:a16="http://schemas.microsoft.com/office/drawing/2014/main" id="{E263FEC9-5C45-A7E3-143A-930E02E71AAE}"/>
+              </a:ext>
+            </a:extLst>
+          </p:cNvPr>
+          <p:cNvSpPr>
+            <a:spLocks noGrp="1"/>
+          </p:cNvSpPr>
+          <p:nvPr>
+            <p:ph type="subTitle" idx="1"/>
+          </p:nvPr>
+        </p:nvSpPr>
+        <p:spPr/>
+        <p:txBody>
+          <a:bodyPr/>
+          <a:lstStyle/>
+          <a:p>
+            <a:r>
+              <a:rPr lang="ru-RU" dirty="0"/>
+              <a:t>Видео </a:t>
+            </a:r>
+            <a:r>
+              <a:rPr lang="en-US" dirty="0"/>
+              <a:t>Boy</a:t>
+            </a:r>
+          </a:p>
+          <a:p>
+            <a:r>
+              <a:rPr lang="ru-RU" dirty="0"/>
+              <a:t>Что ответил малыш?</a:t>
+            </a:r>
+            <a:endParaRPr lang="en-US" dirty="0"/>
+          </a:p>
+          <a:p>
+            <a:r>
+              <a:rPr lang="ru-RU" dirty="0"/>
+              <a:t>Верный ответ: в левом</a:t>
+            </a:r>
+          </a:p>
+        </p:txBody>
+      </p:sp>
+    </p:spTree>
+    <p:extLst>
+      <p:ext uri="{BB962C8B-B14F-4D97-AF65-F5344CB8AC3E}">
+        <p14:creationId xmlns:p14="http://schemas.microsoft.com/office/powerpoint/2010/main" val="1848217577"/>
+      </p:ext>
+    </p:extLst>
+  </p:cSld>
+  <p:clrMapOvr>
+    <a:masterClrMapping/>
+  </p:clrMapOvr>
+</p:sld>
+</file>
+
+<file path=ppt/slides/slide4.xml><?xml version="1.0" encoding="utf-8"?>
+<p:sld xmlns:a="http://schemas.openxmlformats.org/drawingml/2006/main" xmlns:r="http://schemas.openxmlformats.org/officeDocument/2006/relationships" xmlns:p="http://schemas.openxmlformats.org/presentationml/2006/main">
+  <p:cSld>
+    <p:spTree>
+      <p:nvGrpSpPr>
+        <p:cNvPr id="1" name=""/>
+        <p:cNvGrpSpPr/>
+        <p:nvPr/>
+      </p:nvGrpSpPr>
+      <p:grpSpPr>
+        <a:xfrm>
+          <a:off x="0" y="0"/>
+          <a:ext cx="0" cy="0"/>
+          <a:chOff x="0" y="0"/>
+          <a:chExt cx="0" cy="0"/>
+        </a:xfrm>
+      </p:grpSpPr>
+      <p:sp>
+        <p:nvSpPr>
+          <p:cNvPr id="2" name="Заголовок 1">
+            <a:extLst>
+              <a:ext uri="{FF2B5EF4-FFF2-40B4-BE49-F238E27FC236}">
                 <a16:creationId xmlns:a16="http://schemas.microsoft.com/office/drawing/2014/main" id="{73E8ACFF-45E7-D84F-A7A8-28D43511CDCE}"/>
               </a:ext>
             </a:extLst>
@@ -3649,7 +3778,7 @@
 </p:sld>
 </file>
 
-<file path=ppt/slides/slide4.xml><?xml version="1.0" encoding="utf-8"?>
+<file path=ppt/slides/slide5.xml><?xml version="1.0" encoding="utf-8"?>
 <p:sld xmlns:a="http://schemas.openxmlformats.org/drawingml/2006/main" xmlns:r="http://schemas.openxmlformats.org/officeDocument/2006/relationships" xmlns:p="http://schemas.openxmlformats.org/presentationml/2006/main">
   <p:cSld>
     <p:spTree>
@@ -4166,7 +4295,7 @@
 </p:sld>
 </file>
 
-<file path=ppt/slides/slide5.xml><?xml version="1.0" encoding="utf-8"?>
+<file path=ppt/slides/slide6.xml><?xml version="1.0" encoding="utf-8"?>
 <p:sld xmlns:a="http://schemas.openxmlformats.org/drawingml/2006/main" xmlns:r="http://schemas.openxmlformats.org/officeDocument/2006/relationships" xmlns:p="http://schemas.openxmlformats.org/presentationml/2006/main">
   <p:cSld>
     <p:spTree>
@@ -4298,7 +4427,7 @@
 </p:sld>
 </file>
 
-<file path=ppt/slides/slide6.xml><?xml version="1.0" encoding="utf-8"?>
+<file path=ppt/slides/slide7.xml><?xml version="1.0" encoding="utf-8"?>
 <p:sld xmlns:a="http://schemas.openxmlformats.org/drawingml/2006/main" xmlns:r="http://schemas.openxmlformats.org/officeDocument/2006/relationships" xmlns:p="http://schemas.openxmlformats.org/presentationml/2006/main">
   <p:cSld>
     <p:spTree>

--- a/КВЕСТ/Kvest 0504.pptx
+++ b/КВЕСТ/Kvest 0504.pptx
@@ -6,12 +6,16 @@
   </p:sldMasterIdLst>
   <p:sldIdLst>
     <p:sldId id="266" r:id="rId2"/>
-    <p:sldId id="260" r:id="rId3"/>
-    <p:sldId id="259" r:id="rId4"/>
-    <p:sldId id="261" r:id="rId5"/>
-    <p:sldId id="264" r:id="rId6"/>
-    <p:sldId id="262" r:id="rId7"/>
-    <p:sldId id="265" r:id="rId8"/>
+    <p:sldId id="267" r:id="rId3"/>
+    <p:sldId id="269" r:id="rId4"/>
+    <p:sldId id="270" r:id="rId5"/>
+    <p:sldId id="271" r:id="rId6"/>
+    <p:sldId id="273" r:id="rId7"/>
+    <p:sldId id="260" r:id="rId8"/>
+    <p:sldId id="261" r:id="rId9"/>
+    <p:sldId id="264" r:id="rId10"/>
+    <p:sldId id="259" r:id="rId11"/>
+    <p:sldId id="262" r:id="rId12"/>
   </p:sldIdLst>
   <p:sldSz cx="12192000" cy="6858000"/>
   <p:notesSz cx="6858000" cy="9144000"/>
@@ -279,7 +283,7 @@
           <a:p>
             <a:fld id="{4B97895D-DA35-40F5-989A-72840795F350}" type="datetimeFigureOut">
               <a:rPr lang="ru-RU" smtClean="0"/>
-              <a:t>23.03.2024</a:t>
+              <a:t>24.03.2024</a:t>
             </a:fld>
             <a:endParaRPr lang="ru-RU"/>
           </a:p>
@@ -479,7 +483,7 @@
           <a:p>
             <a:fld id="{4B97895D-DA35-40F5-989A-72840795F350}" type="datetimeFigureOut">
               <a:rPr lang="ru-RU" smtClean="0"/>
-              <a:t>23.03.2024</a:t>
+              <a:t>24.03.2024</a:t>
             </a:fld>
             <a:endParaRPr lang="ru-RU"/>
           </a:p>
@@ -689,7 +693,7 @@
           <a:p>
             <a:fld id="{4B97895D-DA35-40F5-989A-72840795F350}" type="datetimeFigureOut">
               <a:rPr lang="ru-RU" smtClean="0"/>
-              <a:t>23.03.2024</a:t>
+              <a:t>24.03.2024</a:t>
             </a:fld>
             <a:endParaRPr lang="ru-RU"/>
           </a:p>
@@ -889,7 +893,7 @@
           <a:p>
             <a:fld id="{4B97895D-DA35-40F5-989A-72840795F350}" type="datetimeFigureOut">
               <a:rPr lang="ru-RU" smtClean="0"/>
-              <a:t>23.03.2024</a:t>
+              <a:t>24.03.2024</a:t>
             </a:fld>
             <a:endParaRPr lang="ru-RU"/>
           </a:p>
@@ -1165,7 +1169,7 @@
           <a:p>
             <a:fld id="{4B97895D-DA35-40F5-989A-72840795F350}" type="datetimeFigureOut">
               <a:rPr lang="ru-RU" smtClean="0"/>
-              <a:t>23.03.2024</a:t>
+              <a:t>24.03.2024</a:t>
             </a:fld>
             <a:endParaRPr lang="ru-RU"/>
           </a:p>
@@ -1433,7 +1437,7 @@
           <a:p>
             <a:fld id="{4B97895D-DA35-40F5-989A-72840795F350}" type="datetimeFigureOut">
               <a:rPr lang="ru-RU" smtClean="0"/>
-              <a:t>23.03.2024</a:t>
+              <a:t>24.03.2024</a:t>
             </a:fld>
             <a:endParaRPr lang="ru-RU"/>
           </a:p>
@@ -1848,7 +1852,7 @@
           <a:p>
             <a:fld id="{4B97895D-DA35-40F5-989A-72840795F350}" type="datetimeFigureOut">
               <a:rPr lang="ru-RU" smtClean="0"/>
-              <a:t>23.03.2024</a:t>
+              <a:t>24.03.2024</a:t>
             </a:fld>
             <a:endParaRPr lang="ru-RU"/>
           </a:p>
@@ -1990,7 +1994,7 @@
           <a:p>
             <a:fld id="{4B97895D-DA35-40F5-989A-72840795F350}" type="datetimeFigureOut">
               <a:rPr lang="ru-RU" smtClean="0"/>
-              <a:t>23.03.2024</a:t>
+              <a:t>24.03.2024</a:t>
             </a:fld>
             <a:endParaRPr lang="ru-RU"/>
           </a:p>
@@ -2103,7 +2107,7 @@
           <a:p>
             <a:fld id="{4B97895D-DA35-40F5-989A-72840795F350}" type="datetimeFigureOut">
               <a:rPr lang="ru-RU" smtClean="0"/>
-              <a:t>23.03.2024</a:t>
+              <a:t>24.03.2024</a:t>
             </a:fld>
             <a:endParaRPr lang="ru-RU"/>
           </a:p>
@@ -2416,7 +2420,7 @@
           <a:p>
             <a:fld id="{4B97895D-DA35-40F5-989A-72840795F350}" type="datetimeFigureOut">
               <a:rPr lang="ru-RU" smtClean="0"/>
-              <a:t>23.03.2024</a:t>
+              <a:t>24.03.2024</a:t>
             </a:fld>
             <a:endParaRPr lang="ru-RU"/>
           </a:p>
@@ -2705,7 +2709,7 @@
           <a:p>
             <a:fld id="{4B97895D-DA35-40F5-989A-72840795F350}" type="datetimeFigureOut">
               <a:rPr lang="ru-RU" smtClean="0"/>
-              <a:t>23.03.2024</a:t>
+              <a:t>24.03.2024</a:t>
             </a:fld>
             <a:endParaRPr lang="ru-RU"/>
           </a:p>
@@ -2948,7 +2952,7 @@
           <a:p>
             <a:fld id="{4B97895D-DA35-40F5-989A-72840795F350}" type="datetimeFigureOut">
               <a:rPr lang="ru-RU" smtClean="0"/>
-              <a:t>23.03.2024</a:t>
+              <a:t>24.03.2024</a:t>
             </a:fld>
             <a:endParaRPr lang="ru-RU"/>
           </a:p>
@@ -3476,6 +3480,241 @@
 </p:sld>
 </file>
 
+<file path=ppt/slides/slide10.xml><?xml version="1.0" encoding="utf-8"?>
+<p:sld xmlns:a="http://schemas.openxmlformats.org/drawingml/2006/main" xmlns:r="http://schemas.openxmlformats.org/officeDocument/2006/relationships" xmlns:p="http://schemas.openxmlformats.org/presentationml/2006/main">
+  <p:cSld>
+    <p:spTree>
+      <p:nvGrpSpPr>
+        <p:cNvPr id="1" name=""/>
+        <p:cNvGrpSpPr/>
+        <p:nvPr/>
+      </p:nvGrpSpPr>
+      <p:grpSpPr>
+        <a:xfrm>
+          <a:off x="0" y="0"/>
+          <a:ext cx="0" cy="0"/>
+          <a:chOff x="0" y="0"/>
+          <a:chExt cx="0" cy="0"/>
+        </a:xfrm>
+      </p:grpSpPr>
+      <p:sp>
+        <p:nvSpPr>
+          <p:cNvPr id="2" name="Заголовок 1">
+            <a:extLst>
+              <a:ext uri="{FF2B5EF4-FFF2-40B4-BE49-F238E27FC236}">
+                <a16:creationId xmlns:a16="http://schemas.microsoft.com/office/drawing/2014/main" id="{4F43607C-E50F-DF94-67CB-EA5B5612E79A}"/>
+              </a:ext>
+            </a:extLst>
+          </p:cNvPr>
+          <p:cNvSpPr>
+            <a:spLocks noGrp="1"/>
+          </p:cNvSpPr>
+          <p:nvPr>
+            <p:ph type="ctrTitle"/>
+          </p:nvPr>
+        </p:nvSpPr>
+        <p:spPr/>
+        <p:txBody>
+          <a:bodyPr/>
+          <a:lstStyle/>
+          <a:p>
+            <a:r>
+              <a:rPr lang="ru-RU" dirty="0"/>
+              <a:t>Пусть ответит Саша</a:t>
+            </a:r>
+          </a:p>
+        </p:txBody>
+      </p:sp>
+      <p:sp>
+        <p:nvSpPr>
+          <p:cNvPr id="3" name="Подзаголовок 2">
+            <a:extLst>
+              <a:ext uri="{FF2B5EF4-FFF2-40B4-BE49-F238E27FC236}">
+                <a16:creationId xmlns:a16="http://schemas.microsoft.com/office/drawing/2014/main" id="{E263FEC9-5C45-A7E3-143A-930E02E71AAE}"/>
+              </a:ext>
+            </a:extLst>
+          </p:cNvPr>
+          <p:cNvSpPr>
+            <a:spLocks noGrp="1"/>
+          </p:cNvSpPr>
+          <p:nvPr>
+            <p:ph type="subTitle" idx="1"/>
+          </p:nvPr>
+        </p:nvSpPr>
+        <p:spPr/>
+        <p:txBody>
+          <a:bodyPr/>
+          <a:lstStyle/>
+          <a:p>
+            <a:r>
+              <a:rPr lang="ru-RU" dirty="0"/>
+              <a:t>Видео </a:t>
+            </a:r>
+            <a:r>
+              <a:rPr lang="en-US" dirty="0"/>
+              <a:t>Boy</a:t>
+            </a:r>
+          </a:p>
+          <a:p>
+            <a:r>
+              <a:rPr lang="ru-RU" dirty="0"/>
+              <a:t>Что ответил малыш?</a:t>
+            </a:r>
+            <a:endParaRPr lang="en-US" dirty="0"/>
+          </a:p>
+          <a:p>
+            <a:r>
+              <a:rPr lang="ru-RU" dirty="0"/>
+              <a:t>Верный ответ: в левом</a:t>
+            </a:r>
+          </a:p>
+        </p:txBody>
+      </p:sp>
+    </p:spTree>
+    <p:extLst>
+      <p:ext uri="{BB962C8B-B14F-4D97-AF65-F5344CB8AC3E}">
+        <p14:creationId xmlns:p14="http://schemas.microsoft.com/office/powerpoint/2010/main" val="1848217577"/>
+      </p:ext>
+    </p:extLst>
+  </p:cSld>
+  <p:clrMapOvr>
+    <a:masterClrMapping/>
+  </p:clrMapOvr>
+</p:sld>
+</file>
+
+<file path=ppt/slides/slide11.xml><?xml version="1.0" encoding="utf-8"?>
+<p:sld xmlns:a="http://schemas.openxmlformats.org/drawingml/2006/main" xmlns:r="http://schemas.openxmlformats.org/officeDocument/2006/relationships" xmlns:p="http://schemas.openxmlformats.org/presentationml/2006/main">
+  <p:cSld>
+    <p:spTree>
+      <p:nvGrpSpPr>
+        <p:cNvPr id="1" name=""/>
+        <p:cNvGrpSpPr/>
+        <p:nvPr/>
+      </p:nvGrpSpPr>
+      <p:grpSpPr>
+        <a:xfrm>
+          <a:off x="0" y="0"/>
+          <a:ext cx="0" cy="0"/>
+          <a:chOff x="0" y="0"/>
+          <a:chExt cx="0" cy="0"/>
+        </a:xfrm>
+      </p:grpSpPr>
+      <p:sp>
+        <p:nvSpPr>
+          <p:cNvPr id="2" name="Заголовок 1">
+            <a:extLst>
+              <a:ext uri="{FF2B5EF4-FFF2-40B4-BE49-F238E27FC236}">
+                <a16:creationId xmlns:a16="http://schemas.microsoft.com/office/drawing/2014/main" id="{11F5FB1B-22C1-EAF4-9CAC-FF213577DFA6}"/>
+              </a:ext>
+            </a:extLst>
+          </p:cNvPr>
+          <p:cNvSpPr>
+            <a:spLocks noGrp="1"/>
+          </p:cNvSpPr>
+          <p:nvPr>
+            <p:ph type="title"/>
+          </p:nvPr>
+        </p:nvSpPr>
+        <p:spPr>
+          <a:xfrm>
+            <a:off x="838200" y="204187"/>
+            <a:ext cx="10515600" cy="1486502"/>
+          </a:xfrm>
+        </p:spPr>
+        <p:txBody>
+          <a:bodyPr/>
+          <a:lstStyle/>
+          <a:p>
+            <a:r>
+              <a:rPr lang="ru-RU" dirty="0"/>
+              <a:t>Введи первые буквы слов</a:t>
+            </a:r>
+          </a:p>
+        </p:txBody>
+      </p:sp>
+      <p:sp>
+        <p:nvSpPr>
+          <p:cNvPr id="3" name="Объект 2">
+            <a:extLst>
+              <a:ext uri="{FF2B5EF4-FFF2-40B4-BE49-F238E27FC236}">
+                <a16:creationId xmlns:a16="http://schemas.microsoft.com/office/drawing/2014/main" id="{A4DA454D-BE38-149B-8A89-05DF3E284456}"/>
+              </a:ext>
+            </a:extLst>
+          </p:cNvPr>
+          <p:cNvSpPr>
+            <a:spLocks noGrp="1"/>
+          </p:cNvSpPr>
+          <p:nvPr>
+            <p:ph idx="1"/>
+          </p:nvPr>
+        </p:nvSpPr>
+        <p:spPr>
+          <a:xfrm>
+            <a:off x="838200" y="1287262"/>
+            <a:ext cx="10515600" cy="4889701"/>
+          </a:xfrm>
+        </p:spPr>
+        <p:txBody>
+          <a:bodyPr/>
+          <a:lstStyle/>
+          <a:p>
+            <a:r>
+              <a:rPr lang="ru-RU" dirty="0"/>
+              <a:t>Верный ответ : ВСЗ</a:t>
+            </a:r>
+          </a:p>
+        </p:txBody>
+      </p:sp>
+      <p:pic>
+        <p:nvPicPr>
+          <p:cNvPr id="5" name="Рисунок 4">
+            <a:extLst>
+              <a:ext uri="{FF2B5EF4-FFF2-40B4-BE49-F238E27FC236}">
+                <a16:creationId xmlns:a16="http://schemas.microsoft.com/office/drawing/2014/main" id="{55A4B658-3CAB-45B7-95C3-5B94498B1E6D}"/>
+              </a:ext>
+            </a:extLst>
+          </p:cNvPr>
+          <p:cNvPicPr>
+            <a:picLocks noChangeAspect="1"/>
+          </p:cNvPicPr>
+          <p:nvPr/>
+        </p:nvPicPr>
+        <p:blipFill>
+          <a:blip r:embed="rId2">
+            <a:extLst>
+              <a:ext uri="{28A0092B-C50C-407E-A947-70E740481C1C}">
+                <a14:useLocalDpi xmlns:a14="http://schemas.microsoft.com/office/drawing/2010/main" val="0"/>
+              </a:ext>
+            </a:extLst>
+          </a:blip>
+          <a:stretch>
+            <a:fillRect/>
+          </a:stretch>
+        </p:blipFill>
+        <p:spPr>
+          <a:xfrm>
+            <a:off x="1503633" y="1909192"/>
+            <a:ext cx="7675877" cy="5437080"/>
+          </a:xfrm>
+          <a:prstGeom prst="rect">
+            <a:avLst/>
+          </a:prstGeom>
+        </p:spPr>
+      </p:pic>
+    </p:spTree>
+    <p:extLst>
+      <p:ext uri="{BB962C8B-B14F-4D97-AF65-F5344CB8AC3E}">
+        <p14:creationId xmlns:p14="http://schemas.microsoft.com/office/powerpoint/2010/main" val="1366416670"/>
+      </p:ext>
+    </p:extLst>
+  </p:cSld>
+  <p:clrMapOvr>
+    <a:masterClrMapping/>
+  </p:clrMapOvr>
+</p:sld>
+</file>
+
 <file path=ppt/slides/slide2.xml><?xml version="1.0" encoding="utf-8"?>
 <p:sld xmlns:a="http://schemas.openxmlformats.org/drawingml/2006/main" xmlns:r="http://schemas.openxmlformats.org/officeDocument/2006/relationships" xmlns:p="http://schemas.openxmlformats.org/presentationml/2006/main">
   <p:cSld>
@@ -3498,15 +3737,15 @@
           <p:cNvPr id="2" name="Заголовок 1">
             <a:extLst>
               <a:ext uri="{FF2B5EF4-FFF2-40B4-BE49-F238E27FC236}">
-                <a16:creationId xmlns:a16="http://schemas.microsoft.com/office/drawing/2014/main" id="{5FB3325E-9D6C-A28C-3F21-31F9BA99619D}"/>
-              </a:ext>
-            </a:extLst>
-          </p:cNvPr>
-          <p:cNvSpPr>
-            <a:spLocks noGrp="1"/>
-          </p:cNvSpPr>
-          <p:nvPr>
-            <p:ph type="ctrTitle"/>
+                <a16:creationId xmlns:a16="http://schemas.microsoft.com/office/drawing/2014/main" id="{11A14BC1-425E-858F-9F79-CC6E3B8598AC}"/>
+              </a:ext>
+            </a:extLst>
+          </p:cNvPr>
+          <p:cNvSpPr>
+            <a:spLocks noGrp="1"/>
+          </p:cNvSpPr>
+          <p:nvPr>
+            <p:ph type="title"/>
           </p:nvPr>
         </p:nvSpPr>
         <p:spPr/>
@@ -3516,52 +3755,263 @@
           <a:p>
             <a:r>
               <a:rPr lang="ru-RU" dirty="0"/>
-              <a:t>Кто поёт?</a:t>
-            </a:r>
-          </a:p>
-        </p:txBody>
-      </p:sp>
-      <p:sp>
-        <p:nvSpPr>
-          <p:cNvPr id="3" name="Подзаголовок 2">
-            <a:extLst>
-              <a:ext uri="{FF2B5EF4-FFF2-40B4-BE49-F238E27FC236}">
-                <a16:creationId xmlns:a16="http://schemas.microsoft.com/office/drawing/2014/main" id="{36D6255F-32AA-040A-53A9-E17AEFA5B033}"/>
-              </a:ext>
-            </a:extLst>
-          </p:cNvPr>
-          <p:cNvSpPr>
-            <a:spLocks noGrp="1"/>
-          </p:cNvSpPr>
-          <p:nvPr>
-            <p:ph type="subTitle" idx="1"/>
-          </p:nvPr>
-        </p:nvSpPr>
-        <p:spPr/>
-        <p:txBody>
-          <a:bodyPr/>
-          <a:lstStyle/>
-          <a:p>
+              <a:t>Угадай Ленин любимый рецепт торта</a:t>
+            </a:r>
+          </a:p>
+        </p:txBody>
+      </p:sp>
+      <p:sp>
+        <p:nvSpPr>
+          <p:cNvPr id="4" name="Объект 3">
+            <a:extLst>
+              <a:ext uri="{FF2B5EF4-FFF2-40B4-BE49-F238E27FC236}">
+                <a16:creationId xmlns:a16="http://schemas.microsoft.com/office/drawing/2014/main" id="{FDB1B280-B617-2B25-9C47-98690717CDB8}"/>
+              </a:ext>
+            </a:extLst>
+          </p:cNvPr>
+          <p:cNvSpPr>
+            <a:spLocks noGrp="1"/>
+          </p:cNvSpPr>
+          <p:nvPr>
+            <p:ph sz="half" idx="2"/>
+          </p:nvPr>
+        </p:nvSpPr>
+        <p:spPr>
+          <a:xfrm>
+            <a:off x="839788" y="1482571"/>
+            <a:ext cx="5157787" cy="4707092"/>
+          </a:xfrm>
+        </p:spPr>
+        <p:txBody>
+          <a:bodyPr>
+            <a:normAutofit fontScale="62500" lnSpcReduction="20000"/>
+          </a:bodyPr>
+          <a:lstStyle/>
+          <a:p>
+            <a:pPr marL="0" indent="0">
+              <a:buNone/>
+            </a:pPr>
             <a:r>
               <a:rPr lang="ru-RU" dirty="0"/>
-              <a:t>Введите имя</a:t>
-            </a:r>
-          </a:p>
-          <a:p>
+              <a:t>Всё расскажем! Всё покажем!</a:t>
+            </a:r>
+          </a:p>
+          <a:p>
+            <a:pPr marL="0" indent="0">
+              <a:buNone/>
+            </a:pPr>
             <a:r>
               <a:rPr lang="ru-RU" dirty="0"/>
-              <a:t>Видео </a:t>
-            </a:r>
-            <a:r>
-              <a:rPr lang="en-US" dirty="0"/>
-              <a:t>Who</a:t>
-            </a:r>
+              <a:t>И про тортик наш расскажем!</a:t>
+            </a:r>
+          </a:p>
+          <a:p>
+            <a:pPr marL="0" indent="0">
+              <a:buNone/>
+            </a:pPr>
+            <a:r>
+              <a:rPr lang="ru-RU" dirty="0"/>
+              <a:t>Вот берем муку, яйцо,</a:t>
+            </a:r>
+          </a:p>
+          <a:p>
+            <a:pPr marL="0" indent="0">
+              <a:buNone/>
+            </a:pPr>
+            <a:r>
+              <a:rPr lang="ru-RU" dirty="0"/>
+              <a:t>Сахар, формочку- кольцо.</a:t>
+            </a:r>
+          </a:p>
+          <a:p>
+            <a:pPr marL="0" indent="0">
+              <a:buNone/>
+            </a:pPr>
+            <a:r>
+              <a:rPr lang="ru-RU" dirty="0"/>
+              <a:t>И сметанку нужно нам,</a:t>
+            </a:r>
+          </a:p>
+          <a:p>
+            <a:pPr marL="0" indent="0">
+              <a:buNone/>
+            </a:pPr>
+            <a:r>
+              <a:rPr lang="ru-RU" dirty="0"/>
+              <a:t>Чтобы торт очаровал.</a:t>
+            </a:r>
+          </a:p>
+          <a:p>
+            <a:pPr marL="0" indent="0">
+              <a:buNone/>
+            </a:pPr>
+            <a:r>
+              <a:rPr lang="ru-RU" dirty="0"/>
+              <a:t>В печь кладем минут на двадцать</a:t>
+            </a:r>
+          </a:p>
+          <a:p>
+            <a:pPr marL="0" indent="0">
+              <a:buNone/>
+            </a:pPr>
+            <a:r>
+              <a:rPr lang="ru-RU" dirty="0"/>
+              <a:t>Получаем коржик гладкий!</a:t>
+            </a:r>
+          </a:p>
+          <a:p>
+            <a:pPr marL="0" indent="0">
+              <a:buNone/>
+            </a:pPr>
+            <a:r>
+              <a:rPr lang="ru-RU" dirty="0"/>
+              <a:t>Крем готовим из сгущенки</a:t>
+            </a:r>
+          </a:p>
+          <a:p>
+            <a:pPr marL="0" indent="0">
+              <a:buNone/>
+            </a:pPr>
+            <a:r>
+              <a:rPr lang="ru-RU" dirty="0"/>
+              <a:t>Мажем ломти тонко-тонко</a:t>
+            </a:r>
+          </a:p>
+          <a:p>
+            <a:pPr marL="0" indent="0">
+              <a:buNone/>
+            </a:pPr>
+            <a:r>
+              <a:rPr lang="ru-RU" dirty="0"/>
+              <a:t>Вот малинка, апельсин,</a:t>
+            </a:r>
+          </a:p>
+          <a:p>
+            <a:pPr marL="0" indent="0">
+              <a:buNone/>
+            </a:pPr>
+            <a:r>
+              <a:rPr lang="ru-RU" dirty="0"/>
+              <a:t>Но и он здесь не один</a:t>
+            </a:r>
+          </a:p>
+          <a:p>
+            <a:pPr marL="0" indent="0">
+              <a:buNone/>
+            </a:pPr>
+            <a:r>
+              <a:rPr lang="ru-RU" dirty="0"/>
+              <a:t>Шоколад вот под рукой</a:t>
+            </a:r>
+          </a:p>
+          <a:p>
+            <a:pPr marL="0" indent="0">
+              <a:buNone/>
+            </a:pPr>
+            <a:r>
+              <a:rPr lang="ru-RU" dirty="0"/>
+              <a:t>Получился цвет другой</a:t>
+            </a:r>
+          </a:p>
+          <a:p>
             <a:endParaRPr lang="ru-RU" dirty="0"/>
           </a:p>
+        </p:txBody>
+      </p:sp>
+      <p:sp>
+        <p:nvSpPr>
+          <p:cNvPr id="6" name="Объект 5">
+            <a:extLst>
+              <a:ext uri="{FF2B5EF4-FFF2-40B4-BE49-F238E27FC236}">
+                <a16:creationId xmlns:a16="http://schemas.microsoft.com/office/drawing/2014/main" id="{810DB4D1-4785-27C9-EB64-F2055BAF749A}"/>
+              </a:ext>
+            </a:extLst>
+          </p:cNvPr>
+          <p:cNvSpPr>
+            <a:spLocks noGrp="1"/>
+          </p:cNvSpPr>
+          <p:nvPr>
+            <p:ph sz="quarter" idx="4"/>
+          </p:nvPr>
+        </p:nvSpPr>
+        <p:spPr>
+          <a:xfrm>
+            <a:off x="6172200" y="1482571"/>
+            <a:ext cx="5183188" cy="4707092"/>
+          </a:xfrm>
+        </p:spPr>
+        <p:txBody>
+          <a:bodyPr>
+            <a:normAutofit fontScale="62500" lnSpcReduction="20000"/>
+          </a:bodyPr>
+          <a:lstStyle/>
           <a:p>
             <a:r>
               <a:rPr lang="ru-RU" dirty="0"/>
-              <a:t>Верный ответ: Ляпис</a:t>
+              <a:t>Подсказка:</a:t>
+            </a:r>
+          </a:p>
+          <a:p>
+            <a:r>
+              <a:rPr lang="ru-RU" dirty="0"/>
+              <a:t>Строка-слово-буква</a:t>
+            </a:r>
+          </a:p>
+          <a:p>
+            <a:r>
+              <a:rPr lang="ru-RU" dirty="0"/>
+              <a:t>11-2-5</a:t>
+            </a:r>
+          </a:p>
+          <a:p>
+            <a:r>
+              <a:rPr lang="ru-RU" dirty="0"/>
+              <a:t>2-5-2</a:t>
+            </a:r>
+          </a:p>
+          <a:p>
+            <a:r>
+              <a:rPr lang="ru-RU" dirty="0"/>
+              <a:t>7-2-1</a:t>
+            </a:r>
+          </a:p>
+          <a:p>
+            <a:r>
+              <a:rPr lang="ru-RU" dirty="0"/>
+              <a:t>3-4-4</a:t>
+            </a:r>
+          </a:p>
+          <a:p>
+            <a:r>
+              <a:rPr lang="ru-RU" dirty="0"/>
+              <a:t>8-1-3</a:t>
+            </a:r>
+          </a:p>
+          <a:p>
+            <a:r>
+              <a:rPr lang="ru-RU" dirty="0"/>
+              <a:t>5-2-3</a:t>
+            </a:r>
+          </a:p>
+          <a:p>
+            <a:r>
+              <a:rPr lang="ru-RU" dirty="0"/>
+              <a:t>2-3-2</a:t>
+            </a:r>
+          </a:p>
+          <a:p>
+            <a:r>
+              <a:rPr lang="ru-RU" dirty="0"/>
+              <a:t>12-1-1</a:t>
+            </a:r>
+          </a:p>
+          <a:p>
+            <a:endParaRPr lang="ru-RU" dirty="0"/>
+          </a:p>
+          <a:p>
+            <a:r>
+              <a:rPr lang="ru-RU" dirty="0"/>
+              <a:t>Верное слово: наполеон</a:t>
             </a:r>
           </a:p>
         </p:txBody>
@@ -3569,7 +4019,7 @@
     </p:spTree>
     <p:extLst>
       <p:ext uri="{BB962C8B-B14F-4D97-AF65-F5344CB8AC3E}">
-        <p14:creationId xmlns:p14="http://schemas.microsoft.com/office/powerpoint/2010/main" val="461976653"/>
+        <p14:creationId xmlns:p14="http://schemas.microsoft.com/office/powerpoint/2010/main" val="1699252071"/>
       </p:ext>
     </p:extLst>
   </p:cSld>
@@ -3601,15 +4051,15 @@
           <p:cNvPr id="2" name="Заголовок 1">
             <a:extLst>
               <a:ext uri="{FF2B5EF4-FFF2-40B4-BE49-F238E27FC236}">
-                <a16:creationId xmlns:a16="http://schemas.microsoft.com/office/drawing/2014/main" id="{4F43607C-E50F-DF94-67CB-EA5B5612E79A}"/>
-              </a:ext>
-            </a:extLst>
-          </p:cNvPr>
-          <p:cNvSpPr>
-            <a:spLocks noGrp="1"/>
-          </p:cNvSpPr>
-          <p:nvPr>
-            <p:ph type="ctrTitle"/>
+                <a16:creationId xmlns:a16="http://schemas.microsoft.com/office/drawing/2014/main" id="{A1B71A62-04AD-EE39-B757-424EBF29C53E}"/>
+              </a:ext>
+            </a:extLst>
+          </p:cNvPr>
+          <p:cNvSpPr>
+            <a:spLocks noGrp="1"/>
+          </p:cNvSpPr>
+          <p:nvPr>
+            <p:ph type="title"/>
           </p:nvPr>
         </p:nvSpPr>
         <p:spPr/>
@@ -3619,60 +4069,387 @@
           <a:p>
             <a:r>
               <a:rPr lang="ru-RU" dirty="0"/>
-              <a:t>Пусть ответит Саша</a:t>
-            </a:r>
-          </a:p>
-        </p:txBody>
-      </p:sp>
-      <p:sp>
-        <p:nvSpPr>
-          <p:cNvPr id="3" name="Подзаголовок 2">
-            <a:extLst>
-              <a:ext uri="{FF2B5EF4-FFF2-40B4-BE49-F238E27FC236}">
-                <a16:creationId xmlns:a16="http://schemas.microsoft.com/office/drawing/2014/main" id="{E263FEC9-5C45-A7E3-143A-930E02E71AAE}"/>
-              </a:ext>
-            </a:extLst>
-          </p:cNvPr>
-          <p:cNvSpPr>
-            <a:spLocks noGrp="1"/>
-          </p:cNvSpPr>
-          <p:nvPr>
-            <p:ph type="subTitle" idx="1"/>
+              <a:t>У Лены- профессионала очень много необычных предметов.</a:t>
+            </a:r>
+          </a:p>
+        </p:txBody>
+      </p:sp>
+      <p:sp>
+        <p:nvSpPr>
+          <p:cNvPr id="3" name="Текст 2">
+            <a:extLst>
+              <a:ext uri="{FF2B5EF4-FFF2-40B4-BE49-F238E27FC236}">
+                <a16:creationId xmlns:a16="http://schemas.microsoft.com/office/drawing/2014/main" id="{D3452AAB-16EA-29DE-2000-F95C8CC5BF55}"/>
+              </a:ext>
+            </a:extLst>
+          </p:cNvPr>
+          <p:cNvSpPr>
+            <a:spLocks noGrp="1"/>
+          </p:cNvSpPr>
+          <p:nvPr>
+            <p:ph type="body" idx="1"/>
           </p:nvPr>
         </p:nvSpPr>
         <p:spPr/>
         <p:txBody>
-          <a:bodyPr/>
-          <a:lstStyle/>
-          <a:p>
+          <a:bodyPr anchor="ctr"/>
+          <a:lstStyle/>
+          <a:p>
+            <a:pPr algn="ctr"/>
             <a:r>
               <a:rPr lang="ru-RU" dirty="0"/>
-              <a:t>Видео </a:t>
-            </a:r>
-            <a:r>
-              <a:rPr lang="en-US" dirty="0"/>
-              <a:t>Boy</a:t>
-            </a:r>
-          </a:p>
-          <a:p>
+              <a:t>Соедини картинки и слова</a:t>
+            </a:r>
+          </a:p>
+        </p:txBody>
+      </p:sp>
+      <p:pic>
+        <p:nvPicPr>
+          <p:cNvPr id="8" name="Объект 7">
+            <a:extLst>
+              <a:ext uri="{FF2B5EF4-FFF2-40B4-BE49-F238E27FC236}">
+                <a16:creationId xmlns:a16="http://schemas.microsoft.com/office/drawing/2014/main" id="{6C2ED9D0-45C5-4700-6397-88C3DFD656BB}"/>
+              </a:ext>
+            </a:extLst>
+          </p:cNvPr>
+          <p:cNvPicPr>
+            <a:picLocks noGrp="1" noChangeAspect="1"/>
+          </p:cNvPicPr>
+          <p:nvPr>
+            <p:ph sz="half" idx="2"/>
+          </p:nvPr>
+        </p:nvPicPr>
+        <p:blipFill>
+          <a:blip r:embed="rId2"/>
+          <a:stretch>
+            <a:fillRect/>
+          </a:stretch>
+        </p:blipFill>
+        <p:spPr>
+          <a:xfrm>
+            <a:off x="592465" y="2309149"/>
+            <a:ext cx="1030420" cy="1369349"/>
+          </a:xfrm>
+        </p:spPr>
+      </p:pic>
+      <p:sp>
+        <p:nvSpPr>
+          <p:cNvPr id="5" name="Текст 4">
+            <a:extLst>
+              <a:ext uri="{FF2B5EF4-FFF2-40B4-BE49-F238E27FC236}">
+                <a16:creationId xmlns:a16="http://schemas.microsoft.com/office/drawing/2014/main" id="{08A915E8-B3B6-372B-F0A0-015345E9D90B}"/>
+              </a:ext>
+            </a:extLst>
+          </p:cNvPr>
+          <p:cNvSpPr>
+            <a:spLocks noGrp="1"/>
+          </p:cNvSpPr>
+          <p:nvPr>
+            <p:ph type="body" sz="quarter" idx="3"/>
+          </p:nvPr>
+        </p:nvSpPr>
+        <p:spPr/>
+        <p:txBody>
+          <a:bodyPr anchor="ctr"/>
+          <a:lstStyle/>
+          <a:p>
+            <a:pPr algn="ctr"/>
             <a:r>
               <a:rPr lang="ru-RU" dirty="0"/>
-              <a:t>Что ответил малыш?</a:t>
-            </a:r>
-            <a:endParaRPr lang="en-US" dirty="0"/>
-          </a:p>
-          <a:p>
+              <a:t>напишите потерянный предмет</a:t>
+            </a:r>
+          </a:p>
+        </p:txBody>
+      </p:sp>
+      <p:sp>
+        <p:nvSpPr>
+          <p:cNvPr id="6" name="Объект 5">
+            <a:extLst>
+              <a:ext uri="{FF2B5EF4-FFF2-40B4-BE49-F238E27FC236}">
+                <a16:creationId xmlns:a16="http://schemas.microsoft.com/office/drawing/2014/main" id="{0D31E576-7C92-F851-C04A-2ED6FD71192E}"/>
+              </a:ext>
+            </a:extLst>
+          </p:cNvPr>
+          <p:cNvSpPr>
+            <a:spLocks noGrp="1"/>
+          </p:cNvSpPr>
+          <p:nvPr>
+            <p:ph sz="quarter" idx="4"/>
+          </p:nvPr>
+        </p:nvSpPr>
+        <p:spPr>
+          <a:xfrm>
+            <a:off x="6972026" y="2505075"/>
+            <a:ext cx="4383361" cy="3684588"/>
+          </a:xfrm>
+        </p:spPr>
+        <p:txBody>
+          <a:bodyPr>
+            <a:normAutofit fontScale="92500" lnSpcReduction="10000"/>
+          </a:bodyPr>
+          <a:lstStyle/>
+          <a:p>
+            <a:pPr marL="0" indent="0">
+              <a:buNone/>
+            </a:pPr>
             <a:r>
               <a:rPr lang="ru-RU" dirty="0"/>
-              <a:t>Верный ответ: в левом</a:t>
-            </a:r>
-          </a:p>
-        </p:txBody>
-      </p:sp>
+              <a:t>Верные ответы:</a:t>
+            </a:r>
+          </a:p>
+          <a:p>
+            <a:pPr marL="0" indent="0">
+              <a:buNone/>
+            </a:pPr>
+            <a:r>
+              <a:rPr lang="ru-RU" dirty="0" err="1"/>
+              <a:t>Честерфильд</a:t>
+            </a:r>
+            <a:endParaRPr lang="ru-RU" dirty="0"/>
+          </a:p>
+          <a:p>
+            <a:pPr marL="0" indent="0">
+              <a:buNone/>
+            </a:pPr>
+            <a:r>
+              <a:rPr lang="ru-RU" dirty="0" err="1"/>
+              <a:t>Чиносы</a:t>
+            </a:r>
+            <a:endParaRPr lang="ru-RU" dirty="0"/>
+          </a:p>
+          <a:p>
+            <a:pPr marL="0" indent="0">
+              <a:buNone/>
+            </a:pPr>
+            <a:r>
+              <a:rPr lang="ru-RU" dirty="0" err="1"/>
+              <a:t>Свитшот</a:t>
+            </a:r>
+            <a:endParaRPr lang="ru-RU" dirty="0"/>
+          </a:p>
+          <a:p>
+            <a:pPr marL="0" indent="0">
+              <a:buNone/>
+            </a:pPr>
+            <a:r>
+              <a:rPr lang="ru-RU" dirty="0"/>
+              <a:t>Бомбер</a:t>
+            </a:r>
+          </a:p>
+          <a:p>
+            <a:pPr marL="0" indent="0">
+              <a:buNone/>
+            </a:pPr>
+            <a:r>
+              <a:rPr lang="ru-RU" dirty="0"/>
+              <a:t>Палаццо</a:t>
+            </a:r>
+          </a:p>
+          <a:p>
+            <a:pPr marL="0" indent="0">
+              <a:buNone/>
+            </a:pPr>
+            <a:r>
+              <a:rPr lang="ru-RU" dirty="0" err="1"/>
+              <a:t>Лонгслив</a:t>
+            </a:r>
+            <a:endParaRPr lang="ru-RU" dirty="0"/>
+          </a:p>
+          <a:p>
+            <a:pPr marL="0" indent="0">
+              <a:buNone/>
+            </a:pPr>
+            <a:r>
+              <a:rPr lang="ru-RU" dirty="0"/>
+              <a:t>Плиссе</a:t>
+            </a:r>
+          </a:p>
+        </p:txBody>
+      </p:sp>
+      <p:pic>
+        <p:nvPicPr>
+          <p:cNvPr id="11" name="Рисунок 10">
+            <a:extLst>
+              <a:ext uri="{FF2B5EF4-FFF2-40B4-BE49-F238E27FC236}">
+                <a16:creationId xmlns:a16="http://schemas.microsoft.com/office/drawing/2014/main" id="{EAEE93BE-0DE8-AAE9-1F49-377A593FD8F9}"/>
+              </a:ext>
+            </a:extLst>
+          </p:cNvPr>
+          <p:cNvPicPr>
+            <a:picLocks noChangeAspect="1"/>
+          </p:cNvPicPr>
+          <p:nvPr/>
+        </p:nvPicPr>
+        <p:blipFill>
+          <a:blip r:embed="rId3"/>
+          <a:stretch>
+            <a:fillRect/>
+          </a:stretch>
+        </p:blipFill>
+        <p:spPr>
+          <a:xfrm>
+            <a:off x="439544" y="4468952"/>
+            <a:ext cx="1030421" cy="1034908"/>
+          </a:xfrm>
+          <a:prstGeom prst="rect">
+            <a:avLst/>
+          </a:prstGeom>
+        </p:spPr>
+      </p:pic>
+      <p:pic>
+        <p:nvPicPr>
+          <p:cNvPr id="12" name="Рисунок 11">
+            <a:extLst>
+              <a:ext uri="{FF2B5EF4-FFF2-40B4-BE49-F238E27FC236}">
+                <a16:creationId xmlns:a16="http://schemas.microsoft.com/office/drawing/2014/main" id="{99E0C226-E78E-B466-E812-8B432C4DFC8B}"/>
+              </a:ext>
+            </a:extLst>
+          </p:cNvPr>
+          <p:cNvPicPr>
+            <a:picLocks noChangeAspect="1"/>
+          </p:cNvPicPr>
+          <p:nvPr/>
+        </p:nvPicPr>
+        <p:blipFill>
+          <a:blip r:embed="rId4"/>
+          <a:stretch>
+            <a:fillRect/>
+          </a:stretch>
+        </p:blipFill>
+        <p:spPr>
+          <a:xfrm>
+            <a:off x="1566917" y="2379591"/>
+            <a:ext cx="1224326" cy="1926893"/>
+          </a:xfrm>
+          <a:prstGeom prst="rect">
+            <a:avLst/>
+          </a:prstGeom>
+        </p:spPr>
+      </p:pic>
+      <p:pic>
+        <p:nvPicPr>
+          <p:cNvPr id="13" name="Рисунок 12">
+            <a:extLst>
+              <a:ext uri="{FF2B5EF4-FFF2-40B4-BE49-F238E27FC236}">
+                <a16:creationId xmlns:a16="http://schemas.microsoft.com/office/drawing/2014/main" id="{F8B661CE-9E37-0163-8D25-0C5F1BB324D6}"/>
+              </a:ext>
+            </a:extLst>
+          </p:cNvPr>
+          <p:cNvPicPr>
+            <a:picLocks noChangeAspect="1"/>
+          </p:cNvPicPr>
+          <p:nvPr/>
+        </p:nvPicPr>
+        <p:blipFill>
+          <a:blip r:embed="rId5"/>
+          <a:stretch>
+            <a:fillRect/>
+          </a:stretch>
+        </p:blipFill>
+        <p:spPr>
+          <a:xfrm flipH="1">
+            <a:off x="1642921" y="4376926"/>
+            <a:ext cx="994194" cy="1946082"/>
+          </a:xfrm>
+          <a:prstGeom prst="rect">
+            <a:avLst/>
+          </a:prstGeom>
+        </p:spPr>
+      </p:pic>
+      <p:pic>
+        <p:nvPicPr>
+          <p:cNvPr id="14" name="Рисунок 13">
+            <a:extLst>
+              <a:ext uri="{FF2B5EF4-FFF2-40B4-BE49-F238E27FC236}">
+                <a16:creationId xmlns:a16="http://schemas.microsoft.com/office/drawing/2014/main" id="{22BB8E20-91C0-A2BA-E4F6-DE87A56EDBEA}"/>
+              </a:ext>
+            </a:extLst>
+          </p:cNvPr>
+          <p:cNvPicPr>
+            <a:picLocks noChangeAspect="1"/>
+          </p:cNvPicPr>
+          <p:nvPr/>
+        </p:nvPicPr>
+        <p:blipFill>
+          <a:blip r:embed="rId6"/>
+          <a:stretch>
+            <a:fillRect/>
+          </a:stretch>
+        </p:blipFill>
+        <p:spPr>
+          <a:xfrm>
+            <a:off x="2849167" y="2379591"/>
+            <a:ext cx="1139028" cy="1516331"/>
+          </a:xfrm>
+          <a:prstGeom prst="rect">
+            <a:avLst/>
+          </a:prstGeom>
+        </p:spPr>
+      </p:pic>
+      <p:pic>
+        <p:nvPicPr>
+          <p:cNvPr id="17" name="Рисунок 16">
+            <a:extLst>
+              <a:ext uri="{FF2B5EF4-FFF2-40B4-BE49-F238E27FC236}">
+                <a16:creationId xmlns:a16="http://schemas.microsoft.com/office/drawing/2014/main" id="{6A9E442B-F95B-22CE-01E5-8AE318D5A43B}"/>
+              </a:ext>
+            </a:extLst>
+          </p:cNvPr>
+          <p:cNvPicPr>
+            <a:picLocks noChangeAspect="1"/>
+          </p:cNvPicPr>
+          <p:nvPr/>
+        </p:nvPicPr>
+        <p:blipFill>
+          <a:blip r:embed="rId7"/>
+          <a:stretch>
+            <a:fillRect/>
+          </a:stretch>
+        </p:blipFill>
+        <p:spPr>
+          <a:xfrm>
+            <a:off x="4714849" y="2656576"/>
+            <a:ext cx="1540977" cy="3440700"/>
+          </a:xfrm>
+          <a:prstGeom prst="rect">
+            <a:avLst/>
+          </a:prstGeom>
+        </p:spPr>
+      </p:pic>
+      <p:pic>
+        <p:nvPicPr>
+          <p:cNvPr id="20" name="Рисунок 19">
+            <a:extLst>
+              <a:ext uri="{FF2B5EF4-FFF2-40B4-BE49-F238E27FC236}">
+                <a16:creationId xmlns:a16="http://schemas.microsoft.com/office/drawing/2014/main" id="{0B257272-7511-19D8-C165-F12D1A997C18}"/>
+              </a:ext>
+            </a:extLst>
+          </p:cNvPr>
+          <p:cNvPicPr>
+            <a:picLocks noChangeAspect="1"/>
+          </p:cNvPicPr>
+          <p:nvPr/>
+        </p:nvPicPr>
+        <p:blipFill>
+          <a:blip r:embed="rId8"/>
+          <a:stretch>
+            <a:fillRect/>
+          </a:stretch>
+        </p:blipFill>
+        <p:spPr>
+          <a:xfrm>
+            <a:off x="2971862" y="4104876"/>
+            <a:ext cx="1255762" cy="2217837"/>
+          </a:xfrm>
+          <a:prstGeom prst="rect">
+            <a:avLst/>
+          </a:prstGeom>
+        </p:spPr>
+      </p:pic>
     </p:spTree>
     <p:extLst>
       <p:ext uri="{BB962C8B-B14F-4D97-AF65-F5344CB8AC3E}">
-        <p14:creationId xmlns:p14="http://schemas.microsoft.com/office/powerpoint/2010/main" val="1848217577"/>
+        <p14:creationId xmlns:p14="http://schemas.microsoft.com/office/powerpoint/2010/main" val="2959005185"/>
       </p:ext>
     </p:extLst>
   </p:cSld>
@@ -3699,6 +4476,827 @@
           <a:chExt cx="0" cy="0"/>
         </a:xfrm>
       </p:grpSpPr>
+      <p:pic>
+        <p:nvPicPr>
+          <p:cNvPr id="2" name="Объект 7">
+            <a:extLst>
+              <a:ext uri="{FF2B5EF4-FFF2-40B4-BE49-F238E27FC236}">
+                <a16:creationId xmlns:a16="http://schemas.microsoft.com/office/drawing/2014/main" id="{7C0A4758-B370-6F1A-4663-DC0CF9FB4036}"/>
+              </a:ext>
+            </a:extLst>
+          </p:cNvPr>
+          <p:cNvPicPr>
+            <a:picLocks noChangeAspect="1"/>
+          </p:cNvPicPr>
+          <p:nvPr/>
+        </p:nvPicPr>
+        <p:blipFill>
+          <a:blip r:embed="rId2"/>
+          <a:stretch>
+            <a:fillRect/>
+          </a:stretch>
+        </p:blipFill>
+        <p:spPr>
+          <a:xfrm>
+            <a:off x="620826" y="541099"/>
+            <a:ext cx="1705124" cy="2265978"/>
+          </a:xfrm>
+          <a:prstGeom prst="rect">
+            <a:avLst/>
+          </a:prstGeom>
+        </p:spPr>
+      </p:pic>
+      <p:pic>
+        <p:nvPicPr>
+          <p:cNvPr id="4" name="Рисунок 3">
+            <a:extLst>
+              <a:ext uri="{FF2B5EF4-FFF2-40B4-BE49-F238E27FC236}">
+                <a16:creationId xmlns:a16="http://schemas.microsoft.com/office/drawing/2014/main" id="{F4E3C7FA-2734-A3E6-31C0-B12A02635523}"/>
+              </a:ext>
+            </a:extLst>
+          </p:cNvPr>
+          <p:cNvPicPr>
+            <a:picLocks noChangeAspect="1"/>
+          </p:cNvPicPr>
+          <p:nvPr/>
+        </p:nvPicPr>
+        <p:blipFill>
+          <a:blip r:embed="rId3"/>
+          <a:stretch>
+            <a:fillRect/>
+          </a:stretch>
+        </p:blipFill>
+        <p:spPr>
+          <a:xfrm>
+            <a:off x="2814638" y="133350"/>
+            <a:ext cx="2960942" cy="2973834"/>
+          </a:xfrm>
+          <a:prstGeom prst="rect">
+            <a:avLst/>
+          </a:prstGeom>
+        </p:spPr>
+      </p:pic>
+      <p:pic>
+        <p:nvPicPr>
+          <p:cNvPr id="8" name="Рисунок 7">
+            <a:extLst>
+              <a:ext uri="{FF2B5EF4-FFF2-40B4-BE49-F238E27FC236}">
+                <a16:creationId xmlns:a16="http://schemas.microsoft.com/office/drawing/2014/main" id="{9327AE23-BFDB-7207-DD56-5DC9FFB1D7B4}"/>
+              </a:ext>
+            </a:extLst>
+          </p:cNvPr>
+          <p:cNvPicPr>
+            <a:picLocks noChangeAspect="1"/>
+          </p:cNvPicPr>
+          <p:nvPr/>
+        </p:nvPicPr>
+        <p:blipFill>
+          <a:blip r:embed="rId4"/>
+          <a:stretch>
+            <a:fillRect/>
+          </a:stretch>
+        </p:blipFill>
+        <p:spPr>
+          <a:xfrm>
+            <a:off x="725037" y="3305175"/>
+            <a:ext cx="2257425" cy="3552825"/>
+          </a:xfrm>
+          <a:prstGeom prst="rect">
+            <a:avLst/>
+          </a:prstGeom>
+        </p:spPr>
+      </p:pic>
+      <p:pic>
+        <p:nvPicPr>
+          <p:cNvPr id="10" name="Рисунок 9">
+            <a:extLst>
+              <a:ext uri="{FF2B5EF4-FFF2-40B4-BE49-F238E27FC236}">
+                <a16:creationId xmlns:a16="http://schemas.microsoft.com/office/drawing/2014/main" id="{5887EF3E-3B2D-2E10-8081-D003D95EAE12}"/>
+              </a:ext>
+            </a:extLst>
+          </p:cNvPr>
+          <p:cNvPicPr>
+            <a:picLocks noChangeAspect="1"/>
+          </p:cNvPicPr>
+          <p:nvPr/>
+        </p:nvPicPr>
+        <p:blipFill>
+          <a:blip r:embed="rId5"/>
+          <a:stretch>
+            <a:fillRect/>
+          </a:stretch>
+        </p:blipFill>
+        <p:spPr>
+          <a:xfrm>
+            <a:off x="6193284" y="541099"/>
+            <a:ext cx="1912029" cy="3376890"/>
+          </a:xfrm>
+          <a:prstGeom prst="rect">
+            <a:avLst/>
+          </a:prstGeom>
+        </p:spPr>
+      </p:pic>
+      <p:pic>
+        <p:nvPicPr>
+          <p:cNvPr id="12" name="Рисунок 11">
+            <a:extLst>
+              <a:ext uri="{FF2B5EF4-FFF2-40B4-BE49-F238E27FC236}">
+                <a16:creationId xmlns:a16="http://schemas.microsoft.com/office/drawing/2014/main" id="{C6034FFE-2997-A781-A129-AC34F22F4305}"/>
+              </a:ext>
+            </a:extLst>
+          </p:cNvPr>
+          <p:cNvPicPr>
+            <a:picLocks noChangeAspect="1"/>
+          </p:cNvPicPr>
+          <p:nvPr/>
+        </p:nvPicPr>
+        <p:blipFill>
+          <a:blip r:embed="rId6"/>
+          <a:stretch>
+            <a:fillRect/>
+          </a:stretch>
+        </p:blipFill>
+        <p:spPr>
+          <a:xfrm>
+            <a:off x="3438350" y="3429000"/>
+            <a:ext cx="2337230" cy="3111438"/>
+          </a:xfrm>
+          <a:prstGeom prst="rect">
+            <a:avLst/>
+          </a:prstGeom>
+        </p:spPr>
+      </p:pic>
+      <p:pic>
+        <p:nvPicPr>
+          <p:cNvPr id="14" name="Рисунок 13">
+            <a:extLst>
+              <a:ext uri="{FF2B5EF4-FFF2-40B4-BE49-F238E27FC236}">
+                <a16:creationId xmlns:a16="http://schemas.microsoft.com/office/drawing/2014/main" id="{10063B56-ACCF-05A7-C7B0-7861A9F2FBB8}"/>
+              </a:ext>
+            </a:extLst>
+          </p:cNvPr>
+          <p:cNvPicPr>
+            <a:picLocks noChangeAspect="1"/>
+          </p:cNvPicPr>
+          <p:nvPr/>
+        </p:nvPicPr>
+        <p:blipFill>
+          <a:blip r:embed="rId7"/>
+          <a:stretch>
+            <a:fillRect/>
+          </a:stretch>
+        </p:blipFill>
+        <p:spPr>
+          <a:xfrm>
+            <a:off x="8258174" y="412626"/>
+            <a:ext cx="2238375" cy="4381500"/>
+          </a:xfrm>
+          <a:prstGeom prst="rect">
+            <a:avLst/>
+          </a:prstGeom>
+        </p:spPr>
+      </p:pic>
+      <p:pic>
+        <p:nvPicPr>
+          <p:cNvPr id="16" name="Рисунок 15">
+            <a:extLst>
+              <a:ext uri="{FF2B5EF4-FFF2-40B4-BE49-F238E27FC236}">
+                <a16:creationId xmlns:a16="http://schemas.microsoft.com/office/drawing/2014/main" id="{7D0CDED0-D3C2-2218-C8D9-A1F1FAED373F}"/>
+              </a:ext>
+            </a:extLst>
+          </p:cNvPr>
+          <p:cNvPicPr>
+            <a:picLocks noChangeAspect="1"/>
+          </p:cNvPicPr>
+          <p:nvPr/>
+        </p:nvPicPr>
+        <p:blipFill>
+          <a:blip r:embed="rId8"/>
+          <a:stretch>
+            <a:fillRect/>
+          </a:stretch>
+        </p:blipFill>
+        <p:spPr>
+          <a:xfrm>
+            <a:off x="6666939" y="4053766"/>
+            <a:ext cx="1255925" cy="2804234"/>
+          </a:xfrm>
+          <a:prstGeom prst="rect">
+            <a:avLst/>
+          </a:prstGeom>
+        </p:spPr>
+      </p:pic>
+    </p:spTree>
+    <p:extLst>
+      <p:ext uri="{BB962C8B-B14F-4D97-AF65-F5344CB8AC3E}">
+        <p14:creationId xmlns:p14="http://schemas.microsoft.com/office/powerpoint/2010/main" val="259040834"/>
+      </p:ext>
+    </p:extLst>
+  </p:cSld>
+  <p:clrMapOvr>
+    <a:masterClrMapping/>
+  </p:clrMapOvr>
+</p:sld>
+</file>
+
+<file path=ppt/slides/slide5.xml><?xml version="1.0" encoding="utf-8"?>
+<p:sld xmlns:a="http://schemas.openxmlformats.org/drawingml/2006/main" xmlns:r="http://schemas.openxmlformats.org/officeDocument/2006/relationships" xmlns:p="http://schemas.openxmlformats.org/presentationml/2006/main">
+  <p:cSld>
+    <p:spTree>
+      <p:nvGrpSpPr>
+        <p:cNvPr id="1" name=""/>
+        <p:cNvGrpSpPr/>
+        <p:nvPr/>
+      </p:nvGrpSpPr>
+      <p:grpSpPr>
+        <a:xfrm>
+          <a:off x="0" y="0"/>
+          <a:ext cx="0" cy="0"/>
+          <a:chOff x="0" y="0"/>
+          <a:chExt cx="0" cy="0"/>
+        </a:xfrm>
+      </p:grpSpPr>
+      <p:pic>
+        <p:nvPicPr>
+          <p:cNvPr id="2" name="Рисунок 1">
+            <a:extLst>
+              <a:ext uri="{FF2B5EF4-FFF2-40B4-BE49-F238E27FC236}">
+                <a16:creationId xmlns:a16="http://schemas.microsoft.com/office/drawing/2014/main" id="{66E00CC4-4B29-87B6-87A6-28AA4381F5A5}"/>
+              </a:ext>
+            </a:extLst>
+          </p:cNvPr>
+          <p:cNvPicPr>
+            <a:picLocks noChangeAspect="1"/>
+          </p:cNvPicPr>
+          <p:nvPr/>
+        </p:nvPicPr>
+        <p:blipFill>
+          <a:blip r:embed="rId2"/>
+          <a:stretch>
+            <a:fillRect/>
+          </a:stretch>
+        </p:blipFill>
+        <p:spPr>
+          <a:xfrm>
+            <a:off x="4873472" y="554254"/>
+            <a:ext cx="3314700" cy="933450"/>
+          </a:xfrm>
+          <a:prstGeom prst="rect">
+            <a:avLst/>
+          </a:prstGeom>
+        </p:spPr>
+      </p:pic>
+      <p:pic>
+        <p:nvPicPr>
+          <p:cNvPr id="6" name="Рисунок 5">
+            <a:extLst>
+              <a:ext uri="{FF2B5EF4-FFF2-40B4-BE49-F238E27FC236}">
+                <a16:creationId xmlns:a16="http://schemas.microsoft.com/office/drawing/2014/main" id="{5D1BB807-2AA5-7D0B-1590-158F61805440}"/>
+              </a:ext>
+            </a:extLst>
+          </p:cNvPr>
+          <p:cNvPicPr>
+            <a:picLocks noChangeAspect="1"/>
+          </p:cNvPicPr>
+          <p:nvPr/>
+        </p:nvPicPr>
+        <p:blipFill>
+          <a:blip r:embed="rId3"/>
+          <a:stretch>
+            <a:fillRect/>
+          </a:stretch>
+        </p:blipFill>
+        <p:spPr>
+          <a:xfrm>
+            <a:off x="6669904" y="2277168"/>
+            <a:ext cx="2705100" cy="847725"/>
+          </a:xfrm>
+          <a:prstGeom prst="rect">
+            <a:avLst/>
+          </a:prstGeom>
+        </p:spPr>
+      </p:pic>
+      <p:pic>
+        <p:nvPicPr>
+          <p:cNvPr id="8" name="Рисунок 7">
+            <a:extLst>
+              <a:ext uri="{FF2B5EF4-FFF2-40B4-BE49-F238E27FC236}">
+                <a16:creationId xmlns:a16="http://schemas.microsoft.com/office/drawing/2014/main" id="{203E022B-2FC5-137F-7A94-4D276DE05D8F}"/>
+              </a:ext>
+            </a:extLst>
+          </p:cNvPr>
+          <p:cNvPicPr>
+            <a:picLocks noChangeAspect="1"/>
+          </p:cNvPicPr>
+          <p:nvPr/>
+        </p:nvPicPr>
+        <p:blipFill>
+          <a:blip r:embed="rId4"/>
+          <a:stretch>
+            <a:fillRect/>
+          </a:stretch>
+        </p:blipFill>
+        <p:spPr>
+          <a:xfrm>
+            <a:off x="1219016" y="788865"/>
+            <a:ext cx="2384764" cy="698839"/>
+          </a:xfrm>
+          <a:prstGeom prst="rect">
+            <a:avLst/>
+          </a:prstGeom>
+        </p:spPr>
+      </p:pic>
+      <p:pic>
+        <p:nvPicPr>
+          <p:cNvPr id="10" name="Рисунок 9">
+            <a:extLst>
+              <a:ext uri="{FF2B5EF4-FFF2-40B4-BE49-F238E27FC236}">
+                <a16:creationId xmlns:a16="http://schemas.microsoft.com/office/drawing/2014/main" id="{50734DF1-4C11-050E-5786-95B6C036864F}"/>
+              </a:ext>
+            </a:extLst>
+          </p:cNvPr>
+          <p:cNvPicPr>
+            <a:picLocks noChangeAspect="1"/>
+          </p:cNvPicPr>
+          <p:nvPr/>
+        </p:nvPicPr>
+        <p:blipFill>
+          <a:blip r:embed="rId5"/>
+          <a:stretch>
+            <a:fillRect/>
+          </a:stretch>
+        </p:blipFill>
+        <p:spPr>
+          <a:xfrm>
+            <a:off x="1663824" y="2022306"/>
+            <a:ext cx="3390900" cy="885825"/>
+          </a:xfrm>
+          <a:prstGeom prst="rect">
+            <a:avLst/>
+          </a:prstGeom>
+        </p:spPr>
+      </p:pic>
+      <p:pic>
+        <p:nvPicPr>
+          <p:cNvPr id="12" name="Рисунок 11">
+            <a:extLst>
+              <a:ext uri="{FF2B5EF4-FFF2-40B4-BE49-F238E27FC236}">
+                <a16:creationId xmlns:a16="http://schemas.microsoft.com/office/drawing/2014/main" id="{0A37C235-6BD6-3992-59AB-95574E19891D}"/>
+              </a:ext>
+            </a:extLst>
+          </p:cNvPr>
+          <p:cNvPicPr>
+            <a:picLocks noChangeAspect="1"/>
+          </p:cNvPicPr>
+          <p:nvPr/>
+        </p:nvPicPr>
+        <p:blipFill>
+          <a:blip r:embed="rId6"/>
+          <a:stretch>
+            <a:fillRect/>
+          </a:stretch>
+        </p:blipFill>
+        <p:spPr>
+          <a:xfrm>
+            <a:off x="3531856" y="3869507"/>
+            <a:ext cx="3045735" cy="856274"/>
+          </a:xfrm>
+          <a:prstGeom prst="rect">
+            <a:avLst/>
+          </a:prstGeom>
+        </p:spPr>
+      </p:pic>
+      <p:pic>
+        <p:nvPicPr>
+          <p:cNvPr id="14" name="Рисунок 13">
+            <a:extLst>
+              <a:ext uri="{FF2B5EF4-FFF2-40B4-BE49-F238E27FC236}">
+                <a16:creationId xmlns:a16="http://schemas.microsoft.com/office/drawing/2014/main" id="{B9592D76-64B7-7A85-9A02-163B16DB1F2A}"/>
+              </a:ext>
+            </a:extLst>
+          </p:cNvPr>
+          <p:cNvPicPr>
+            <a:picLocks noChangeAspect="1"/>
+          </p:cNvPicPr>
+          <p:nvPr/>
+        </p:nvPicPr>
+        <p:blipFill>
+          <a:blip r:embed="rId7"/>
+          <a:stretch>
+            <a:fillRect/>
+          </a:stretch>
+        </p:blipFill>
+        <p:spPr>
+          <a:xfrm>
+            <a:off x="1003270" y="4165060"/>
+            <a:ext cx="2000250" cy="676275"/>
+          </a:xfrm>
+          <a:prstGeom prst="rect">
+            <a:avLst/>
+          </a:prstGeom>
+        </p:spPr>
+      </p:pic>
+      <p:pic>
+        <p:nvPicPr>
+          <p:cNvPr id="16" name="Рисунок 15">
+            <a:extLst>
+              <a:ext uri="{FF2B5EF4-FFF2-40B4-BE49-F238E27FC236}">
+                <a16:creationId xmlns:a16="http://schemas.microsoft.com/office/drawing/2014/main" id="{AFE56548-AB88-BFA9-6D77-76BB75D94AEF}"/>
+              </a:ext>
+            </a:extLst>
+          </p:cNvPr>
+          <p:cNvPicPr>
+            <a:picLocks noChangeAspect="1"/>
+          </p:cNvPicPr>
+          <p:nvPr/>
+        </p:nvPicPr>
+        <p:blipFill>
+          <a:blip r:embed="rId8"/>
+          <a:stretch>
+            <a:fillRect/>
+          </a:stretch>
+        </p:blipFill>
+        <p:spPr>
+          <a:xfrm>
+            <a:off x="7602847" y="4106718"/>
+            <a:ext cx="2206979" cy="829469"/>
+          </a:xfrm>
+          <a:prstGeom prst="rect">
+            <a:avLst/>
+          </a:prstGeom>
+        </p:spPr>
+      </p:pic>
+    </p:spTree>
+    <p:extLst>
+      <p:ext uri="{BB962C8B-B14F-4D97-AF65-F5344CB8AC3E}">
+        <p14:creationId xmlns:p14="http://schemas.microsoft.com/office/powerpoint/2010/main" val="4007903357"/>
+      </p:ext>
+    </p:extLst>
+  </p:cSld>
+  <p:clrMapOvr>
+    <a:masterClrMapping/>
+  </p:clrMapOvr>
+</p:sld>
+</file>
+
+<file path=ppt/slides/slide6.xml><?xml version="1.0" encoding="utf-8"?>
+<p:sld xmlns:a="http://schemas.openxmlformats.org/drawingml/2006/main" xmlns:r="http://schemas.openxmlformats.org/officeDocument/2006/relationships" xmlns:p="http://schemas.openxmlformats.org/presentationml/2006/main">
+  <p:cSld>
+    <p:spTree>
+      <p:nvGrpSpPr>
+        <p:cNvPr id="1" name=""/>
+        <p:cNvGrpSpPr/>
+        <p:nvPr/>
+      </p:nvGrpSpPr>
+      <p:grpSpPr>
+        <a:xfrm>
+          <a:off x="0" y="0"/>
+          <a:ext cx="0" cy="0"/>
+          <a:chOff x="0" y="0"/>
+          <a:chExt cx="0" cy="0"/>
+        </a:xfrm>
+      </p:grpSpPr>
+      <p:sp>
+        <p:nvSpPr>
+          <p:cNvPr id="2" name="Заголовок 1">
+            <a:extLst>
+              <a:ext uri="{FF2B5EF4-FFF2-40B4-BE49-F238E27FC236}">
+                <a16:creationId xmlns:a16="http://schemas.microsoft.com/office/drawing/2014/main" id="{98E767A6-9FEB-84BA-EB93-5CC9FC5CF612}"/>
+              </a:ext>
+            </a:extLst>
+          </p:cNvPr>
+          <p:cNvSpPr>
+            <a:spLocks noGrp="1"/>
+          </p:cNvSpPr>
+          <p:nvPr>
+            <p:ph type="title"/>
+          </p:nvPr>
+        </p:nvSpPr>
+        <p:spPr/>
+        <p:txBody>
+          <a:bodyPr/>
+          <a:lstStyle/>
+          <a:p>
+            <a:r>
+              <a:rPr lang="ru-RU" dirty="0"/>
+              <a:t>Блиц. Угадай песню</a:t>
+            </a:r>
+          </a:p>
+        </p:txBody>
+      </p:sp>
+      <p:sp>
+        <p:nvSpPr>
+          <p:cNvPr id="4" name="Объект 3">
+            <a:extLst>
+              <a:ext uri="{FF2B5EF4-FFF2-40B4-BE49-F238E27FC236}">
+                <a16:creationId xmlns:a16="http://schemas.microsoft.com/office/drawing/2014/main" id="{4093EF2D-C47B-AF81-1480-6408C585AF27}"/>
+              </a:ext>
+            </a:extLst>
+          </p:cNvPr>
+          <p:cNvSpPr>
+            <a:spLocks noGrp="1"/>
+          </p:cNvSpPr>
+          <p:nvPr>
+            <p:ph sz="half" idx="2"/>
+          </p:nvPr>
+        </p:nvSpPr>
+        <p:spPr/>
+        <p:txBody>
+          <a:bodyPr>
+            <a:normAutofit lnSpcReduction="10000"/>
+          </a:bodyPr>
+          <a:lstStyle/>
+          <a:p>
+            <a:pPr marL="0" indent="0">
+              <a:buNone/>
+            </a:pPr>
+            <a:r>
+              <a:rPr lang="ru-RU" dirty="0"/>
+              <a:t>Верные ответы:</a:t>
+            </a:r>
+          </a:p>
+          <a:p>
+            <a:pPr marL="0" indent="0">
+              <a:buNone/>
+            </a:pPr>
+            <a:endParaRPr lang="ru-RU"/>
+          </a:p>
+          <a:p>
+            <a:pPr marL="0" indent="0">
+              <a:buNone/>
+            </a:pPr>
+            <a:r>
+              <a:rPr lang="ru-RU"/>
+              <a:t>Выйду </a:t>
+            </a:r>
+            <a:r>
+              <a:rPr lang="ru-RU" dirty="0"/>
+              <a:t>ночью в поле с конём</a:t>
+            </a:r>
+          </a:p>
+          <a:p>
+            <a:pPr marL="0" indent="0">
+              <a:buNone/>
+            </a:pPr>
+            <a:endParaRPr lang="ru-RU" dirty="0"/>
+          </a:p>
+          <a:p>
+            <a:pPr marL="0" indent="0">
+              <a:buNone/>
+            </a:pPr>
+            <a:r>
+              <a:rPr lang="ru-RU" dirty="0"/>
+              <a:t>Ой цветет калина в поле у ручья</a:t>
+            </a:r>
+          </a:p>
+          <a:p>
+            <a:pPr marL="0" indent="0">
+              <a:buNone/>
+            </a:pPr>
+            <a:endParaRPr lang="ru-RU" dirty="0"/>
+          </a:p>
+          <a:p>
+            <a:pPr marL="0" indent="0">
+              <a:buNone/>
+            </a:pPr>
+            <a:endParaRPr lang="ru-RU" dirty="0"/>
+          </a:p>
+          <a:p>
+            <a:pPr marL="0" indent="0">
+              <a:buNone/>
+            </a:pPr>
+            <a:r>
+              <a:rPr lang="ru-RU" dirty="0"/>
+              <a:t>Изгиб гитары жёлтой ты обнимаешь нежно</a:t>
+            </a:r>
+          </a:p>
+        </p:txBody>
+      </p:sp>
+      <p:pic>
+        <p:nvPicPr>
+          <p:cNvPr id="5" name="Объект 4">
+            <a:extLst>
+              <a:ext uri="{FF2B5EF4-FFF2-40B4-BE49-F238E27FC236}">
+                <a16:creationId xmlns:a16="http://schemas.microsoft.com/office/drawing/2014/main" id="{2C2CA764-524D-C4C7-0AE2-9A416CF9C2CE}"/>
+              </a:ext>
+            </a:extLst>
+          </p:cNvPr>
+          <p:cNvPicPr>
+            <a:picLocks noGrp="1" noChangeAspect="1"/>
+          </p:cNvPicPr>
+          <p:nvPr>
+            <p:ph sz="half" idx="1"/>
+          </p:nvPr>
+        </p:nvPicPr>
+        <p:blipFill>
+          <a:blip r:embed="rId2"/>
+          <a:stretch>
+            <a:fillRect/>
+          </a:stretch>
+        </p:blipFill>
+        <p:spPr>
+          <a:xfrm>
+            <a:off x="962395" y="2074700"/>
+            <a:ext cx="3539434" cy="904522"/>
+          </a:xfrm>
+          <a:prstGeom prst="rect">
+            <a:avLst/>
+          </a:prstGeom>
+        </p:spPr>
+      </p:pic>
+      <p:pic>
+        <p:nvPicPr>
+          <p:cNvPr id="6" name="Рисунок 5">
+            <a:extLst>
+              <a:ext uri="{FF2B5EF4-FFF2-40B4-BE49-F238E27FC236}">
+                <a16:creationId xmlns:a16="http://schemas.microsoft.com/office/drawing/2014/main" id="{A1E531F8-2008-9DA9-5979-89D6B896FC8B}"/>
+              </a:ext>
+            </a:extLst>
+          </p:cNvPr>
+          <p:cNvPicPr>
+            <a:picLocks noChangeAspect="1"/>
+          </p:cNvPicPr>
+          <p:nvPr/>
+        </p:nvPicPr>
+        <p:blipFill>
+          <a:blip r:embed="rId3"/>
+          <a:stretch>
+            <a:fillRect/>
+          </a:stretch>
+        </p:blipFill>
+        <p:spPr>
+          <a:xfrm>
+            <a:off x="838200" y="3256093"/>
+            <a:ext cx="4155567" cy="1200497"/>
+          </a:xfrm>
+          <a:prstGeom prst="rect">
+            <a:avLst/>
+          </a:prstGeom>
+        </p:spPr>
+      </p:pic>
+      <p:pic>
+        <p:nvPicPr>
+          <p:cNvPr id="8" name="Рисунок 7">
+            <a:extLst>
+              <a:ext uri="{FF2B5EF4-FFF2-40B4-BE49-F238E27FC236}">
+                <a16:creationId xmlns:a16="http://schemas.microsoft.com/office/drawing/2014/main" id="{460C896C-6921-A990-ABF9-A061128FD339}"/>
+              </a:ext>
+            </a:extLst>
+          </p:cNvPr>
+          <p:cNvPicPr>
+            <a:picLocks noChangeAspect="1"/>
+          </p:cNvPicPr>
+          <p:nvPr/>
+        </p:nvPicPr>
+        <p:blipFill>
+          <a:blip r:embed="rId4"/>
+          <a:stretch>
+            <a:fillRect/>
+          </a:stretch>
+        </p:blipFill>
+        <p:spPr>
+          <a:xfrm>
+            <a:off x="962395" y="4733461"/>
+            <a:ext cx="3663890" cy="1099167"/>
+          </a:xfrm>
+          <a:prstGeom prst="rect">
+            <a:avLst/>
+          </a:prstGeom>
+        </p:spPr>
+      </p:pic>
+    </p:spTree>
+    <p:extLst>
+      <p:ext uri="{BB962C8B-B14F-4D97-AF65-F5344CB8AC3E}">
+        <p14:creationId xmlns:p14="http://schemas.microsoft.com/office/powerpoint/2010/main" val="2374342276"/>
+      </p:ext>
+    </p:extLst>
+  </p:cSld>
+  <p:clrMapOvr>
+    <a:masterClrMapping/>
+  </p:clrMapOvr>
+</p:sld>
+</file>
+
+<file path=ppt/slides/slide7.xml><?xml version="1.0" encoding="utf-8"?>
+<p:sld xmlns:a="http://schemas.openxmlformats.org/drawingml/2006/main" xmlns:r="http://schemas.openxmlformats.org/officeDocument/2006/relationships" xmlns:p="http://schemas.openxmlformats.org/presentationml/2006/main">
+  <p:cSld>
+    <p:spTree>
+      <p:nvGrpSpPr>
+        <p:cNvPr id="1" name=""/>
+        <p:cNvGrpSpPr/>
+        <p:nvPr/>
+      </p:nvGrpSpPr>
+      <p:grpSpPr>
+        <a:xfrm>
+          <a:off x="0" y="0"/>
+          <a:ext cx="0" cy="0"/>
+          <a:chOff x="0" y="0"/>
+          <a:chExt cx="0" cy="0"/>
+        </a:xfrm>
+      </p:grpSpPr>
+      <p:sp>
+        <p:nvSpPr>
+          <p:cNvPr id="2" name="Заголовок 1">
+            <a:extLst>
+              <a:ext uri="{FF2B5EF4-FFF2-40B4-BE49-F238E27FC236}">
+                <a16:creationId xmlns:a16="http://schemas.microsoft.com/office/drawing/2014/main" id="{5FB3325E-9D6C-A28C-3F21-31F9BA99619D}"/>
+              </a:ext>
+            </a:extLst>
+          </p:cNvPr>
+          <p:cNvSpPr>
+            <a:spLocks noGrp="1"/>
+          </p:cNvSpPr>
+          <p:nvPr>
+            <p:ph type="ctrTitle"/>
+          </p:nvPr>
+        </p:nvSpPr>
+        <p:spPr/>
+        <p:txBody>
+          <a:bodyPr/>
+          <a:lstStyle/>
+          <a:p>
+            <a:r>
+              <a:rPr lang="ru-RU" dirty="0"/>
+              <a:t>Кто поёт?</a:t>
+            </a:r>
+          </a:p>
+        </p:txBody>
+      </p:sp>
+      <p:sp>
+        <p:nvSpPr>
+          <p:cNvPr id="3" name="Подзаголовок 2">
+            <a:extLst>
+              <a:ext uri="{FF2B5EF4-FFF2-40B4-BE49-F238E27FC236}">
+                <a16:creationId xmlns:a16="http://schemas.microsoft.com/office/drawing/2014/main" id="{36D6255F-32AA-040A-53A9-E17AEFA5B033}"/>
+              </a:ext>
+            </a:extLst>
+          </p:cNvPr>
+          <p:cNvSpPr>
+            <a:spLocks noGrp="1"/>
+          </p:cNvSpPr>
+          <p:nvPr>
+            <p:ph type="subTitle" idx="1"/>
+          </p:nvPr>
+        </p:nvSpPr>
+        <p:spPr/>
+        <p:txBody>
+          <a:bodyPr/>
+          <a:lstStyle/>
+          <a:p>
+            <a:r>
+              <a:rPr lang="ru-RU" dirty="0"/>
+              <a:t>Введите имя</a:t>
+            </a:r>
+          </a:p>
+          <a:p>
+            <a:r>
+              <a:rPr lang="ru-RU" dirty="0"/>
+              <a:t>Видео </a:t>
+            </a:r>
+            <a:r>
+              <a:rPr lang="en-US" dirty="0"/>
+              <a:t>Who</a:t>
+            </a:r>
+            <a:endParaRPr lang="ru-RU" dirty="0"/>
+          </a:p>
+          <a:p>
+            <a:r>
+              <a:rPr lang="ru-RU" dirty="0"/>
+              <a:t>Верный ответ: Ляпис</a:t>
+            </a:r>
+          </a:p>
+        </p:txBody>
+      </p:sp>
+    </p:spTree>
+    <p:extLst>
+      <p:ext uri="{BB962C8B-B14F-4D97-AF65-F5344CB8AC3E}">
+        <p14:creationId xmlns:p14="http://schemas.microsoft.com/office/powerpoint/2010/main" val="461976653"/>
+      </p:ext>
+    </p:extLst>
+  </p:cSld>
+  <p:clrMapOvr>
+    <a:masterClrMapping/>
+  </p:clrMapOvr>
+</p:sld>
+</file>
+
+<file path=ppt/slides/slide8.xml><?xml version="1.0" encoding="utf-8"?>
+<p:sld xmlns:a="http://schemas.openxmlformats.org/drawingml/2006/main" xmlns:r="http://schemas.openxmlformats.org/officeDocument/2006/relationships" xmlns:p="http://schemas.openxmlformats.org/presentationml/2006/main">
+  <p:cSld>
+    <p:spTree>
+      <p:nvGrpSpPr>
+        <p:cNvPr id="1" name=""/>
+        <p:cNvGrpSpPr/>
+        <p:nvPr/>
+      </p:nvGrpSpPr>
+      <p:grpSpPr>
+        <a:xfrm>
+          <a:off x="0" y="0"/>
+          <a:ext cx="0" cy="0"/>
+          <a:chOff x="0" y="0"/>
+          <a:chExt cx="0" cy="0"/>
+        </a:xfrm>
+      </p:grpSpPr>
       <p:sp>
         <p:nvSpPr>
           <p:cNvPr id="2" name="Заголовок 1">
@@ -3778,7 +5376,7 @@
 </p:sld>
 </file>
 
-<file path=ppt/slides/slide5.xml><?xml version="1.0" encoding="utf-8"?>
+<file path=ppt/slides/slide9.xml><?xml version="1.0" encoding="utf-8"?>
 <p:sld xmlns:a="http://schemas.openxmlformats.org/drawingml/2006/main" xmlns:r="http://schemas.openxmlformats.org/officeDocument/2006/relationships" xmlns:p="http://schemas.openxmlformats.org/presentationml/2006/main">
   <p:cSld>
     <p:spTree>
@@ -4286,218 +5884,6 @@
     <p:extLst>
       <p:ext uri="{BB962C8B-B14F-4D97-AF65-F5344CB8AC3E}">
         <p14:creationId xmlns:p14="http://schemas.microsoft.com/office/powerpoint/2010/main" val="37034714"/>
-      </p:ext>
-    </p:extLst>
-  </p:cSld>
-  <p:clrMapOvr>
-    <a:masterClrMapping/>
-  </p:clrMapOvr>
-</p:sld>
-</file>
-
-<file path=ppt/slides/slide6.xml><?xml version="1.0" encoding="utf-8"?>
-<p:sld xmlns:a="http://schemas.openxmlformats.org/drawingml/2006/main" xmlns:r="http://schemas.openxmlformats.org/officeDocument/2006/relationships" xmlns:p="http://schemas.openxmlformats.org/presentationml/2006/main">
-  <p:cSld>
-    <p:spTree>
-      <p:nvGrpSpPr>
-        <p:cNvPr id="1" name=""/>
-        <p:cNvGrpSpPr/>
-        <p:nvPr/>
-      </p:nvGrpSpPr>
-      <p:grpSpPr>
-        <a:xfrm>
-          <a:off x="0" y="0"/>
-          <a:ext cx="0" cy="0"/>
-          <a:chOff x="0" y="0"/>
-          <a:chExt cx="0" cy="0"/>
-        </a:xfrm>
-      </p:grpSpPr>
-      <p:sp>
-        <p:nvSpPr>
-          <p:cNvPr id="2" name="Заголовок 1">
-            <a:extLst>
-              <a:ext uri="{FF2B5EF4-FFF2-40B4-BE49-F238E27FC236}">
-                <a16:creationId xmlns:a16="http://schemas.microsoft.com/office/drawing/2014/main" id="{11F5FB1B-22C1-EAF4-9CAC-FF213577DFA6}"/>
-              </a:ext>
-            </a:extLst>
-          </p:cNvPr>
-          <p:cNvSpPr>
-            <a:spLocks noGrp="1"/>
-          </p:cNvSpPr>
-          <p:nvPr>
-            <p:ph type="title"/>
-          </p:nvPr>
-        </p:nvSpPr>
-        <p:spPr>
-          <a:xfrm>
-            <a:off x="838200" y="204187"/>
-            <a:ext cx="10515600" cy="1486502"/>
-          </a:xfrm>
-        </p:spPr>
-        <p:txBody>
-          <a:bodyPr/>
-          <a:lstStyle/>
-          <a:p>
-            <a:r>
-              <a:rPr lang="ru-RU" dirty="0"/>
-              <a:t>Введи первые буквы слов</a:t>
-            </a:r>
-          </a:p>
-        </p:txBody>
-      </p:sp>
-      <p:sp>
-        <p:nvSpPr>
-          <p:cNvPr id="3" name="Объект 2">
-            <a:extLst>
-              <a:ext uri="{FF2B5EF4-FFF2-40B4-BE49-F238E27FC236}">
-                <a16:creationId xmlns:a16="http://schemas.microsoft.com/office/drawing/2014/main" id="{A4DA454D-BE38-149B-8A89-05DF3E284456}"/>
-              </a:ext>
-            </a:extLst>
-          </p:cNvPr>
-          <p:cNvSpPr>
-            <a:spLocks noGrp="1"/>
-          </p:cNvSpPr>
-          <p:nvPr>
-            <p:ph idx="1"/>
-          </p:nvPr>
-        </p:nvSpPr>
-        <p:spPr>
-          <a:xfrm>
-            <a:off x="838200" y="1287262"/>
-            <a:ext cx="10515600" cy="4889701"/>
-          </a:xfrm>
-        </p:spPr>
-        <p:txBody>
-          <a:bodyPr/>
-          <a:lstStyle/>
-          <a:p>
-            <a:r>
-              <a:rPr lang="ru-RU" dirty="0"/>
-              <a:t>Верный ответ : ВСЗ</a:t>
-            </a:r>
-          </a:p>
-        </p:txBody>
-      </p:sp>
-      <p:pic>
-        <p:nvPicPr>
-          <p:cNvPr id="5" name="Рисунок 4">
-            <a:extLst>
-              <a:ext uri="{FF2B5EF4-FFF2-40B4-BE49-F238E27FC236}">
-                <a16:creationId xmlns:a16="http://schemas.microsoft.com/office/drawing/2014/main" id="{55A4B658-3CAB-45B7-95C3-5B94498B1E6D}"/>
-              </a:ext>
-            </a:extLst>
-          </p:cNvPr>
-          <p:cNvPicPr>
-            <a:picLocks noChangeAspect="1"/>
-          </p:cNvPicPr>
-          <p:nvPr/>
-        </p:nvPicPr>
-        <p:blipFill>
-          <a:blip r:embed="rId2">
-            <a:extLst>
-              <a:ext uri="{28A0092B-C50C-407E-A947-70E740481C1C}">
-                <a14:useLocalDpi xmlns:a14="http://schemas.microsoft.com/office/drawing/2010/main" val="0"/>
-              </a:ext>
-            </a:extLst>
-          </a:blip>
-          <a:stretch>
-            <a:fillRect/>
-          </a:stretch>
-        </p:blipFill>
-        <p:spPr>
-          <a:xfrm>
-            <a:off x="1503633" y="1909192"/>
-            <a:ext cx="7675877" cy="5437080"/>
-          </a:xfrm>
-          <a:prstGeom prst="rect">
-            <a:avLst/>
-          </a:prstGeom>
-        </p:spPr>
-      </p:pic>
-    </p:spTree>
-    <p:extLst>
-      <p:ext uri="{BB962C8B-B14F-4D97-AF65-F5344CB8AC3E}">
-        <p14:creationId xmlns:p14="http://schemas.microsoft.com/office/powerpoint/2010/main" val="1366416670"/>
-      </p:ext>
-    </p:extLst>
-  </p:cSld>
-  <p:clrMapOvr>
-    <a:masterClrMapping/>
-  </p:clrMapOvr>
-</p:sld>
-</file>
-
-<file path=ppt/slides/slide7.xml><?xml version="1.0" encoding="utf-8"?>
-<p:sld xmlns:a="http://schemas.openxmlformats.org/drawingml/2006/main" xmlns:r="http://schemas.openxmlformats.org/officeDocument/2006/relationships" xmlns:p="http://schemas.openxmlformats.org/presentationml/2006/main">
-  <p:cSld>
-    <p:spTree>
-      <p:nvGrpSpPr>
-        <p:cNvPr id="1" name=""/>
-        <p:cNvGrpSpPr/>
-        <p:nvPr/>
-      </p:nvGrpSpPr>
-      <p:grpSpPr>
-        <a:xfrm>
-          <a:off x="0" y="0"/>
-          <a:ext cx="0" cy="0"/>
-          <a:chOff x="0" y="0"/>
-          <a:chExt cx="0" cy="0"/>
-        </a:xfrm>
-      </p:grpSpPr>
-      <p:sp>
-        <p:nvSpPr>
-          <p:cNvPr id="2" name="Заголовок 1">
-            <a:extLst>
-              <a:ext uri="{FF2B5EF4-FFF2-40B4-BE49-F238E27FC236}">
-                <a16:creationId xmlns:a16="http://schemas.microsoft.com/office/drawing/2014/main" id="{6860B2BE-212D-DC8E-21EC-82A838AEFAFF}"/>
-              </a:ext>
-            </a:extLst>
-          </p:cNvPr>
-          <p:cNvSpPr>
-            <a:spLocks noGrp="1"/>
-          </p:cNvSpPr>
-          <p:nvPr>
-            <p:ph type="title"/>
-          </p:nvPr>
-        </p:nvSpPr>
-        <p:spPr/>
-        <p:txBody>
-          <a:bodyPr/>
-          <a:lstStyle/>
-          <a:p>
-            <a:endParaRPr lang="ru-RU"/>
-          </a:p>
-        </p:txBody>
-      </p:sp>
-      <p:sp>
-        <p:nvSpPr>
-          <p:cNvPr id="3" name="Объект 2">
-            <a:extLst>
-              <a:ext uri="{FF2B5EF4-FFF2-40B4-BE49-F238E27FC236}">
-                <a16:creationId xmlns:a16="http://schemas.microsoft.com/office/drawing/2014/main" id="{AE832EDE-85E1-1FE4-A123-78AC3D4F5693}"/>
-              </a:ext>
-            </a:extLst>
-          </p:cNvPr>
-          <p:cNvSpPr>
-            <a:spLocks noGrp="1"/>
-          </p:cNvSpPr>
-          <p:nvPr>
-            <p:ph idx="1"/>
-          </p:nvPr>
-        </p:nvSpPr>
-        <p:spPr/>
-        <p:txBody>
-          <a:bodyPr/>
-          <a:lstStyle/>
-          <a:p>
-            <a:endParaRPr lang="ru-RU"/>
-          </a:p>
-        </p:txBody>
-      </p:sp>
-    </p:spTree>
-    <p:extLst>
-      <p:ext uri="{BB962C8B-B14F-4D97-AF65-F5344CB8AC3E}">
-        <p14:creationId xmlns:p14="http://schemas.microsoft.com/office/powerpoint/2010/main" val="1641110879"/>
       </p:ext>
     </p:extLst>
   </p:cSld>

--- a/КВЕСТ/Kvest 0504.pptx
+++ b/КВЕСТ/Kvest 0504.pptx
@@ -4,18 +4,23 @@
   <p:sldMasterIdLst>
     <p:sldMasterId id="2147483648" r:id="rId1"/>
   </p:sldMasterIdLst>
+  <p:notesMasterIdLst>
+    <p:notesMasterId r:id="rId15"/>
+  </p:notesMasterIdLst>
   <p:sldIdLst>
-    <p:sldId id="266" r:id="rId2"/>
+    <p:sldId id="274" r:id="rId2"/>
     <p:sldId id="267" r:id="rId3"/>
-    <p:sldId id="269" r:id="rId4"/>
-    <p:sldId id="270" r:id="rId5"/>
-    <p:sldId id="271" r:id="rId6"/>
-    <p:sldId id="273" r:id="rId7"/>
-    <p:sldId id="260" r:id="rId8"/>
-    <p:sldId id="261" r:id="rId9"/>
-    <p:sldId id="264" r:id="rId10"/>
-    <p:sldId id="259" r:id="rId11"/>
-    <p:sldId id="262" r:id="rId12"/>
+    <p:sldId id="275" r:id="rId4"/>
+    <p:sldId id="269" r:id="rId5"/>
+    <p:sldId id="270" r:id="rId6"/>
+    <p:sldId id="278" r:id="rId7"/>
+    <p:sldId id="276" r:id="rId8"/>
+    <p:sldId id="273" r:id="rId9"/>
+    <p:sldId id="277" r:id="rId10"/>
+    <p:sldId id="261" r:id="rId11"/>
+    <p:sldId id="264" r:id="rId12"/>
+    <p:sldId id="259" r:id="rId13"/>
+    <p:sldId id="279" r:id="rId14"/>
   </p:sldIdLst>
   <p:sldSz cx="12192000" cy="6858000"/>
   <p:notesSz cx="6858000" cy="9144000"/>
@@ -118,13 +123,16 @@
     <p:ext uri="{EFAFB233-063F-42B5-8137-9DF3F51BA10A}">
       <p15:sldGuideLst xmlns:p15="http://schemas.microsoft.com/office/powerpoint/2012/main"/>
     </p:ext>
+    <p:ext uri="{2D200454-40CA-4A62-9FC3-DE9A4176ACB9}">
+      <p15:notesGuideLst xmlns:p15="http://schemas.microsoft.com/office/powerpoint/2012/main"/>
+    </p:ext>
   </p:extLst>
 </p:presentation>
 </file>
 
 <file path=ppt/commentAuthors.xml><?xml version="1.0" encoding="utf-8"?>
 <p:cmAuthorLst xmlns:a="http://schemas.openxmlformats.org/drawingml/2006/main" xmlns:r="http://schemas.openxmlformats.org/officeDocument/2006/relationships" xmlns:p="http://schemas.openxmlformats.org/presentationml/2006/main">
-  <p:cmAuthor id="1" name="Маруся" initials="М" lastIdx="4" clrIdx="0">
+  <p:cmAuthor id="1" name="Маруся" initials="М" lastIdx="14" clrIdx="0">
     <p:extLst>
       <p:ext uri="{19B8F6BF-5375-455C-9EA6-DF929625EA0E}">
         <p15:presenceInfo xmlns:p15="http://schemas.microsoft.com/office/powerpoint/2012/main" userId="Маруся" providerId="None"/>
@@ -132,6 +140,451 @@
     </p:extLst>
   </p:cmAuthor>
 </p:cmAuthorLst>
+</file>
+
+<file path=ppt/comments/comment1.xml><?xml version="1.0" encoding="utf-8"?>
+<p:cmLst xmlns:a="http://schemas.openxmlformats.org/drawingml/2006/main" xmlns:r="http://schemas.openxmlformats.org/officeDocument/2006/relationships" xmlns:p="http://schemas.openxmlformats.org/presentationml/2006/main">
+  <p:cm authorId="1" dt="2024-03-24T12:04:11.440" idx="5">
+    <p:pos x="3132" y="246"/>
+    <p:text>Лёша, можешь сам сохрвнить этот файл как картинку, а то уменя в нижнем правом углу надпись</p:text>
+    <p:extLst>
+      <p:ext uri="{C676402C-5697-4E1C-873F-D02D1690AC5C}">
+        <p15:threadingInfo xmlns:p15="http://schemas.microsoft.com/office/powerpoint/2012/main" timeZoneBias="-180"/>
+      </p:ext>
+    </p:extLst>
+  </p:cm>
+</p:cmLst>
+</file>
+
+<file path=ppt/comments/comment2.xml><?xml version="1.0" encoding="utf-8"?>
+<p:cmLst xmlns:a="http://schemas.openxmlformats.org/drawingml/2006/main" xmlns:r="http://schemas.openxmlformats.org/officeDocument/2006/relationships" xmlns:p="http://schemas.openxmlformats.org/presentationml/2006/main">
+  <p:cm authorId="1" dt="2024-03-24T12:24:41.533" idx="6">
+    <p:pos x="987" y="1578"/>
+    <p:text/>
+    <p:extLst>
+      <p:ext uri="{C676402C-5697-4E1C-873F-D02D1690AC5C}">
+        <p15:threadingInfo xmlns:p15="http://schemas.microsoft.com/office/powerpoint/2012/main" timeZoneBias="-180"/>
+      </p:ext>
+    </p:extLst>
+  </p:cm>
+</p:cmLst>
+</file>
+
+<file path=ppt/comments/comment3.xml><?xml version="1.0" encoding="utf-8"?>
+<p:cmLst xmlns:a="http://schemas.openxmlformats.org/drawingml/2006/main" xmlns:r="http://schemas.openxmlformats.org/officeDocument/2006/relationships" xmlns:p="http://schemas.openxmlformats.org/presentationml/2006/main">
+  <p:cm authorId="1" dt="2024-03-24T12:25:47.827" idx="7">
+    <p:pos x="1441" y="635"/>
+    <p:text>1</p:text>
+    <p:extLst>
+      <p:ext uri="{C676402C-5697-4E1C-873F-D02D1690AC5C}">
+        <p15:threadingInfo xmlns:p15="http://schemas.microsoft.com/office/powerpoint/2012/main" timeZoneBias="-180"/>
+      </p:ext>
+    </p:extLst>
+  </p:cm>
+  <p:cm authorId="1" dt="2024-03-24T12:26:02.375" idx="8">
+    <p:pos x="3473" y="321"/>
+    <p:text>2</p:text>
+    <p:extLst>
+      <p:ext uri="{C676402C-5697-4E1C-873F-D02D1690AC5C}">
+        <p15:threadingInfo xmlns:p15="http://schemas.microsoft.com/office/powerpoint/2012/main" timeZoneBias="-180"/>
+      </p:ext>
+    </p:extLst>
+  </p:cm>
+  <p:cm authorId="1" dt="2024-03-24T12:26:20.846" idx="9">
+    <p:pos x="4836" y="521"/>
+    <p:text>3</p:text>
+    <p:extLst>
+      <p:ext uri="{C676402C-5697-4E1C-873F-D02D1690AC5C}">
+        <p15:threadingInfo xmlns:p15="http://schemas.microsoft.com/office/powerpoint/2012/main" timeZoneBias="-180"/>
+      </p:ext>
+    </p:extLst>
+  </p:cm>
+  <p:cm authorId="1" dt="2024-03-24T12:26:43.004" idx="10">
+    <p:pos x="6292" y="567"/>
+    <p:text>4</p:text>
+    <p:extLst>
+      <p:ext uri="{C676402C-5697-4E1C-873F-D02D1690AC5C}">
+        <p15:threadingInfo xmlns:p15="http://schemas.microsoft.com/office/powerpoint/2012/main" timeZoneBias="-180"/>
+      </p:ext>
+    </p:extLst>
+  </p:cm>
+  <p:cm authorId="1" dt="2024-03-24T12:26:46.988" idx="11">
+    <p:pos x="1478" y="2713"/>
+    <p:text>5</p:text>
+    <p:extLst>
+      <p:ext uri="{C676402C-5697-4E1C-873F-D02D1690AC5C}">
+        <p15:threadingInfo xmlns:p15="http://schemas.microsoft.com/office/powerpoint/2012/main" timeZoneBias="-180"/>
+      </p:ext>
+    </p:extLst>
+  </p:cm>
+  <p:cm authorId="1" dt="2024-03-24T12:26:50.911" idx="12">
+    <p:pos x="3360" y="2219"/>
+    <p:text>6</p:text>
+    <p:extLst>
+      <p:ext uri="{C676402C-5697-4E1C-873F-D02D1690AC5C}">
+        <p15:threadingInfo xmlns:p15="http://schemas.microsoft.com/office/powerpoint/2012/main" timeZoneBias="-180"/>
+      </p:ext>
+    </p:extLst>
+  </p:cm>
+  <p:cm authorId="1" dt="2024-03-24T12:26:53.161" idx="13">
+    <p:pos x="4786" y="2667"/>
+    <p:text>7</p:text>
+    <p:extLst>
+      <p:ext uri="{C676402C-5697-4E1C-873F-D02D1690AC5C}">
+        <p15:threadingInfo xmlns:p15="http://schemas.microsoft.com/office/powerpoint/2012/main" timeZoneBias="-180"/>
+      </p:ext>
+    </p:extLst>
+  </p:cm>
+</p:cmLst>
+</file>
+
+<file path=ppt/notesMasters/notesMaster1.xml><?xml version="1.0" encoding="utf-8"?>
+<p:notesMaster xmlns:a="http://schemas.openxmlformats.org/drawingml/2006/main" xmlns:r="http://schemas.openxmlformats.org/officeDocument/2006/relationships" xmlns:p="http://schemas.openxmlformats.org/presentationml/2006/main">
+  <p:cSld>
+    <p:bg>
+      <p:bgRef idx="1001">
+        <a:schemeClr val="bg1"/>
+      </p:bgRef>
+    </p:bg>
+    <p:spTree>
+      <p:nvGrpSpPr>
+        <p:cNvPr id="1" name=""/>
+        <p:cNvGrpSpPr/>
+        <p:nvPr/>
+      </p:nvGrpSpPr>
+      <p:grpSpPr>
+        <a:xfrm>
+          <a:off x="0" y="0"/>
+          <a:ext cx="0" cy="0"/>
+          <a:chOff x="0" y="0"/>
+          <a:chExt cx="0" cy="0"/>
+        </a:xfrm>
+      </p:grpSpPr>
+      <p:sp>
+        <p:nvSpPr>
+          <p:cNvPr id="2" name="Верхний колонтитул 1"/>
+          <p:cNvSpPr>
+            <a:spLocks noGrp="1"/>
+          </p:cNvSpPr>
+          <p:nvPr>
+            <p:ph type="hdr" sz="quarter"/>
+          </p:nvPr>
+        </p:nvSpPr>
+        <p:spPr>
+          <a:xfrm>
+            <a:off x="0" y="0"/>
+            <a:ext cx="2971800" cy="458788"/>
+          </a:xfrm>
+          <a:prstGeom prst="rect">
+            <a:avLst/>
+          </a:prstGeom>
+        </p:spPr>
+        <p:txBody>
+          <a:bodyPr vert="horz" lIns="91440" tIns="45720" rIns="91440" bIns="45720" rtlCol="0"/>
+          <a:lstStyle>
+            <a:lvl1pPr algn="l">
+              <a:defRPr sz="1200"/>
+            </a:lvl1pPr>
+          </a:lstStyle>
+          <a:p>
+            <a:endParaRPr lang="ru-RU"/>
+          </a:p>
+        </p:txBody>
+      </p:sp>
+      <p:sp>
+        <p:nvSpPr>
+          <p:cNvPr id="3" name="Дата 2"/>
+          <p:cNvSpPr>
+            <a:spLocks noGrp="1"/>
+          </p:cNvSpPr>
+          <p:nvPr>
+            <p:ph type="dt" idx="1"/>
+          </p:nvPr>
+        </p:nvSpPr>
+        <p:spPr>
+          <a:xfrm>
+            <a:off x="3884613" y="0"/>
+            <a:ext cx="2971800" cy="458788"/>
+          </a:xfrm>
+          <a:prstGeom prst="rect">
+            <a:avLst/>
+          </a:prstGeom>
+        </p:spPr>
+        <p:txBody>
+          <a:bodyPr vert="horz" lIns="91440" tIns="45720" rIns="91440" bIns="45720" rtlCol="0"/>
+          <a:lstStyle>
+            <a:lvl1pPr algn="r">
+              <a:defRPr sz="1200"/>
+            </a:lvl1pPr>
+          </a:lstStyle>
+          <a:p>
+            <a:fld id="{FA5C04FF-87D3-4A5E-B15F-10675CBF19BD}" type="datetimeFigureOut">
+              <a:rPr lang="ru-RU" smtClean="0"/>
+              <a:t>24.03.2024</a:t>
+            </a:fld>
+            <a:endParaRPr lang="ru-RU"/>
+          </a:p>
+        </p:txBody>
+      </p:sp>
+      <p:sp>
+        <p:nvSpPr>
+          <p:cNvPr id="4" name="Образ слайда 3"/>
+          <p:cNvSpPr>
+            <a:spLocks noGrp="1" noRot="1" noChangeAspect="1"/>
+          </p:cNvSpPr>
+          <p:nvPr>
+            <p:ph type="sldImg" idx="2"/>
+          </p:nvPr>
+        </p:nvSpPr>
+        <p:spPr>
+          <a:xfrm>
+            <a:off x="685800" y="1143000"/>
+            <a:ext cx="5486400" cy="3086100"/>
+          </a:xfrm>
+          <a:prstGeom prst="rect">
+            <a:avLst/>
+          </a:prstGeom>
+          <a:noFill/>
+          <a:ln w="12700">
+            <a:solidFill>
+              <a:prstClr val="black"/>
+            </a:solidFill>
+          </a:ln>
+        </p:spPr>
+        <p:txBody>
+          <a:bodyPr vert="horz" lIns="91440" tIns="45720" rIns="91440" bIns="45720" rtlCol="0" anchor="ctr"/>
+          <a:lstStyle/>
+          <a:p>
+            <a:endParaRPr lang="ru-RU"/>
+          </a:p>
+        </p:txBody>
+      </p:sp>
+      <p:sp>
+        <p:nvSpPr>
+          <p:cNvPr id="5" name="Заметки 4"/>
+          <p:cNvSpPr>
+            <a:spLocks noGrp="1"/>
+          </p:cNvSpPr>
+          <p:nvPr>
+            <p:ph type="body" sz="quarter" idx="3"/>
+          </p:nvPr>
+        </p:nvSpPr>
+        <p:spPr>
+          <a:xfrm>
+            <a:off x="685800" y="4400550"/>
+            <a:ext cx="5486400" cy="3600450"/>
+          </a:xfrm>
+          <a:prstGeom prst="rect">
+            <a:avLst/>
+          </a:prstGeom>
+        </p:spPr>
+        <p:txBody>
+          <a:bodyPr vert="horz" lIns="91440" tIns="45720" rIns="91440" bIns="45720" rtlCol="0"/>
+          <a:lstStyle/>
+          <a:p>
+            <a:pPr lvl="0"/>
+            <a:r>
+              <a:rPr lang="ru-RU"/>
+              <a:t>Образец текста</a:t>
+            </a:r>
+          </a:p>
+          <a:p>
+            <a:pPr lvl="1"/>
+            <a:r>
+              <a:rPr lang="ru-RU"/>
+              <a:t>Второй уровень</a:t>
+            </a:r>
+          </a:p>
+          <a:p>
+            <a:pPr lvl="2"/>
+            <a:r>
+              <a:rPr lang="ru-RU"/>
+              <a:t>Третий уровень</a:t>
+            </a:r>
+          </a:p>
+          <a:p>
+            <a:pPr lvl="3"/>
+            <a:r>
+              <a:rPr lang="ru-RU"/>
+              <a:t>Четвертый уровень</a:t>
+            </a:r>
+          </a:p>
+          <a:p>
+            <a:pPr lvl="4"/>
+            <a:r>
+              <a:rPr lang="ru-RU"/>
+              <a:t>Пятый уровень</a:t>
+            </a:r>
+          </a:p>
+        </p:txBody>
+      </p:sp>
+      <p:sp>
+        <p:nvSpPr>
+          <p:cNvPr id="6" name="Нижний колонтитул 5"/>
+          <p:cNvSpPr>
+            <a:spLocks noGrp="1"/>
+          </p:cNvSpPr>
+          <p:nvPr>
+            <p:ph type="ftr" sz="quarter" idx="4"/>
+          </p:nvPr>
+        </p:nvSpPr>
+        <p:spPr>
+          <a:xfrm>
+            <a:off x="0" y="8685213"/>
+            <a:ext cx="2971800" cy="458787"/>
+          </a:xfrm>
+          <a:prstGeom prst="rect">
+            <a:avLst/>
+          </a:prstGeom>
+        </p:spPr>
+        <p:txBody>
+          <a:bodyPr vert="horz" lIns="91440" tIns="45720" rIns="91440" bIns="45720" rtlCol="0" anchor="b"/>
+          <a:lstStyle>
+            <a:lvl1pPr algn="l">
+              <a:defRPr sz="1200"/>
+            </a:lvl1pPr>
+          </a:lstStyle>
+          <a:p>
+            <a:endParaRPr lang="ru-RU"/>
+          </a:p>
+        </p:txBody>
+      </p:sp>
+      <p:sp>
+        <p:nvSpPr>
+          <p:cNvPr id="7" name="Номер слайда 6"/>
+          <p:cNvSpPr>
+            <a:spLocks noGrp="1"/>
+          </p:cNvSpPr>
+          <p:nvPr>
+            <p:ph type="sldNum" sz="quarter" idx="5"/>
+          </p:nvPr>
+        </p:nvSpPr>
+        <p:spPr>
+          <a:xfrm>
+            <a:off x="3884613" y="8685213"/>
+            <a:ext cx="2971800" cy="458787"/>
+          </a:xfrm>
+          <a:prstGeom prst="rect">
+            <a:avLst/>
+          </a:prstGeom>
+        </p:spPr>
+        <p:txBody>
+          <a:bodyPr vert="horz" lIns="91440" tIns="45720" rIns="91440" bIns="45720" rtlCol="0" anchor="b"/>
+          <a:lstStyle>
+            <a:lvl1pPr algn="r">
+              <a:defRPr sz="1200"/>
+            </a:lvl1pPr>
+          </a:lstStyle>
+          <a:p>
+            <a:fld id="{C441DE03-8522-4E66-85FD-C9BDFFFB6EDB}" type="slidenum">
+              <a:rPr lang="ru-RU" smtClean="0"/>
+              <a:t>‹#›</a:t>
+            </a:fld>
+            <a:endParaRPr lang="ru-RU"/>
+          </a:p>
+        </p:txBody>
+      </p:sp>
+    </p:spTree>
+    <p:extLst>
+      <p:ext uri="{BB962C8B-B14F-4D97-AF65-F5344CB8AC3E}">
+        <p14:creationId xmlns:p14="http://schemas.microsoft.com/office/powerpoint/2010/main" val="3453250303"/>
+      </p:ext>
+    </p:extLst>
+  </p:cSld>
+  <p:clrMap bg1="lt1" tx1="dk1" bg2="lt2" tx2="dk2" accent1="accent1" accent2="accent2" accent3="accent3" accent4="accent4" accent5="accent5" accent6="accent6" hlink="hlink" folHlink="folHlink"/>
+  <p:notesStyle>
+    <a:lvl1pPr marL="0" algn="l" defTabSz="914400" rtl="0" eaLnBrk="1" latinLnBrk="0" hangingPunct="1">
+      <a:defRPr sz="1200" kern="1200">
+        <a:solidFill>
+          <a:schemeClr val="tx1"/>
+        </a:solidFill>
+        <a:latin typeface="+mn-lt"/>
+        <a:ea typeface="+mn-ea"/>
+        <a:cs typeface="+mn-cs"/>
+      </a:defRPr>
+    </a:lvl1pPr>
+    <a:lvl2pPr marL="457200" algn="l" defTabSz="914400" rtl="0" eaLnBrk="1" latinLnBrk="0" hangingPunct="1">
+      <a:defRPr sz="1200" kern="1200">
+        <a:solidFill>
+          <a:schemeClr val="tx1"/>
+        </a:solidFill>
+        <a:latin typeface="+mn-lt"/>
+        <a:ea typeface="+mn-ea"/>
+        <a:cs typeface="+mn-cs"/>
+      </a:defRPr>
+    </a:lvl2pPr>
+    <a:lvl3pPr marL="914400" algn="l" defTabSz="914400" rtl="0" eaLnBrk="1" latinLnBrk="0" hangingPunct="1">
+      <a:defRPr sz="1200" kern="1200">
+        <a:solidFill>
+          <a:schemeClr val="tx1"/>
+        </a:solidFill>
+        <a:latin typeface="+mn-lt"/>
+        <a:ea typeface="+mn-ea"/>
+        <a:cs typeface="+mn-cs"/>
+      </a:defRPr>
+    </a:lvl3pPr>
+    <a:lvl4pPr marL="1371600" algn="l" defTabSz="914400" rtl="0" eaLnBrk="1" latinLnBrk="0" hangingPunct="1">
+      <a:defRPr sz="1200" kern="1200">
+        <a:solidFill>
+          <a:schemeClr val="tx1"/>
+        </a:solidFill>
+        <a:latin typeface="+mn-lt"/>
+        <a:ea typeface="+mn-ea"/>
+        <a:cs typeface="+mn-cs"/>
+      </a:defRPr>
+    </a:lvl4pPr>
+    <a:lvl5pPr marL="1828800" algn="l" defTabSz="914400" rtl="0" eaLnBrk="1" latinLnBrk="0" hangingPunct="1">
+      <a:defRPr sz="1200" kern="1200">
+        <a:solidFill>
+          <a:schemeClr val="tx1"/>
+        </a:solidFill>
+        <a:latin typeface="+mn-lt"/>
+        <a:ea typeface="+mn-ea"/>
+        <a:cs typeface="+mn-cs"/>
+      </a:defRPr>
+    </a:lvl5pPr>
+    <a:lvl6pPr marL="2286000" algn="l" defTabSz="914400" rtl="0" eaLnBrk="1" latinLnBrk="0" hangingPunct="1">
+      <a:defRPr sz="1200" kern="1200">
+        <a:solidFill>
+          <a:schemeClr val="tx1"/>
+        </a:solidFill>
+        <a:latin typeface="+mn-lt"/>
+        <a:ea typeface="+mn-ea"/>
+        <a:cs typeface="+mn-cs"/>
+      </a:defRPr>
+    </a:lvl6pPr>
+    <a:lvl7pPr marL="2743200" algn="l" defTabSz="914400" rtl="0" eaLnBrk="1" latinLnBrk="0" hangingPunct="1">
+      <a:defRPr sz="1200" kern="1200">
+        <a:solidFill>
+          <a:schemeClr val="tx1"/>
+        </a:solidFill>
+        <a:latin typeface="+mn-lt"/>
+        <a:ea typeface="+mn-ea"/>
+        <a:cs typeface="+mn-cs"/>
+      </a:defRPr>
+    </a:lvl7pPr>
+    <a:lvl8pPr marL="3200400" algn="l" defTabSz="914400" rtl="0" eaLnBrk="1" latinLnBrk="0" hangingPunct="1">
+      <a:defRPr sz="1200" kern="1200">
+        <a:solidFill>
+          <a:schemeClr val="tx1"/>
+        </a:solidFill>
+        <a:latin typeface="+mn-lt"/>
+        <a:ea typeface="+mn-ea"/>
+        <a:cs typeface="+mn-cs"/>
+      </a:defRPr>
+    </a:lvl8pPr>
+    <a:lvl9pPr marL="3657600" algn="l" defTabSz="914400" rtl="0" eaLnBrk="1" latinLnBrk="0" hangingPunct="1">
+      <a:defRPr sz="1200" kern="1200">
+        <a:solidFill>
+          <a:schemeClr val="tx1"/>
+        </a:solidFill>
+        <a:latin typeface="+mn-lt"/>
+        <a:ea typeface="+mn-ea"/>
+        <a:cs typeface="+mn-cs"/>
+      </a:defRPr>
+    </a:lvl9pPr>
+  </p:notesStyle>
+</p:notesMaster>
 </file>
 
 <file path=ppt/slideLayouts/slideLayout1.xml><?xml version="1.0" encoding="utf-8"?>
@@ -3374,103 +3827,147 @@
           <p:cNvPr id="2" name="Заголовок 1">
             <a:extLst>
               <a:ext uri="{FF2B5EF4-FFF2-40B4-BE49-F238E27FC236}">
-                <a16:creationId xmlns:a16="http://schemas.microsoft.com/office/drawing/2014/main" id="{7D793F2D-155C-A215-F675-2DA2F1D28D18}"/>
-              </a:ext>
-            </a:extLst>
-          </p:cNvPr>
-          <p:cNvSpPr>
-            <a:spLocks noGrp="1"/>
-          </p:cNvSpPr>
-          <p:nvPr>
-            <p:ph type="title"/>
-          </p:nvPr>
-        </p:nvSpPr>
-        <p:spPr/>
-        <p:txBody>
-          <a:bodyPr/>
-          <a:lstStyle/>
-          <a:p>
-            <a:r>
-              <a:rPr lang="ru-RU" dirty="0"/>
-              <a:t>ПОЗДРАВЛЯЕМ НАШУ ИМЕНИННИЦУ</a:t>
-            </a:r>
-          </a:p>
-        </p:txBody>
-      </p:sp>
-      <p:sp>
-        <p:nvSpPr>
-          <p:cNvPr id="3" name="Прямоугольник 2">
-            <a:extLst>
-              <a:ext uri="{FF2B5EF4-FFF2-40B4-BE49-F238E27FC236}">
-                <a16:creationId xmlns:a16="http://schemas.microsoft.com/office/drawing/2014/main" id="{80DA47D9-8503-E414-80EC-B2D80573FB54}"/>
-              </a:ext>
-            </a:extLst>
-          </p:cNvPr>
-          <p:cNvSpPr/>
-          <p:nvPr/>
+                <a16:creationId xmlns:a16="http://schemas.microsoft.com/office/drawing/2014/main" id="{CBC70991-C035-5EBF-ECA7-1C5E28789AF5}"/>
+              </a:ext>
+            </a:extLst>
+          </p:cNvPr>
+          <p:cNvSpPr>
+            <a:spLocks noGrp="1"/>
+          </p:cNvSpPr>
+          <p:nvPr>
+            <p:ph type="ctrTitle"/>
+          </p:nvPr>
         </p:nvSpPr>
         <p:spPr>
           <a:xfrm>
-            <a:off x="1455938" y="2263806"/>
-            <a:ext cx="8753382" cy="3799643"/>
+            <a:off x="1524000" y="219075"/>
+            <a:ext cx="9144000" cy="3290888"/>
           </a:xfrm>
-          <a:prstGeom prst="rect">
-            <a:avLst/>
-          </a:prstGeom>
         </p:spPr>
-        <p:style>
-          <a:lnRef idx="2">
-            <a:schemeClr val="accent1">
-              <a:shade val="50000"/>
-            </a:schemeClr>
-          </a:lnRef>
-          <a:fillRef idx="1">
-            <a:schemeClr val="accent1"/>
-          </a:fillRef>
-          <a:effectRef idx="0">
-            <a:schemeClr val="accent1"/>
-          </a:effectRef>
-          <a:fontRef idx="minor">
-            <a:schemeClr val="lt1"/>
-          </a:fontRef>
-        </p:style>
-        <p:txBody>
-          <a:bodyPr rtlCol="0" anchor="ctr"/>
+        <p:txBody>
+          <a:bodyPr>
+            <a:normAutofit fontScale="90000"/>
+          </a:bodyPr>
           <a:lstStyle/>
           <a:p>
-            <a:pPr algn="ctr"/>
-            <a:r>
+            <a:r>
+              <a:rPr lang="ru-RU" b="1" dirty="0">
+                <a:solidFill>
+                  <a:srgbClr val="00B050"/>
+                </a:solidFill>
+              </a:rPr>
+              <a:t>Задание 1</a:t>
+            </a:r>
+            <a:br>
+              <a:rPr lang="ru-RU" b="1" dirty="0"/>
+            </a:br>
+            <a:r>
+              <a:rPr lang="ru-RU" b="1" dirty="0"/>
+              <a:t>1.Угадайте имя героя на изображении</a:t>
+            </a:r>
+            <a:br>
               <a:rPr lang="ru-RU" dirty="0"/>
-              <a:t>Собери </a:t>
-            </a:r>
-            <a:r>
-              <a:rPr lang="ru-RU" dirty="0" err="1"/>
-              <a:t>пазл</a:t>
-            </a:r>
-            <a:endParaRPr lang="ru-RU" dirty="0"/>
-          </a:p>
-          <a:p>
-            <a:pPr algn="ctr"/>
+            </a:br>
+            <a:r>
+              <a:rPr lang="ru-RU" sz="2700" dirty="0">
+                <a:solidFill>
+                  <a:srgbClr val="FF0000"/>
+                </a:solidFill>
+              </a:rPr>
+              <a:t>файл </a:t>
+            </a:r>
+            <a:r>
+              <a:rPr lang="en-US" sz="2700" dirty="0" err="1">
+                <a:solidFill>
+                  <a:srgbClr val="FF0000"/>
+                </a:solidFill>
+              </a:rPr>
+              <a:t>Pazl</a:t>
+            </a:r>
+            <a:r>
+              <a:rPr lang="en-US" sz="2700" dirty="0">
+                <a:solidFill>
+                  <a:srgbClr val="FF0000"/>
+                </a:solidFill>
+              </a:rPr>
+              <a:t> L</a:t>
+            </a:r>
+            <a:br>
+              <a:rPr lang="ru-RU" sz="2700" dirty="0">
+                <a:solidFill>
+                  <a:srgbClr val="FF0000"/>
+                </a:solidFill>
+              </a:rPr>
+            </a:br>
+            <a:endParaRPr lang="ru-RU" sz="2700" dirty="0">
+              <a:solidFill>
+                <a:srgbClr val="FF0000"/>
+              </a:solidFill>
+            </a:endParaRPr>
+          </a:p>
+        </p:txBody>
+      </p:sp>
+      <p:sp>
+        <p:nvSpPr>
+          <p:cNvPr id="3" name="Подзаголовок 2">
+            <a:extLst>
+              <a:ext uri="{FF2B5EF4-FFF2-40B4-BE49-F238E27FC236}">
+                <a16:creationId xmlns:a16="http://schemas.microsoft.com/office/drawing/2014/main" id="{8C60B032-4BB2-4319-6F3E-68BA1D34A5BA}"/>
+              </a:ext>
+            </a:extLst>
+          </p:cNvPr>
+          <p:cNvSpPr>
+            <a:spLocks noGrp="1"/>
+          </p:cNvSpPr>
+          <p:nvPr>
+            <p:ph type="subTitle" idx="1"/>
+          </p:nvPr>
+        </p:nvSpPr>
+        <p:spPr>
+          <a:xfrm>
+            <a:off x="1524000" y="3602038"/>
+            <a:ext cx="9144000" cy="2387600"/>
+          </a:xfrm>
+        </p:spPr>
+        <p:txBody>
+          <a:bodyPr>
+            <a:normAutofit fontScale="92500"/>
+          </a:bodyPr>
+          <a:lstStyle/>
+          <a:p>
+            <a:r>
+              <a:rPr lang="ru-RU" b="1" dirty="0">
+                <a:solidFill>
+                  <a:srgbClr val="002060"/>
+                </a:solidFill>
+              </a:rPr>
+              <a:t>2. Введите имя</a:t>
+            </a:r>
+          </a:p>
+          <a:p>
             <a:r>
               <a:rPr lang="ru-RU" dirty="0"/>
-              <a:t>Файл </a:t>
-            </a:r>
-            <a:r>
-              <a:rPr lang="en-US" dirty="0" err="1"/>
-              <a:t>Pazl</a:t>
-            </a:r>
-            <a:r>
-              <a:rPr lang="en-US" dirty="0"/>
-              <a:t> L</a:t>
-            </a:r>
-            <a:endParaRPr lang="ru-RU" dirty="0"/>
+              <a:t>Верный ответ: Лена/ Елена</a:t>
+            </a:r>
+          </a:p>
+          <a:p>
+            <a:r>
+              <a:rPr lang="ru-RU" sz="4000" b="1" dirty="0"/>
+              <a:t>3. Давайте поздравим нашу именинницу </a:t>
+            </a:r>
+          </a:p>
+          <a:p>
+            <a:r>
+              <a:rPr lang="ru-RU" sz="4000" b="1" dirty="0"/>
+              <a:t>с днём рождения!</a:t>
+            </a:r>
           </a:p>
         </p:txBody>
       </p:sp>
     </p:spTree>
     <p:extLst>
       <p:ext uri="{BB962C8B-B14F-4D97-AF65-F5344CB8AC3E}">
-        <p14:creationId xmlns:p14="http://schemas.microsoft.com/office/powerpoint/2010/main" val="3231727173"/>
+        <p14:creationId xmlns:p14="http://schemas.microsoft.com/office/powerpoint/2010/main" val="3507347718"/>
       </p:ext>
     </p:extLst>
   </p:cSld>
@@ -3502,7 +3999,7 @@
           <p:cNvPr id="2" name="Заголовок 1">
             <a:extLst>
               <a:ext uri="{FF2B5EF4-FFF2-40B4-BE49-F238E27FC236}">
-                <a16:creationId xmlns:a16="http://schemas.microsoft.com/office/drawing/2014/main" id="{4F43607C-E50F-DF94-67CB-EA5B5612E79A}"/>
+                <a16:creationId xmlns:a16="http://schemas.microsoft.com/office/drawing/2014/main" id="{73E8ACFF-45E7-D84F-A7A8-28D43511CDCE}"/>
               </a:ext>
             </a:extLst>
           </p:cNvPr>
@@ -3520,7 +4017,7 @@
           <a:p>
             <a:r>
               <a:rPr lang="ru-RU" dirty="0"/>
-              <a:t>Пусть ответит Саша</a:t>
+              <a:t>Собери слово по желанию Охотника</a:t>
             </a:r>
           </a:p>
         </p:txBody>
@@ -3530,7 +4027,7 @@
           <p:cNvPr id="3" name="Подзаголовок 2">
             <a:extLst>
               <a:ext uri="{FF2B5EF4-FFF2-40B4-BE49-F238E27FC236}">
-                <a16:creationId xmlns:a16="http://schemas.microsoft.com/office/drawing/2014/main" id="{E263FEC9-5C45-A7E3-143A-930E02E71AAE}"/>
+                <a16:creationId xmlns:a16="http://schemas.microsoft.com/office/drawing/2014/main" id="{423AFDD5-0E5C-1E57-39F5-0B1435BEA975}"/>
               </a:ext>
             </a:extLst>
           </p:cNvPr>
@@ -3548,24 +4045,17 @@
           <a:p>
             <a:r>
               <a:rPr lang="ru-RU" dirty="0"/>
-              <a:t>Видео </a:t>
+              <a:t>фото</a:t>
             </a:r>
             <a:r>
               <a:rPr lang="en-US" dirty="0"/>
-              <a:t>Boy</a:t>
+              <a:t>- Ox</a:t>
             </a:r>
           </a:p>
           <a:p>
             <a:r>
               <a:rPr lang="ru-RU" dirty="0"/>
-              <a:t>Что ответил малыш?</a:t>
-            </a:r>
-            <a:endParaRPr lang="en-US" dirty="0"/>
-          </a:p>
-          <a:p>
-            <a:r>
-              <a:rPr lang="ru-RU" dirty="0"/>
-              <a:t>Верный ответ: в левом</a:t>
+              <a:t>Верный ответ : теплица</a:t>
             </a:r>
           </a:p>
         </p:txBody>
@@ -3573,7 +4063,7 @@
     </p:spTree>
     <p:extLst>
       <p:ext uri="{BB962C8B-B14F-4D97-AF65-F5344CB8AC3E}">
-        <p14:creationId xmlns:p14="http://schemas.microsoft.com/office/powerpoint/2010/main" val="1848217577"/>
+        <p14:creationId xmlns:p14="http://schemas.microsoft.com/office/powerpoint/2010/main" val="679133564"/>
       </p:ext>
     </p:extLst>
   </p:cSld>
@@ -3605,7 +4095,7 @@
           <p:cNvPr id="2" name="Заголовок 1">
             <a:extLst>
               <a:ext uri="{FF2B5EF4-FFF2-40B4-BE49-F238E27FC236}">
-                <a16:creationId xmlns:a16="http://schemas.microsoft.com/office/drawing/2014/main" id="{11F5FB1B-22C1-EAF4-9CAC-FF213577DFA6}"/>
+                <a16:creationId xmlns:a16="http://schemas.microsoft.com/office/drawing/2014/main" id="{87F6637F-21E0-21AB-7985-2335BE95653E}"/>
               </a:ext>
             </a:extLst>
           </p:cNvPr>
@@ -3618,94 +4108,686 @@
         </p:nvSpPr>
         <p:spPr>
           <a:xfrm>
-            <a:off x="838200" y="204187"/>
-            <a:ext cx="10515600" cy="1486502"/>
+            <a:off x="838200" y="365125"/>
+            <a:ext cx="10515600" cy="6009042"/>
           </a:xfrm>
         </p:spPr>
         <p:txBody>
-          <a:bodyPr/>
+          <a:bodyPr>
+            <a:noAutofit/>
+          </a:bodyPr>
           <a:lstStyle/>
           <a:p>
-            <a:r>
-              <a:rPr lang="ru-RU" dirty="0"/>
-              <a:t>Введи первые буквы слов</a:t>
-            </a:r>
-          </a:p>
-        </p:txBody>
-      </p:sp>
-      <p:sp>
-        <p:nvSpPr>
-          <p:cNvPr id="3" name="Объект 2">
-            <a:extLst>
-              <a:ext uri="{FF2B5EF4-FFF2-40B4-BE49-F238E27FC236}">
-                <a16:creationId xmlns:a16="http://schemas.microsoft.com/office/drawing/2014/main" id="{A4DA454D-BE38-149B-8A89-05DF3E284456}"/>
-              </a:ext>
-            </a:extLst>
-          </p:cNvPr>
-          <p:cNvSpPr>
-            <a:spLocks noGrp="1"/>
-          </p:cNvSpPr>
-          <p:nvPr>
-            <p:ph idx="1"/>
-          </p:nvPr>
-        </p:nvSpPr>
-        <p:spPr>
-          <a:xfrm>
-            <a:off x="838200" y="1287262"/>
-            <a:ext cx="10515600" cy="4889701"/>
-          </a:xfrm>
-        </p:spPr>
-        <p:txBody>
-          <a:bodyPr/>
-          <a:lstStyle/>
-          <a:p>
-            <a:r>
-              <a:rPr lang="ru-RU" dirty="0"/>
-              <a:t>Верный ответ : ВСЗ</a:t>
-            </a:r>
-          </a:p>
-        </p:txBody>
-      </p:sp>
-      <p:pic>
-        <p:nvPicPr>
-          <p:cNvPr id="5" name="Рисунок 4">
-            <a:extLst>
-              <a:ext uri="{FF2B5EF4-FFF2-40B4-BE49-F238E27FC236}">
-                <a16:creationId xmlns:a16="http://schemas.microsoft.com/office/drawing/2014/main" id="{55A4B658-3CAB-45B7-95C3-5B94498B1E6D}"/>
-              </a:ext>
-            </a:extLst>
-          </p:cNvPr>
-          <p:cNvPicPr>
-            <a:picLocks noChangeAspect="1"/>
-          </p:cNvPicPr>
-          <p:nvPr/>
-        </p:nvPicPr>
-        <p:blipFill>
-          <a:blip r:embed="rId2">
-            <a:extLst>
-              <a:ext uri="{28A0092B-C50C-407E-A947-70E740481C1C}">
-                <a14:useLocalDpi xmlns:a14="http://schemas.microsoft.com/office/drawing/2010/main" val="0"/>
-              </a:ext>
-            </a:extLst>
-          </a:blip>
-          <a:stretch>
-            <a:fillRect/>
-          </a:stretch>
-        </p:blipFill>
-        <p:spPr>
-          <a:xfrm>
-            <a:off x="1503633" y="1909192"/>
-            <a:ext cx="7675877" cy="5437080"/>
-          </a:xfrm>
-          <a:prstGeom prst="rect">
-            <a:avLst/>
-          </a:prstGeom>
-        </p:spPr>
-      </p:pic>
+            <a:pPr algn="ctr"/>
+            <a:br>
+              <a:rPr lang="ru-RU" sz="12000" b="1" cap="none" spc="0" dirty="0">
+                <a:ln w="22225">
+                  <a:solidFill>
+                    <a:schemeClr val="accent2"/>
+                  </a:solidFill>
+                  <a:prstDash val="solid"/>
+                </a:ln>
+                <a:solidFill>
+                  <a:schemeClr val="accent2">
+                    <a:lumMod val="40000"/>
+                    <a:lumOff val="60000"/>
+                  </a:schemeClr>
+                </a:solidFill>
+                <a:effectLst/>
+              </a:rPr>
+            </a:br>
+            <a:r>
+              <a:rPr lang="ru-RU" sz="14000" b="1" cap="none" spc="300" dirty="0">
+                <a:ln w="22225">
+                  <a:solidFill>
+                    <a:schemeClr val="accent2"/>
+                  </a:solidFill>
+                  <a:prstDash val="solid"/>
+                </a:ln>
+                <a:solidFill>
+                  <a:schemeClr val="accent2">
+                    <a:lumMod val="40000"/>
+                    <a:lumOff val="60000"/>
+                  </a:schemeClr>
+                </a:solidFill>
+                <a:effectLst>
+                  <a:outerShdw blurRad="38100" dist="38100" dir="2700000" algn="tl">
+                    <a:srgbClr val="000000">
+                      <a:alpha val="43137"/>
+                    </a:srgbClr>
+                  </a:outerShdw>
+                </a:effectLst>
+              </a:rPr>
+              <a:t>ГО</a:t>
+            </a:r>
+            <a:r>
+              <a:rPr lang="ru-RU" sz="14000" b="1" cap="none" spc="300" dirty="0">
+                <a:ln w="22225">
+                  <a:solidFill>
+                    <a:schemeClr val="accent2"/>
+                  </a:solidFill>
+                  <a:prstDash val="solid"/>
+                </a:ln>
+                <a:solidFill>
+                  <a:srgbClr val="7030A0"/>
+                </a:solidFill>
+                <a:effectLst>
+                  <a:outerShdw blurRad="38100" dist="38100" dir="2700000" algn="tl">
+                    <a:srgbClr val="000000">
+                      <a:alpha val="43137"/>
+                    </a:srgbClr>
+                  </a:outerShdw>
+                </a:effectLst>
+              </a:rPr>
+              <a:t>А</a:t>
+            </a:r>
+            <a:r>
+              <a:rPr lang="ru-RU" sz="14000" b="1" cap="none" spc="300" dirty="0">
+                <a:ln w="22225">
+                  <a:solidFill>
+                    <a:schemeClr val="accent2"/>
+                  </a:solidFill>
+                  <a:prstDash val="solid"/>
+                </a:ln>
+                <a:solidFill>
+                  <a:schemeClr val="accent2">
+                    <a:lumMod val="40000"/>
+                    <a:lumOff val="60000"/>
+                  </a:schemeClr>
+                </a:solidFill>
+                <a:effectLst>
+                  <a:outerShdw blurRad="38100" dist="38100" dir="2700000" algn="tl">
+                    <a:srgbClr val="000000">
+                      <a:alpha val="43137"/>
+                    </a:srgbClr>
+                  </a:outerShdw>
+                </a:effectLst>
+              </a:rPr>
+              <a:t>БМ</a:t>
+            </a:r>
+            <a:r>
+              <a:rPr lang="ru-RU" sz="14000" b="1" cap="none" spc="300" dirty="0">
+                <a:ln w="22225">
+                  <a:solidFill>
+                    <a:schemeClr val="accent2"/>
+                  </a:solidFill>
+                  <a:prstDash val="solid"/>
+                </a:ln>
+                <a:solidFill>
+                  <a:srgbClr val="FF9900"/>
+                </a:solidFill>
+                <a:effectLst>
+                  <a:outerShdw blurRad="38100" dist="38100" dir="2700000" algn="tl">
+                    <a:srgbClr val="000000">
+                      <a:alpha val="43137"/>
+                    </a:srgbClr>
+                  </a:outerShdw>
+                </a:effectLst>
+              </a:rPr>
+              <a:t>Е</a:t>
+            </a:r>
+            <a:r>
+              <a:rPr lang="ru-RU" sz="14000" b="1" cap="none" spc="300" dirty="0">
+                <a:ln w="22225">
+                  <a:solidFill>
+                    <a:schemeClr val="accent2"/>
+                  </a:solidFill>
+                  <a:prstDash val="solid"/>
+                </a:ln>
+                <a:solidFill>
+                  <a:schemeClr val="accent2">
+                    <a:lumMod val="40000"/>
+                    <a:lumOff val="60000"/>
+                  </a:schemeClr>
+                </a:solidFill>
+                <a:effectLst>
+                  <a:outerShdw blurRad="38100" dist="38100" dir="2700000" algn="tl">
+                    <a:srgbClr val="000000">
+                      <a:alpha val="43137"/>
+                    </a:srgbClr>
+                  </a:outerShdw>
+                </a:effectLst>
+              </a:rPr>
+              <a:t>СФ</a:t>
+            </a:r>
+            <a:br>
+              <a:rPr lang="ru-RU" sz="14000" b="1" cap="none" spc="300" dirty="0">
+                <a:ln w="22225">
+                  <a:solidFill>
+                    <a:schemeClr val="accent2"/>
+                  </a:solidFill>
+                  <a:prstDash val="solid"/>
+                </a:ln>
+                <a:solidFill>
+                  <a:schemeClr val="accent2">
+                    <a:lumMod val="40000"/>
+                    <a:lumOff val="60000"/>
+                  </a:schemeClr>
+                </a:solidFill>
+                <a:effectLst>
+                  <a:outerShdw blurRad="38100" dist="38100" dir="2700000" algn="tl">
+                    <a:srgbClr val="000000">
+                      <a:alpha val="43137"/>
+                    </a:srgbClr>
+                  </a:outerShdw>
+                </a:effectLst>
+              </a:rPr>
+            </a:br>
+            <a:r>
+              <a:rPr lang="ru-RU" sz="14000" b="1" cap="none" spc="300" dirty="0">
+                <a:ln w="22225">
+                  <a:solidFill>
+                    <a:schemeClr val="accent2"/>
+                  </a:solidFill>
+                  <a:prstDash val="solid"/>
+                </a:ln>
+                <a:solidFill>
+                  <a:schemeClr val="accent2">
+                    <a:lumMod val="40000"/>
+                    <a:lumOff val="60000"/>
+                  </a:schemeClr>
+                </a:solidFill>
+                <a:effectLst>
+                  <a:outerShdw blurRad="38100" dist="38100" dir="2700000" algn="tl">
+                    <a:srgbClr val="000000">
+                      <a:alpha val="43137"/>
+                    </a:srgbClr>
+                  </a:outerShdw>
+                </a:effectLst>
+              </a:rPr>
+              <a:t>З</a:t>
+            </a:r>
+            <a:r>
+              <a:rPr lang="ru-RU" sz="14000" b="1" cap="none" spc="300" dirty="0">
+                <a:ln w="22225">
+                  <a:solidFill>
+                    <a:schemeClr val="accent2"/>
+                  </a:solidFill>
+                  <a:prstDash val="solid"/>
+                </a:ln>
+                <a:solidFill>
+                  <a:srgbClr val="00B0F0"/>
+                </a:solidFill>
+                <a:effectLst>
+                  <a:outerShdw blurRad="38100" dist="38100" dir="2700000" algn="tl">
+                    <a:srgbClr val="000000">
+                      <a:alpha val="43137"/>
+                    </a:srgbClr>
+                  </a:outerShdw>
+                </a:effectLst>
+              </a:rPr>
+              <a:t>И</a:t>
+            </a:r>
+            <a:r>
+              <a:rPr lang="ru-RU" sz="14000" b="1" cap="none" spc="300" dirty="0">
+                <a:ln w="22225">
+                  <a:solidFill>
+                    <a:schemeClr val="accent2"/>
+                  </a:solidFill>
+                  <a:prstDash val="solid"/>
+                </a:ln>
+                <a:solidFill>
+                  <a:schemeClr val="accent2">
+                    <a:lumMod val="40000"/>
+                    <a:lumOff val="60000"/>
+                  </a:schemeClr>
+                </a:solidFill>
+                <a:effectLst>
+                  <a:outerShdw blurRad="38100" dist="38100" dir="2700000" algn="tl">
+                    <a:srgbClr val="000000">
+                      <a:alpha val="43137"/>
+                    </a:srgbClr>
+                  </a:outerShdw>
+                </a:effectLst>
+              </a:rPr>
+              <a:t>В</a:t>
+            </a:r>
+            <a:r>
+              <a:rPr lang="ru-RU" sz="14000" b="1" cap="none" spc="300" dirty="0">
+                <a:ln w="22225">
+                  <a:solidFill>
+                    <a:schemeClr val="accent2"/>
+                  </a:solidFill>
+                  <a:prstDash val="solid"/>
+                </a:ln>
+                <a:solidFill>
+                  <a:srgbClr val="00B050"/>
+                </a:solidFill>
+                <a:effectLst>
+                  <a:outerShdw blurRad="38100" dist="38100" dir="2700000" algn="tl">
+                    <a:srgbClr val="000000">
+                      <a:alpha val="43137"/>
+                    </a:srgbClr>
+                  </a:outerShdw>
+                </a:effectLst>
+              </a:rPr>
+              <a:t>Л</a:t>
+            </a:r>
+            <a:r>
+              <a:rPr lang="ru-RU" sz="14000" b="1" cap="none" spc="300" dirty="0">
+                <a:ln w="22225">
+                  <a:solidFill>
+                    <a:schemeClr val="accent2"/>
+                  </a:solidFill>
+                  <a:prstDash val="solid"/>
+                </a:ln>
+                <a:solidFill>
+                  <a:schemeClr val="accent2">
+                    <a:lumMod val="40000"/>
+                    <a:lumOff val="60000"/>
+                  </a:schemeClr>
+                </a:solidFill>
+                <a:effectLst>
+                  <a:outerShdw blurRad="38100" dist="38100" dir="2700000" algn="tl">
+                    <a:srgbClr val="000000">
+                      <a:alpha val="43137"/>
+                    </a:srgbClr>
+                  </a:outerShdw>
+                </a:effectLst>
+              </a:rPr>
+              <a:t>НД</a:t>
+            </a:r>
+            <a:r>
+              <a:rPr lang="ru-RU" sz="14000" b="1" cap="none" spc="300" dirty="0">
+                <a:ln w="22225">
+                  <a:solidFill>
+                    <a:schemeClr val="accent2"/>
+                  </a:solidFill>
+                  <a:prstDash val="solid"/>
+                </a:ln>
+                <a:solidFill>
+                  <a:srgbClr val="FFFF00"/>
+                </a:solidFill>
+                <a:effectLst>
+                  <a:outerShdw blurRad="38100" dist="38100" dir="2700000" algn="tl">
+                    <a:srgbClr val="000000">
+                      <a:alpha val="43137"/>
+                    </a:srgbClr>
+                  </a:outerShdw>
+                </a:effectLst>
+              </a:rPr>
+              <a:t>П</a:t>
+            </a:r>
+            <a:br>
+              <a:rPr lang="ru-RU" sz="14000" b="1" cap="none" spc="300" dirty="0">
+                <a:ln w="22225">
+                  <a:solidFill>
+                    <a:schemeClr val="accent2"/>
+                  </a:solidFill>
+                  <a:prstDash val="solid"/>
+                </a:ln>
+                <a:solidFill>
+                  <a:srgbClr val="FFFF00"/>
+                </a:solidFill>
+                <a:effectLst>
+                  <a:outerShdw blurRad="38100" dist="38100" dir="2700000" algn="tl">
+                    <a:srgbClr val="000000">
+                      <a:alpha val="43137"/>
+                    </a:srgbClr>
+                  </a:outerShdw>
+                </a:effectLst>
+              </a:rPr>
+            </a:br>
+            <a:r>
+              <a:rPr lang="ru-RU" sz="14000" b="1" cap="none" spc="300" dirty="0">
+                <a:ln w="22225">
+                  <a:solidFill>
+                    <a:schemeClr val="accent2"/>
+                  </a:solidFill>
+                  <a:prstDash val="solid"/>
+                </a:ln>
+                <a:solidFill>
+                  <a:schemeClr val="accent2">
+                    <a:lumMod val="40000"/>
+                    <a:lumOff val="60000"/>
+                  </a:schemeClr>
+                </a:solidFill>
+                <a:effectLst>
+                  <a:outerShdw blurRad="38100" dist="38100" dir="2700000" algn="tl">
+                    <a:srgbClr val="000000">
+                      <a:alpha val="43137"/>
+                    </a:srgbClr>
+                  </a:outerShdw>
+                </a:effectLst>
+              </a:rPr>
+              <a:t>РЖ</a:t>
+            </a:r>
+            <a:r>
+              <a:rPr lang="ru-RU" sz="14000" b="1" cap="none" spc="300" dirty="0">
+                <a:ln w="22225">
+                  <a:solidFill>
+                    <a:schemeClr val="accent2"/>
+                  </a:solidFill>
+                  <a:prstDash val="solid"/>
+                </a:ln>
+                <a:solidFill>
+                  <a:srgbClr val="FF0000"/>
+                </a:solidFill>
+                <a:effectLst>
+                  <a:outerShdw blurRad="38100" dist="38100" dir="2700000" algn="tl">
+                    <a:srgbClr val="000000">
+                      <a:alpha val="43137"/>
+                    </a:srgbClr>
+                  </a:outerShdw>
+                </a:effectLst>
+              </a:rPr>
+              <a:t>Т</a:t>
+            </a:r>
+            <a:r>
+              <a:rPr lang="ru-RU" sz="14000" b="1" cap="none" spc="300" dirty="0">
+                <a:ln w="22225">
+                  <a:solidFill>
+                    <a:schemeClr val="accent2"/>
+                  </a:solidFill>
+                  <a:prstDash val="solid"/>
+                </a:ln>
+                <a:solidFill>
+                  <a:schemeClr val="accent2">
+                    <a:lumMod val="40000"/>
+                    <a:lumOff val="60000"/>
+                  </a:schemeClr>
+                </a:solidFill>
+                <a:effectLst>
+                  <a:outerShdw blurRad="38100" dist="38100" dir="2700000" algn="tl">
+                    <a:srgbClr val="000000">
+                      <a:alpha val="43137"/>
+                    </a:srgbClr>
+                  </a:outerShdw>
+                </a:effectLst>
+              </a:rPr>
+              <a:t>УК</a:t>
+            </a:r>
+            <a:r>
+              <a:rPr lang="ru-RU" sz="14000" b="1" cap="none" spc="300" dirty="0">
+                <a:ln w="22225">
+                  <a:solidFill>
+                    <a:schemeClr val="accent2"/>
+                  </a:solidFill>
+                  <a:prstDash val="solid"/>
+                </a:ln>
+                <a:solidFill>
+                  <a:srgbClr val="002060"/>
+                </a:solidFill>
+                <a:effectLst>
+                  <a:outerShdw blurRad="38100" dist="38100" dir="2700000" algn="tl">
+                    <a:srgbClr val="000000">
+                      <a:alpha val="43137"/>
+                    </a:srgbClr>
+                  </a:outerShdw>
+                </a:effectLst>
+              </a:rPr>
+              <a:t>Ц</a:t>
+            </a:r>
+            <a:r>
+              <a:rPr lang="ru-RU" sz="14000" b="1" cap="none" spc="300" dirty="0">
+                <a:ln w="22225">
+                  <a:solidFill>
+                    <a:schemeClr val="accent2"/>
+                  </a:solidFill>
+                  <a:prstDash val="solid"/>
+                </a:ln>
+                <a:solidFill>
+                  <a:schemeClr val="accent2">
+                    <a:lumMod val="40000"/>
+                    <a:lumOff val="60000"/>
+                  </a:schemeClr>
+                </a:solidFill>
+                <a:effectLst>
+                  <a:outerShdw blurRad="38100" dist="38100" dir="2700000" algn="tl">
+                    <a:srgbClr val="000000">
+                      <a:alpha val="43137"/>
+                    </a:srgbClr>
+                  </a:outerShdw>
+                </a:effectLst>
+              </a:rPr>
+              <a:t>Х</a:t>
+            </a:r>
+            <a:br>
+              <a:rPr lang="ru-RU" sz="12000" b="1" cap="none" spc="300" dirty="0">
+                <a:ln w="22225">
+                  <a:solidFill>
+                    <a:schemeClr val="accent2"/>
+                  </a:solidFill>
+                  <a:prstDash val="solid"/>
+                </a:ln>
+                <a:solidFill>
+                  <a:schemeClr val="accent2">
+                    <a:lumMod val="40000"/>
+                    <a:lumOff val="60000"/>
+                  </a:schemeClr>
+                </a:solidFill>
+                <a:effectLst>
+                  <a:outerShdw blurRad="38100" dist="38100" dir="2700000" algn="tl">
+                    <a:srgbClr val="000000">
+                      <a:alpha val="43137"/>
+                    </a:srgbClr>
+                  </a:outerShdw>
+                </a:effectLst>
+              </a:rPr>
+            </a:br>
+            <a:endParaRPr lang="ru-RU" sz="12000" b="1" spc="300" dirty="0">
+              <a:effectLst>
+                <a:outerShdw blurRad="38100" dist="38100" dir="2700000" algn="tl">
+                  <a:srgbClr val="000000">
+                    <a:alpha val="43137"/>
+                  </a:srgbClr>
+                </a:outerShdw>
+              </a:effectLst>
+            </a:endParaRPr>
+          </a:p>
+        </p:txBody>
+      </p:sp>
     </p:spTree>
     <p:extLst>
       <p:ext uri="{BB962C8B-B14F-4D97-AF65-F5344CB8AC3E}">
-        <p14:creationId xmlns:p14="http://schemas.microsoft.com/office/powerpoint/2010/main" val="1366416670"/>
+        <p14:creationId xmlns:p14="http://schemas.microsoft.com/office/powerpoint/2010/main" val="37034714"/>
+      </p:ext>
+    </p:extLst>
+  </p:cSld>
+  <p:clrMapOvr>
+    <a:masterClrMapping/>
+  </p:clrMapOvr>
+</p:sld>
+</file>
+
+<file path=ppt/slides/slide12.xml><?xml version="1.0" encoding="utf-8"?>
+<p:sld xmlns:a="http://schemas.openxmlformats.org/drawingml/2006/main" xmlns:r="http://schemas.openxmlformats.org/officeDocument/2006/relationships" xmlns:p="http://schemas.openxmlformats.org/presentationml/2006/main">
+  <p:cSld>
+    <p:spTree>
+      <p:nvGrpSpPr>
+        <p:cNvPr id="1" name=""/>
+        <p:cNvGrpSpPr/>
+        <p:nvPr/>
+      </p:nvGrpSpPr>
+      <p:grpSpPr>
+        <a:xfrm>
+          <a:off x="0" y="0"/>
+          <a:ext cx="0" cy="0"/>
+          <a:chOff x="0" y="0"/>
+          <a:chExt cx="0" cy="0"/>
+        </a:xfrm>
+      </p:grpSpPr>
+      <p:sp>
+        <p:nvSpPr>
+          <p:cNvPr id="2" name="Заголовок 1">
+            <a:extLst>
+              <a:ext uri="{FF2B5EF4-FFF2-40B4-BE49-F238E27FC236}">
+                <a16:creationId xmlns:a16="http://schemas.microsoft.com/office/drawing/2014/main" id="{4F43607C-E50F-DF94-67CB-EA5B5612E79A}"/>
+              </a:ext>
+            </a:extLst>
+          </p:cNvPr>
+          <p:cNvSpPr>
+            <a:spLocks noGrp="1"/>
+          </p:cNvSpPr>
+          <p:nvPr>
+            <p:ph type="ctrTitle"/>
+          </p:nvPr>
+        </p:nvSpPr>
+        <p:spPr/>
+        <p:txBody>
+          <a:bodyPr/>
+          <a:lstStyle/>
+          <a:p>
+            <a:r>
+              <a:rPr lang="ru-RU" dirty="0"/>
+              <a:t>Пусть ответит Саша</a:t>
+            </a:r>
+          </a:p>
+        </p:txBody>
+      </p:sp>
+      <p:sp>
+        <p:nvSpPr>
+          <p:cNvPr id="3" name="Подзаголовок 2">
+            <a:extLst>
+              <a:ext uri="{FF2B5EF4-FFF2-40B4-BE49-F238E27FC236}">
+                <a16:creationId xmlns:a16="http://schemas.microsoft.com/office/drawing/2014/main" id="{E263FEC9-5C45-A7E3-143A-930E02E71AAE}"/>
+              </a:ext>
+            </a:extLst>
+          </p:cNvPr>
+          <p:cNvSpPr>
+            <a:spLocks noGrp="1"/>
+          </p:cNvSpPr>
+          <p:nvPr>
+            <p:ph type="subTitle" idx="1"/>
+          </p:nvPr>
+        </p:nvSpPr>
+        <p:spPr/>
+        <p:txBody>
+          <a:bodyPr/>
+          <a:lstStyle/>
+          <a:p>
+            <a:r>
+              <a:rPr lang="ru-RU" dirty="0"/>
+              <a:t>Видео </a:t>
+            </a:r>
+            <a:r>
+              <a:rPr lang="en-US" dirty="0"/>
+              <a:t>Boy</a:t>
+            </a:r>
+          </a:p>
+          <a:p>
+            <a:r>
+              <a:rPr lang="ru-RU" dirty="0"/>
+              <a:t>Что ответил малыш?</a:t>
+            </a:r>
+            <a:endParaRPr lang="en-US" dirty="0"/>
+          </a:p>
+          <a:p>
+            <a:r>
+              <a:rPr lang="ru-RU" dirty="0"/>
+              <a:t>Верный ответ: в левом</a:t>
+            </a:r>
+          </a:p>
+        </p:txBody>
+      </p:sp>
+    </p:spTree>
+    <p:extLst>
+      <p:ext uri="{BB962C8B-B14F-4D97-AF65-F5344CB8AC3E}">
+        <p14:creationId xmlns:p14="http://schemas.microsoft.com/office/powerpoint/2010/main" val="1848217577"/>
+      </p:ext>
+    </p:extLst>
+  </p:cSld>
+  <p:clrMapOvr>
+    <a:masterClrMapping/>
+  </p:clrMapOvr>
+</p:sld>
+</file>
+
+<file path=ppt/slides/slide13.xml><?xml version="1.0" encoding="utf-8"?>
+<p:sld xmlns:a="http://schemas.openxmlformats.org/drawingml/2006/main" xmlns:r="http://schemas.openxmlformats.org/officeDocument/2006/relationships" xmlns:p="http://schemas.openxmlformats.org/presentationml/2006/main">
+  <p:cSld>
+    <p:spTree>
+      <p:nvGrpSpPr>
+        <p:cNvPr id="1" name=""/>
+        <p:cNvGrpSpPr/>
+        <p:nvPr/>
+      </p:nvGrpSpPr>
+      <p:grpSpPr>
+        <a:xfrm>
+          <a:off x="0" y="0"/>
+          <a:ext cx="0" cy="0"/>
+          <a:chOff x="0" y="0"/>
+          <a:chExt cx="0" cy="0"/>
+        </a:xfrm>
+      </p:grpSpPr>
+      <p:sp>
+        <p:nvSpPr>
+          <p:cNvPr id="2" name="Заголовок 1">
+            <a:extLst>
+              <a:ext uri="{FF2B5EF4-FFF2-40B4-BE49-F238E27FC236}">
+                <a16:creationId xmlns:a16="http://schemas.microsoft.com/office/drawing/2014/main" id="{DF44D441-6D35-3E17-B1CA-17178F85C091}"/>
+              </a:ext>
+            </a:extLst>
+          </p:cNvPr>
+          <p:cNvSpPr>
+            <a:spLocks noGrp="1"/>
+          </p:cNvSpPr>
+          <p:nvPr>
+            <p:ph type="ctrTitle"/>
+          </p:nvPr>
+        </p:nvSpPr>
+        <p:spPr/>
+        <p:txBody>
+          <a:bodyPr>
+            <a:normAutofit fontScale="90000"/>
+          </a:bodyPr>
+          <a:lstStyle/>
+          <a:p>
+            <a:r>
+              <a:rPr lang="ru-RU" dirty="0"/>
+              <a:t>На картинке изображен </a:t>
+            </a:r>
+            <a:r>
+              <a:rPr lang="ru-RU" dirty="0" err="1"/>
+              <a:t>растроенный</a:t>
+            </a:r>
+            <a:r>
+              <a:rPr lang="ru-RU" dirty="0"/>
+              <a:t> хозяин, </a:t>
+            </a:r>
+            <a:r>
+              <a:rPr lang="ru-RU" dirty="0" err="1"/>
+              <a:t>потнрявший</a:t>
+            </a:r>
+            <a:r>
+              <a:rPr lang="ru-RU" dirty="0"/>
+              <a:t> своего питомца в большой комнате</a:t>
+            </a:r>
+          </a:p>
+        </p:txBody>
+      </p:sp>
+      <p:sp>
+        <p:nvSpPr>
+          <p:cNvPr id="3" name="Подзаголовок 2">
+            <a:extLst>
+              <a:ext uri="{FF2B5EF4-FFF2-40B4-BE49-F238E27FC236}">
+                <a16:creationId xmlns:a16="http://schemas.microsoft.com/office/drawing/2014/main" id="{5CBFD356-747F-C90E-60C3-B936648E8F93}"/>
+              </a:ext>
+            </a:extLst>
+          </p:cNvPr>
+          <p:cNvSpPr>
+            <a:spLocks noGrp="1"/>
+          </p:cNvSpPr>
+          <p:nvPr>
+            <p:ph type="subTitle" idx="1"/>
+          </p:nvPr>
+        </p:nvSpPr>
+        <p:spPr/>
+        <p:txBody>
+          <a:bodyPr/>
+          <a:lstStyle/>
+          <a:p>
+            <a:r>
+              <a:rPr lang="ru-RU" dirty="0"/>
+              <a:t>Где прячется питомец</a:t>
+            </a:r>
+          </a:p>
+        </p:txBody>
+      </p:sp>
+    </p:spTree>
+    <p:extLst>
+      <p:ext uri="{BB962C8B-B14F-4D97-AF65-F5344CB8AC3E}">
+        <p14:creationId xmlns:p14="http://schemas.microsoft.com/office/powerpoint/2010/main" val="1691860526"/>
       </p:ext>
     </p:extLst>
   </p:cSld>
@@ -3748,38 +4830,96 @@
             <p:ph type="title"/>
           </p:nvPr>
         </p:nvSpPr>
-        <p:spPr/>
-        <p:txBody>
-          <a:bodyPr/>
-          <a:lstStyle/>
-          <a:p>
-            <a:r>
-              <a:rPr lang="ru-RU" dirty="0"/>
-              <a:t>Угадай Ленин любимый рецепт торта</a:t>
-            </a:r>
-          </a:p>
-        </p:txBody>
-      </p:sp>
-      <p:sp>
-        <p:nvSpPr>
-          <p:cNvPr id="4" name="Объект 3">
-            <a:extLst>
-              <a:ext uri="{FF2B5EF4-FFF2-40B4-BE49-F238E27FC236}">
-                <a16:creationId xmlns:a16="http://schemas.microsoft.com/office/drawing/2014/main" id="{FDB1B280-B617-2B25-9C47-98690717CDB8}"/>
-              </a:ext>
-            </a:extLst>
-          </p:cNvPr>
-          <p:cNvSpPr>
-            <a:spLocks noGrp="1"/>
-          </p:cNvSpPr>
-          <p:nvPr>
-            <p:ph sz="half" idx="2"/>
-          </p:nvPr>
-        </p:nvSpPr>
         <p:spPr>
           <a:xfrm>
-            <a:off x="839788" y="1482571"/>
-            <a:ext cx="5157787" cy="4707092"/>
+            <a:off x="827088" y="157008"/>
+            <a:ext cx="10515600" cy="1804957"/>
+          </a:xfrm>
+        </p:spPr>
+        <p:txBody>
+          <a:bodyPr>
+            <a:normAutofit fontScale="90000"/>
+          </a:bodyPr>
+          <a:lstStyle/>
+          <a:p>
+            <a:pPr algn="ctr"/>
+            <a:r>
+              <a:rPr lang="ru-RU" dirty="0">
+                <a:solidFill>
+                  <a:srgbClr val="00B050"/>
+                </a:solidFill>
+              </a:rPr>
+              <a:t>Задание 2</a:t>
+            </a:r>
+            <a:br>
+              <a:rPr lang="ru-RU" dirty="0"/>
+            </a:br>
+            <a:r>
+              <a:rPr lang="ru-RU" dirty="0"/>
+              <a:t>1.</a:t>
+            </a:r>
+            <a:r>
+              <a:rPr lang="ru-RU" sz="3600" b="1" dirty="0"/>
+              <a:t>Лена любит готовить и у неё это Отлично получается</a:t>
+            </a:r>
+            <a:br>
+              <a:rPr lang="ru-RU" sz="3600" dirty="0"/>
+            </a:br>
+            <a:r>
+              <a:rPr lang="ru-RU" sz="3600" dirty="0"/>
+              <a:t>2. </a:t>
+            </a:r>
+            <a:r>
+              <a:rPr lang="ru-RU" sz="3600" b="1" dirty="0"/>
+              <a:t>Угадайте Ленин любимый рецепт торта</a:t>
+            </a:r>
+            <a:br>
+              <a:rPr lang="ru-RU" b="1" dirty="0"/>
+            </a:br>
+            <a:r>
+              <a:rPr lang="ru-RU" sz="2200" dirty="0">
+                <a:solidFill>
+                  <a:srgbClr val="FF0000"/>
+                </a:solidFill>
+              </a:rPr>
+              <a:t>файл  </a:t>
+            </a:r>
+            <a:r>
+              <a:rPr lang="en-US" sz="2200" dirty="0">
+                <a:solidFill>
+                  <a:srgbClr val="FF0000"/>
+                </a:solidFill>
+              </a:rPr>
+              <a:t>Tort</a:t>
+            </a:r>
+            <a:endParaRPr lang="ru-RU" sz="2200" dirty="0">
+              <a:solidFill>
+                <a:srgbClr val="FF0000"/>
+              </a:solidFill>
+            </a:endParaRPr>
+          </a:p>
+        </p:txBody>
+      </p:sp>
+      <p:sp>
+        <p:nvSpPr>
+          <p:cNvPr id="4" name="Объект 3">
+            <a:extLst>
+              <a:ext uri="{FF2B5EF4-FFF2-40B4-BE49-F238E27FC236}">
+                <a16:creationId xmlns:a16="http://schemas.microsoft.com/office/drawing/2014/main" id="{FDB1B280-B617-2B25-9C47-98690717CDB8}"/>
+              </a:ext>
+            </a:extLst>
+          </p:cNvPr>
+          <p:cNvSpPr>
+            <a:spLocks noGrp="1"/>
+          </p:cNvSpPr>
+          <p:nvPr>
+            <p:ph sz="half" idx="2"/>
+          </p:nvPr>
+        </p:nvSpPr>
+        <p:spPr>
+          <a:xfrm>
+            <a:off x="839788" y="1961965"/>
+            <a:ext cx="5157787" cy="4643020"/>
           </a:xfrm>
         </p:spPr>
         <p:txBody>
@@ -3793,7 +4933,7 @@
             </a:pPr>
             <a:r>
               <a:rPr lang="ru-RU" dirty="0"/>
-              <a:t>Всё расскажем! Всё покажем!</a:t>
+              <a:t>3. Всё расскажем! Всё покажем!</a:t>
             </a:r>
           </a:p>
           <a:p>
@@ -3936,8 +5076,8 @@
         </p:nvSpPr>
         <p:spPr>
           <a:xfrm>
-            <a:off x="6172200" y="1482571"/>
-            <a:ext cx="5183188" cy="4707092"/>
+            <a:off x="6172200" y="1890943"/>
+            <a:ext cx="5183188" cy="4563123"/>
           </a:xfrm>
         </p:spPr>
         <p:txBody>
@@ -3948,7 +5088,7 @@
           <a:p>
             <a:r>
               <a:rPr lang="ru-RU" dirty="0"/>
-              <a:t>Подсказка:</a:t>
+              <a:t>3. Подсказка:</a:t>
             </a:r>
           </a:p>
           <a:p>
@@ -4010,9 +5150,32 @@
           </a:p>
           <a:p>
             <a:r>
+              <a:rPr lang="ru-RU" dirty="0">
+                <a:solidFill>
+                  <a:srgbClr val="002060"/>
+                </a:solidFill>
+              </a:rPr>
+              <a:t>4. Введите название торта</a:t>
+            </a:r>
+          </a:p>
+          <a:p>
+            <a:r>
               <a:rPr lang="ru-RU" dirty="0"/>
               <a:t>Верное слово: наполеон</a:t>
             </a:r>
+          </a:p>
+          <a:p>
+            <a:r>
+              <a:rPr lang="ru-RU" dirty="0"/>
+              <a:t>5. </a:t>
+            </a:r>
+            <a:r>
+              <a:rPr lang="ru-RU" b="1" dirty="0"/>
+              <a:t>ДАВАЙТЕ ВЫПЬЕМ ЗА ВОЛШЕБНИЦУ КУХНИ!</a:t>
+            </a:r>
+          </a:p>
+          <a:p>
+            <a:endParaRPr lang="ru-RU" dirty="0"/>
           </a:p>
         </p:txBody>
       </p:sp>
@@ -4048,6 +5211,491 @@
       </p:grpSpPr>
       <p:sp>
         <p:nvSpPr>
+          <p:cNvPr id="3" name="Текст 2">
+            <a:extLst>
+              <a:ext uri="{FF2B5EF4-FFF2-40B4-BE49-F238E27FC236}">
+                <a16:creationId xmlns:a16="http://schemas.microsoft.com/office/drawing/2014/main" id="{CE3B3421-46B4-34EC-39A8-6B92A4B174A3}"/>
+              </a:ext>
+            </a:extLst>
+          </p:cNvPr>
+          <p:cNvSpPr>
+            <a:spLocks noGrp="1"/>
+          </p:cNvSpPr>
+          <p:nvPr>
+            <p:ph type="body" idx="1"/>
+          </p:nvPr>
+        </p:nvSpPr>
+        <p:spPr>
+          <a:xfrm>
+            <a:off x="662235" y="199749"/>
+            <a:ext cx="5157787" cy="936593"/>
+          </a:xfrm>
+        </p:spPr>
+        <p:txBody>
+          <a:bodyPr anchor="ctr">
+            <a:normAutofit/>
+          </a:bodyPr>
+          <a:lstStyle/>
+          <a:p>
+            <a:pPr algn="ctr"/>
+            <a:r>
+              <a:rPr lang="ru-RU" sz="4000" dirty="0">
+                <a:solidFill>
+                  <a:srgbClr val="C00000"/>
+                </a:solidFill>
+              </a:rPr>
+              <a:t>Соберите слово</a:t>
+            </a:r>
+          </a:p>
+        </p:txBody>
+      </p:sp>
+      <p:sp>
+        <p:nvSpPr>
+          <p:cNvPr id="4" name="Объект 3">
+            <a:extLst>
+              <a:ext uri="{FF2B5EF4-FFF2-40B4-BE49-F238E27FC236}">
+                <a16:creationId xmlns:a16="http://schemas.microsoft.com/office/drawing/2014/main" id="{07F665F5-9BEF-5F74-208F-BC1AF2BE25BA}"/>
+              </a:ext>
+            </a:extLst>
+          </p:cNvPr>
+          <p:cNvSpPr>
+            <a:spLocks noGrp="1"/>
+          </p:cNvSpPr>
+          <p:nvPr>
+            <p:ph sz="half" idx="2"/>
+          </p:nvPr>
+        </p:nvSpPr>
+        <p:spPr>
+          <a:xfrm>
+            <a:off x="754602" y="985421"/>
+            <a:ext cx="5681709" cy="5672831"/>
+          </a:xfrm>
+          <a:solidFill>
+            <a:schemeClr val="accent2">
+              <a:lumMod val="40000"/>
+              <a:lumOff val="60000"/>
+            </a:schemeClr>
+          </a:solidFill>
+        </p:spPr>
+        <p:txBody>
+          <a:bodyPr>
+            <a:normAutofit fontScale="92500" lnSpcReduction="10000"/>
+          </a:bodyPr>
+          <a:lstStyle/>
+          <a:p>
+            <a:pPr marL="0" indent="0">
+              <a:buNone/>
+            </a:pPr>
+            <a:r>
+              <a:rPr lang="ru-RU" sz="2400" b="1" dirty="0">
+                <a:solidFill>
+                  <a:schemeClr val="accent1">
+                    <a:lumMod val="50000"/>
+                  </a:schemeClr>
+                </a:solidFill>
+                <a:latin typeface="Comic Sans MS" panose="030F0702030302020204" pitchFamily="66" charset="0"/>
+                <a:cs typeface="Times New Roman" panose="02020603050405020304" pitchFamily="18" charset="0"/>
+              </a:rPr>
+              <a:t>Всё расскажем! Всё покажем!</a:t>
+            </a:r>
+          </a:p>
+          <a:p>
+            <a:pPr marL="0" indent="0">
+              <a:buNone/>
+            </a:pPr>
+            <a:r>
+              <a:rPr lang="ru-RU" sz="2400" b="1" dirty="0">
+                <a:solidFill>
+                  <a:schemeClr val="accent1">
+                    <a:lumMod val="50000"/>
+                  </a:schemeClr>
+                </a:solidFill>
+                <a:latin typeface="Comic Sans MS" panose="030F0702030302020204" pitchFamily="66" charset="0"/>
+                <a:cs typeface="Times New Roman" panose="02020603050405020304" pitchFamily="18" charset="0"/>
+              </a:rPr>
+              <a:t>И про тортик наш расскажем!</a:t>
+            </a:r>
+          </a:p>
+          <a:p>
+            <a:pPr marL="0" indent="0">
+              <a:buNone/>
+            </a:pPr>
+            <a:r>
+              <a:rPr lang="ru-RU" sz="2400" b="1" dirty="0">
+                <a:solidFill>
+                  <a:schemeClr val="accent1">
+                    <a:lumMod val="50000"/>
+                  </a:schemeClr>
+                </a:solidFill>
+                <a:latin typeface="Comic Sans MS" panose="030F0702030302020204" pitchFamily="66" charset="0"/>
+                <a:cs typeface="Times New Roman" panose="02020603050405020304" pitchFamily="18" charset="0"/>
+              </a:rPr>
+              <a:t>Вот берем муку, яйцо,</a:t>
+            </a:r>
+          </a:p>
+          <a:p>
+            <a:pPr marL="0" indent="0">
+              <a:buNone/>
+            </a:pPr>
+            <a:r>
+              <a:rPr lang="ru-RU" sz="2400" b="1" dirty="0">
+                <a:solidFill>
+                  <a:schemeClr val="accent1">
+                    <a:lumMod val="50000"/>
+                  </a:schemeClr>
+                </a:solidFill>
+                <a:latin typeface="Comic Sans MS" panose="030F0702030302020204" pitchFamily="66" charset="0"/>
+                <a:cs typeface="Times New Roman" panose="02020603050405020304" pitchFamily="18" charset="0"/>
+              </a:rPr>
+              <a:t>Сахар, формочку- кольцо.</a:t>
+            </a:r>
+          </a:p>
+          <a:p>
+            <a:pPr marL="0" indent="0">
+              <a:buNone/>
+            </a:pPr>
+            <a:r>
+              <a:rPr lang="ru-RU" sz="2400" b="1" dirty="0">
+                <a:solidFill>
+                  <a:schemeClr val="accent1">
+                    <a:lumMod val="50000"/>
+                  </a:schemeClr>
+                </a:solidFill>
+                <a:latin typeface="Comic Sans MS" panose="030F0702030302020204" pitchFamily="66" charset="0"/>
+                <a:cs typeface="Times New Roman" panose="02020603050405020304" pitchFamily="18" charset="0"/>
+              </a:rPr>
+              <a:t>И сметанку нужно нам,</a:t>
+            </a:r>
+          </a:p>
+          <a:p>
+            <a:pPr marL="0" indent="0">
+              <a:buNone/>
+            </a:pPr>
+            <a:r>
+              <a:rPr lang="ru-RU" sz="2400" b="1" dirty="0">
+                <a:solidFill>
+                  <a:schemeClr val="accent1">
+                    <a:lumMod val="50000"/>
+                  </a:schemeClr>
+                </a:solidFill>
+                <a:latin typeface="Comic Sans MS" panose="030F0702030302020204" pitchFamily="66" charset="0"/>
+                <a:cs typeface="Times New Roman" panose="02020603050405020304" pitchFamily="18" charset="0"/>
+              </a:rPr>
+              <a:t>Чтобы торт очаровал.</a:t>
+            </a:r>
+          </a:p>
+          <a:p>
+            <a:pPr marL="0" indent="0">
+              <a:buNone/>
+            </a:pPr>
+            <a:r>
+              <a:rPr lang="ru-RU" sz="2400" b="1" dirty="0">
+                <a:solidFill>
+                  <a:schemeClr val="accent1">
+                    <a:lumMod val="50000"/>
+                  </a:schemeClr>
+                </a:solidFill>
+                <a:latin typeface="Comic Sans MS" panose="030F0702030302020204" pitchFamily="66" charset="0"/>
+                <a:cs typeface="Times New Roman" panose="02020603050405020304" pitchFamily="18" charset="0"/>
+              </a:rPr>
+              <a:t>В печь кладем минут на двадцать</a:t>
+            </a:r>
+          </a:p>
+          <a:p>
+            <a:pPr marL="0" indent="0">
+              <a:buNone/>
+            </a:pPr>
+            <a:r>
+              <a:rPr lang="ru-RU" sz="2400" b="1" dirty="0">
+                <a:solidFill>
+                  <a:schemeClr val="accent1">
+                    <a:lumMod val="50000"/>
+                  </a:schemeClr>
+                </a:solidFill>
+                <a:latin typeface="Comic Sans MS" panose="030F0702030302020204" pitchFamily="66" charset="0"/>
+                <a:cs typeface="Times New Roman" panose="02020603050405020304" pitchFamily="18" charset="0"/>
+              </a:rPr>
+              <a:t>Получаем коржик гладкий!</a:t>
+            </a:r>
+          </a:p>
+          <a:p>
+            <a:pPr marL="0" indent="0">
+              <a:buNone/>
+            </a:pPr>
+            <a:r>
+              <a:rPr lang="ru-RU" sz="2400" b="1" dirty="0">
+                <a:solidFill>
+                  <a:schemeClr val="accent1">
+                    <a:lumMod val="50000"/>
+                  </a:schemeClr>
+                </a:solidFill>
+                <a:latin typeface="Comic Sans MS" panose="030F0702030302020204" pitchFamily="66" charset="0"/>
+                <a:cs typeface="Times New Roman" panose="02020603050405020304" pitchFamily="18" charset="0"/>
+              </a:rPr>
+              <a:t>Крем готовим из сгущенки</a:t>
+            </a:r>
+          </a:p>
+          <a:p>
+            <a:pPr marL="0" indent="0">
+              <a:buNone/>
+            </a:pPr>
+            <a:r>
+              <a:rPr lang="ru-RU" sz="2400" b="1" dirty="0">
+                <a:solidFill>
+                  <a:schemeClr val="accent1">
+                    <a:lumMod val="50000"/>
+                  </a:schemeClr>
+                </a:solidFill>
+                <a:latin typeface="Comic Sans MS" panose="030F0702030302020204" pitchFamily="66" charset="0"/>
+                <a:cs typeface="Times New Roman" panose="02020603050405020304" pitchFamily="18" charset="0"/>
+              </a:rPr>
+              <a:t>Мажем ломти тонко-тонко</a:t>
+            </a:r>
+          </a:p>
+          <a:p>
+            <a:pPr marL="0" indent="0">
+              <a:buNone/>
+            </a:pPr>
+            <a:r>
+              <a:rPr lang="ru-RU" sz="2400" b="1" dirty="0">
+                <a:solidFill>
+                  <a:schemeClr val="accent1">
+                    <a:lumMod val="50000"/>
+                  </a:schemeClr>
+                </a:solidFill>
+                <a:latin typeface="Comic Sans MS" panose="030F0702030302020204" pitchFamily="66" charset="0"/>
+                <a:cs typeface="Times New Roman" panose="02020603050405020304" pitchFamily="18" charset="0"/>
+              </a:rPr>
+              <a:t>Вот малинка, апельсин,</a:t>
+            </a:r>
+          </a:p>
+          <a:p>
+            <a:pPr marL="0" indent="0">
+              <a:buNone/>
+            </a:pPr>
+            <a:r>
+              <a:rPr lang="ru-RU" sz="2400" b="1" dirty="0">
+                <a:solidFill>
+                  <a:schemeClr val="accent1">
+                    <a:lumMod val="50000"/>
+                  </a:schemeClr>
+                </a:solidFill>
+                <a:latin typeface="Comic Sans MS" panose="030F0702030302020204" pitchFamily="66" charset="0"/>
+                <a:cs typeface="Times New Roman" panose="02020603050405020304" pitchFamily="18" charset="0"/>
+              </a:rPr>
+              <a:t>Но и он здесь не один</a:t>
+            </a:r>
+          </a:p>
+          <a:p>
+            <a:pPr marL="0" indent="0">
+              <a:buNone/>
+            </a:pPr>
+            <a:r>
+              <a:rPr lang="ru-RU" sz="2400" b="1" dirty="0">
+                <a:solidFill>
+                  <a:schemeClr val="accent1">
+                    <a:lumMod val="50000"/>
+                  </a:schemeClr>
+                </a:solidFill>
+                <a:latin typeface="Comic Sans MS" panose="030F0702030302020204" pitchFamily="66" charset="0"/>
+                <a:cs typeface="Times New Roman" panose="02020603050405020304" pitchFamily="18" charset="0"/>
+              </a:rPr>
+              <a:t>Шоколад вот под рукой</a:t>
+            </a:r>
+          </a:p>
+          <a:p>
+            <a:pPr marL="0" indent="0">
+              <a:buNone/>
+            </a:pPr>
+            <a:r>
+              <a:rPr lang="ru-RU" sz="2400" b="1" dirty="0">
+                <a:solidFill>
+                  <a:schemeClr val="accent1">
+                    <a:lumMod val="50000"/>
+                  </a:schemeClr>
+                </a:solidFill>
+                <a:latin typeface="Comic Sans MS" panose="030F0702030302020204" pitchFamily="66" charset="0"/>
+                <a:cs typeface="Times New Roman" panose="02020603050405020304" pitchFamily="18" charset="0"/>
+              </a:rPr>
+              <a:t>Получился цвет другой!</a:t>
+            </a:r>
+          </a:p>
+          <a:p>
+            <a:endParaRPr lang="ru-RU" dirty="0"/>
+          </a:p>
+        </p:txBody>
+      </p:sp>
+      <p:sp>
+        <p:nvSpPr>
+          <p:cNvPr id="5" name="Текст 4">
+            <a:extLst>
+              <a:ext uri="{FF2B5EF4-FFF2-40B4-BE49-F238E27FC236}">
+                <a16:creationId xmlns:a16="http://schemas.microsoft.com/office/drawing/2014/main" id="{7E39AFA0-F92D-A918-33B1-8F0C8AD8183E}"/>
+              </a:ext>
+            </a:extLst>
+          </p:cNvPr>
+          <p:cNvSpPr>
+            <a:spLocks noGrp="1"/>
+          </p:cNvSpPr>
+          <p:nvPr>
+            <p:ph type="body" sz="quarter" idx="3"/>
+          </p:nvPr>
+        </p:nvSpPr>
+        <p:spPr>
+          <a:xfrm>
+            <a:off x="6528677" y="199749"/>
+            <a:ext cx="5157787" cy="2072934"/>
+          </a:xfrm>
+        </p:spPr>
+        <p:txBody>
+          <a:bodyPr anchor="b">
+            <a:normAutofit/>
+          </a:bodyPr>
+          <a:lstStyle/>
+          <a:p>
+            <a:pPr algn="ctr"/>
+            <a:r>
+              <a:rPr lang="ru-RU" sz="3200" dirty="0">
+                <a:solidFill>
+                  <a:srgbClr val="002060"/>
+                </a:solidFill>
+              </a:rPr>
+              <a:t>Подсказка:</a:t>
+            </a:r>
+          </a:p>
+          <a:p>
+            <a:pPr algn="ctr"/>
+            <a:r>
+              <a:rPr lang="ru-RU" sz="3200" b="0" dirty="0"/>
+              <a:t>Строка-слово-буква</a:t>
+            </a:r>
+          </a:p>
+          <a:p>
+            <a:pPr algn="ctr"/>
+            <a:endParaRPr lang="ru-RU" dirty="0"/>
+          </a:p>
+        </p:txBody>
+      </p:sp>
+      <p:sp>
+        <p:nvSpPr>
+          <p:cNvPr id="6" name="Объект 5">
+            <a:extLst>
+              <a:ext uri="{FF2B5EF4-FFF2-40B4-BE49-F238E27FC236}">
+                <a16:creationId xmlns:a16="http://schemas.microsoft.com/office/drawing/2014/main" id="{EA3DDD25-F21D-3E47-A978-3CF99061393E}"/>
+              </a:ext>
+            </a:extLst>
+          </p:cNvPr>
+          <p:cNvSpPr>
+            <a:spLocks noGrp="1"/>
+          </p:cNvSpPr>
+          <p:nvPr>
+            <p:ph sz="quarter" idx="4"/>
+          </p:nvPr>
+        </p:nvSpPr>
+        <p:spPr>
+          <a:xfrm>
+            <a:off x="7315200" y="1651247"/>
+            <a:ext cx="4040188" cy="4538416"/>
+          </a:xfrm>
+        </p:spPr>
+        <p:txBody>
+          <a:bodyPr anchor="ctr">
+            <a:normAutofit fontScale="92500" lnSpcReduction="10000"/>
+          </a:bodyPr>
+          <a:lstStyle/>
+          <a:p>
+            <a:pPr algn="ctr"/>
+            <a:r>
+              <a:rPr lang="ru-RU" sz="3000" dirty="0"/>
+              <a:t>11-2-5</a:t>
+            </a:r>
+          </a:p>
+          <a:p>
+            <a:pPr algn="ctr"/>
+            <a:r>
+              <a:rPr lang="ru-RU" sz="3000" dirty="0"/>
+              <a:t>2-5-2</a:t>
+            </a:r>
+          </a:p>
+          <a:p>
+            <a:pPr algn="ctr"/>
+            <a:r>
+              <a:rPr lang="ru-RU" sz="3000" dirty="0"/>
+              <a:t>7-2-1</a:t>
+            </a:r>
+          </a:p>
+          <a:p>
+            <a:pPr algn="ctr"/>
+            <a:r>
+              <a:rPr lang="ru-RU" sz="3000" dirty="0"/>
+              <a:t>3-4-4</a:t>
+            </a:r>
+          </a:p>
+          <a:p>
+            <a:pPr algn="ctr"/>
+            <a:r>
+              <a:rPr lang="ru-RU" sz="3000" dirty="0"/>
+              <a:t>8-1-3</a:t>
+            </a:r>
+          </a:p>
+          <a:p>
+            <a:pPr algn="ctr"/>
+            <a:r>
+              <a:rPr lang="ru-RU" sz="3000" dirty="0"/>
+              <a:t>5-2-3</a:t>
+            </a:r>
+          </a:p>
+          <a:p>
+            <a:pPr algn="ctr"/>
+            <a:r>
+              <a:rPr lang="ru-RU" sz="3000" dirty="0"/>
+              <a:t>2-3-2</a:t>
+            </a:r>
+          </a:p>
+          <a:p>
+            <a:pPr algn="ctr"/>
+            <a:r>
+              <a:rPr lang="ru-RU" sz="3000" dirty="0"/>
+              <a:t>12-1-1</a:t>
+            </a:r>
+          </a:p>
+          <a:p>
+            <a:endParaRPr lang="ru-RU" dirty="0"/>
+          </a:p>
+        </p:txBody>
+      </p:sp>
+    </p:spTree>
+    <p:extLst>
+      <p:ext uri="{BB962C8B-B14F-4D97-AF65-F5344CB8AC3E}">
+        <p14:creationId xmlns:p14="http://schemas.microsoft.com/office/powerpoint/2010/main" val="4235961748"/>
+      </p:ext>
+    </p:extLst>
+  </p:cSld>
+  <p:clrMapOvr>
+    <a:masterClrMapping/>
+  </p:clrMapOvr>
+</p:sld>
+</file>
+
+<file path=ppt/slides/slide4.xml><?xml version="1.0" encoding="utf-8"?>
+<p:sld xmlns:a="http://schemas.openxmlformats.org/drawingml/2006/main" xmlns:r="http://schemas.openxmlformats.org/officeDocument/2006/relationships" xmlns:p="http://schemas.openxmlformats.org/presentationml/2006/main">
+  <p:cSld>
+    <p:spTree>
+      <p:nvGrpSpPr>
+        <p:cNvPr id="1" name=""/>
+        <p:cNvGrpSpPr/>
+        <p:nvPr/>
+      </p:nvGrpSpPr>
+      <p:grpSpPr>
+        <a:xfrm>
+          <a:off x="0" y="0"/>
+          <a:ext cx="0" cy="0"/>
+          <a:chOff x="0" y="0"/>
+          <a:chExt cx="0" cy="0"/>
+        </a:xfrm>
+      </p:grpSpPr>
+      <p:sp>
+        <p:nvSpPr>
           <p:cNvPr id="2" name="Заголовок 1">
             <a:extLst>
               <a:ext uri="{FF2B5EF4-FFF2-40B4-BE49-F238E27FC236}">
@@ -4064,12 +5712,34 @@
         </p:nvSpPr>
         <p:spPr/>
         <p:txBody>
-          <a:bodyPr/>
+          <a:bodyPr>
+            <a:normAutofit fontScale="90000"/>
+          </a:bodyPr>
           <a:lstStyle/>
           <a:p>
-            <a:r>
+            <a:pPr algn="ctr"/>
+            <a:r>
+              <a:rPr lang="ru-RU" dirty="0">
+                <a:solidFill>
+                  <a:srgbClr val="00B050"/>
+                </a:solidFill>
+              </a:rPr>
+              <a:t>Задание 3</a:t>
+            </a:r>
+            <a:br>
               <a:rPr lang="ru-RU" dirty="0"/>
-              <a:t>У Лены- профессионала очень много необычных предметов.</a:t>
+            </a:br>
+            <a:r>
+              <a:rPr lang="ru-RU" dirty="0"/>
+              <a:t>1.</a:t>
+            </a:r>
+            <a:r>
+              <a:rPr lang="ru-RU" sz="3600" b="1" dirty="0"/>
+              <a:t>У Лены- как профессионала очень много необычных предметов</a:t>
+            </a:r>
+            <a:r>
+              <a:rPr lang="ru-RU" b="1" dirty="0"/>
+              <a:t>.</a:t>
             </a:r>
           </a:p>
         </p:txBody>
@@ -4092,14 +5762,80 @@
         </p:nvSpPr>
         <p:spPr/>
         <p:txBody>
-          <a:bodyPr anchor="ctr"/>
+          <a:bodyPr anchor="ctr">
+            <a:normAutofit/>
+          </a:bodyPr>
           <a:lstStyle/>
           <a:p>
             <a:pPr algn="ctr"/>
             <a:r>
               <a:rPr lang="ru-RU" dirty="0"/>
-              <a:t>Соедини картинки и слова</a:t>
-            </a:r>
+              <a:t>2. </a:t>
+            </a:r>
+            <a:r>
+              <a:rPr lang="ru-RU" dirty="0">
+                <a:solidFill>
+                  <a:srgbClr val="002060"/>
+                </a:solidFill>
+              </a:rPr>
+              <a:t>Подбери названия к картинкам</a:t>
+            </a:r>
+          </a:p>
+          <a:p>
+            <a:pPr algn="ctr"/>
+            <a:r>
+              <a:rPr lang="ru-RU" sz="1600" dirty="0">
+                <a:solidFill>
+                  <a:srgbClr val="C00000"/>
+                </a:solidFill>
+              </a:rPr>
+              <a:t>Файл </a:t>
+            </a:r>
+            <a:r>
+              <a:rPr lang="en-US" sz="1600" dirty="0">
+                <a:solidFill>
+                  <a:srgbClr val="C00000"/>
+                </a:solidFill>
+              </a:rPr>
+              <a:t>Pic</a:t>
+            </a:r>
+            <a:r>
+              <a:rPr lang="ru-RU" sz="1600" dirty="0">
+                <a:solidFill>
+                  <a:srgbClr val="C00000"/>
+                </a:solidFill>
+              </a:rPr>
+              <a:t>+</a:t>
+            </a:r>
+            <a:r>
+              <a:rPr lang="en-US" sz="1600" dirty="0">
+                <a:solidFill>
+                  <a:srgbClr val="C00000"/>
+                </a:solidFill>
+              </a:rPr>
+              <a:t> </a:t>
+            </a:r>
+            <a:r>
+              <a:rPr lang="ru-RU" sz="1600" dirty="0">
+                <a:solidFill>
+                  <a:srgbClr val="C00000"/>
+                </a:solidFill>
+              </a:rPr>
+              <a:t>Файл </a:t>
+            </a:r>
+            <a:r>
+              <a:rPr lang="en-US" sz="1600" dirty="0">
+                <a:solidFill>
+                  <a:srgbClr val="C00000"/>
+                </a:solidFill>
+              </a:rPr>
+              <a:t>Name</a:t>
+            </a:r>
+            <a:endParaRPr lang="ru-RU" sz="1600" dirty="0">
+              <a:solidFill>
+                <a:srgbClr val="C00000"/>
+              </a:solidFill>
+            </a:endParaRPr>
           </a:p>
         </p:txBody>
       </p:sp>
@@ -4127,7 +5863,7 @@
         </p:blipFill>
         <p:spPr>
           <a:xfrm>
-            <a:off x="592465" y="2309149"/>
+            <a:off x="536496" y="2505075"/>
             <a:ext cx="1030420" cy="1369349"/>
           </a:xfrm>
         </p:spPr>
@@ -4150,13 +5886,23 @@
         </p:nvSpPr>
         <p:spPr/>
         <p:txBody>
-          <a:bodyPr anchor="ctr"/>
+          <a:bodyPr anchor="ctr">
+            <a:normAutofit/>
+          </a:bodyPr>
           <a:lstStyle/>
           <a:p>
             <a:pPr algn="ctr"/>
             <a:r>
               <a:rPr lang="ru-RU" dirty="0"/>
-              <a:t>напишите потерянный предмет</a:t>
+              <a:t>3. </a:t>
+            </a:r>
+            <a:r>
+              <a:rPr lang="ru-RU" dirty="0">
+                <a:solidFill>
+                  <a:srgbClr val="002060"/>
+                </a:solidFill>
+              </a:rPr>
+              <a:t>Запиши соответствия</a:t>
             </a:r>
           </a:p>
         </p:txBody>
@@ -4185,7 +5931,7 @@
         </p:spPr>
         <p:txBody>
           <a:bodyPr>
-            <a:normAutofit fontScale="92500" lnSpcReduction="10000"/>
+            <a:normAutofit fontScale="70000" lnSpcReduction="20000"/>
           </a:bodyPr>
           <a:lstStyle/>
           <a:p>
@@ -4194,13 +5940,31 @@
             </a:pPr>
             <a:r>
               <a:rPr lang="ru-RU" dirty="0"/>
-              <a:t>Верные ответы:</a:t>
+              <a:t>1. Палаццо</a:t>
             </a:r>
           </a:p>
           <a:p>
             <a:pPr marL="0" indent="0">
               <a:buNone/>
             </a:pPr>
+            <a:r>
+              <a:rPr lang="ru-RU" dirty="0"/>
+              <a:t>2. </a:t>
+            </a:r>
+            <a:r>
+              <a:rPr lang="ru-RU" dirty="0" err="1"/>
+              <a:t>Лонгслив</a:t>
+            </a:r>
+            <a:endParaRPr lang="ru-RU" dirty="0"/>
+          </a:p>
+          <a:p>
+            <a:pPr marL="0" indent="0">
+              <a:buNone/>
+            </a:pPr>
+            <a:r>
+              <a:rPr lang="ru-RU" dirty="0"/>
+              <a:t>3. </a:t>
+            </a:r>
             <a:r>
               <a:rPr lang="ru-RU" dirty="0" err="1"/>
               <a:t>Честерфильд</a:t>
@@ -4212,20 +5976,18 @@
               <a:buNone/>
             </a:pPr>
             <a:r>
-              <a:rPr lang="ru-RU" dirty="0" err="1"/>
-              <a:t>Чиносы</a:t>
-            </a:r>
-            <a:endParaRPr lang="ru-RU" dirty="0"/>
+              <a:rPr lang="ru-RU" dirty="0"/>
+              <a:t>4. Плиссе</a:t>
+            </a:r>
           </a:p>
           <a:p>
             <a:pPr marL="0" indent="0">
               <a:buNone/>
             </a:pPr>
             <a:r>
-              <a:rPr lang="ru-RU" dirty="0" err="1"/>
-              <a:t>Свитшот</a:t>
-            </a:r>
-            <a:endParaRPr lang="ru-RU" dirty="0"/>
+              <a:rPr lang="ru-RU" dirty="0"/>
+              <a:t>5.Чиносы</a:t>
+            </a:r>
           </a:p>
           <a:p>
             <a:pPr marL="0" indent="0">
@@ -4233,7 +5995,7 @@
             </a:pPr>
             <a:r>
               <a:rPr lang="ru-RU" dirty="0"/>
-              <a:t>Бомбер</a:t>
+              <a:t>6.Свитшот</a:t>
             </a:r>
           </a:p>
           <a:p>
@@ -4242,7 +6004,7 @@
             </a:pPr>
             <a:r>
               <a:rPr lang="ru-RU" dirty="0"/>
-              <a:t>Палаццо</a:t>
+              <a:t>7.Бомбер</a:t>
             </a:r>
           </a:p>
           <a:p>
@@ -4250,10 +6012,9 @@
               <a:buNone/>
             </a:pPr>
             <a:r>
-              <a:rPr lang="ru-RU" dirty="0" err="1"/>
-              <a:t>Лонгслив</a:t>
-            </a:r>
-            <a:endParaRPr lang="ru-RU" dirty="0"/>
+              <a:rPr lang="ru-RU" dirty="0"/>
+              <a:t>Верные ответы:</a:t>
+            </a:r>
           </a:p>
           <a:p>
             <a:pPr marL="0" indent="0">
@@ -4261,7 +6022,16 @@
             </a:pPr>
             <a:r>
               <a:rPr lang="ru-RU" dirty="0"/>
-              <a:t>Плиссе</a:t>
+              <a:t>1-3, 2-5,3-6,4-7,5-1,6-2,7-4</a:t>
+            </a:r>
+          </a:p>
+          <a:p>
+            <a:pPr marL="0" indent="0">
+              <a:buNone/>
+            </a:pPr>
+            <a:r>
+              <a:rPr lang="ru-RU" dirty="0"/>
+              <a:t>Давайте поднимем бокалы за профессионализм именинницы</a:t>
             </a:r>
           </a:p>
         </p:txBody>
@@ -4459,7 +6229,7 @@
 </p:sld>
 </file>
 
-<file path=ppt/slides/slide4.xml><?xml version="1.0" encoding="utf-8"?>
+<file path=ppt/slides/slide5.xml><?xml version="1.0" encoding="utf-8"?>
 <p:sld xmlns:a="http://schemas.openxmlformats.org/drawingml/2006/main" xmlns:r="http://schemas.openxmlformats.org/officeDocument/2006/relationships" xmlns:p="http://schemas.openxmlformats.org/presentationml/2006/main">
   <p:cSld>
     <p:spTree>
@@ -4498,8 +6268,8 @@
         </p:blipFill>
         <p:spPr>
           <a:xfrm>
-            <a:off x="620826" y="541099"/>
-            <a:ext cx="1705124" cy="2265978"/>
+            <a:off x="620826" y="541098"/>
+            <a:ext cx="1971454" cy="2566085"/>
           </a:xfrm>
           <a:prstGeom prst="rect">
             <a:avLst/>
@@ -4678,8 +6448,38 @@
         </p:blipFill>
         <p:spPr>
           <a:xfrm>
-            <a:off x="6666939" y="4053766"/>
-            <a:ext cx="1255925" cy="2804234"/>
+            <a:off x="6514078" y="4053766"/>
+            <a:ext cx="1591235" cy="2804234"/>
+          </a:xfrm>
+          <a:prstGeom prst="rect">
+            <a:avLst/>
+          </a:prstGeom>
+        </p:spPr>
+      </p:pic>
+      <p:pic>
+        <p:nvPicPr>
+          <p:cNvPr id="5" name="Рисунок 4">
+            <a:extLst>
+              <a:ext uri="{FF2B5EF4-FFF2-40B4-BE49-F238E27FC236}">
+                <a16:creationId xmlns:a16="http://schemas.microsoft.com/office/drawing/2014/main" id="{35EC5325-46AB-9193-D96D-0F0A2C7C3CC8}"/>
+              </a:ext>
+            </a:extLst>
+          </p:cNvPr>
+          <p:cNvPicPr>
+            <a:picLocks noChangeAspect="1"/>
+          </p:cNvPicPr>
+          <p:nvPr/>
+        </p:nvPicPr>
+        <p:blipFill>
+          <a:blip r:embed="rId9"/>
+          <a:stretch>
+            <a:fillRect/>
+          </a:stretch>
+        </p:blipFill>
+        <p:spPr>
+          <a:xfrm>
+            <a:off x="2167636" y="548796"/>
+            <a:ext cx="438150" cy="409575"/>
           </a:xfrm>
           <a:prstGeom prst="rect">
             <a:avLst/>
@@ -4690,246 +6490,6 @@
     <p:extLst>
       <p:ext uri="{BB962C8B-B14F-4D97-AF65-F5344CB8AC3E}">
         <p14:creationId xmlns:p14="http://schemas.microsoft.com/office/powerpoint/2010/main" val="259040834"/>
-      </p:ext>
-    </p:extLst>
-  </p:cSld>
-  <p:clrMapOvr>
-    <a:masterClrMapping/>
-  </p:clrMapOvr>
-</p:sld>
-</file>
-
-<file path=ppt/slides/slide5.xml><?xml version="1.0" encoding="utf-8"?>
-<p:sld xmlns:a="http://schemas.openxmlformats.org/drawingml/2006/main" xmlns:r="http://schemas.openxmlformats.org/officeDocument/2006/relationships" xmlns:p="http://schemas.openxmlformats.org/presentationml/2006/main">
-  <p:cSld>
-    <p:spTree>
-      <p:nvGrpSpPr>
-        <p:cNvPr id="1" name=""/>
-        <p:cNvGrpSpPr/>
-        <p:nvPr/>
-      </p:nvGrpSpPr>
-      <p:grpSpPr>
-        <a:xfrm>
-          <a:off x="0" y="0"/>
-          <a:ext cx="0" cy="0"/>
-          <a:chOff x="0" y="0"/>
-          <a:chExt cx="0" cy="0"/>
-        </a:xfrm>
-      </p:grpSpPr>
-      <p:pic>
-        <p:nvPicPr>
-          <p:cNvPr id="2" name="Рисунок 1">
-            <a:extLst>
-              <a:ext uri="{FF2B5EF4-FFF2-40B4-BE49-F238E27FC236}">
-                <a16:creationId xmlns:a16="http://schemas.microsoft.com/office/drawing/2014/main" id="{66E00CC4-4B29-87B6-87A6-28AA4381F5A5}"/>
-              </a:ext>
-            </a:extLst>
-          </p:cNvPr>
-          <p:cNvPicPr>
-            <a:picLocks noChangeAspect="1"/>
-          </p:cNvPicPr>
-          <p:nvPr/>
-        </p:nvPicPr>
-        <p:blipFill>
-          <a:blip r:embed="rId2"/>
-          <a:stretch>
-            <a:fillRect/>
-          </a:stretch>
-        </p:blipFill>
-        <p:spPr>
-          <a:xfrm>
-            <a:off x="4873472" y="554254"/>
-            <a:ext cx="3314700" cy="933450"/>
-          </a:xfrm>
-          <a:prstGeom prst="rect">
-            <a:avLst/>
-          </a:prstGeom>
-        </p:spPr>
-      </p:pic>
-      <p:pic>
-        <p:nvPicPr>
-          <p:cNvPr id="6" name="Рисунок 5">
-            <a:extLst>
-              <a:ext uri="{FF2B5EF4-FFF2-40B4-BE49-F238E27FC236}">
-                <a16:creationId xmlns:a16="http://schemas.microsoft.com/office/drawing/2014/main" id="{5D1BB807-2AA5-7D0B-1590-158F61805440}"/>
-              </a:ext>
-            </a:extLst>
-          </p:cNvPr>
-          <p:cNvPicPr>
-            <a:picLocks noChangeAspect="1"/>
-          </p:cNvPicPr>
-          <p:nvPr/>
-        </p:nvPicPr>
-        <p:blipFill>
-          <a:blip r:embed="rId3"/>
-          <a:stretch>
-            <a:fillRect/>
-          </a:stretch>
-        </p:blipFill>
-        <p:spPr>
-          <a:xfrm>
-            <a:off x="6669904" y="2277168"/>
-            <a:ext cx="2705100" cy="847725"/>
-          </a:xfrm>
-          <a:prstGeom prst="rect">
-            <a:avLst/>
-          </a:prstGeom>
-        </p:spPr>
-      </p:pic>
-      <p:pic>
-        <p:nvPicPr>
-          <p:cNvPr id="8" name="Рисунок 7">
-            <a:extLst>
-              <a:ext uri="{FF2B5EF4-FFF2-40B4-BE49-F238E27FC236}">
-                <a16:creationId xmlns:a16="http://schemas.microsoft.com/office/drawing/2014/main" id="{203E022B-2FC5-137F-7A94-4D276DE05D8F}"/>
-              </a:ext>
-            </a:extLst>
-          </p:cNvPr>
-          <p:cNvPicPr>
-            <a:picLocks noChangeAspect="1"/>
-          </p:cNvPicPr>
-          <p:nvPr/>
-        </p:nvPicPr>
-        <p:blipFill>
-          <a:blip r:embed="rId4"/>
-          <a:stretch>
-            <a:fillRect/>
-          </a:stretch>
-        </p:blipFill>
-        <p:spPr>
-          <a:xfrm>
-            <a:off x="1219016" y="788865"/>
-            <a:ext cx="2384764" cy="698839"/>
-          </a:xfrm>
-          <a:prstGeom prst="rect">
-            <a:avLst/>
-          </a:prstGeom>
-        </p:spPr>
-      </p:pic>
-      <p:pic>
-        <p:nvPicPr>
-          <p:cNvPr id="10" name="Рисунок 9">
-            <a:extLst>
-              <a:ext uri="{FF2B5EF4-FFF2-40B4-BE49-F238E27FC236}">
-                <a16:creationId xmlns:a16="http://schemas.microsoft.com/office/drawing/2014/main" id="{50734DF1-4C11-050E-5786-95B6C036864F}"/>
-              </a:ext>
-            </a:extLst>
-          </p:cNvPr>
-          <p:cNvPicPr>
-            <a:picLocks noChangeAspect="1"/>
-          </p:cNvPicPr>
-          <p:nvPr/>
-        </p:nvPicPr>
-        <p:blipFill>
-          <a:blip r:embed="rId5"/>
-          <a:stretch>
-            <a:fillRect/>
-          </a:stretch>
-        </p:blipFill>
-        <p:spPr>
-          <a:xfrm>
-            <a:off x="1663824" y="2022306"/>
-            <a:ext cx="3390900" cy="885825"/>
-          </a:xfrm>
-          <a:prstGeom prst="rect">
-            <a:avLst/>
-          </a:prstGeom>
-        </p:spPr>
-      </p:pic>
-      <p:pic>
-        <p:nvPicPr>
-          <p:cNvPr id="12" name="Рисунок 11">
-            <a:extLst>
-              <a:ext uri="{FF2B5EF4-FFF2-40B4-BE49-F238E27FC236}">
-                <a16:creationId xmlns:a16="http://schemas.microsoft.com/office/drawing/2014/main" id="{0A37C235-6BD6-3992-59AB-95574E19891D}"/>
-              </a:ext>
-            </a:extLst>
-          </p:cNvPr>
-          <p:cNvPicPr>
-            <a:picLocks noChangeAspect="1"/>
-          </p:cNvPicPr>
-          <p:nvPr/>
-        </p:nvPicPr>
-        <p:blipFill>
-          <a:blip r:embed="rId6"/>
-          <a:stretch>
-            <a:fillRect/>
-          </a:stretch>
-        </p:blipFill>
-        <p:spPr>
-          <a:xfrm>
-            <a:off x="3531856" y="3869507"/>
-            <a:ext cx="3045735" cy="856274"/>
-          </a:xfrm>
-          <a:prstGeom prst="rect">
-            <a:avLst/>
-          </a:prstGeom>
-        </p:spPr>
-      </p:pic>
-      <p:pic>
-        <p:nvPicPr>
-          <p:cNvPr id="14" name="Рисунок 13">
-            <a:extLst>
-              <a:ext uri="{FF2B5EF4-FFF2-40B4-BE49-F238E27FC236}">
-                <a16:creationId xmlns:a16="http://schemas.microsoft.com/office/drawing/2014/main" id="{B9592D76-64B7-7A85-9A02-163B16DB1F2A}"/>
-              </a:ext>
-            </a:extLst>
-          </p:cNvPr>
-          <p:cNvPicPr>
-            <a:picLocks noChangeAspect="1"/>
-          </p:cNvPicPr>
-          <p:nvPr/>
-        </p:nvPicPr>
-        <p:blipFill>
-          <a:blip r:embed="rId7"/>
-          <a:stretch>
-            <a:fillRect/>
-          </a:stretch>
-        </p:blipFill>
-        <p:spPr>
-          <a:xfrm>
-            <a:off x="1003270" y="4165060"/>
-            <a:ext cx="2000250" cy="676275"/>
-          </a:xfrm>
-          <a:prstGeom prst="rect">
-            <a:avLst/>
-          </a:prstGeom>
-        </p:spPr>
-      </p:pic>
-      <p:pic>
-        <p:nvPicPr>
-          <p:cNvPr id="16" name="Рисунок 15">
-            <a:extLst>
-              <a:ext uri="{FF2B5EF4-FFF2-40B4-BE49-F238E27FC236}">
-                <a16:creationId xmlns:a16="http://schemas.microsoft.com/office/drawing/2014/main" id="{AFE56548-AB88-BFA9-6D77-76BB75D94AEF}"/>
-              </a:ext>
-            </a:extLst>
-          </p:cNvPr>
-          <p:cNvPicPr>
-            <a:picLocks noChangeAspect="1"/>
-          </p:cNvPicPr>
-          <p:nvPr/>
-        </p:nvPicPr>
-        <p:blipFill>
-          <a:blip r:embed="rId8"/>
-          <a:stretch>
-            <a:fillRect/>
-          </a:stretch>
-        </p:blipFill>
-        <p:spPr>
-          <a:xfrm>
-            <a:off x="7602847" y="4106718"/>
-            <a:ext cx="2206979" cy="829469"/>
-          </a:xfrm>
-          <a:prstGeom prst="rect">
-            <a:avLst/>
-          </a:prstGeom>
-        </p:spPr>
-      </p:pic>
-    </p:spTree>
-    <p:extLst>
-      <p:ext uri="{BB962C8B-B14F-4D97-AF65-F5344CB8AC3E}">
-        <p14:creationId xmlns:p14="http://schemas.microsoft.com/office/powerpoint/2010/main" val="4007903357"/>
       </p:ext>
     </p:extLst>
   </p:cSld>
@@ -4958,6 +6518,535 @@
       </p:grpSpPr>
       <p:sp>
         <p:nvSpPr>
+          <p:cNvPr id="3" name="Объект 2">
+            <a:extLst>
+              <a:ext uri="{FF2B5EF4-FFF2-40B4-BE49-F238E27FC236}">
+                <a16:creationId xmlns:a16="http://schemas.microsoft.com/office/drawing/2014/main" id="{67618F1F-8D77-1E6F-6D02-F72EF9478418}"/>
+              </a:ext>
+            </a:extLst>
+          </p:cNvPr>
+          <p:cNvSpPr>
+            <a:spLocks noGrp="1"/>
+          </p:cNvSpPr>
+          <p:nvPr>
+            <p:ph idx="1"/>
+          </p:nvPr>
+        </p:nvSpPr>
+        <p:spPr>
+          <a:xfrm>
+            <a:off x="838200" y="476250"/>
+            <a:ext cx="4953000" cy="5700713"/>
+          </a:xfrm>
+        </p:spPr>
+        <p:txBody>
+          <a:bodyPr>
+            <a:normAutofit/>
+          </a:bodyPr>
+          <a:lstStyle/>
+          <a:p>
+            <a:pPr marL="0" indent="0">
+              <a:buNone/>
+            </a:pPr>
+            <a:r>
+              <a:rPr lang="ru-RU" sz="4800" dirty="0">
+                <a:latin typeface="Comic Sans MS" panose="030F0702030302020204" pitchFamily="66" charset="0"/>
+              </a:rPr>
+              <a:t>1. </a:t>
+            </a:r>
+            <a:r>
+              <a:rPr lang="ru-RU" sz="4400" dirty="0">
+                <a:latin typeface="Comic Sans MS" panose="030F0702030302020204" pitchFamily="66" charset="0"/>
+              </a:rPr>
+              <a:t>Палаццо</a:t>
+            </a:r>
+          </a:p>
+          <a:p>
+            <a:pPr marL="0" indent="0">
+              <a:buNone/>
+            </a:pPr>
+            <a:r>
+              <a:rPr lang="ru-RU" sz="4400" dirty="0">
+                <a:latin typeface="Comic Sans MS" panose="030F0702030302020204" pitchFamily="66" charset="0"/>
+              </a:rPr>
+              <a:t>2. </a:t>
+            </a:r>
+            <a:r>
+              <a:rPr lang="ru-RU" sz="4400" dirty="0" err="1">
+                <a:latin typeface="Comic Sans MS" panose="030F0702030302020204" pitchFamily="66" charset="0"/>
+              </a:rPr>
+              <a:t>Лонгслив</a:t>
+            </a:r>
+            <a:endParaRPr lang="ru-RU" sz="4400" dirty="0">
+              <a:latin typeface="Comic Sans MS" panose="030F0702030302020204" pitchFamily="66" charset="0"/>
+            </a:endParaRPr>
+          </a:p>
+          <a:p>
+            <a:pPr marL="0" indent="0">
+              <a:buNone/>
+            </a:pPr>
+            <a:r>
+              <a:rPr lang="ru-RU" sz="4400" dirty="0">
+                <a:latin typeface="Comic Sans MS" panose="030F0702030302020204" pitchFamily="66" charset="0"/>
+              </a:rPr>
+              <a:t>3. </a:t>
+            </a:r>
+            <a:r>
+              <a:rPr lang="ru-RU" sz="4400" dirty="0" err="1">
+                <a:latin typeface="Comic Sans MS" panose="030F0702030302020204" pitchFamily="66" charset="0"/>
+              </a:rPr>
+              <a:t>Честерфильд</a:t>
+            </a:r>
+            <a:endParaRPr lang="ru-RU" sz="4400" dirty="0">
+              <a:latin typeface="Comic Sans MS" panose="030F0702030302020204" pitchFamily="66" charset="0"/>
+            </a:endParaRPr>
+          </a:p>
+          <a:p>
+            <a:pPr marL="0" indent="0">
+              <a:buNone/>
+            </a:pPr>
+            <a:r>
+              <a:rPr lang="ru-RU" sz="4400" dirty="0">
+                <a:latin typeface="Comic Sans MS" panose="030F0702030302020204" pitchFamily="66" charset="0"/>
+              </a:rPr>
+              <a:t>4. Плиссе</a:t>
+            </a:r>
+          </a:p>
+          <a:p>
+            <a:pPr marL="0" indent="0">
+              <a:buNone/>
+            </a:pPr>
+            <a:r>
+              <a:rPr lang="ru-RU" sz="4400" dirty="0">
+                <a:latin typeface="Comic Sans MS" panose="030F0702030302020204" pitchFamily="66" charset="0"/>
+              </a:rPr>
+              <a:t>5. </a:t>
+            </a:r>
+            <a:r>
+              <a:rPr lang="ru-RU" sz="4400" dirty="0" err="1">
+                <a:latin typeface="Comic Sans MS" panose="030F0702030302020204" pitchFamily="66" charset="0"/>
+              </a:rPr>
+              <a:t>Чиносы</a:t>
+            </a:r>
+            <a:endParaRPr lang="ru-RU" sz="4400" dirty="0">
+              <a:latin typeface="Comic Sans MS" panose="030F0702030302020204" pitchFamily="66" charset="0"/>
+            </a:endParaRPr>
+          </a:p>
+          <a:p>
+            <a:pPr marL="0" indent="0">
+              <a:buNone/>
+            </a:pPr>
+            <a:r>
+              <a:rPr lang="ru-RU" sz="4400" dirty="0">
+                <a:latin typeface="Comic Sans MS" panose="030F0702030302020204" pitchFamily="66" charset="0"/>
+              </a:rPr>
+              <a:t>6. </a:t>
+            </a:r>
+            <a:r>
+              <a:rPr lang="ru-RU" sz="4400" dirty="0" err="1">
+                <a:latin typeface="Comic Sans MS" panose="030F0702030302020204" pitchFamily="66" charset="0"/>
+              </a:rPr>
+              <a:t>Свитшот</a:t>
+            </a:r>
+            <a:endParaRPr lang="ru-RU" sz="4400" dirty="0">
+              <a:latin typeface="Comic Sans MS" panose="030F0702030302020204" pitchFamily="66" charset="0"/>
+            </a:endParaRPr>
+          </a:p>
+          <a:p>
+            <a:pPr marL="0" indent="0">
+              <a:buNone/>
+            </a:pPr>
+            <a:r>
+              <a:rPr lang="ru-RU" sz="4400" dirty="0">
+                <a:latin typeface="Comic Sans MS" panose="030F0702030302020204" pitchFamily="66" charset="0"/>
+              </a:rPr>
+              <a:t>7. Бомбер</a:t>
+            </a:r>
+          </a:p>
+          <a:p>
+            <a:endParaRPr lang="ru-RU" dirty="0"/>
+          </a:p>
+        </p:txBody>
+      </p:sp>
+    </p:spTree>
+    <p:extLst>
+      <p:ext uri="{BB962C8B-B14F-4D97-AF65-F5344CB8AC3E}">
+        <p14:creationId xmlns:p14="http://schemas.microsoft.com/office/powerpoint/2010/main" val="1818878953"/>
+      </p:ext>
+    </p:extLst>
+  </p:cSld>
+  <p:clrMapOvr>
+    <a:masterClrMapping/>
+  </p:clrMapOvr>
+</p:sld>
+</file>
+
+<file path=ppt/slides/slide7.xml><?xml version="1.0" encoding="utf-8"?>
+<p:sld xmlns:a="http://schemas.openxmlformats.org/drawingml/2006/main" xmlns:r="http://schemas.openxmlformats.org/officeDocument/2006/relationships" xmlns:p="http://schemas.openxmlformats.org/presentationml/2006/main">
+  <p:cSld>
+    <p:spTree>
+      <p:nvGrpSpPr>
+        <p:cNvPr id="1" name=""/>
+        <p:cNvGrpSpPr/>
+        <p:nvPr/>
+      </p:nvGrpSpPr>
+      <p:grpSpPr>
+        <a:xfrm>
+          <a:off x="0" y="0"/>
+          <a:ext cx="0" cy="0"/>
+          <a:chOff x="0" y="0"/>
+          <a:chExt cx="0" cy="0"/>
+        </a:xfrm>
+      </p:grpSpPr>
+      <p:sp>
+        <p:nvSpPr>
+          <p:cNvPr id="2" name="Заголовок 1">
+            <a:extLst>
+              <a:ext uri="{FF2B5EF4-FFF2-40B4-BE49-F238E27FC236}">
+                <a16:creationId xmlns:a16="http://schemas.microsoft.com/office/drawing/2014/main" id="{C917E327-0B3E-1896-4485-1E61CFA9B26A}"/>
+              </a:ext>
+            </a:extLst>
+          </p:cNvPr>
+          <p:cNvSpPr>
+            <a:spLocks noGrp="1"/>
+          </p:cNvSpPr>
+          <p:nvPr>
+            <p:ph type="title"/>
+          </p:nvPr>
+        </p:nvSpPr>
+        <p:spPr/>
+        <p:txBody>
+          <a:bodyPr/>
+          <a:lstStyle/>
+          <a:p>
+            <a:pPr algn="ctr"/>
+            <a:r>
+              <a:rPr lang="ru-RU" dirty="0">
+                <a:solidFill>
+                  <a:srgbClr val="00B050"/>
+                </a:solidFill>
+              </a:rPr>
+              <a:t>Задание</a:t>
+            </a:r>
+            <a:br>
+              <a:rPr lang="ru-RU" dirty="0"/>
+            </a:br>
+            <a:r>
+              <a:rPr lang="ru-RU" dirty="0"/>
+              <a:t>1. Ну и какое же застолье без песен?</a:t>
+            </a:r>
+          </a:p>
+        </p:txBody>
+      </p:sp>
+      <p:sp>
+        <p:nvSpPr>
+          <p:cNvPr id="3" name="Объект 2">
+            <a:extLst>
+              <a:ext uri="{FF2B5EF4-FFF2-40B4-BE49-F238E27FC236}">
+                <a16:creationId xmlns:a16="http://schemas.microsoft.com/office/drawing/2014/main" id="{4C092099-7D44-5CAC-84FF-7D0921D95C88}"/>
+              </a:ext>
+            </a:extLst>
+          </p:cNvPr>
+          <p:cNvSpPr>
+            <a:spLocks noGrp="1"/>
+          </p:cNvSpPr>
+          <p:nvPr>
+            <p:ph sz="half" idx="1"/>
+          </p:nvPr>
+        </p:nvSpPr>
+        <p:spPr/>
+        <p:txBody>
+          <a:bodyPr>
+            <a:normAutofit fontScale="77500" lnSpcReduction="20000"/>
+          </a:bodyPr>
+          <a:lstStyle/>
+          <a:p>
+            <a:pPr marL="0" indent="0">
+              <a:buNone/>
+            </a:pPr>
+            <a:r>
+              <a:rPr lang="ru-RU" dirty="0"/>
+              <a:t>2. Блиц. Угадай песню</a:t>
+            </a:r>
+          </a:p>
+          <a:p>
+            <a:pPr marL="0" indent="0">
+              <a:buNone/>
+            </a:pPr>
+            <a:endParaRPr lang="ru-RU" dirty="0"/>
+          </a:p>
+        </p:txBody>
+      </p:sp>
+      <p:sp>
+        <p:nvSpPr>
+          <p:cNvPr id="4" name="Объект 3">
+            <a:extLst>
+              <a:ext uri="{FF2B5EF4-FFF2-40B4-BE49-F238E27FC236}">
+                <a16:creationId xmlns:a16="http://schemas.microsoft.com/office/drawing/2014/main" id="{2B416C13-00FB-3C26-35DE-49A9B33329BA}"/>
+              </a:ext>
+            </a:extLst>
+          </p:cNvPr>
+          <p:cNvSpPr>
+            <a:spLocks noGrp="1"/>
+          </p:cNvSpPr>
+          <p:nvPr>
+            <p:ph sz="half" idx="2"/>
+          </p:nvPr>
+        </p:nvSpPr>
+        <p:spPr/>
+        <p:txBody>
+          <a:bodyPr>
+            <a:normAutofit fontScale="77500" lnSpcReduction="20000"/>
+          </a:bodyPr>
+          <a:lstStyle/>
+          <a:p>
+            <a:pPr marL="0" indent="0">
+              <a:buNone/>
+            </a:pPr>
+            <a:r>
+              <a:rPr lang="ru-RU" dirty="0">
+                <a:solidFill>
+                  <a:srgbClr val="FF0000"/>
+                </a:solidFill>
+              </a:rPr>
+              <a:t>картинка 1</a:t>
+            </a:r>
+          </a:p>
+          <a:p>
+            <a:pPr marL="0" indent="0">
+              <a:buNone/>
+            </a:pPr>
+            <a:r>
+              <a:rPr lang="ru-RU" dirty="0">
+                <a:solidFill>
+                  <a:srgbClr val="002060"/>
+                </a:solidFill>
+              </a:rPr>
+              <a:t>Введите название песни:</a:t>
+            </a:r>
+          </a:p>
+          <a:p>
+            <a:pPr marL="0" indent="0">
+              <a:buNone/>
+            </a:pPr>
+            <a:r>
+              <a:rPr lang="ru-RU" dirty="0"/>
+              <a:t>Верный ответ: Выйду ночью в поле с конём</a:t>
+            </a:r>
+          </a:p>
+          <a:p>
+            <a:pPr marL="0" indent="0">
+              <a:buNone/>
+            </a:pPr>
+            <a:r>
+              <a:rPr lang="ru-RU" dirty="0">
+                <a:solidFill>
+                  <a:srgbClr val="FF0000"/>
+                </a:solidFill>
+              </a:rPr>
+              <a:t>картинка 2</a:t>
+            </a:r>
+          </a:p>
+          <a:p>
+            <a:pPr marL="0" indent="0">
+              <a:buNone/>
+            </a:pPr>
+            <a:r>
+              <a:rPr lang="ru-RU" dirty="0">
+                <a:solidFill>
+                  <a:srgbClr val="002060"/>
+                </a:solidFill>
+              </a:rPr>
+              <a:t>Введите название песни:</a:t>
+            </a:r>
+          </a:p>
+          <a:p>
+            <a:pPr marL="0" indent="0">
+              <a:buNone/>
+            </a:pPr>
+            <a:r>
+              <a:rPr lang="ru-RU" dirty="0"/>
+              <a:t>Верный </a:t>
+            </a:r>
+            <a:r>
+              <a:rPr lang="ru-RU" dirty="0" err="1"/>
+              <a:t>ответ:Ой</a:t>
+            </a:r>
+            <a:r>
+              <a:rPr lang="ru-RU" dirty="0"/>
+              <a:t> цветет калина в поле у ручья</a:t>
+            </a:r>
+          </a:p>
+          <a:p>
+            <a:pPr marL="0" indent="0">
+              <a:buNone/>
+            </a:pPr>
+            <a:endParaRPr lang="ru-RU" dirty="0"/>
+          </a:p>
+          <a:p>
+            <a:pPr marL="0" indent="0">
+              <a:buNone/>
+            </a:pPr>
+            <a:r>
+              <a:rPr lang="ru-RU" dirty="0">
+                <a:solidFill>
+                  <a:srgbClr val="FF0000"/>
+                </a:solidFill>
+              </a:rPr>
+              <a:t>картинка 3</a:t>
+            </a:r>
+          </a:p>
+          <a:p>
+            <a:pPr marL="0" indent="0">
+              <a:buNone/>
+            </a:pPr>
+            <a:r>
+              <a:rPr lang="ru-RU" dirty="0">
+                <a:solidFill>
+                  <a:srgbClr val="002060"/>
+                </a:solidFill>
+              </a:rPr>
+              <a:t>Введите название песни:</a:t>
+            </a:r>
+          </a:p>
+          <a:p>
+            <a:pPr marL="0" indent="0">
+              <a:buNone/>
+            </a:pPr>
+            <a:r>
+              <a:rPr lang="ru-RU" dirty="0"/>
+              <a:t>Верный ответ: Изгиб гитары жёлтой ты обнимаешь нежно</a:t>
+            </a:r>
+          </a:p>
+          <a:p>
+            <a:pPr marL="0" indent="0">
+              <a:buNone/>
+            </a:pPr>
+            <a:endParaRPr lang="ru-RU" dirty="0"/>
+          </a:p>
+        </p:txBody>
+      </p:sp>
+      <p:pic>
+        <p:nvPicPr>
+          <p:cNvPr id="5" name="Объект 4">
+            <a:extLst>
+              <a:ext uri="{FF2B5EF4-FFF2-40B4-BE49-F238E27FC236}">
+                <a16:creationId xmlns:a16="http://schemas.microsoft.com/office/drawing/2014/main" id="{DED57425-022E-0BC0-E8AB-3D0CC9B7AF5E}"/>
+              </a:ext>
+            </a:extLst>
+          </p:cNvPr>
+          <p:cNvPicPr>
+            <a:picLocks noChangeAspect="1"/>
+          </p:cNvPicPr>
+          <p:nvPr/>
+        </p:nvPicPr>
+        <p:blipFill>
+          <a:blip r:embed="rId2"/>
+          <a:stretch>
+            <a:fillRect/>
+          </a:stretch>
+        </p:blipFill>
+        <p:spPr>
+          <a:xfrm>
+            <a:off x="962395" y="2459497"/>
+            <a:ext cx="3539434" cy="904522"/>
+          </a:xfrm>
+          <a:prstGeom prst="rect">
+            <a:avLst/>
+          </a:prstGeom>
+        </p:spPr>
+      </p:pic>
+      <p:pic>
+        <p:nvPicPr>
+          <p:cNvPr id="6" name="Рисунок 5">
+            <a:extLst>
+              <a:ext uri="{FF2B5EF4-FFF2-40B4-BE49-F238E27FC236}">
+                <a16:creationId xmlns:a16="http://schemas.microsoft.com/office/drawing/2014/main" id="{9240BD44-329B-660B-2AB9-BC0EB59327A6}"/>
+              </a:ext>
+            </a:extLst>
+          </p:cNvPr>
+          <p:cNvPicPr>
+            <a:picLocks noChangeAspect="1"/>
+          </p:cNvPicPr>
+          <p:nvPr/>
+        </p:nvPicPr>
+        <p:blipFill>
+          <a:blip r:embed="rId3"/>
+          <a:stretch>
+            <a:fillRect/>
+          </a:stretch>
+        </p:blipFill>
+        <p:spPr>
+          <a:xfrm>
+            <a:off x="962395" y="3551926"/>
+            <a:ext cx="4155567" cy="1200497"/>
+          </a:xfrm>
+          <a:prstGeom prst="rect">
+            <a:avLst/>
+          </a:prstGeom>
+        </p:spPr>
+      </p:pic>
+      <p:pic>
+        <p:nvPicPr>
+          <p:cNvPr id="7" name="Рисунок 6">
+            <a:extLst>
+              <a:ext uri="{FF2B5EF4-FFF2-40B4-BE49-F238E27FC236}">
+                <a16:creationId xmlns:a16="http://schemas.microsoft.com/office/drawing/2014/main" id="{FD312D6D-50FB-62E6-297F-5B52E34AE5E7}"/>
+              </a:ext>
+            </a:extLst>
+          </p:cNvPr>
+          <p:cNvPicPr>
+            <a:picLocks noChangeAspect="1"/>
+          </p:cNvPicPr>
+          <p:nvPr/>
+        </p:nvPicPr>
+        <p:blipFill>
+          <a:blip r:embed="rId4"/>
+          <a:stretch>
+            <a:fillRect/>
+          </a:stretch>
+        </p:blipFill>
+        <p:spPr>
+          <a:xfrm>
+            <a:off x="962395" y="4887360"/>
+            <a:ext cx="3663890" cy="1099167"/>
+          </a:xfrm>
+          <a:prstGeom prst="rect">
+            <a:avLst/>
+          </a:prstGeom>
+        </p:spPr>
+      </p:pic>
+    </p:spTree>
+    <p:extLst>
+      <p:ext uri="{BB962C8B-B14F-4D97-AF65-F5344CB8AC3E}">
+        <p14:creationId xmlns:p14="http://schemas.microsoft.com/office/powerpoint/2010/main" val="1803973287"/>
+      </p:ext>
+    </p:extLst>
+  </p:cSld>
+  <p:clrMapOvr>
+    <a:masterClrMapping/>
+  </p:clrMapOvr>
+</p:sld>
+</file>
+
+<file path=ppt/slides/slide8.xml><?xml version="1.0" encoding="utf-8"?>
+<p:sld xmlns:a="http://schemas.openxmlformats.org/drawingml/2006/main" xmlns:r="http://schemas.openxmlformats.org/officeDocument/2006/relationships" xmlns:p="http://schemas.openxmlformats.org/presentationml/2006/main">
+  <p:cSld>
+    <p:spTree>
+      <p:nvGrpSpPr>
+        <p:cNvPr id="1" name=""/>
+        <p:cNvGrpSpPr/>
+        <p:nvPr/>
+      </p:nvGrpSpPr>
+      <p:grpSpPr>
+        <a:xfrm>
+          <a:off x="0" y="0"/>
+          <a:ext cx="0" cy="0"/>
+          <a:chOff x="0" y="0"/>
+          <a:chExt cx="0" cy="0"/>
+        </a:xfrm>
+      </p:grpSpPr>
+      <p:sp>
+        <p:nvSpPr>
           <p:cNvPr id="2" name="Заголовок 1">
             <a:extLst>
               <a:ext uri="{FF2B5EF4-FFF2-40B4-BE49-F238E27FC236}">
@@ -5019,19 +7108,15 @@
             <a:pPr marL="0" indent="0">
               <a:buNone/>
             </a:pPr>
-            <a:endParaRPr lang="ru-RU"/>
+            <a:endParaRPr lang="ru-RU" dirty="0"/>
           </a:p>
           <a:p>
             <a:pPr marL="0" indent="0">
               <a:buNone/>
             </a:pPr>
             <a:r>
-              <a:rPr lang="ru-RU"/>
-              <a:t>Выйду </a:t>
-            </a:r>
-            <a:r>
               <a:rPr lang="ru-RU" dirty="0"/>
-              <a:t>ночью в поле с конём</a:t>
+              <a:t>Выйду ночью в поле с конём</a:t>
             </a:r>
           </a:p>
           <a:p>
@@ -5177,205 +7262,6 @@
 </p:sld>
 </file>
 
-<file path=ppt/slides/slide7.xml><?xml version="1.0" encoding="utf-8"?>
-<p:sld xmlns:a="http://schemas.openxmlformats.org/drawingml/2006/main" xmlns:r="http://schemas.openxmlformats.org/officeDocument/2006/relationships" xmlns:p="http://schemas.openxmlformats.org/presentationml/2006/main">
-  <p:cSld>
-    <p:spTree>
-      <p:nvGrpSpPr>
-        <p:cNvPr id="1" name=""/>
-        <p:cNvGrpSpPr/>
-        <p:nvPr/>
-      </p:nvGrpSpPr>
-      <p:grpSpPr>
-        <a:xfrm>
-          <a:off x="0" y="0"/>
-          <a:ext cx="0" cy="0"/>
-          <a:chOff x="0" y="0"/>
-          <a:chExt cx="0" cy="0"/>
-        </a:xfrm>
-      </p:grpSpPr>
-      <p:sp>
-        <p:nvSpPr>
-          <p:cNvPr id="2" name="Заголовок 1">
-            <a:extLst>
-              <a:ext uri="{FF2B5EF4-FFF2-40B4-BE49-F238E27FC236}">
-                <a16:creationId xmlns:a16="http://schemas.microsoft.com/office/drawing/2014/main" id="{5FB3325E-9D6C-A28C-3F21-31F9BA99619D}"/>
-              </a:ext>
-            </a:extLst>
-          </p:cNvPr>
-          <p:cNvSpPr>
-            <a:spLocks noGrp="1"/>
-          </p:cNvSpPr>
-          <p:nvPr>
-            <p:ph type="ctrTitle"/>
-          </p:nvPr>
-        </p:nvSpPr>
-        <p:spPr/>
-        <p:txBody>
-          <a:bodyPr/>
-          <a:lstStyle/>
-          <a:p>
-            <a:r>
-              <a:rPr lang="ru-RU" dirty="0"/>
-              <a:t>Кто поёт?</a:t>
-            </a:r>
-          </a:p>
-        </p:txBody>
-      </p:sp>
-      <p:sp>
-        <p:nvSpPr>
-          <p:cNvPr id="3" name="Подзаголовок 2">
-            <a:extLst>
-              <a:ext uri="{FF2B5EF4-FFF2-40B4-BE49-F238E27FC236}">
-                <a16:creationId xmlns:a16="http://schemas.microsoft.com/office/drawing/2014/main" id="{36D6255F-32AA-040A-53A9-E17AEFA5B033}"/>
-              </a:ext>
-            </a:extLst>
-          </p:cNvPr>
-          <p:cNvSpPr>
-            <a:spLocks noGrp="1"/>
-          </p:cNvSpPr>
-          <p:nvPr>
-            <p:ph type="subTitle" idx="1"/>
-          </p:nvPr>
-        </p:nvSpPr>
-        <p:spPr/>
-        <p:txBody>
-          <a:bodyPr/>
-          <a:lstStyle/>
-          <a:p>
-            <a:r>
-              <a:rPr lang="ru-RU" dirty="0"/>
-              <a:t>Введите имя</a:t>
-            </a:r>
-          </a:p>
-          <a:p>
-            <a:r>
-              <a:rPr lang="ru-RU" dirty="0"/>
-              <a:t>Видео </a:t>
-            </a:r>
-            <a:r>
-              <a:rPr lang="en-US" dirty="0"/>
-              <a:t>Who</a:t>
-            </a:r>
-            <a:endParaRPr lang="ru-RU" dirty="0"/>
-          </a:p>
-          <a:p>
-            <a:r>
-              <a:rPr lang="ru-RU" dirty="0"/>
-              <a:t>Верный ответ: Ляпис</a:t>
-            </a:r>
-          </a:p>
-        </p:txBody>
-      </p:sp>
-    </p:spTree>
-    <p:extLst>
-      <p:ext uri="{BB962C8B-B14F-4D97-AF65-F5344CB8AC3E}">
-        <p14:creationId xmlns:p14="http://schemas.microsoft.com/office/powerpoint/2010/main" val="461976653"/>
-      </p:ext>
-    </p:extLst>
-  </p:cSld>
-  <p:clrMapOvr>
-    <a:masterClrMapping/>
-  </p:clrMapOvr>
-</p:sld>
-</file>
-
-<file path=ppt/slides/slide8.xml><?xml version="1.0" encoding="utf-8"?>
-<p:sld xmlns:a="http://schemas.openxmlformats.org/drawingml/2006/main" xmlns:r="http://schemas.openxmlformats.org/officeDocument/2006/relationships" xmlns:p="http://schemas.openxmlformats.org/presentationml/2006/main">
-  <p:cSld>
-    <p:spTree>
-      <p:nvGrpSpPr>
-        <p:cNvPr id="1" name=""/>
-        <p:cNvGrpSpPr/>
-        <p:nvPr/>
-      </p:nvGrpSpPr>
-      <p:grpSpPr>
-        <a:xfrm>
-          <a:off x="0" y="0"/>
-          <a:ext cx="0" cy="0"/>
-          <a:chOff x="0" y="0"/>
-          <a:chExt cx="0" cy="0"/>
-        </a:xfrm>
-      </p:grpSpPr>
-      <p:sp>
-        <p:nvSpPr>
-          <p:cNvPr id="2" name="Заголовок 1">
-            <a:extLst>
-              <a:ext uri="{FF2B5EF4-FFF2-40B4-BE49-F238E27FC236}">
-                <a16:creationId xmlns:a16="http://schemas.microsoft.com/office/drawing/2014/main" id="{73E8ACFF-45E7-D84F-A7A8-28D43511CDCE}"/>
-              </a:ext>
-            </a:extLst>
-          </p:cNvPr>
-          <p:cNvSpPr>
-            <a:spLocks noGrp="1"/>
-          </p:cNvSpPr>
-          <p:nvPr>
-            <p:ph type="ctrTitle"/>
-          </p:nvPr>
-        </p:nvSpPr>
-        <p:spPr/>
-        <p:txBody>
-          <a:bodyPr/>
-          <a:lstStyle/>
-          <a:p>
-            <a:r>
-              <a:rPr lang="ru-RU" dirty="0"/>
-              <a:t>Собери слово по желанию Охотника</a:t>
-            </a:r>
-          </a:p>
-        </p:txBody>
-      </p:sp>
-      <p:sp>
-        <p:nvSpPr>
-          <p:cNvPr id="3" name="Подзаголовок 2">
-            <a:extLst>
-              <a:ext uri="{FF2B5EF4-FFF2-40B4-BE49-F238E27FC236}">
-                <a16:creationId xmlns:a16="http://schemas.microsoft.com/office/drawing/2014/main" id="{423AFDD5-0E5C-1E57-39F5-0B1435BEA975}"/>
-              </a:ext>
-            </a:extLst>
-          </p:cNvPr>
-          <p:cNvSpPr>
-            <a:spLocks noGrp="1"/>
-          </p:cNvSpPr>
-          <p:nvPr>
-            <p:ph type="subTitle" idx="1"/>
-          </p:nvPr>
-        </p:nvSpPr>
-        <p:spPr/>
-        <p:txBody>
-          <a:bodyPr/>
-          <a:lstStyle/>
-          <a:p>
-            <a:r>
-              <a:rPr lang="ru-RU" dirty="0"/>
-              <a:t>фото</a:t>
-            </a:r>
-            <a:r>
-              <a:rPr lang="en-US" dirty="0"/>
-              <a:t>- Ox</a:t>
-            </a:r>
-          </a:p>
-          <a:p>
-            <a:r>
-              <a:rPr lang="ru-RU" dirty="0"/>
-              <a:t>Верный ответ : теплица</a:t>
-            </a:r>
-          </a:p>
-        </p:txBody>
-      </p:sp>
-    </p:spTree>
-    <p:extLst>
-      <p:ext uri="{BB962C8B-B14F-4D97-AF65-F5344CB8AC3E}">
-        <p14:creationId xmlns:p14="http://schemas.microsoft.com/office/powerpoint/2010/main" val="679133564"/>
-      </p:ext>
-    </p:extLst>
-  </p:cSld>
-  <p:clrMapOvr>
-    <a:masterClrMapping/>
-  </p:clrMapOvr>
-</p:sld>
-</file>
-
 <file path=ppt/slides/slide9.xml><?xml version="1.0" encoding="utf-8"?>
 <p:sld xmlns:a="http://schemas.openxmlformats.org/drawingml/2006/main" xmlns:r="http://schemas.openxmlformats.org/officeDocument/2006/relationships" xmlns:p="http://schemas.openxmlformats.org/presentationml/2006/main">
   <p:cSld>
@@ -5398,7 +7284,7 @@
           <p:cNvPr id="2" name="Заголовок 1">
             <a:extLst>
               <a:ext uri="{FF2B5EF4-FFF2-40B4-BE49-F238E27FC236}">
-                <a16:creationId xmlns:a16="http://schemas.microsoft.com/office/drawing/2014/main" id="{87F6637F-21E0-21AB-7985-2335BE95653E}"/>
+                <a16:creationId xmlns:a16="http://schemas.microsoft.com/office/drawing/2014/main" id="{2A8E5D28-4504-DD5D-2B15-0438CBDBCC13}"/>
               </a:ext>
             </a:extLst>
           </p:cNvPr>
@@ -5409,481 +7295,105 @@
             <p:ph type="title"/>
           </p:nvPr>
         </p:nvSpPr>
-        <p:spPr>
-          <a:xfrm>
-            <a:off x="838200" y="365125"/>
-            <a:ext cx="10515600" cy="6009042"/>
-          </a:xfrm>
-        </p:spPr>
-        <p:txBody>
-          <a:bodyPr>
-            <a:noAutofit/>
-          </a:bodyPr>
+        <p:spPr/>
+        <p:txBody>
+          <a:bodyPr/>
           <a:lstStyle/>
           <a:p>
             <a:pPr algn="ctr"/>
-            <a:br>
-              <a:rPr lang="ru-RU" sz="12000" b="1" cap="none" spc="0" dirty="0">
-                <a:ln w="22225">
-                  <a:solidFill>
-                    <a:schemeClr val="accent2"/>
-                  </a:solidFill>
-                  <a:prstDash val="solid"/>
-                </a:ln>
-                <a:solidFill>
-                  <a:schemeClr val="accent2">
-                    <a:lumMod val="40000"/>
-                    <a:lumOff val="60000"/>
-                  </a:schemeClr>
-                </a:solidFill>
-                <a:effectLst/>
-              </a:rPr>
-            </a:br>
-            <a:r>
-              <a:rPr lang="ru-RU" sz="14000" b="1" cap="none" spc="300" dirty="0">
-                <a:ln w="22225">
-                  <a:solidFill>
-                    <a:schemeClr val="accent2"/>
-                  </a:solidFill>
-                  <a:prstDash val="solid"/>
-                </a:ln>
-                <a:solidFill>
-                  <a:schemeClr val="accent2">
-                    <a:lumMod val="40000"/>
-                    <a:lumOff val="60000"/>
-                  </a:schemeClr>
-                </a:solidFill>
-                <a:effectLst>
-                  <a:outerShdw blurRad="38100" dist="38100" dir="2700000" algn="tl">
-                    <a:srgbClr val="000000">
-                      <a:alpha val="43137"/>
-                    </a:srgbClr>
-                  </a:outerShdw>
-                </a:effectLst>
-              </a:rPr>
-              <a:t>ГО</a:t>
-            </a:r>
-            <a:r>
-              <a:rPr lang="ru-RU" sz="14000" b="1" cap="none" spc="300" dirty="0">
-                <a:ln w="22225">
-                  <a:solidFill>
-                    <a:schemeClr val="accent2"/>
-                  </a:solidFill>
-                  <a:prstDash val="solid"/>
-                </a:ln>
-                <a:solidFill>
-                  <a:srgbClr val="7030A0"/>
-                </a:solidFill>
-                <a:effectLst>
-                  <a:outerShdw blurRad="38100" dist="38100" dir="2700000" algn="tl">
-                    <a:srgbClr val="000000">
-                      <a:alpha val="43137"/>
-                    </a:srgbClr>
-                  </a:outerShdw>
-                </a:effectLst>
-              </a:rPr>
-              <a:t>А</a:t>
-            </a:r>
-            <a:r>
-              <a:rPr lang="ru-RU" sz="14000" b="1" cap="none" spc="300" dirty="0">
-                <a:ln w="22225">
-                  <a:solidFill>
-                    <a:schemeClr val="accent2"/>
-                  </a:solidFill>
-                  <a:prstDash val="solid"/>
-                </a:ln>
-                <a:solidFill>
-                  <a:schemeClr val="accent2">
-                    <a:lumMod val="40000"/>
-                    <a:lumOff val="60000"/>
-                  </a:schemeClr>
-                </a:solidFill>
-                <a:effectLst>
-                  <a:outerShdw blurRad="38100" dist="38100" dir="2700000" algn="tl">
-                    <a:srgbClr val="000000">
-                      <a:alpha val="43137"/>
-                    </a:srgbClr>
-                  </a:outerShdw>
-                </a:effectLst>
-              </a:rPr>
-              <a:t>БМ</a:t>
-            </a:r>
-            <a:r>
-              <a:rPr lang="ru-RU" sz="14000" b="1" cap="none" spc="300" dirty="0">
-                <a:ln w="22225">
-                  <a:solidFill>
-                    <a:schemeClr val="accent2"/>
-                  </a:solidFill>
-                  <a:prstDash val="solid"/>
-                </a:ln>
-                <a:solidFill>
-                  <a:srgbClr val="FF9900"/>
-                </a:solidFill>
-                <a:effectLst>
-                  <a:outerShdw blurRad="38100" dist="38100" dir="2700000" algn="tl">
-                    <a:srgbClr val="000000">
-                      <a:alpha val="43137"/>
-                    </a:srgbClr>
-                  </a:outerShdw>
-                </a:effectLst>
-              </a:rPr>
-              <a:t>Е</a:t>
-            </a:r>
-            <a:r>
-              <a:rPr lang="ru-RU" sz="14000" b="1" cap="none" spc="300" dirty="0">
-                <a:ln w="22225">
-                  <a:solidFill>
-                    <a:schemeClr val="accent2"/>
-                  </a:solidFill>
-                  <a:prstDash val="solid"/>
-                </a:ln>
-                <a:solidFill>
-                  <a:schemeClr val="accent2">
-                    <a:lumMod val="40000"/>
-                    <a:lumOff val="60000"/>
-                  </a:schemeClr>
-                </a:solidFill>
-                <a:effectLst>
-                  <a:outerShdw blurRad="38100" dist="38100" dir="2700000" algn="tl">
-                    <a:srgbClr val="000000">
-                      <a:alpha val="43137"/>
-                    </a:srgbClr>
-                  </a:outerShdw>
-                </a:effectLst>
-              </a:rPr>
-              <a:t>СФ</a:t>
-            </a:r>
-            <a:br>
-              <a:rPr lang="ru-RU" sz="14000" b="1" cap="none" spc="300" dirty="0">
-                <a:ln w="22225">
-                  <a:solidFill>
-                    <a:schemeClr val="accent2"/>
-                  </a:solidFill>
-                  <a:prstDash val="solid"/>
-                </a:ln>
-                <a:solidFill>
-                  <a:schemeClr val="accent2">
-                    <a:lumMod val="40000"/>
-                    <a:lumOff val="60000"/>
-                  </a:schemeClr>
-                </a:solidFill>
-                <a:effectLst>
-                  <a:outerShdw blurRad="38100" dist="38100" dir="2700000" algn="tl">
-                    <a:srgbClr val="000000">
-                      <a:alpha val="43137"/>
-                    </a:srgbClr>
-                  </a:outerShdw>
-                </a:effectLst>
-              </a:rPr>
-            </a:br>
-            <a:r>
-              <a:rPr lang="ru-RU" sz="14000" b="1" cap="none" spc="300" dirty="0">
-                <a:ln w="22225">
-                  <a:solidFill>
-                    <a:schemeClr val="accent2"/>
-                  </a:solidFill>
-                  <a:prstDash val="solid"/>
-                </a:ln>
-                <a:solidFill>
-                  <a:schemeClr val="accent2">
-                    <a:lumMod val="40000"/>
-                    <a:lumOff val="60000"/>
-                  </a:schemeClr>
-                </a:solidFill>
-                <a:effectLst>
-                  <a:outerShdw blurRad="38100" dist="38100" dir="2700000" algn="tl">
-                    <a:srgbClr val="000000">
-                      <a:alpha val="43137"/>
-                    </a:srgbClr>
-                  </a:outerShdw>
-                </a:effectLst>
-              </a:rPr>
-              <a:t>З</a:t>
-            </a:r>
-            <a:r>
-              <a:rPr lang="ru-RU" sz="14000" b="1" cap="none" spc="300" dirty="0">
-                <a:ln w="22225">
-                  <a:solidFill>
-                    <a:schemeClr val="accent2"/>
-                  </a:solidFill>
-                  <a:prstDash val="solid"/>
-                </a:ln>
-                <a:solidFill>
-                  <a:srgbClr val="00B0F0"/>
-                </a:solidFill>
-                <a:effectLst>
-                  <a:outerShdw blurRad="38100" dist="38100" dir="2700000" algn="tl">
-                    <a:srgbClr val="000000">
-                      <a:alpha val="43137"/>
-                    </a:srgbClr>
-                  </a:outerShdw>
-                </a:effectLst>
-              </a:rPr>
-              <a:t>И</a:t>
-            </a:r>
-            <a:r>
-              <a:rPr lang="ru-RU" sz="14000" b="1" cap="none" spc="300" dirty="0">
-                <a:ln w="22225">
-                  <a:solidFill>
-                    <a:schemeClr val="accent2"/>
-                  </a:solidFill>
-                  <a:prstDash val="solid"/>
-                </a:ln>
-                <a:solidFill>
-                  <a:schemeClr val="accent2">
-                    <a:lumMod val="40000"/>
-                    <a:lumOff val="60000"/>
-                  </a:schemeClr>
-                </a:solidFill>
-                <a:effectLst>
-                  <a:outerShdw blurRad="38100" dist="38100" dir="2700000" algn="tl">
-                    <a:srgbClr val="000000">
-                      <a:alpha val="43137"/>
-                    </a:srgbClr>
-                  </a:outerShdw>
-                </a:effectLst>
-              </a:rPr>
-              <a:t>В</a:t>
-            </a:r>
-            <a:r>
-              <a:rPr lang="ru-RU" sz="14000" b="1" cap="none" spc="300" dirty="0">
-                <a:ln w="22225">
-                  <a:solidFill>
-                    <a:schemeClr val="accent2"/>
-                  </a:solidFill>
-                  <a:prstDash val="solid"/>
-                </a:ln>
+            <a:r>
+              <a:rPr lang="ru-RU" dirty="0">
                 <a:solidFill>
                   <a:srgbClr val="00B050"/>
                 </a:solidFill>
-                <a:effectLst>
-                  <a:outerShdw blurRad="38100" dist="38100" dir="2700000" algn="tl">
-                    <a:srgbClr val="000000">
-                      <a:alpha val="43137"/>
-                    </a:srgbClr>
-                  </a:outerShdw>
-                </a:effectLst>
               </a:rPr>
-              <a:t>Л</a:t>
-            </a:r>
-            <a:r>
-              <a:rPr lang="ru-RU" sz="14000" b="1" cap="none" spc="300" dirty="0">
-                <a:ln w="22225">
-                  <a:solidFill>
-                    <a:schemeClr val="accent2"/>
-                  </a:solidFill>
-                  <a:prstDash val="solid"/>
-                </a:ln>
+              <a:t>Задание </a:t>
+            </a:r>
+            <a:br>
+              <a:rPr lang="ru-RU" dirty="0">
                 <a:solidFill>
-                  <a:schemeClr val="accent2">
-                    <a:lumMod val="40000"/>
-                    <a:lumOff val="60000"/>
-                  </a:schemeClr>
+                  <a:srgbClr val="00B050"/>
                 </a:solidFill>
-                <a:effectLst>
-                  <a:outerShdw blurRad="38100" dist="38100" dir="2700000" algn="tl">
-                    <a:srgbClr val="000000">
-                      <a:alpha val="43137"/>
-                    </a:srgbClr>
-                  </a:outerShdw>
-                </a:effectLst>
-              </a:rPr>
-              <a:t>НД</a:t>
-            </a:r>
-            <a:r>
-              <a:rPr lang="ru-RU" sz="14000" b="1" cap="none" spc="300" dirty="0">
-                <a:ln w="22225">
-                  <a:solidFill>
-                    <a:schemeClr val="accent2"/>
-                  </a:solidFill>
-                  <a:prstDash val="solid"/>
-                </a:ln>
-                <a:solidFill>
-                  <a:srgbClr val="FFFF00"/>
-                </a:solidFill>
-                <a:effectLst>
-                  <a:outerShdw blurRad="38100" dist="38100" dir="2700000" algn="tl">
-                    <a:srgbClr val="000000">
-                      <a:alpha val="43137"/>
-                    </a:srgbClr>
-                  </a:outerShdw>
-                </a:effectLst>
-              </a:rPr>
-              <a:t>П</a:t>
-            </a:r>
-            <a:br>
-              <a:rPr lang="ru-RU" sz="14000" b="1" cap="none" spc="300" dirty="0">
-                <a:ln w="22225">
-                  <a:solidFill>
-                    <a:schemeClr val="accent2"/>
-                  </a:solidFill>
-                  <a:prstDash val="solid"/>
-                </a:ln>
-                <a:solidFill>
-                  <a:srgbClr val="FFFF00"/>
-                </a:solidFill>
-                <a:effectLst>
-                  <a:outerShdw blurRad="38100" dist="38100" dir="2700000" algn="tl">
-                    <a:srgbClr val="000000">
-                      <a:alpha val="43137"/>
-                    </a:srgbClr>
-                  </a:outerShdw>
-                </a:effectLst>
               </a:rPr>
             </a:br>
             <a:r>
-              <a:rPr lang="ru-RU" sz="14000" b="1" cap="none" spc="300" dirty="0">
-                <a:ln w="22225">
-                  <a:solidFill>
-                    <a:schemeClr val="accent2"/>
-                  </a:solidFill>
-                  <a:prstDash val="solid"/>
-                </a:ln>
-                <a:solidFill>
-                  <a:schemeClr val="accent2">
-                    <a:lumMod val="40000"/>
-                    <a:lumOff val="60000"/>
-                  </a:schemeClr>
-                </a:solidFill>
-                <a:effectLst>
-                  <a:outerShdw blurRad="38100" dist="38100" dir="2700000" algn="tl">
-                    <a:srgbClr val="000000">
-                      <a:alpha val="43137"/>
-                    </a:srgbClr>
-                  </a:outerShdw>
-                </a:effectLst>
-              </a:rPr>
-              <a:t>РЖ</a:t>
-            </a:r>
-            <a:r>
-              <a:rPr lang="ru-RU" sz="14000" b="1" cap="none" spc="300" dirty="0">
-                <a:ln w="22225">
-                  <a:solidFill>
-                    <a:schemeClr val="accent2"/>
-                  </a:solidFill>
-                  <a:prstDash val="solid"/>
-                </a:ln>
-                <a:solidFill>
-                  <a:srgbClr val="FF0000"/>
-                </a:solidFill>
-                <a:effectLst>
-                  <a:outerShdw blurRad="38100" dist="38100" dir="2700000" algn="tl">
-                    <a:srgbClr val="000000">
-                      <a:alpha val="43137"/>
-                    </a:srgbClr>
-                  </a:outerShdw>
-                </a:effectLst>
-              </a:rPr>
-              <a:t>Т</a:t>
-            </a:r>
-            <a:r>
-              <a:rPr lang="ru-RU" sz="14000" b="1" cap="none" spc="300" dirty="0">
-                <a:ln w="22225">
-                  <a:solidFill>
-                    <a:schemeClr val="accent2"/>
-                  </a:solidFill>
-                  <a:prstDash val="solid"/>
-                </a:ln>
-                <a:solidFill>
-                  <a:schemeClr val="accent2">
-                    <a:lumMod val="40000"/>
-                    <a:lumOff val="60000"/>
-                  </a:schemeClr>
-                </a:solidFill>
-                <a:effectLst>
-                  <a:outerShdw blurRad="38100" dist="38100" dir="2700000" algn="tl">
-                    <a:srgbClr val="000000">
-                      <a:alpha val="43137"/>
-                    </a:srgbClr>
-                  </a:outerShdw>
-                </a:effectLst>
-              </a:rPr>
-              <a:t>УК</a:t>
-            </a:r>
-            <a:r>
-              <a:rPr lang="ru-RU" sz="14000" b="1" cap="none" spc="300" dirty="0">
-                <a:ln w="22225">
-                  <a:solidFill>
-                    <a:schemeClr val="accent2"/>
-                  </a:solidFill>
-                  <a:prstDash val="solid"/>
-                </a:ln>
-                <a:solidFill>
-                  <a:srgbClr val="002060"/>
-                </a:solidFill>
-                <a:effectLst>
-                  <a:outerShdw blurRad="38100" dist="38100" dir="2700000" algn="tl">
-                    <a:srgbClr val="000000">
-                      <a:alpha val="43137"/>
-                    </a:srgbClr>
-                  </a:outerShdw>
-                </a:effectLst>
-              </a:rPr>
-              <a:t>Ц</a:t>
-            </a:r>
-            <a:r>
-              <a:rPr lang="ru-RU" sz="14000" b="1" cap="none" spc="300" dirty="0">
-                <a:ln w="22225">
-                  <a:solidFill>
-                    <a:schemeClr val="accent2"/>
-                  </a:solidFill>
-                  <a:prstDash val="solid"/>
-                </a:ln>
-                <a:solidFill>
-                  <a:schemeClr val="accent2">
-                    <a:lumMod val="40000"/>
-                    <a:lumOff val="60000"/>
-                  </a:schemeClr>
-                </a:solidFill>
-                <a:effectLst>
-                  <a:outerShdw blurRad="38100" dist="38100" dir="2700000" algn="tl">
-                    <a:srgbClr val="000000">
-                      <a:alpha val="43137"/>
-                    </a:srgbClr>
-                  </a:outerShdw>
-                </a:effectLst>
-              </a:rPr>
-              <a:t>Х</a:t>
-            </a:r>
-            <a:br>
-              <a:rPr lang="ru-RU" sz="12000" b="1" cap="none" spc="300" dirty="0">
-                <a:ln w="22225">
-                  <a:solidFill>
-                    <a:schemeClr val="accent2"/>
-                  </a:solidFill>
-                  <a:prstDash val="solid"/>
-                </a:ln>
-                <a:solidFill>
-                  <a:schemeClr val="accent2">
-                    <a:lumMod val="40000"/>
-                    <a:lumOff val="60000"/>
-                  </a:schemeClr>
-                </a:solidFill>
-                <a:effectLst>
-                  <a:outerShdw blurRad="38100" dist="38100" dir="2700000" algn="tl">
-                    <a:srgbClr val="000000">
-                      <a:alpha val="43137"/>
-                    </a:srgbClr>
-                  </a:outerShdw>
-                </a:effectLst>
-              </a:rPr>
-            </a:br>
-            <a:endParaRPr lang="ru-RU" sz="12000" b="1" spc="300" dirty="0">
-              <a:effectLst>
-                <a:outerShdw blurRad="38100" dist="38100" dir="2700000" algn="tl">
-                  <a:srgbClr val="000000">
-                    <a:alpha val="43137"/>
-                  </a:srgbClr>
-                </a:outerShdw>
-              </a:effectLst>
-            </a:endParaRPr>
+              <a:rPr lang="ru-RU" dirty="0"/>
+              <a:t>1.Кто поёт?</a:t>
+            </a:r>
+          </a:p>
+        </p:txBody>
+      </p:sp>
+      <p:sp>
+        <p:nvSpPr>
+          <p:cNvPr id="3" name="Объект 2">
+            <a:extLst>
+              <a:ext uri="{FF2B5EF4-FFF2-40B4-BE49-F238E27FC236}">
+                <a16:creationId xmlns:a16="http://schemas.microsoft.com/office/drawing/2014/main" id="{0287DC10-8234-C510-1353-03CD4A67D296}"/>
+              </a:ext>
+            </a:extLst>
+          </p:cNvPr>
+          <p:cNvSpPr>
+            <a:spLocks noGrp="1"/>
+          </p:cNvSpPr>
+          <p:nvPr>
+            <p:ph sz="half" idx="1"/>
+          </p:nvPr>
+        </p:nvSpPr>
+        <p:spPr/>
+        <p:txBody>
+          <a:bodyPr/>
+          <a:lstStyle/>
+          <a:p>
+            <a:r>
+              <a:rPr lang="ru-RU" dirty="0"/>
+              <a:t>Видео </a:t>
+            </a:r>
+            <a:r>
+              <a:rPr lang="en-US" dirty="0"/>
+              <a:t>Who</a:t>
+            </a:r>
+            <a:endParaRPr lang="ru-RU" dirty="0"/>
+          </a:p>
+          <a:p>
+            <a:r>
+              <a:rPr lang="ru-RU" dirty="0"/>
+              <a:t>Верный ответ: Ляпис</a:t>
+            </a:r>
+          </a:p>
+          <a:p>
+            <a:endParaRPr lang="ru-RU" dirty="0"/>
+          </a:p>
+        </p:txBody>
+      </p:sp>
+      <p:sp>
+        <p:nvSpPr>
+          <p:cNvPr id="4" name="Объект 3">
+            <a:extLst>
+              <a:ext uri="{FF2B5EF4-FFF2-40B4-BE49-F238E27FC236}">
+                <a16:creationId xmlns:a16="http://schemas.microsoft.com/office/drawing/2014/main" id="{161CAEDC-1C82-56EB-2471-91CA30CCD948}"/>
+              </a:ext>
+            </a:extLst>
+          </p:cNvPr>
+          <p:cNvSpPr>
+            <a:spLocks noGrp="1"/>
+          </p:cNvSpPr>
+          <p:nvPr>
+            <p:ph sz="half" idx="2"/>
+          </p:nvPr>
+        </p:nvSpPr>
+        <p:spPr/>
+        <p:txBody>
+          <a:bodyPr/>
+          <a:lstStyle/>
+          <a:p>
+            <a:endParaRPr lang="ru-RU"/>
           </a:p>
         </p:txBody>
       </p:sp>
     </p:spTree>
     <p:extLst>
       <p:ext uri="{BB962C8B-B14F-4D97-AF65-F5344CB8AC3E}">
-        <p14:creationId xmlns:p14="http://schemas.microsoft.com/office/powerpoint/2010/main" val="37034714"/>
+        <p14:creationId xmlns:p14="http://schemas.microsoft.com/office/powerpoint/2010/main" val="4032933705"/>
       </p:ext>
     </p:extLst>
   </p:cSld>
@@ -6186,4 +7696,299 @@
     </a:ext>
   </a:extLst>
 </a:theme>
+</file>
+
+<file path=ppt/theme/theme2.xml><?xml version="1.0" encoding="utf-8"?>
+<a:theme xmlns:a="http://schemas.openxmlformats.org/drawingml/2006/main" name="Тема Office">
+  <a:themeElements>
+    <a:clrScheme name="Стандартная">
+      <a:dk1>
+        <a:sysClr val="windowText" lastClr="000000"/>
+      </a:dk1>
+      <a:lt1>
+        <a:sysClr val="window" lastClr="FFFFFF"/>
+      </a:lt1>
+      <a:dk2>
+        <a:srgbClr val="44546A"/>
+      </a:dk2>
+      <a:lt2>
+        <a:srgbClr val="E7E6E6"/>
+      </a:lt2>
+      <a:accent1>
+        <a:srgbClr val="4472C4"/>
+      </a:accent1>
+      <a:accent2>
+        <a:srgbClr val="ED7D31"/>
+      </a:accent2>
+      <a:accent3>
+        <a:srgbClr val="A5A5A5"/>
+      </a:accent3>
+      <a:accent4>
+        <a:srgbClr val="FFC000"/>
+      </a:accent4>
+      <a:accent5>
+        <a:srgbClr val="5B9BD5"/>
+      </a:accent5>
+      <a:accent6>
+        <a:srgbClr val="70AD47"/>
+      </a:accent6>
+      <a:hlink>
+        <a:srgbClr val="0563C1"/>
+      </a:hlink>
+      <a:folHlink>
+        <a:srgbClr val="954F72"/>
+      </a:folHlink>
+    </a:clrScheme>
+    <a:fontScheme name="Стандартная">
+      <a:majorFont>
+        <a:latin typeface="Calibri Light" panose="020F0302020204030204"/>
+        <a:ea typeface=""/>
+        <a:cs typeface=""/>
+        <a:font script="Jpan" typeface="游ゴシック Light"/>
+        <a:font script="Hang" typeface="맑은 고딕"/>
+        <a:font script="Hans" typeface="等线 Light"/>
+        <a:font script="Hant" typeface="新細明體"/>
+        <a:font script="Arab" typeface="Times New Roman"/>
+        <a:font script="Hebr" typeface="Times New Roman"/>
+        <a:font script="Thai" typeface="Angsana New"/>
+        <a:font script="Ethi" typeface="Nyala"/>
+        <a:font script="Beng" typeface="Vrinda"/>
+        <a:font script="Gujr" typeface="Shruti"/>
+        <a:font script="Khmr" typeface="MoolBoran"/>
+        <a:font script="Knda" typeface="Tunga"/>
+        <a:font script="Guru" typeface="Raavi"/>
+        <a:font script="Cans" typeface="Euphemia"/>
+        <a:font script="Cher" typeface="Plantagenet Cherokee"/>
+        <a:font script="Yiii" typeface="Microsoft Yi Baiti"/>
+        <a:font script="Tibt" typeface="Microsoft Himalaya"/>
+        <a:font script="Thaa" typeface="MV Boli"/>
+        <a:font script="Deva" typeface="Mangal"/>
+        <a:font script="Telu" typeface="Gautami"/>
+        <a:font script="Taml" typeface="Latha"/>
+        <a:font script="Syrc" typeface="Estrangelo Edessa"/>
+        <a:font script="Orya" typeface="Kalinga"/>
+        <a:font script="Mlym" typeface="Kartika"/>
+        <a:font script="Laoo" typeface="DokChampa"/>
+        <a:font script="Sinh" typeface="Iskoola Pota"/>
+        <a:font script="Mong" typeface="Mongolian Baiti"/>
+        <a:font script="Viet" typeface="Times New Roman"/>
+        <a:font script="Uigh" typeface="Microsoft Uighur"/>
+        <a:font script="Geor" typeface="Sylfaen"/>
+        <a:font script="Armn" typeface="Arial"/>
+        <a:font script="Bugi" typeface="Leelawadee UI"/>
+        <a:font script="Bopo" typeface="Microsoft JhengHei"/>
+        <a:font script="Java" typeface="Javanese Text"/>
+        <a:font script="Lisu" typeface="Segoe UI"/>
+        <a:font script="Mymr" typeface="Myanmar Text"/>
+        <a:font script="Nkoo" typeface="Ebrima"/>
+        <a:font script="Olck" typeface="Nirmala UI"/>
+        <a:font script="Osma" typeface="Ebrima"/>
+        <a:font script="Phag" typeface="Phagspa"/>
+        <a:font script="Syrn" typeface="Estrangelo Edessa"/>
+        <a:font script="Syrj" typeface="Estrangelo Edessa"/>
+        <a:font script="Syre" typeface="Estrangelo Edessa"/>
+        <a:font script="Sora" typeface="Nirmala UI"/>
+        <a:font script="Tale" typeface="Microsoft Tai Le"/>
+        <a:font script="Talu" typeface="Microsoft New Tai Lue"/>
+        <a:font script="Tfng" typeface="Ebrima"/>
+      </a:majorFont>
+      <a:minorFont>
+        <a:latin typeface="Calibri" panose="020F0502020204030204"/>
+        <a:ea typeface=""/>
+        <a:cs typeface=""/>
+        <a:font script="Jpan" typeface="游ゴシック"/>
+        <a:font script="Hang" typeface="맑은 고딕"/>
+        <a:font script="Hans" typeface="等线"/>
+        <a:font script="Hant" typeface="新細明體"/>
+        <a:font script="Arab" typeface="Arial"/>
+        <a:font script="Hebr" typeface="Arial"/>
+        <a:font script="Thai" typeface="Cordia New"/>
+        <a:font script="Ethi" typeface="Nyala"/>
+        <a:font script="Beng" typeface="Vrinda"/>
+        <a:font script="Gujr" typeface="Shruti"/>
+        <a:font script="Khmr" typeface="DaunPenh"/>
+        <a:font script="Knda" typeface="Tunga"/>
+        <a:font script="Guru" typeface="Raavi"/>
+        <a:font script="Cans" typeface="Euphemia"/>
+        <a:font script="Cher" typeface="Plantagenet Cherokee"/>
+        <a:font script="Yiii" typeface="Microsoft Yi Baiti"/>
+        <a:font script="Tibt" typeface="Microsoft Himalaya"/>
+        <a:font script="Thaa" typeface="MV Boli"/>
+        <a:font script="Deva" typeface="Mangal"/>
+        <a:font script="Telu" typeface="Gautami"/>
+        <a:font script="Taml" typeface="Latha"/>
+        <a:font script="Syrc" typeface="Estrangelo Edessa"/>
+        <a:font script="Orya" typeface="Kalinga"/>
+        <a:font script="Mlym" typeface="Kartika"/>
+        <a:font script="Laoo" typeface="DokChampa"/>
+        <a:font script="Sinh" typeface="Iskoola Pota"/>
+        <a:font script="Mong" typeface="Mongolian Baiti"/>
+        <a:font script="Viet" typeface="Arial"/>
+        <a:font script="Uigh" typeface="Microsoft Uighur"/>
+        <a:font script="Geor" typeface="Sylfaen"/>
+        <a:font script="Armn" typeface="Arial"/>
+        <a:font script="Bugi" typeface="Leelawadee UI"/>
+        <a:font script="Bopo" typeface="Microsoft JhengHei"/>
+        <a:font script="Java" typeface="Javanese Text"/>
+        <a:font script="Lisu" typeface="Segoe UI"/>
+        <a:font script="Mymr" typeface="Myanmar Text"/>
+        <a:font script="Nkoo" typeface="Ebrima"/>
+        <a:font script="Olck" typeface="Nirmala UI"/>
+        <a:font script="Osma" typeface="Ebrima"/>
+        <a:font script="Phag" typeface="Phagspa"/>
+        <a:font script="Syrn" typeface="Estrangelo Edessa"/>
+        <a:font script="Syrj" typeface="Estrangelo Edessa"/>
+        <a:font script="Syre" typeface="Estrangelo Edessa"/>
+        <a:font script="Sora" typeface="Nirmala UI"/>
+        <a:font script="Tale" typeface="Microsoft Tai Le"/>
+        <a:font script="Talu" typeface="Microsoft New Tai Lue"/>
+        <a:font script="Tfng" typeface="Ebrima"/>
+      </a:minorFont>
+    </a:fontScheme>
+    <a:fmtScheme name="Стандартная">
+      <a:fillStyleLst>
+        <a:solidFill>
+          <a:schemeClr val="phClr"/>
+        </a:solidFill>
+        <a:gradFill rotWithShape="1">
+          <a:gsLst>
+            <a:gs pos="0">
+              <a:schemeClr val="phClr">
+                <a:lumMod val="110000"/>
+                <a:satMod val="105000"/>
+                <a:tint val="67000"/>
+              </a:schemeClr>
+            </a:gs>
+            <a:gs pos="50000">
+              <a:schemeClr val="phClr">
+                <a:lumMod val="105000"/>
+                <a:satMod val="103000"/>
+                <a:tint val="73000"/>
+              </a:schemeClr>
+            </a:gs>
+            <a:gs pos="100000">
+              <a:schemeClr val="phClr">
+                <a:lumMod val="105000"/>
+                <a:satMod val="109000"/>
+                <a:tint val="81000"/>
+              </a:schemeClr>
+            </a:gs>
+          </a:gsLst>
+          <a:lin ang="5400000" scaled="0"/>
+        </a:gradFill>
+        <a:gradFill rotWithShape="1">
+          <a:gsLst>
+            <a:gs pos="0">
+              <a:schemeClr val="phClr">
+                <a:satMod val="103000"/>
+                <a:lumMod val="102000"/>
+                <a:tint val="94000"/>
+              </a:schemeClr>
+            </a:gs>
+            <a:gs pos="50000">
+              <a:schemeClr val="phClr">
+                <a:satMod val="110000"/>
+                <a:lumMod val="100000"/>
+                <a:shade val="100000"/>
+              </a:schemeClr>
+            </a:gs>
+            <a:gs pos="100000">
+              <a:schemeClr val="phClr">
+                <a:lumMod val="99000"/>
+                <a:satMod val="120000"/>
+                <a:shade val="78000"/>
+              </a:schemeClr>
+            </a:gs>
+          </a:gsLst>
+          <a:lin ang="5400000" scaled="0"/>
+        </a:gradFill>
+      </a:fillStyleLst>
+      <a:lnStyleLst>
+        <a:ln w="6350" cap="flat" cmpd="sng" algn="ctr">
+          <a:solidFill>
+            <a:schemeClr val="phClr"/>
+          </a:solidFill>
+          <a:prstDash val="solid"/>
+          <a:miter lim="800000"/>
+        </a:ln>
+        <a:ln w="12700" cap="flat" cmpd="sng" algn="ctr">
+          <a:solidFill>
+            <a:schemeClr val="phClr"/>
+          </a:solidFill>
+          <a:prstDash val="solid"/>
+          <a:miter lim="800000"/>
+        </a:ln>
+        <a:ln w="19050" cap="flat" cmpd="sng" algn="ctr">
+          <a:solidFill>
+            <a:schemeClr val="phClr"/>
+          </a:solidFill>
+          <a:prstDash val="solid"/>
+          <a:miter lim="800000"/>
+        </a:ln>
+      </a:lnStyleLst>
+      <a:effectStyleLst>
+        <a:effectStyle>
+          <a:effectLst/>
+        </a:effectStyle>
+        <a:effectStyle>
+          <a:effectLst/>
+        </a:effectStyle>
+        <a:effectStyle>
+          <a:effectLst>
+            <a:outerShdw blurRad="57150" dist="19050" dir="5400000" algn="ctr" rotWithShape="0">
+              <a:srgbClr val="000000">
+                <a:alpha val="63000"/>
+              </a:srgbClr>
+            </a:outerShdw>
+          </a:effectLst>
+        </a:effectStyle>
+      </a:effectStyleLst>
+      <a:bgFillStyleLst>
+        <a:solidFill>
+          <a:schemeClr val="phClr"/>
+        </a:solidFill>
+        <a:solidFill>
+          <a:schemeClr val="phClr">
+            <a:tint val="95000"/>
+            <a:satMod val="170000"/>
+          </a:schemeClr>
+        </a:solidFill>
+        <a:gradFill rotWithShape="1">
+          <a:gsLst>
+            <a:gs pos="0">
+              <a:schemeClr val="phClr">
+                <a:tint val="93000"/>
+                <a:satMod val="150000"/>
+                <a:shade val="98000"/>
+                <a:lumMod val="102000"/>
+              </a:schemeClr>
+            </a:gs>
+            <a:gs pos="50000">
+              <a:schemeClr val="phClr">
+                <a:tint val="98000"/>
+                <a:satMod val="130000"/>
+                <a:shade val="90000"/>
+                <a:lumMod val="103000"/>
+              </a:schemeClr>
+            </a:gs>
+            <a:gs pos="100000">
+              <a:schemeClr val="phClr">
+                <a:shade val="63000"/>
+                <a:satMod val="120000"/>
+              </a:schemeClr>
+            </a:gs>
+          </a:gsLst>
+          <a:lin ang="5400000" scaled="0"/>
+        </a:gradFill>
+      </a:bgFillStyleLst>
+    </a:fmtScheme>
+  </a:themeElements>
+  <a:objectDefaults/>
+  <a:extraClrSchemeLst/>
+  <a:extLst>
+    <a:ext uri="{05A4C25C-085E-4340-85A3-A5531E510DB2}">
+      <thm15:themeFamily xmlns:thm15="http://schemas.microsoft.com/office/thememl/2012/main" name="Office Theme" id="{62F939B6-93AF-4DB8-9C6B-D6C7DFDC589F}" vid="{4A3C46E8-61CC-4603-A589-7422A47A8E4A}"/>
+    </a:ext>
+  </a:extLst>
+</a:theme>
 </file>
--- a/КВЕСТ/Kvest 0504.pptx
+++ b/КВЕСТ/Kvest 0504.pptx
@@ -5,22 +5,23 @@
     <p:sldMasterId id="2147483648" r:id="rId1"/>
   </p:sldMasterIdLst>
   <p:notesMasterIdLst>
-    <p:notesMasterId r:id="rId15"/>
+    <p:notesMasterId r:id="rId16"/>
   </p:notesMasterIdLst>
   <p:sldIdLst>
     <p:sldId id="274" r:id="rId2"/>
     <p:sldId id="267" r:id="rId3"/>
     <p:sldId id="275" r:id="rId4"/>
-    <p:sldId id="269" r:id="rId5"/>
-    <p:sldId id="270" r:id="rId6"/>
-    <p:sldId id="278" r:id="rId7"/>
-    <p:sldId id="276" r:id="rId8"/>
-    <p:sldId id="273" r:id="rId9"/>
-    <p:sldId id="277" r:id="rId10"/>
-    <p:sldId id="261" r:id="rId11"/>
-    <p:sldId id="264" r:id="rId12"/>
-    <p:sldId id="259" r:id="rId13"/>
-    <p:sldId id="279" r:id="rId14"/>
+    <p:sldId id="261" r:id="rId5"/>
+    <p:sldId id="264" r:id="rId6"/>
+    <p:sldId id="269" r:id="rId7"/>
+    <p:sldId id="270" r:id="rId8"/>
+    <p:sldId id="278" r:id="rId9"/>
+    <p:sldId id="276" r:id="rId10"/>
+    <p:sldId id="273" r:id="rId11"/>
+    <p:sldId id="279" r:id="rId12"/>
+    <p:sldId id="280" r:id="rId13"/>
+    <p:sldId id="259" r:id="rId14"/>
+    <p:sldId id="277" r:id="rId15"/>
   </p:sldIdLst>
   <p:sldSz cx="12192000" cy="6858000"/>
   <p:notesSz cx="6858000" cy="9144000"/>
@@ -3999,15 +4000,15 @@
           <p:cNvPr id="2" name="Заголовок 1">
             <a:extLst>
               <a:ext uri="{FF2B5EF4-FFF2-40B4-BE49-F238E27FC236}">
-                <a16:creationId xmlns:a16="http://schemas.microsoft.com/office/drawing/2014/main" id="{73E8ACFF-45E7-D84F-A7A8-28D43511CDCE}"/>
-              </a:ext>
-            </a:extLst>
-          </p:cNvPr>
-          <p:cNvSpPr>
-            <a:spLocks noGrp="1"/>
-          </p:cNvSpPr>
-          <p:nvPr>
-            <p:ph type="ctrTitle"/>
+                <a16:creationId xmlns:a16="http://schemas.microsoft.com/office/drawing/2014/main" id="{98E767A6-9FEB-84BA-EB93-5CC9FC5CF612}"/>
+              </a:ext>
+            </a:extLst>
+          </p:cNvPr>
+          <p:cNvSpPr>
+            <a:spLocks noGrp="1"/>
+          </p:cNvSpPr>
+          <p:nvPr>
+            <p:ph type="title"/>
           </p:nvPr>
         </p:nvSpPr>
         <p:spPr/>
@@ -4017,53 +4018,191 @@
           <a:p>
             <a:r>
               <a:rPr lang="ru-RU" dirty="0"/>
-              <a:t>Собери слово по желанию Охотника</a:t>
-            </a:r>
-          </a:p>
-        </p:txBody>
-      </p:sp>
-      <p:sp>
-        <p:nvSpPr>
-          <p:cNvPr id="3" name="Подзаголовок 2">
-            <a:extLst>
-              <a:ext uri="{FF2B5EF4-FFF2-40B4-BE49-F238E27FC236}">
-                <a16:creationId xmlns:a16="http://schemas.microsoft.com/office/drawing/2014/main" id="{423AFDD5-0E5C-1E57-39F5-0B1435BEA975}"/>
-              </a:ext>
-            </a:extLst>
-          </p:cNvPr>
-          <p:cNvSpPr>
-            <a:spLocks noGrp="1"/>
-          </p:cNvSpPr>
-          <p:nvPr>
-            <p:ph type="subTitle" idx="1"/>
+              <a:t>Блиц. Угадай песню</a:t>
+            </a:r>
+          </a:p>
+        </p:txBody>
+      </p:sp>
+      <p:sp>
+        <p:nvSpPr>
+          <p:cNvPr id="4" name="Объект 3">
+            <a:extLst>
+              <a:ext uri="{FF2B5EF4-FFF2-40B4-BE49-F238E27FC236}">
+                <a16:creationId xmlns:a16="http://schemas.microsoft.com/office/drawing/2014/main" id="{4093EF2D-C47B-AF81-1480-6408C585AF27}"/>
+              </a:ext>
+            </a:extLst>
+          </p:cNvPr>
+          <p:cNvSpPr>
+            <a:spLocks noGrp="1"/>
+          </p:cNvSpPr>
+          <p:nvPr>
+            <p:ph sz="half" idx="2"/>
           </p:nvPr>
         </p:nvSpPr>
         <p:spPr/>
         <p:txBody>
-          <a:bodyPr/>
+          <a:bodyPr>
+            <a:normAutofit lnSpcReduction="10000"/>
+          </a:bodyPr>
           <a:lstStyle/>
           <a:p>
+            <a:pPr marL="0" indent="0">
+              <a:buNone/>
+            </a:pPr>
             <a:r>
               <a:rPr lang="ru-RU" dirty="0"/>
-              <a:t>фото</a:t>
-            </a:r>
-            <a:r>
-              <a:rPr lang="en-US" dirty="0"/>
-              <a:t>- Ox</a:t>
-            </a:r>
-          </a:p>
-          <a:p>
+              <a:t>Верные ответы:</a:t>
+            </a:r>
+          </a:p>
+          <a:p>
+            <a:pPr marL="0" indent="0">
+              <a:buNone/>
+            </a:pPr>
+            <a:endParaRPr lang="ru-RU" dirty="0"/>
+          </a:p>
+          <a:p>
+            <a:pPr marL="0" indent="0">
+              <a:buNone/>
+            </a:pPr>
             <a:r>
               <a:rPr lang="ru-RU" dirty="0"/>
-              <a:t>Верный ответ : теплица</a:t>
-            </a:r>
-          </a:p>
-        </p:txBody>
-      </p:sp>
+              <a:t>Выйду ночью в поле с конём</a:t>
+            </a:r>
+          </a:p>
+          <a:p>
+            <a:pPr marL="0" indent="0">
+              <a:buNone/>
+            </a:pPr>
+            <a:endParaRPr lang="ru-RU" dirty="0"/>
+          </a:p>
+          <a:p>
+            <a:pPr marL="0" indent="0">
+              <a:buNone/>
+            </a:pPr>
+            <a:r>
+              <a:rPr lang="ru-RU" dirty="0"/>
+              <a:t>Ой цветет калина в поле у ручья</a:t>
+            </a:r>
+          </a:p>
+          <a:p>
+            <a:pPr marL="0" indent="0">
+              <a:buNone/>
+            </a:pPr>
+            <a:endParaRPr lang="ru-RU" dirty="0"/>
+          </a:p>
+          <a:p>
+            <a:pPr marL="0" indent="0">
+              <a:buNone/>
+            </a:pPr>
+            <a:endParaRPr lang="ru-RU" dirty="0"/>
+          </a:p>
+          <a:p>
+            <a:pPr marL="0" indent="0">
+              <a:buNone/>
+            </a:pPr>
+            <a:r>
+              <a:rPr lang="ru-RU" dirty="0"/>
+              <a:t>Изгиб гитары жёлтой ты обнимаешь нежно</a:t>
+            </a:r>
+          </a:p>
+        </p:txBody>
+      </p:sp>
+      <p:pic>
+        <p:nvPicPr>
+          <p:cNvPr id="5" name="Объект 4">
+            <a:extLst>
+              <a:ext uri="{FF2B5EF4-FFF2-40B4-BE49-F238E27FC236}">
+                <a16:creationId xmlns:a16="http://schemas.microsoft.com/office/drawing/2014/main" id="{2C2CA764-524D-C4C7-0AE2-9A416CF9C2CE}"/>
+              </a:ext>
+            </a:extLst>
+          </p:cNvPr>
+          <p:cNvPicPr>
+            <a:picLocks noGrp="1" noChangeAspect="1"/>
+          </p:cNvPicPr>
+          <p:nvPr>
+            <p:ph sz="half" idx="1"/>
+          </p:nvPr>
+        </p:nvPicPr>
+        <p:blipFill>
+          <a:blip r:embed="rId2"/>
+          <a:stretch>
+            <a:fillRect/>
+          </a:stretch>
+        </p:blipFill>
+        <p:spPr>
+          <a:xfrm>
+            <a:off x="962395" y="2074700"/>
+            <a:ext cx="3539434" cy="904522"/>
+          </a:xfrm>
+          <a:prstGeom prst="rect">
+            <a:avLst/>
+          </a:prstGeom>
+        </p:spPr>
+      </p:pic>
+      <p:pic>
+        <p:nvPicPr>
+          <p:cNvPr id="6" name="Рисунок 5">
+            <a:extLst>
+              <a:ext uri="{FF2B5EF4-FFF2-40B4-BE49-F238E27FC236}">
+                <a16:creationId xmlns:a16="http://schemas.microsoft.com/office/drawing/2014/main" id="{A1E531F8-2008-9DA9-5979-89D6B896FC8B}"/>
+              </a:ext>
+            </a:extLst>
+          </p:cNvPr>
+          <p:cNvPicPr>
+            <a:picLocks noChangeAspect="1"/>
+          </p:cNvPicPr>
+          <p:nvPr/>
+        </p:nvPicPr>
+        <p:blipFill>
+          <a:blip r:embed="rId3"/>
+          <a:stretch>
+            <a:fillRect/>
+          </a:stretch>
+        </p:blipFill>
+        <p:spPr>
+          <a:xfrm>
+            <a:off x="838200" y="3256093"/>
+            <a:ext cx="4155567" cy="1200497"/>
+          </a:xfrm>
+          <a:prstGeom prst="rect">
+            <a:avLst/>
+          </a:prstGeom>
+        </p:spPr>
+      </p:pic>
+      <p:pic>
+        <p:nvPicPr>
+          <p:cNvPr id="8" name="Рисунок 7">
+            <a:extLst>
+              <a:ext uri="{FF2B5EF4-FFF2-40B4-BE49-F238E27FC236}">
+                <a16:creationId xmlns:a16="http://schemas.microsoft.com/office/drawing/2014/main" id="{460C896C-6921-A990-ABF9-A061128FD339}"/>
+              </a:ext>
+            </a:extLst>
+          </p:cNvPr>
+          <p:cNvPicPr>
+            <a:picLocks noChangeAspect="1"/>
+          </p:cNvPicPr>
+          <p:nvPr/>
+        </p:nvPicPr>
+        <p:blipFill>
+          <a:blip r:embed="rId4"/>
+          <a:stretch>
+            <a:fillRect/>
+          </a:stretch>
+        </p:blipFill>
+        <p:spPr>
+          <a:xfrm>
+            <a:off x="962395" y="4733461"/>
+            <a:ext cx="3663890" cy="1099167"/>
+          </a:xfrm>
+          <a:prstGeom prst="rect">
+            <a:avLst/>
+          </a:prstGeom>
+        </p:spPr>
+      </p:pic>
     </p:spTree>
     <p:extLst>
       <p:ext uri="{BB962C8B-B14F-4D97-AF65-F5344CB8AC3E}">
-        <p14:creationId xmlns:p14="http://schemas.microsoft.com/office/powerpoint/2010/main" val="679133564"/>
+        <p14:creationId xmlns:p14="http://schemas.microsoft.com/office/powerpoint/2010/main" val="2374342276"/>
       </p:ext>
     </p:extLst>
   </p:cSld>
@@ -4095,492 +4234,115 @@
           <p:cNvPr id="2" name="Заголовок 1">
             <a:extLst>
               <a:ext uri="{FF2B5EF4-FFF2-40B4-BE49-F238E27FC236}">
-                <a16:creationId xmlns:a16="http://schemas.microsoft.com/office/drawing/2014/main" id="{87F6637F-21E0-21AB-7985-2335BE95653E}"/>
-              </a:ext>
-            </a:extLst>
-          </p:cNvPr>
-          <p:cNvSpPr>
-            <a:spLocks noGrp="1"/>
-          </p:cNvSpPr>
-          <p:nvPr>
-            <p:ph type="title"/>
-          </p:nvPr>
-        </p:nvSpPr>
-        <p:spPr>
-          <a:xfrm>
-            <a:off x="838200" y="365125"/>
-            <a:ext cx="10515600" cy="6009042"/>
-          </a:xfrm>
-        </p:spPr>
+                <a16:creationId xmlns:a16="http://schemas.microsoft.com/office/drawing/2014/main" id="{DF44D441-6D35-3E17-B1CA-17178F85C091}"/>
+              </a:ext>
+            </a:extLst>
+          </p:cNvPr>
+          <p:cNvSpPr>
+            <a:spLocks noGrp="1"/>
+          </p:cNvSpPr>
+          <p:nvPr>
+            <p:ph type="ctrTitle"/>
+          </p:nvPr>
+        </p:nvSpPr>
+        <p:spPr/>
         <p:txBody>
           <a:bodyPr>
-            <a:noAutofit/>
+            <a:normAutofit fontScale="90000"/>
           </a:bodyPr>
           <a:lstStyle/>
           <a:p>
-            <a:pPr algn="ctr"/>
+            <a:r>
+              <a:rPr lang="ru-RU" sz="4400" dirty="0">
+                <a:solidFill>
+                  <a:srgbClr val="00B050"/>
+                </a:solidFill>
+              </a:rPr>
+              <a:t>Задание 6</a:t>
+            </a:r>
             <a:br>
-              <a:rPr lang="ru-RU" sz="12000" b="1" cap="none" spc="0" dirty="0">
-                <a:ln w="22225">
-                  <a:solidFill>
-                    <a:schemeClr val="accent2"/>
-                  </a:solidFill>
-                  <a:prstDash val="solid"/>
-                </a:ln>
-                <a:solidFill>
-                  <a:schemeClr val="accent2">
-                    <a:lumMod val="40000"/>
-                    <a:lumOff val="60000"/>
-                  </a:schemeClr>
-                </a:solidFill>
-                <a:effectLst/>
-              </a:rPr>
+              <a:rPr lang="ru-RU" dirty="0"/>
             </a:br>
             <a:r>
-              <a:rPr lang="ru-RU" sz="14000" b="1" cap="none" spc="300" dirty="0">
-                <a:ln w="22225">
-                  <a:solidFill>
-                    <a:schemeClr val="accent2"/>
-                  </a:solidFill>
-                  <a:prstDash val="solid"/>
-                </a:ln>
-                <a:solidFill>
-                  <a:schemeClr val="accent2">
-                    <a:lumMod val="40000"/>
-                    <a:lumOff val="60000"/>
-                  </a:schemeClr>
-                </a:solidFill>
-                <a:effectLst>
-                  <a:outerShdw blurRad="38100" dist="38100" dir="2700000" algn="tl">
-                    <a:srgbClr val="000000">
-                      <a:alpha val="43137"/>
-                    </a:srgbClr>
-                  </a:outerShdw>
-                </a:effectLst>
-              </a:rPr>
-              <a:t>ГО</a:t>
-            </a:r>
-            <a:r>
-              <a:rPr lang="ru-RU" sz="14000" b="1" cap="none" spc="300" dirty="0">
-                <a:ln w="22225">
-                  <a:solidFill>
-                    <a:schemeClr val="accent2"/>
-                  </a:solidFill>
-                  <a:prstDash val="solid"/>
-                </a:ln>
-                <a:solidFill>
-                  <a:srgbClr val="7030A0"/>
-                </a:solidFill>
-                <a:effectLst>
-                  <a:outerShdw blurRad="38100" dist="38100" dir="2700000" algn="tl">
-                    <a:srgbClr val="000000">
-                      <a:alpha val="43137"/>
-                    </a:srgbClr>
-                  </a:outerShdw>
-                </a:effectLst>
-              </a:rPr>
-              <a:t>А</a:t>
-            </a:r>
-            <a:r>
-              <a:rPr lang="ru-RU" sz="14000" b="1" cap="none" spc="300" dirty="0">
-                <a:ln w="22225">
-                  <a:solidFill>
-                    <a:schemeClr val="accent2"/>
-                  </a:solidFill>
-                  <a:prstDash val="solid"/>
-                </a:ln>
-                <a:solidFill>
-                  <a:schemeClr val="accent2">
-                    <a:lumMod val="40000"/>
-                    <a:lumOff val="60000"/>
-                  </a:schemeClr>
-                </a:solidFill>
-                <a:effectLst>
-                  <a:outerShdw blurRad="38100" dist="38100" dir="2700000" algn="tl">
-                    <a:srgbClr val="000000">
-                      <a:alpha val="43137"/>
-                    </a:srgbClr>
-                  </a:outerShdw>
-                </a:effectLst>
-              </a:rPr>
-              <a:t>БМ</a:t>
-            </a:r>
-            <a:r>
-              <a:rPr lang="ru-RU" sz="14000" b="1" cap="none" spc="300" dirty="0">
-                <a:ln w="22225">
-                  <a:solidFill>
-                    <a:schemeClr val="accent2"/>
-                  </a:solidFill>
-                  <a:prstDash val="solid"/>
-                </a:ln>
-                <a:solidFill>
-                  <a:srgbClr val="FF9900"/>
-                </a:solidFill>
-                <a:effectLst>
-                  <a:outerShdw blurRad="38100" dist="38100" dir="2700000" algn="tl">
-                    <a:srgbClr val="000000">
-                      <a:alpha val="43137"/>
-                    </a:srgbClr>
-                  </a:outerShdw>
-                </a:effectLst>
-              </a:rPr>
-              <a:t>Е</a:t>
-            </a:r>
-            <a:r>
-              <a:rPr lang="ru-RU" sz="14000" b="1" cap="none" spc="300" dirty="0">
-                <a:ln w="22225">
-                  <a:solidFill>
-                    <a:schemeClr val="accent2"/>
-                  </a:solidFill>
-                  <a:prstDash val="solid"/>
-                </a:ln>
-                <a:solidFill>
-                  <a:schemeClr val="accent2">
-                    <a:lumMod val="40000"/>
-                    <a:lumOff val="60000"/>
-                  </a:schemeClr>
-                </a:solidFill>
-                <a:effectLst>
-                  <a:outerShdw blurRad="38100" dist="38100" dir="2700000" algn="tl">
-                    <a:srgbClr val="000000">
-                      <a:alpha val="43137"/>
-                    </a:srgbClr>
-                  </a:outerShdw>
-                </a:effectLst>
-              </a:rPr>
-              <a:t>СФ</a:t>
-            </a:r>
-            <a:br>
-              <a:rPr lang="ru-RU" sz="14000" b="1" cap="none" spc="300" dirty="0">
-                <a:ln w="22225">
-                  <a:solidFill>
-                    <a:schemeClr val="accent2"/>
-                  </a:solidFill>
-                  <a:prstDash val="solid"/>
-                </a:ln>
-                <a:solidFill>
-                  <a:schemeClr val="accent2">
-                    <a:lumMod val="40000"/>
-                    <a:lumOff val="60000"/>
-                  </a:schemeClr>
-                </a:solidFill>
-                <a:effectLst>
-                  <a:outerShdw blurRad="38100" dist="38100" dir="2700000" algn="tl">
-                    <a:srgbClr val="000000">
-                      <a:alpha val="43137"/>
-                    </a:srgbClr>
-                  </a:outerShdw>
-                </a:effectLst>
-              </a:rPr>
-            </a:br>
-            <a:r>
-              <a:rPr lang="ru-RU" sz="14000" b="1" cap="none" spc="300" dirty="0">
-                <a:ln w="22225">
-                  <a:solidFill>
-                    <a:schemeClr val="accent2"/>
-                  </a:solidFill>
-                  <a:prstDash val="solid"/>
-                </a:ln>
-                <a:solidFill>
-                  <a:schemeClr val="accent2">
-                    <a:lumMod val="40000"/>
-                    <a:lumOff val="60000"/>
-                  </a:schemeClr>
-                </a:solidFill>
-                <a:effectLst>
-                  <a:outerShdw blurRad="38100" dist="38100" dir="2700000" algn="tl">
-                    <a:srgbClr val="000000">
-                      <a:alpha val="43137"/>
-                    </a:srgbClr>
-                  </a:outerShdw>
-                </a:effectLst>
-              </a:rPr>
-              <a:t>З</a:t>
-            </a:r>
-            <a:r>
-              <a:rPr lang="ru-RU" sz="14000" b="1" cap="none" spc="300" dirty="0">
-                <a:ln w="22225">
-                  <a:solidFill>
-                    <a:schemeClr val="accent2"/>
-                  </a:solidFill>
-                  <a:prstDash val="solid"/>
-                </a:ln>
-                <a:solidFill>
-                  <a:srgbClr val="00B0F0"/>
-                </a:solidFill>
-                <a:effectLst>
-                  <a:outerShdw blurRad="38100" dist="38100" dir="2700000" algn="tl">
-                    <a:srgbClr val="000000">
-                      <a:alpha val="43137"/>
-                    </a:srgbClr>
-                  </a:outerShdw>
-                </a:effectLst>
-              </a:rPr>
-              <a:t>И</a:t>
-            </a:r>
-            <a:r>
-              <a:rPr lang="ru-RU" sz="14000" b="1" cap="none" spc="300" dirty="0">
-                <a:ln w="22225">
-                  <a:solidFill>
-                    <a:schemeClr val="accent2"/>
-                  </a:solidFill>
-                  <a:prstDash val="solid"/>
-                </a:ln>
-                <a:solidFill>
-                  <a:schemeClr val="accent2">
-                    <a:lumMod val="40000"/>
-                    <a:lumOff val="60000"/>
-                  </a:schemeClr>
-                </a:solidFill>
-                <a:effectLst>
-                  <a:outerShdw blurRad="38100" dist="38100" dir="2700000" algn="tl">
-                    <a:srgbClr val="000000">
-                      <a:alpha val="43137"/>
-                    </a:srgbClr>
-                  </a:outerShdw>
-                </a:effectLst>
-              </a:rPr>
-              <a:t>В</a:t>
-            </a:r>
-            <a:r>
-              <a:rPr lang="ru-RU" sz="14000" b="1" cap="none" spc="300" dirty="0">
-                <a:ln w="22225">
-                  <a:solidFill>
-                    <a:schemeClr val="accent2"/>
-                  </a:solidFill>
-                  <a:prstDash val="solid"/>
-                </a:ln>
-                <a:solidFill>
-                  <a:srgbClr val="00B050"/>
-                </a:solidFill>
-                <a:effectLst>
-                  <a:outerShdw blurRad="38100" dist="38100" dir="2700000" algn="tl">
-                    <a:srgbClr val="000000">
-                      <a:alpha val="43137"/>
-                    </a:srgbClr>
-                  </a:outerShdw>
-                </a:effectLst>
-              </a:rPr>
-              <a:t>Л</a:t>
-            </a:r>
-            <a:r>
-              <a:rPr lang="ru-RU" sz="14000" b="1" cap="none" spc="300" dirty="0">
-                <a:ln w="22225">
-                  <a:solidFill>
-                    <a:schemeClr val="accent2"/>
-                  </a:solidFill>
-                  <a:prstDash val="solid"/>
-                </a:ln>
-                <a:solidFill>
-                  <a:schemeClr val="accent2">
-                    <a:lumMod val="40000"/>
-                    <a:lumOff val="60000"/>
-                  </a:schemeClr>
-                </a:solidFill>
-                <a:effectLst>
-                  <a:outerShdw blurRad="38100" dist="38100" dir="2700000" algn="tl">
-                    <a:srgbClr val="000000">
-                      <a:alpha val="43137"/>
-                    </a:srgbClr>
-                  </a:outerShdw>
-                </a:effectLst>
-              </a:rPr>
-              <a:t>НД</a:t>
-            </a:r>
-            <a:r>
-              <a:rPr lang="ru-RU" sz="14000" b="1" cap="none" spc="300" dirty="0">
-                <a:ln w="22225">
-                  <a:solidFill>
-                    <a:schemeClr val="accent2"/>
-                  </a:solidFill>
-                  <a:prstDash val="solid"/>
-                </a:ln>
-                <a:solidFill>
-                  <a:srgbClr val="FFFF00"/>
-                </a:solidFill>
-                <a:effectLst>
-                  <a:outerShdw blurRad="38100" dist="38100" dir="2700000" algn="tl">
-                    <a:srgbClr val="000000">
-                      <a:alpha val="43137"/>
-                    </a:srgbClr>
-                  </a:outerShdw>
-                </a:effectLst>
-              </a:rPr>
-              <a:t>П</a:t>
-            </a:r>
-            <a:br>
-              <a:rPr lang="ru-RU" sz="14000" b="1" cap="none" spc="300" dirty="0">
-                <a:ln w="22225">
-                  <a:solidFill>
-                    <a:schemeClr val="accent2"/>
-                  </a:solidFill>
-                  <a:prstDash val="solid"/>
-                </a:ln>
-                <a:solidFill>
-                  <a:srgbClr val="FFFF00"/>
-                </a:solidFill>
-                <a:effectLst>
-                  <a:outerShdw blurRad="38100" dist="38100" dir="2700000" algn="tl">
-                    <a:srgbClr val="000000">
-                      <a:alpha val="43137"/>
-                    </a:srgbClr>
-                  </a:outerShdw>
-                </a:effectLst>
-              </a:rPr>
-            </a:br>
-            <a:r>
-              <a:rPr lang="ru-RU" sz="14000" b="1" cap="none" spc="300" dirty="0">
-                <a:ln w="22225">
-                  <a:solidFill>
-                    <a:schemeClr val="accent2"/>
-                  </a:solidFill>
-                  <a:prstDash val="solid"/>
-                </a:ln>
-                <a:solidFill>
-                  <a:schemeClr val="accent2">
-                    <a:lumMod val="40000"/>
-                    <a:lumOff val="60000"/>
-                  </a:schemeClr>
-                </a:solidFill>
-                <a:effectLst>
-                  <a:outerShdw blurRad="38100" dist="38100" dir="2700000" algn="tl">
-                    <a:srgbClr val="000000">
-                      <a:alpha val="43137"/>
-                    </a:srgbClr>
-                  </a:outerShdw>
-                </a:effectLst>
-              </a:rPr>
-              <a:t>РЖ</a:t>
-            </a:r>
-            <a:r>
-              <a:rPr lang="ru-RU" sz="14000" b="1" cap="none" spc="300" dirty="0">
-                <a:ln w="22225">
-                  <a:solidFill>
-                    <a:schemeClr val="accent2"/>
-                  </a:solidFill>
-                  <a:prstDash val="solid"/>
-                </a:ln>
+              <a:rPr lang="ru-RU" dirty="0"/>
+              <a:t>1. Помогите расстроенному хозяину, потерявшего своего питомца в большой комнате</a:t>
+            </a:r>
+          </a:p>
+        </p:txBody>
+      </p:sp>
+      <p:sp>
+        <p:nvSpPr>
+          <p:cNvPr id="3" name="Подзаголовок 2">
+            <a:extLst>
+              <a:ext uri="{FF2B5EF4-FFF2-40B4-BE49-F238E27FC236}">
+                <a16:creationId xmlns:a16="http://schemas.microsoft.com/office/drawing/2014/main" id="{5CBFD356-747F-C90E-60C3-B936648E8F93}"/>
+              </a:ext>
+            </a:extLst>
+          </p:cNvPr>
+          <p:cNvSpPr>
+            <a:spLocks noGrp="1"/>
+          </p:cNvSpPr>
+          <p:nvPr>
+            <p:ph type="subTitle" idx="1"/>
+          </p:nvPr>
+        </p:nvSpPr>
+        <p:spPr/>
+        <p:txBody>
+          <a:bodyPr>
+            <a:normAutofit lnSpcReduction="10000"/>
+          </a:bodyPr>
+          <a:lstStyle/>
+          <a:p>
+            <a:r>
+              <a:rPr lang="ru-RU" dirty="0"/>
+              <a:t>2. Где прячется питомец?</a:t>
+            </a:r>
+          </a:p>
+          <a:p>
+            <a:r>
+              <a:rPr lang="ru-RU" dirty="0">
                 <a:solidFill>
                   <a:srgbClr val="FF0000"/>
                 </a:solidFill>
-                <a:effectLst>
-                  <a:outerShdw blurRad="38100" dist="38100" dir="2700000" algn="tl">
-                    <a:srgbClr val="000000">
-                      <a:alpha val="43137"/>
-                    </a:srgbClr>
-                  </a:outerShdw>
-                </a:effectLst>
-              </a:rPr>
-              <a:t>Т</a:t>
-            </a:r>
-            <a:r>
-              <a:rPr lang="ru-RU" sz="14000" b="1" cap="none" spc="300" dirty="0">
-                <a:ln w="22225">
-                  <a:solidFill>
-                    <a:schemeClr val="accent2"/>
-                  </a:solidFill>
-                  <a:prstDash val="solid"/>
-                </a:ln>
-                <a:solidFill>
-                  <a:schemeClr val="accent2">
-                    <a:lumMod val="40000"/>
-                    <a:lumOff val="60000"/>
-                  </a:schemeClr>
-                </a:solidFill>
-                <a:effectLst>
-                  <a:outerShdw blurRad="38100" dist="38100" dir="2700000" algn="tl">
-                    <a:srgbClr val="000000">
-                      <a:alpha val="43137"/>
-                    </a:srgbClr>
-                  </a:outerShdw>
-                </a:effectLst>
-              </a:rPr>
-              <a:t>УК</a:t>
-            </a:r>
-            <a:r>
-              <a:rPr lang="ru-RU" sz="14000" b="1" cap="none" spc="300" dirty="0">
-                <a:ln w="22225">
-                  <a:solidFill>
-                    <a:schemeClr val="accent2"/>
-                  </a:solidFill>
-                  <a:prstDash val="solid"/>
-                </a:ln>
+              </a:rPr>
+              <a:t>Файл </a:t>
+            </a:r>
+            <a:r>
+              <a:rPr lang="en-US" dirty="0">
+                <a:solidFill>
+                  <a:srgbClr val="FF0000"/>
+                </a:solidFill>
+              </a:rPr>
+              <a:t>Dog</a:t>
+            </a:r>
+            <a:endParaRPr lang="ru-RU" dirty="0">
+              <a:solidFill>
+                <a:srgbClr val="FF0000"/>
+              </a:solidFill>
+            </a:endParaRPr>
+          </a:p>
+          <a:p>
+            <a:r>
+              <a:rPr lang="ru-RU" dirty="0">
                 <a:solidFill>
                   <a:srgbClr val="002060"/>
                 </a:solidFill>
-                <a:effectLst>
-                  <a:outerShdw blurRad="38100" dist="38100" dir="2700000" algn="tl">
-                    <a:srgbClr val="000000">
-                      <a:alpha val="43137"/>
-                    </a:srgbClr>
-                  </a:outerShdw>
-                </a:effectLst>
-              </a:rPr>
-              <a:t>Ц</a:t>
-            </a:r>
-            <a:r>
-              <a:rPr lang="ru-RU" sz="14000" b="1" cap="none" spc="300" dirty="0">
-                <a:ln w="22225">
-                  <a:solidFill>
-                    <a:schemeClr val="accent2"/>
-                  </a:solidFill>
-                  <a:prstDash val="solid"/>
-                </a:ln>
-                <a:solidFill>
-                  <a:schemeClr val="accent2">
-                    <a:lumMod val="40000"/>
-                    <a:lumOff val="60000"/>
-                  </a:schemeClr>
-                </a:solidFill>
-                <a:effectLst>
-                  <a:outerShdw blurRad="38100" dist="38100" dir="2700000" algn="tl">
-                    <a:srgbClr val="000000">
-                      <a:alpha val="43137"/>
-                    </a:srgbClr>
-                  </a:outerShdw>
-                </a:effectLst>
-              </a:rPr>
-              <a:t>Х</a:t>
-            </a:r>
-            <a:br>
-              <a:rPr lang="ru-RU" sz="12000" b="1" cap="none" spc="300" dirty="0">
-                <a:ln w="22225">
-                  <a:solidFill>
-                    <a:schemeClr val="accent2"/>
-                  </a:solidFill>
-                  <a:prstDash val="solid"/>
-                </a:ln>
-                <a:solidFill>
-                  <a:schemeClr val="accent2">
-                    <a:lumMod val="40000"/>
-                    <a:lumOff val="60000"/>
-                  </a:schemeClr>
-                </a:solidFill>
-                <a:effectLst>
-                  <a:outerShdw blurRad="38100" dist="38100" dir="2700000" algn="tl">
-                    <a:srgbClr val="000000">
-                      <a:alpha val="43137"/>
-                    </a:srgbClr>
-                  </a:outerShdw>
-                </a:effectLst>
-              </a:rPr>
-            </a:br>
-            <a:endParaRPr lang="ru-RU" sz="12000" b="1" spc="300" dirty="0">
-              <a:effectLst>
-                <a:outerShdw blurRad="38100" dist="38100" dir="2700000" algn="tl">
-                  <a:srgbClr val="000000">
-                    <a:alpha val="43137"/>
-                  </a:srgbClr>
-                </a:outerShdw>
-              </a:effectLst>
-            </a:endParaRPr>
+              </a:rPr>
+              <a:t>Введите питомца:</a:t>
+            </a:r>
+          </a:p>
+          <a:p>
+            <a:r>
+              <a:rPr lang="ru-RU" dirty="0"/>
+              <a:t>Верный ответ: собака</a:t>
+            </a:r>
           </a:p>
         </p:txBody>
       </p:sp>
     </p:spTree>
     <p:extLst>
       <p:ext uri="{BB962C8B-B14F-4D97-AF65-F5344CB8AC3E}">
-        <p14:creationId xmlns:p14="http://schemas.microsoft.com/office/powerpoint/2010/main" val="37034714"/>
+        <p14:creationId xmlns:p14="http://schemas.microsoft.com/office/powerpoint/2010/main" val="1691860526"/>
       </p:ext>
     </p:extLst>
   </p:cSld>
@@ -4607,83 +4369,46 @@
           <a:chExt cx="0" cy="0"/>
         </a:xfrm>
       </p:grpSpPr>
-      <p:sp>
-        <p:nvSpPr>
-          <p:cNvPr id="2" name="Заголовок 1">
-            <a:extLst>
-              <a:ext uri="{FF2B5EF4-FFF2-40B4-BE49-F238E27FC236}">
-                <a16:creationId xmlns:a16="http://schemas.microsoft.com/office/drawing/2014/main" id="{4F43607C-E50F-DF94-67CB-EA5B5612E79A}"/>
-              </a:ext>
-            </a:extLst>
-          </p:cNvPr>
-          <p:cNvSpPr>
-            <a:spLocks noGrp="1"/>
-          </p:cNvSpPr>
-          <p:nvPr>
-            <p:ph type="ctrTitle"/>
-          </p:nvPr>
-        </p:nvSpPr>
-        <p:spPr/>
-        <p:txBody>
-          <a:bodyPr/>
-          <a:lstStyle/>
-          <a:p>
-            <a:r>
-              <a:rPr lang="ru-RU" dirty="0"/>
-              <a:t>Пусть ответит Саша</a:t>
-            </a:r>
-          </a:p>
-        </p:txBody>
-      </p:sp>
-      <p:sp>
-        <p:nvSpPr>
-          <p:cNvPr id="3" name="Подзаголовок 2">
-            <a:extLst>
-              <a:ext uri="{FF2B5EF4-FFF2-40B4-BE49-F238E27FC236}">
-                <a16:creationId xmlns:a16="http://schemas.microsoft.com/office/drawing/2014/main" id="{E263FEC9-5C45-A7E3-143A-930E02E71AAE}"/>
-              </a:ext>
-            </a:extLst>
-          </p:cNvPr>
-          <p:cNvSpPr>
-            <a:spLocks noGrp="1"/>
-          </p:cNvSpPr>
-          <p:nvPr>
-            <p:ph type="subTitle" idx="1"/>
-          </p:nvPr>
-        </p:nvSpPr>
-        <p:spPr/>
-        <p:txBody>
-          <a:bodyPr/>
-          <a:lstStyle/>
-          <a:p>
-            <a:r>
-              <a:rPr lang="ru-RU" dirty="0"/>
-              <a:t>Видео </a:t>
-            </a:r>
-            <a:r>
-              <a:rPr lang="en-US" dirty="0"/>
-              <a:t>Boy</a:t>
-            </a:r>
-          </a:p>
-          <a:p>
-            <a:r>
-              <a:rPr lang="ru-RU" dirty="0"/>
-              <a:t>Что ответил малыш?</a:t>
-            </a:r>
-            <a:endParaRPr lang="en-US" dirty="0"/>
-          </a:p>
-          <a:p>
-            <a:r>
-              <a:rPr lang="ru-RU" dirty="0"/>
-              <a:t>Верный ответ: в левом</a:t>
-            </a:r>
-          </a:p>
-        </p:txBody>
-      </p:sp>
+      <p:pic>
+        <p:nvPicPr>
+          <p:cNvPr id="3" name="Рисунок 2">
+            <a:extLst>
+              <a:ext uri="{FF2B5EF4-FFF2-40B4-BE49-F238E27FC236}">
+                <a16:creationId xmlns:a16="http://schemas.microsoft.com/office/drawing/2014/main" id="{14AF9BB0-88FA-4556-BE4D-F4490AFA995B}"/>
+              </a:ext>
+            </a:extLst>
+          </p:cNvPr>
+          <p:cNvPicPr>
+            <a:picLocks noChangeAspect="1"/>
+          </p:cNvPicPr>
+          <p:nvPr/>
+        </p:nvPicPr>
+        <p:blipFill>
+          <a:blip r:embed="rId2">
+            <a:extLst>
+              <a:ext uri="{28A0092B-C50C-407E-A947-70E740481C1C}">
+                <a14:useLocalDpi xmlns:a14="http://schemas.microsoft.com/office/drawing/2010/main" val="0"/>
+              </a:ext>
+            </a:extLst>
+          </a:blip>
+          <a:stretch>
+            <a:fillRect/>
+          </a:stretch>
+        </p:blipFill>
+        <p:spPr>
+          <a:xfrm>
+            <a:off x="2667000" y="0"/>
+            <a:ext cx="6858000" cy="6858000"/>
+          </a:xfrm>
+          <a:prstGeom prst="rect">
+            <a:avLst/>
+          </a:prstGeom>
+        </p:spPr>
+      </p:pic>
     </p:spTree>
     <p:extLst>
       <p:ext uri="{BB962C8B-B14F-4D97-AF65-F5344CB8AC3E}">
-        <p14:creationId xmlns:p14="http://schemas.microsoft.com/office/powerpoint/2010/main" val="1848217577"/>
+        <p14:creationId xmlns:p14="http://schemas.microsoft.com/office/powerpoint/2010/main" val="1883950325"/>
       </p:ext>
     </p:extLst>
   </p:cSld>
@@ -4715,7 +4440,7 @@
           <p:cNvPr id="2" name="Заголовок 1">
             <a:extLst>
               <a:ext uri="{FF2B5EF4-FFF2-40B4-BE49-F238E27FC236}">
-                <a16:creationId xmlns:a16="http://schemas.microsoft.com/office/drawing/2014/main" id="{DF44D441-6D35-3E17-B1CA-17178F85C091}"/>
+                <a16:creationId xmlns:a16="http://schemas.microsoft.com/office/drawing/2014/main" id="{4F43607C-E50F-DF94-67CB-EA5B5612E79A}"/>
               </a:ext>
             </a:extLst>
           </p:cNvPr>
@@ -4724,52 +4449,6 @@
           </p:cNvSpPr>
           <p:nvPr>
             <p:ph type="ctrTitle"/>
-          </p:nvPr>
-        </p:nvSpPr>
-        <p:spPr/>
-        <p:txBody>
-          <a:bodyPr>
-            <a:normAutofit fontScale="90000"/>
-          </a:bodyPr>
-          <a:lstStyle/>
-          <a:p>
-            <a:r>
-              <a:rPr lang="ru-RU" dirty="0"/>
-              <a:t>На картинке изображен </a:t>
-            </a:r>
-            <a:r>
-              <a:rPr lang="ru-RU" dirty="0" err="1"/>
-              <a:t>растроенный</a:t>
-            </a:r>
-            <a:r>
-              <a:rPr lang="ru-RU" dirty="0"/>
-              <a:t> хозяин, </a:t>
-            </a:r>
-            <a:r>
-              <a:rPr lang="ru-RU" dirty="0" err="1"/>
-              <a:t>потнрявший</a:t>
-            </a:r>
-            <a:r>
-              <a:rPr lang="ru-RU" dirty="0"/>
-              <a:t> своего питомца в большой комнате</a:t>
-            </a:r>
-          </a:p>
-        </p:txBody>
-      </p:sp>
-      <p:sp>
-        <p:nvSpPr>
-          <p:cNvPr id="3" name="Подзаголовок 2">
-            <a:extLst>
-              <a:ext uri="{FF2B5EF4-FFF2-40B4-BE49-F238E27FC236}">
-                <a16:creationId xmlns:a16="http://schemas.microsoft.com/office/drawing/2014/main" id="{5CBFD356-747F-C90E-60C3-B936648E8F93}"/>
-              </a:ext>
-            </a:extLst>
-          </p:cNvPr>
-          <p:cNvSpPr>
-            <a:spLocks noGrp="1"/>
-          </p:cNvSpPr>
-          <p:nvPr>
-            <p:ph type="subTitle" idx="1"/>
           </p:nvPr>
         </p:nvSpPr>
         <p:spPr/>
@@ -4778,8 +4457,80 @@
           <a:lstStyle/>
           <a:p>
             <a:r>
+              <a:rPr lang="ru-RU" dirty="0">
+                <a:solidFill>
+                  <a:srgbClr val="00B050"/>
+                </a:solidFill>
+              </a:rPr>
+              <a:t>Задание 7</a:t>
+            </a:r>
+            <a:br>
               <a:rPr lang="ru-RU" dirty="0"/>
-              <a:t>Где прячется питомец</a:t>
+            </a:br>
+            <a:r>
+              <a:rPr lang="ru-RU" dirty="0"/>
+              <a:t>Пусть ответит Саша</a:t>
+            </a:r>
+          </a:p>
+        </p:txBody>
+      </p:sp>
+      <p:sp>
+        <p:nvSpPr>
+          <p:cNvPr id="3" name="Подзаголовок 2">
+            <a:extLst>
+              <a:ext uri="{FF2B5EF4-FFF2-40B4-BE49-F238E27FC236}">
+                <a16:creationId xmlns:a16="http://schemas.microsoft.com/office/drawing/2014/main" id="{E263FEC9-5C45-A7E3-143A-930E02E71AAE}"/>
+              </a:ext>
+            </a:extLst>
+          </p:cNvPr>
+          <p:cNvSpPr>
+            <a:spLocks noGrp="1"/>
+          </p:cNvSpPr>
+          <p:nvPr>
+            <p:ph type="subTitle" idx="1"/>
+          </p:nvPr>
+        </p:nvSpPr>
+        <p:spPr/>
+        <p:txBody>
+          <a:bodyPr/>
+          <a:lstStyle/>
+          <a:p>
+            <a:r>
+              <a:rPr lang="ru-RU" dirty="0">
+                <a:solidFill>
+                  <a:srgbClr val="FF0000"/>
+                </a:solidFill>
+              </a:rPr>
+              <a:t>Видео </a:t>
+            </a:r>
+            <a:r>
+              <a:rPr lang="en-US" dirty="0">
+                <a:solidFill>
+                  <a:srgbClr val="FF0000"/>
+                </a:solidFill>
+              </a:rPr>
+              <a:t>Boy</a:t>
+            </a:r>
+          </a:p>
+          <a:p>
+            <a:r>
+              <a:rPr lang="ru-RU" dirty="0">
+                <a:solidFill>
+                  <a:srgbClr val="002060"/>
+                </a:solidFill>
+              </a:rPr>
+              <a:t>Что ответил малыш?</a:t>
+            </a:r>
+            <a:endParaRPr lang="en-US" dirty="0">
+              <a:solidFill>
+                <a:srgbClr val="002060"/>
+              </a:solidFill>
+            </a:endParaRPr>
+          </a:p>
+          <a:p>
+            <a:r>
+              <a:rPr lang="ru-RU" dirty="0"/>
+              <a:t>Верный ответ: в левом</a:t>
             </a:r>
           </a:p>
         </p:txBody>
@@ -4787,7 +4538,171 @@
     </p:spTree>
     <p:extLst>
       <p:ext uri="{BB962C8B-B14F-4D97-AF65-F5344CB8AC3E}">
-        <p14:creationId xmlns:p14="http://schemas.microsoft.com/office/powerpoint/2010/main" val="1691860526"/>
+        <p14:creationId xmlns:p14="http://schemas.microsoft.com/office/powerpoint/2010/main" val="1848217577"/>
+      </p:ext>
+    </p:extLst>
+  </p:cSld>
+  <p:clrMapOvr>
+    <a:masterClrMapping/>
+  </p:clrMapOvr>
+</p:sld>
+</file>
+
+<file path=ppt/slides/slide14.xml><?xml version="1.0" encoding="utf-8"?>
+<p:sld xmlns:a="http://schemas.openxmlformats.org/drawingml/2006/main" xmlns:r="http://schemas.openxmlformats.org/officeDocument/2006/relationships" xmlns:p="http://schemas.openxmlformats.org/presentationml/2006/main">
+  <p:cSld>
+    <p:spTree>
+      <p:nvGrpSpPr>
+        <p:cNvPr id="1" name=""/>
+        <p:cNvGrpSpPr/>
+        <p:nvPr/>
+      </p:nvGrpSpPr>
+      <p:grpSpPr>
+        <a:xfrm>
+          <a:off x="0" y="0"/>
+          <a:ext cx="0" cy="0"/>
+          <a:chOff x="0" y="0"/>
+          <a:chExt cx="0" cy="0"/>
+        </a:xfrm>
+      </p:grpSpPr>
+      <p:sp>
+        <p:nvSpPr>
+          <p:cNvPr id="2" name="Заголовок 1">
+            <a:extLst>
+              <a:ext uri="{FF2B5EF4-FFF2-40B4-BE49-F238E27FC236}">
+                <a16:creationId xmlns:a16="http://schemas.microsoft.com/office/drawing/2014/main" id="{2A8E5D28-4504-DD5D-2B15-0438CBDBCC13}"/>
+              </a:ext>
+            </a:extLst>
+          </p:cNvPr>
+          <p:cNvSpPr>
+            <a:spLocks noGrp="1"/>
+          </p:cNvSpPr>
+          <p:nvPr>
+            <p:ph type="title"/>
+          </p:nvPr>
+        </p:nvSpPr>
+        <p:spPr/>
+        <p:txBody>
+          <a:bodyPr/>
+          <a:lstStyle/>
+          <a:p>
+            <a:pPr algn="ctr"/>
+            <a:r>
+              <a:rPr lang="ru-RU" dirty="0">
+                <a:solidFill>
+                  <a:srgbClr val="00B050"/>
+                </a:solidFill>
+              </a:rPr>
+              <a:t>Задание </a:t>
+            </a:r>
+            <a:br>
+              <a:rPr lang="ru-RU" dirty="0">
+                <a:solidFill>
+                  <a:srgbClr val="00B050"/>
+                </a:solidFill>
+              </a:rPr>
+            </a:br>
+            <a:r>
+              <a:rPr lang="ru-RU" dirty="0"/>
+              <a:t>1.Кто поёт?</a:t>
+            </a:r>
+          </a:p>
+        </p:txBody>
+      </p:sp>
+      <p:sp>
+        <p:nvSpPr>
+          <p:cNvPr id="3" name="Объект 2">
+            <a:extLst>
+              <a:ext uri="{FF2B5EF4-FFF2-40B4-BE49-F238E27FC236}">
+                <a16:creationId xmlns:a16="http://schemas.microsoft.com/office/drawing/2014/main" id="{0287DC10-8234-C510-1353-03CD4A67D296}"/>
+              </a:ext>
+            </a:extLst>
+          </p:cNvPr>
+          <p:cNvSpPr>
+            <a:spLocks noGrp="1"/>
+          </p:cNvSpPr>
+          <p:nvPr>
+            <p:ph sz="half" idx="1"/>
+          </p:nvPr>
+        </p:nvSpPr>
+        <p:spPr/>
+        <p:txBody>
+          <a:bodyPr/>
+          <a:lstStyle/>
+          <a:p>
+            <a:r>
+              <a:rPr lang="ru-RU" dirty="0"/>
+              <a:t>1. </a:t>
+            </a:r>
+            <a:r>
+              <a:rPr lang="ru-RU" dirty="0">
+                <a:solidFill>
+                  <a:srgbClr val="002060"/>
+                </a:solidFill>
+              </a:rPr>
+              <a:t>Видео </a:t>
+            </a:r>
+            <a:r>
+              <a:rPr lang="en-US" dirty="0">
+                <a:solidFill>
+                  <a:srgbClr val="002060"/>
+                </a:solidFill>
+              </a:rPr>
+              <a:t>Who</a:t>
+            </a:r>
+            <a:endParaRPr lang="ru-RU" dirty="0">
+              <a:solidFill>
+                <a:srgbClr val="002060"/>
+              </a:solidFill>
+            </a:endParaRPr>
+          </a:p>
+          <a:p>
+            <a:r>
+              <a:rPr lang="ru-RU" dirty="0"/>
+              <a:t>Верный ответ: Ляпис</a:t>
+            </a:r>
+          </a:p>
+          <a:p>
+            <a:r>
+              <a:rPr lang="ru-RU"/>
+              <a:t>2. </a:t>
+            </a:r>
+            <a:endParaRPr lang="ru-RU" dirty="0"/>
+          </a:p>
+          <a:p>
+            <a:endParaRPr lang="ru-RU" dirty="0"/>
+          </a:p>
+        </p:txBody>
+      </p:sp>
+      <p:sp>
+        <p:nvSpPr>
+          <p:cNvPr id="4" name="Объект 3">
+            <a:extLst>
+              <a:ext uri="{FF2B5EF4-FFF2-40B4-BE49-F238E27FC236}">
+                <a16:creationId xmlns:a16="http://schemas.microsoft.com/office/drawing/2014/main" id="{161CAEDC-1C82-56EB-2471-91CA30CCD948}"/>
+              </a:ext>
+            </a:extLst>
+          </p:cNvPr>
+          <p:cNvSpPr>
+            <a:spLocks noGrp="1"/>
+          </p:cNvSpPr>
+          <p:nvPr>
+            <p:ph sz="half" idx="2"/>
+          </p:nvPr>
+        </p:nvSpPr>
+        <p:spPr/>
+        <p:txBody>
+          <a:bodyPr/>
+          <a:lstStyle/>
+          <a:p>
+            <a:endParaRPr lang="ru-RU"/>
+          </a:p>
+        </p:txBody>
+      </p:sp>
+    </p:spTree>
+    <p:extLst>
+      <p:ext uri="{BB962C8B-B14F-4D97-AF65-F5344CB8AC3E}">
+        <p14:creationId xmlns:p14="http://schemas.microsoft.com/office/powerpoint/2010/main" val="4032933705"/>
       </p:ext>
     </p:extLst>
   </p:cSld>
@@ -5699,6 +5614,637 @@
           <p:cNvPr id="2" name="Заголовок 1">
             <a:extLst>
               <a:ext uri="{FF2B5EF4-FFF2-40B4-BE49-F238E27FC236}">
+                <a16:creationId xmlns:a16="http://schemas.microsoft.com/office/drawing/2014/main" id="{73E8ACFF-45E7-D84F-A7A8-28D43511CDCE}"/>
+              </a:ext>
+            </a:extLst>
+          </p:cNvPr>
+          <p:cNvSpPr>
+            <a:spLocks noGrp="1"/>
+          </p:cNvSpPr>
+          <p:nvPr>
+            <p:ph type="ctrTitle"/>
+          </p:nvPr>
+        </p:nvSpPr>
+        <p:spPr/>
+        <p:txBody>
+          <a:bodyPr anchor="ctr">
+            <a:normAutofit/>
+          </a:bodyPr>
+          <a:lstStyle/>
+          <a:p>
+            <a:r>
+              <a:rPr lang="ru-RU" sz="4000" dirty="0">
+                <a:solidFill>
+                  <a:srgbClr val="00B050"/>
+                </a:solidFill>
+              </a:rPr>
+              <a:t>Задание 4</a:t>
+            </a:r>
+            <a:br>
+              <a:rPr lang="ru-RU" dirty="0"/>
+            </a:br>
+            <a:r>
+              <a:rPr lang="ru-RU" sz="4000" dirty="0"/>
+              <a:t>1.Собери слово по желанию Охотника</a:t>
+            </a:r>
+          </a:p>
+        </p:txBody>
+      </p:sp>
+      <p:sp>
+        <p:nvSpPr>
+          <p:cNvPr id="3" name="Подзаголовок 2">
+            <a:extLst>
+              <a:ext uri="{FF2B5EF4-FFF2-40B4-BE49-F238E27FC236}">
+                <a16:creationId xmlns:a16="http://schemas.microsoft.com/office/drawing/2014/main" id="{423AFDD5-0E5C-1E57-39F5-0B1435BEA975}"/>
+              </a:ext>
+            </a:extLst>
+          </p:cNvPr>
+          <p:cNvSpPr>
+            <a:spLocks noGrp="1"/>
+          </p:cNvSpPr>
+          <p:nvPr>
+            <p:ph type="subTitle" idx="1"/>
+          </p:nvPr>
+        </p:nvSpPr>
+        <p:spPr/>
+        <p:txBody>
+          <a:bodyPr/>
+          <a:lstStyle/>
+          <a:p>
+            <a:r>
+              <a:rPr lang="ru-RU" dirty="0">
+                <a:solidFill>
+                  <a:srgbClr val="FF0000"/>
+                </a:solidFill>
+              </a:rPr>
+              <a:t>фото</a:t>
+            </a:r>
+            <a:r>
+              <a:rPr lang="en-US" dirty="0">
+                <a:solidFill>
+                  <a:srgbClr val="FF0000"/>
+                </a:solidFill>
+              </a:rPr>
+              <a:t>- Ox</a:t>
+            </a:r>
+            <a:endParaRPr lang="ru-RU" dirty="0">
+              <a:solidFill>
+                <a:srgbClr val="FF0000"/>
+              </a:solidFill>
+            </a:endParaRPr>
+          </a:p>
+          <a:p>
+            <a:r>
+              <a:rPr lang="ru-RU" dirty="0">
+                <a:solidFill>
+                  <a:srgbClr val="002060"/>
+                </a:solidFill>
+              </a:rPr>
+              <a:t>Введите слово:</a:t>
+            </a:r>
+            <a:endParaRPr lang="en-US" dirty="0">
+              <a:solidFill>
+                <a:srgbClr val="002060"/>
+              </a:solidFill>
+            </a:endParaRPr>
+          </a:p>
+          <a:p>
+            <a:r>
+              <a:rPr lang="ru-RU" dirty="0"/>
+              <a:t>Верный ответ : подарок</a:t>
+            </a:r>
+          </a:p>
+        </p:txBody>
+      </p:sp>
+    </p:spTree>
+    <p:extLst>
+      <p:ext uri="{BB962C8B-B14F-4D97-AF65-F5344CB8AC3E}">
+        <p14:creationId xmlns:p14="http://schemas.microsoft.com/office/powerpoint/2010/main" val="679133564"/>
+      </p:ext>
+    </p:extLst>
+  </p:cSld>
+  <p:clrMapOvr>
+    <a:masterClrMapping/>
+  </p:clrMapOvr>
+</p:sld>
+</file>
+
+<file path=ppt/slides/slide5.xml><?xml version="1.0" encoding="utf-8"?>
+<p:sld xmlns:a="http://schemas.openxmlformats.org/drawingml/2006/main" xmlns:r="http://schemas.openxmlformats.org/officeDocument/2006/relationships" xmlns:p="http://schemas.openxmlformats.org/presentationml/2006/main">
+  <p:cSld>
+    <p:spTree>
+      <p:nvGrpSpPr>
+        <p:cNvPr id="1" name=""/>
+        <p:cNvGrpSpPr/>
+        <p:nvPr/>
+      </p:nvGrpSpPr>
+      <p:grpSpPr>
+        <a:xfrm>
+          <a:off x="0" y="0"/>
+          <a:ext cx="0" cy="0"/>
+          <a:chOff x="0" y="0"/>
+          <a:chExt cx="0" cy="0"/>
+        </a:xfrm>
+      </p:grpSpPr>
+      <p:sp>
+        <p:nvSpPr>
+          <p:cNvPr id="2" name="Заголовок 1">
+            <a:extLst>
+              <a:ext uri="{FF2B5EF4-FFF2-40B4-BE49-F238E27FC236}">
+                <a16:creationId xmlns:a16="http://schemas.microsoft.com/office/drawing/2014/main" id="{87F6637F-21E0-21AB-7985-2335BE95653E}"/>
+              </a:ext>
+            </a:extLst>
+          </p:cNvPr>
+          <p:cNvSpPr>
+            <a:spLocks noGrp="1"/>
+          </p:cNvSpPr>
+          <p:nvPr>
+            <p:ph type="title"/>
+          </p:nvPr>
+        </p:nvSpPr>
+        <p:spPr>
+          <a:xfrm>
+            <a:off x="838200" y="365125"/>
+            <a:ext cx="10515600" cy="6009042"/>
+          </a:xfrm>
+          <a:noFill/>
+        </p:spPr>
+        <p:txBody>
+          <a:bodyPr>
+            <a:noAutofit/>
+          </a:bodyPr>
+          <a:lstStyle/>
+          <a:p>
+            <a:pPr algn="ctr"/>
+            <a:br>
+              <a:rPr lang="ru-RU" sz="12000" b="1" cap="none" spc="0" dirty="0">
+                <a:ln w="22225">
+                  <a:solidFill>
+                    <a:schemeClr val="accent2"/>
+                  </a:solidFill>
+                  <a:prstDash val="solid"/>
+                </a:ln>
+                <a:solidFill>
+                  <a:schemeClr val="accent2">
+                    <a:lumMod val="40000"/>
+                    <a:lumOff val="60000"/>
+                  </a:schemeClr>
+                </a:solidFill>
+                <a:effectLst/>
+              </a:rPr>
+            </a:br>
+            <a:r>
+              <a:rPr lang="ru-RU" sz="14000" b="1" cap="none" spc="300" dirty="0">
+                <a:ln w="22225">
+                  <a:solidFill>
+                    <a:schemeClr val="accent2"/>
+                  </a:solidFill>
+                  <a:prstDash val="solid"/>
+                </a:ln>
+                <a:solidFill>
+                  <a:schemeClr val="accent2">
+                    <a:lumMod val="40000"/>
+                    <a:lumOff val="60000"/>
+                  </a:schemeClr>
+                </a:solidFill>
+                <a:effectLst>
+                  <a:outerShdw blurRad="38100" dist="38100" dir="2700000" algn="tl">
+                    <a:srgbClr val="000000">
+                      <a:alpha val="43137"/>
+                    </a:srgbClr>
+                  </a:outerShdw>
+                </a:effectLst>
+              </a:rPr>
+              <a:t>Г</a:t>
+            </a:r>
+            <a:r>
+              <a:rPr lang="ru-RU" sz="14000" b="1" cap="none" spc="300" dirty="0">
+                <a:ln w="22225">
+                  <a:solidFill>
+                    <a:schemeClr val="accent2"/>
+                  </a:solidFill>
+                  <a:prstDash val="solid"/>
+                </a:ln>
+                <a:solidFill>
+                  <a:srgbClr val="FF9900"/>
+                </a:solidFill>
+                <a:effectLst>
+                  <a:outerShdw blurRad="38100" dist="38100" dir="2700000" algn="tl">
+                    <a:srgbClr val="000000">
+                      <a:alpha val="43137"/>
+                    </a:srgbClr>
+                  </a:outerShdw>
+                </a:effectLst>
+              </a:rPr>
+              <a:t>О</a:t>
+            </a:r>
+            <a:r>
+              <a:rPr lang="ru-RU" sz="14000" b="1" cap="none" spc="300" dirty="0">
+                <a:ln w="22225">
+                  <a:solidFill>
+                    <a:schemeClr val="accent2"/>
+                  </a:solidFill>
+                  <a:prstDash val="solid"/>
+                </a:ln>
+                <a:solidFill>
+                  <a:schemeClr val="accent2">
+                    <a:lumMod val="40000"/>
+                    <a:lumOff val="60000"/>
+                  </a:schemeClr>
+                </a:solidFill>
+                <a:effectLst>
+                  <a:outerShdw blurRad="38100" dist="38100" dir="2700000" algn="tl">
+                    <a:srgbClr val="000000">
+                      <a:alpha val="43137"/>
+                    </a:srgbClr>
+                  </a:outerShdw>
+                </a:effectLst>
+              </a:rPr>
+              <a:t>МБЕ</a:t>
+            </a:r>
+            <a:r>
+              <a:rPr lang="ru-RU" sz="14000" b="1" cap="none" spc="300" dirty="0">
+                <a:ln w="22225">
+                  <a:solidFill>
+                    <a:schemeClr val="accent2"/>
+                  </a:solidFill>
+                  <a:prstDash val="solid"/>
+                </a:ln>
+                <a:solidFill>
+                  <a:srgbClr val="00B050"/>
+                </a:solidFill>
+                <a:effectLst>
+                  <a:outerShdw blurRad="38100" dist="38100" dir="2700000" algn="tl">
+                    <a:srgbClr val="000000">
+                      <a:alpha val="43137"/>
+                    </a:srgbClr>
+                  </a:outerShdw>
+                </a:effectLst>
+              </a:rPr>
+              <a:t>А</a:t>
+            </a:r>
+            <a:r>
+              <a:rPr lang="ru-RU" sz="14000" b="1" cap="none" spc="300" dirty="0">
+                <a:ln w="22225">
+                  <a:solidFill>
+                    <a:schemeClr val="accent2"/>
+                  </a:solidFill>
+                  <a:prstDash val="solid"/>
+                </a:ln>
+                <a:solidFill>
+                  <a:schemeClr val="accent2">
+                    <a:lumMod val="40000"/>
+                    <a:lumOff val="60000"/>
+                  </a:schemeClr>
+                </a:solidFill>
+                <a:effectLst>
+                  <a:outerShdw blurRad="38100" dist="38100" dir="2700000" algn="tl">
+                    <a:srgbClr val="000000">
+                      <a:alpha val="43137"/>
+                    </a:srgbClr>
+                  </a:outerShdw>
+                </a:effectLst>
+              </a:rPr>
+              <a:t>СФ</a:t>
+            </a:r>
+            <a:br>
+              <a:rPr lang="ru-RU" sz="14000" b="1" cap="none" spc="300" dirty="0">
+                <a:ln w="22225">
+                  <a:solidFill>
+                    <a:schemeClr val="accent2"/>
+                  </a:solidFill>
+                  <a:prstDash val="solid"/>
+                </a:ln>
+                <a:solidFill>
+                  <a:schemeClr val="accent2">
+                    <a:lumMod val="40000"/>
+                    <a:lumOff val="60000"/>
+                  </a:schemeClr>
+                </a:solidFill>
+                <a:effectLst>
+                  <a:outerShdw blurRad="38100" dist="38100" dir="2700000" algn="tl">
+                    <a:srgbClr val="000000">
+                      <a:alpha val="43137"/>
+                    </a:srgbClr>
+                  </a:outerShdw>
+                </a:effectLst>
+              </a:rPr>
+            </a:br>
+            <a:r>
+              <a:rPr lang="ru-RU" sz="14000" b="1" cap="none" spc="300" dirty="0">
+                <a:ln w="22225">
+                  <a:solidFill>
+                    <a:schemeClr val="accent2"/>
+                  </a:solidFill>
+                  <a:prstDash val="solid"/>
+                </a:ln>
+                <a:solidFill>
+                  <a:schemeClr val="accent2">
+                    <a:lumMod val="40000"/>
+                    <a:lumOff val="60000"/>
+                  </a:schemeClr>
+                </a:solidFill>
+                <a:effectLst>
+                  <a:outerShdw blurRad="38100" dist="38100" dir="2700000" algn="tl">
+                    <a:srgbClr val="000000">
+                      <a:alpha val="43137"/>
+                    </a:srgbClr>
+                  </a:outerShdw>
+                </a:effectLst>
+              </a:rPr>
+              <a:t>З</a:t>
+            </a:r>
+            <a:r>
+              <a:rPr lang="ru-RU" sz="14000" b="1" cap="none" spc="300" dirty="0">
+                <a:ln w="22225">
+                  <a:solidFill>
+                    <a:schemeClr val="accent2"/>
+                  </a:solidFill>
+                  <a:prstDash val="solid"/>
+                </a:ln>
+                <a:solidFill>
+                  <a:srgbClr val="FFFF00"/>
+                </a:solidFill>
+                <a:effectLst>
+                  <a:outerShdw blurRad="38100" dist="38100" dir="2700000" algn="tl">
+                    <a:srgbClr val="000000">
+                      <a:alpha val="43137"/>
+                    </a:srgbClr>
+                  </a:outerShdw>
+                </a:effectLst>
+              </a:rPr>
+              <a:t>Д</a:t>
+            </a:r>
+            <a:r>
+              <a:rPr lang="ru-RU" sz="14000" b="1" cap="none" spc="300" dirty="0">
+                <a:ln w="22225">
+                  <a:solidFill>
+                    <a:schemeClr val="accent2"/>
+                  </a:solidFill>
+                  <a:prstDash val="solid"/>
+                </a:ln>
+                <a:solidFill>
+                  <a:schemeClr val="accent2">
+                    <a:lumMod val="40000"/>
+                    <a:lumOff val="60000"/>
+                  </a:schemeClr>
+                </a:solidFill>
+                <a:effectLst>
+                  <a:outerShdw blurRad="38100" dist="38100" dir="2700000" algn="tl">
+                    <a:srgbClr val="000000">
+                      <a:alpha val="43137"/>
+                    </a:srgbClr>
+                  </a:outerShdw>
+                </a:effectLst>
+              </a:rPr>
+              <a:t>И</a:t>
+            </a:r>
+            <a:r>
+              <a:rPr lang="ru-RU" sz="14000" b="1" cap="none" spc="300" dirty="0">
+                <a:ln w="22225">
+                  <a:solidFill>
+                    <a:schemeClr val="accent2"/>
+                  </a:solidFill>
+                  <a:prstDash val="solid"/>
+                </a:ln>
+                <a:solidFill>
+                  <a:srgbClr val="002060"/>
+                </a:solidFill>
+                <a:effectLst>
+                  <a:outerShdw blurRad="38100" dist="38100" dir="2700000" algn="tl">
+                    <a:srgbClr val="000000">
+                      <a:alpha val="43137"/>
+                    </a:srgbClr>
+                  </a:outerShdw>
+                </a:effectLst>
+              </a:rPr>
+              <a:t>О</a:t>
+            </a:r>
+            <a:r>
+              <a:rPr lang="ru-RU" sz="14000" b="1" cap="none" spc="300" dirty="0">
+                <a:ln w="22225">
+                  <a:solidFill>
+                    <a:schemeClr val="accent2"/>
+                  </a:solidFill>
+                  <a:prstDash val="solid"/>
+                </a:ln>
+                <a:solidFill>
+                  <a:schemeClr val="accent2">
+                    <a:lumMod val="40000"/>
+                    <a:lumOff val="60000"/>
+                  </a:schemeClr>
+                </a:solidFill>
+                <a:effectLst>
+                  <a:outerShdw blurRad="38100" dist="38100" dir="2700000" algn="tl">
+                    <a:srgbClr val="000000">
+                      <a:alpha val="43137"/>
+                    </a:srgbClr>
+                  </a:outerShdw>
+                </a:effectLst>
+              </a:rPr>
+              <a:t>ЛН</a:t>
+            </a:r>
+            <a:r>
+              <a:rPr lang="ru-RU" sz="14000" b="1" cap="none" spc="300" dirty="0">
+                <a:ln w="22225">
+                  <a:solidFill>
+                    <a:schemeClr val="accent2"/>
+                  </a:solidFill>
+                  <a:prstDash val="solid"/>
+                </a:ln>
+                <a:solidFill>
+                  <a:srgbClr val="FF0000"/>
+                </a:solidFill>
+                <a:effectLst>
+                  <a:outerShdw blurRad="38100" dist="38100" dir="2700000" algn="tl">
+                    <a:srgbClr val="000000">
+                      <a:alpha val="43137"/>
+                    </a:srgbClr>
+                  </a:outerShdw>
+                </a:effectLst>
+              </a:rPr>
+              <a:t>П</a:t>
+            </a:r>
+            <a:br>
+              <a:rPr lang="ru-RU" sz="14000" b="1" cap="none" spc="300" dirty="0">
+                <a:ln w="22225">
+                  <a:solidFill>
+                    <a:schemeClr val="accent2"/>
+                  </a:solidFill>
+                  <a:prstDash val="solid"/>
+                </a:ln>
+                <a:solidFill>
+                  <a:srgbClr val="FFFF00"/>
+                </a:solidFill>
+                <a:effectLst>
+                  <a:outerShdw blurRad="38100" dist="38100" dir="2700000" algn="tl">
+                    <a:srgbClr val="000000">
+                      <a:alpha val="43137"/>
+                    </a:srgbClr>
+                  </a:outerShdw>
+                </a:effectLst>
+              </a:rPr>
+            </a:br>
+            <a:r>
+              <a:rPr lang="ru-RU" sz="14000" b="1" cap="none" spc="300" dirty="0">
+                <a:ln w="22225">
+                  <a:solidFill>
+                    <a:schemeClr val="accent2"/>
+                  </a:solidFill>
+                  <a:prstDash val="solid"/>
+                </a:ln>
+                <a:solidFill>
+                  <a:srgbClr val="00B0F0"/>
+                </a:solidFill>
+                <a:effectLst>
+                  <a:outerShdw blurRad="38100" dist="38100" dir="2700000" algn="tl">
+                    <a:srgbClr val="000000">
+                      <a:alpha val="43137"/>
+                    </a:srgbClr>
+                  </a:outerShdw>
+                </a:effectLst>
+              </a:rPr>
+              <a:t>Р</a:t>
+            </a:r>
+            <a:r>
+              <a:rPr lang="ru-RU" sz="14000" b="1" cap="none" spc="300" dirty="0">
+                <a:ln w="22225">
+                  <a:solidFill>
+                    <a:schemeClr val="accent2"/>
+                  </a:solidFill>
+                  <a:prstDash val="solid"/>
+                </a:ln>
+                <a:solidFill>
+                  <a:schemeClr val="accent2">
+                    <a:lumMod val="40000"/>
+                    <a:lumOff val="60000"/>
+                  </a:schemeClr>
+                </a:solidFill>
+                <a:effectLst>
+                  <a:outerShdw blurRad="38100" dist="38100" dir="2700000" algn="tl">
+                    <a:srgbClr val="000000">
+                      <a:alpha val="43137"/>
+                    </a:srgbClr>
+                  </a:outerShdw>
+                </a:effectLst>
+              </a:rPr>
+              <a:t>ЖТУ</a:t>
+            </a:r>
+            <a:r>
+              <a:rPr lang="ru-RU" sz="14000" b="1" cap="none" spc="300" dirty="0">
+                <a:ln w="22225">
+                  <a:solidFill>
+                    <a:schemeClr val="accent2"/>
+                  </a:solidFill>
+                  <a:prstDash val="solid"/>
+                </a:ln>
+                <a:solidFill>
+                  <a:srgbClr val="7030A0"/>
+                </a:solidFill>
+                <a:effectLst>
+                  <a:outerShdw blurRad="38100" dist="38100" dir="2700000" algn="tl">
+                    <a:srgbClr val="000000">
+                      <a:alpha val="43137"/>
+                    </a:srgbClr>
+                  </a:outerShdw>
+                </a:effectLst>
+              </a:rPr>
+              <a:t>К</a:t>
+            </a:r>
+            <a:r>
+              <a:rPr lang="ru-RU" sz="14000" b="1" cap="none" spc="300" dirty="0">
+                <a:ln w="22225">
+                  <a:solidFill>
+                    <a:schemeClr val="accent2"/>
+                  </a:solidFill>
+                  <a:prstDash val="solid"/>
+                </a:ln>
+                <a:solidFill>
+                  <a:schemeClr val="accent2">
+                    <a:lumMod val="40000"/>
+                    <a:lumOff val="60000"/>
+                  </a:schemeClr>
+                </a:solidFill>
+                <a:effectLst>
+                  <a:outerShdw blurRad="38100" dist="38100" dir="2700000" algn="tl">
+                    <a:srgbClr val="000000">
+                      <a:alpha val="43137"/>
+                    </a:srgbClr>
+                  </a:outerShdw>
+                </a:effectLst>
+              </a:rPr>
+              <a:t>ЦХ</a:t>
+            </a:r>
+            <a:br>
+              <a:rPr lang="ru-RU" sz="12000" b="1" cap="none" spc="300" dirty="0">
+                <a:ln w="22225">
+                  <a:solidFill>
+                    <a:schemeClr val="accent2"/>
+                  </a:solidFill>
+                  <a:prstDash val="solid"/>
+                </a:ln>
+                <a:solidFill>
+                  <a:schemeClr val="accent2">
+                    <a:lumMod val="40000"/>
+                    <a:lumOff val="60000"/>
+                  </a:schemeClr>
+                </a:solidFill>
+                <a:effectLst>
+                  <a:outerShdw blurRad="38100" dist="38100" dir="2700000" algn="tl">
+                    <a:srgbClr val="000000">
+                      <a:alpha val="43137"/>
+                    </a:srgbClr>
+                  </a:outerShdw>
+                </a:effectLst>
+              </a:rPr>
+            </a:br>
+            <a:endParaRPr lang="ru-RU" sz="12000" b="1" spc="300" dirty="0">
+              <a:effectLst>
+                <a:outerShdw blurRad="38100" dist="38100" dir="2700000" algn="tl">
+                  <a:srgbClr val="000000">
+                    <a:alpha val="43137"/>
+                  </a:srgbClr>
+                </a:outerShdw>
+              </a:effectLst>
+            </a:endParaRPr>
+          </a:p>
+        </p:txBody>
+      </p:sp>
+    </p:spTree>
+    <p:extLst>
+      <p:ext uri="{BB962C8B-B14F-4D97-AF65-F5344CB8AC3E}">
+        <p14:creationId xmlns:p14="http://schemas.microsoft.com/office/powerpoint/2010/main" val="37034714"/>
+      </p:ext>
+    </p:extLst>
+  </p:cSld>
+  <p:clrMapOvr>
+    <a:masterClrMapping/>
+  </p:clrMapOvr>
+</p:sld>
+</file>
+
+<file path=ppt/slides/slide6.xml><?xml version="1.0" encoding="utf-8"?>
+<p:sld xmlns:a="http://schemas.openxmlformats.org/drawingml/2006/main" xmlns:r="http://schemas.openxmlformats.org/officeDocument/2006/relationships" xmlns:p="http://schemas.openxmlformats.org/presentationml/2006/main">
+  <p:cSld>
+    <p:spTree>
+      <p:nvGrpSpPr>
+        <p:cNvPr id="1" name=""/>
+        <p:cNvGrpSpPr/>
+        <p:nvPr/>
+      </p:nvGrpSpPr>
+      <p:grpSpPr>
+        <a:xfrm>
+          <a:off x="0" y="0"/>
+          <a:ext cx="0" cy="0"/>
+          <a:chOff x="0" y="0"/>
+          <a:chExt cx="0" cy="0"/>
+        </a:xfrm>
+      </p:grpSpPr>
+      <p:sp>
+        <p:nvSpPr>
+          <p:cNvPr id="2" name="Заголовок 1">
+            <a:extLst>
+              <a:ext uri="{FF2B5EF4-FFF2-40B4-BE49-F238E27FC236}">
                 <a16:creationId xmlns:a16="http://schemas.microsoft.com/office/drawing/2014/main" id="{A1B71A62-04AD-EE39-B757-424EBF29C53E}"/>
               </a:ext>
             </a:extLst>
@@ -5724,7 +6270,7 @@
                   <a:srgbClr val="00B050"/>
                 </a:solidFill>
               </a:rPr>
-              <a:t>Задание 3</a:t>
+              <a:t>Задание 4</a:t>
             </a:r>
             <a:br>
               <a:rPr lang="ru-RU" dirty="0"/>
@@ -6229,7 +6775,7 @@
 </p:sld>
 </file>
 
-<file path=ppt/slides/slide5.xml><?xml version="1.0" encoding="utf-8"?>
+<file path=ppt/slides/slide7.xml><?xml version="1.0" encoding="utf-8"?>
 <p:sld xmlns:a="http://schemas.openxmlformats.org/drawingml/2006/main" xmlns:r="http://schemas.openxmlformats.org/officeDocument/2006/relationships" xmlns:p="http://schemas.openxmlformats.org/presentationml/2006/main">
   <p:cSld>
     <p:spTree>
@@ -6499,535 +7045,6 @@
 </p:sld>
 </file>
 
-<file path=ppt/slides/slide6.xml><?xml version="1.0" encoding="utf-8"?>
-<p:sld xmlns:a="http://schemas.openxmlformats.org/drawingml/2006/main" xmlns:r="http://schemas.openxmlformats.org/officeDocument/2006/relationships" xmlns:p="http://schemas.openxmlformats.org/presentationml/2006/main">
-  <p:cSld>
-    <p:spTree>
-      <p:nvGrpSpPr>
-        <p:cNvPr id="1" name=""/>
-        <p:cNvGrpSpPr/>
-        <p:nvPr/>
-      </p:nvGrpSpPr>
-      <p:grpSpPr>
-        <a:xfrm>
-          <a:off x="0" y="0"/>
-          <a:ext cx="0" cy="0"/>
-          <a:chOff x="0" y="0"/>
-          <a:chExt cx="0" cy="0"/>
-        </a:xfrm>
-      </p:grpSpPr>
-      <p:sp>
-        <p:nvSpPr>
-          <p:cNvPr id="3" name="Объект 2">
-            <a:extLst>
-              <a:ext uri="{FF2B5EF4-FFF2-40B4-BE49-F238E27FC236}">
-                <a16:creationId xmlns:a16="http://schemas.microsoft.com/office/drawing/2014/main" id="{67618F1F-8D77-1E6F-6D02-F72EF9478418}"/>
-              </a:ext>
-            </a:extLst>
-          </p:cNvPr>
-          <p:cNvSpPr>
-            <a:spLocks noGrp="1"/>
-          </p:cNvSpPr>
-          <p:nvPr>
-            <p:ph idx="1"/>
-          </p:nvPr>
-        </p:nvSpPr>
-        <p:spPr>
-          <a:xfrm>
-            <a:off x="838200" y="476250"/>
-            <a:ext cx="4953000" cy="5700713"/>
-          </a:xfrm>
-        </p:spPr>
-        <p:txBody>
-          <a:bodyPr>
-            <a:normAutofit/>
-          </a:bodyPr>
-          <a:lstStyle/>
-          <a:p>
-            <a:pPr marL="0" indent="0">
-              <a:buNone/>
-            </a:pPr>
-            <a:r>
-              <a:rPr lang="ru-RU" sz="4800" dirty="0">
-                <a:latin typeface="Comic Sans MS" panose="030F0702030302020204" pitchFamily="66" charset="0"/>
-              </a:rPr>
-              <a:t>1. </a:t>
-            </a:r>
-            <a:r>
-              <a:rPr lang="ru-RU" sz="4400" dirty="0">
-                <a:latin typeface="Comic Sans MS" panose="030F0702030302020204" pitchFamily="66" charset="0"/>
-              </a:rPr>
-              <a:t>Палаццо</a:t>
-            </a:r>
-          </a:p>
-          <a:p>
-            <a:pPr marL="0" indent="0">
-              <a:buNone/>
-            </a:pPr>
-            <a:r>
-              <a:rPr lang="ru-RU" sz="4400" dirty="0">
-                <a:latin typeface="Comic Sans MS" panose="030F0702030302020204" pitchFamily="66" charset="0"/>
-              </a:rPr>
-              <a:t>2. </a:t>
-            </a:r>
-            <a:r>
-              <a:rPr lang="ru-RU" sz="4400" dirty="0" err="1">
-                <a:latin typeface="Comic Sans MS" panose="030F0702030302020204" pitchFamily="66" charset="0"/>
-              </a:rPr>
-              <a:t>Лонгслив</a:t>
-            </a:r>
-            <a:endParaRPr lang="ru-RU" sz="4400" dirty="0">
-              <a:latin typeface="Comic Sans MS" panose="030F0702030302020204" pitchFamily="66" charset="0"/>
-            </a:endParaRPr>
-          </a:p>
-          <a:p>
-            <a:pPr marL="0" indent="0">
-              <a:buNone/>
-            </a:pPr>
-            <a:r>
-              <a:rPr lang="ru-RU" sz="4400" dirty="0">
-                <a:latin typeface="Comic Sans MS" panose="030F0702030302020204" pitchFamily="66" charset="0"/>
-              </a:rPr>
-              <a:t>3. </a:t>
-            </a:r>
-            <a:r>
-              <a:rPr lang="ru-RU" sz="4400" dirty="0" err="1">
-                <a:latin typeface="Comic Sans MS" panose="030F0702030302020204" pitchFamily="66" charset="0"/>
-              </a:rPr>
-              <a:t>Честерфильд</a:t>
-            </a:r>
-            <a:endParaRPr lang="ru-RU" sz="4400" dirty="0">
-              <a:latin typeface="Comic Sans MS" panose="030F0702030302020204" pitchFamily="66" charset="0"/>
-            </a:endParaRPr>
-          </a:p>
-          <a:p>
-            <a:pPr marL="0" indent="0">
-              <a:buNone/>
-            </a:pPr>
-            <a:r>
-              <a:rPr lang="ru-RU" sz="4400" dirty="0">
-                <a:latin typeface="Comic Sans MS" panose="030F0702030302020204" pitchFamily="66" charset="0"/>
-              </a:rPr>
-              <a:t>4. Плиссе</a:t>
-            </a:r>
-          </a:p>
-          <a:p>
-            <a:pPr marL="0" indent="0">
-              <a:buNone/>
-            </a:pPr>
-            <a:r>
-              <a:rPr lang="ru-RU" sz="4400" dirty="0">
-                <a:latin typeface="Comic Sans MS" panose="030F0702030302020204" pitchFamily="66" charset="0"/>
-              </a:rPr>
-              <a:t>5. </a:t>
-            </a:r>
-            <a:r>
-              <a:rPr lang="ru-RU" sz="4400" dirty="0" err="1">
-                <a:latin typeface="Comic Sans MS" panose="030F0702030302020204" pitchFamily="66" charset="0"/>
-              </a:rPr>
-              <a:t>Чиносы</a:t>
-            </a:r>
-            <a:endParaRPr lang="ru-RU" sz="4400" dirty="0">
-              <a:latin typeface="Comic Sans MS" panose="030F0702030302020204" pitchFamily="66" charset="0"/>
-            </a:endParaRPr>
-          </a:p>
-          <a:p>
-            <a:pPr marL="0" indent="0">
-              <a:buNone/>
-            </a:pPr>
-            <a:r>
-              <a:rPr lang="ru-RU" sz="4400" dirty="0">
-                <a:latin typeface="Comic Sans MS" panose="030F0702030302020204" pitchFamily="66" charset="0"/>
-              </a:rPr>
-              <a:t>6. </a:t>
-            </a:r>
-            <a:r>
-              <a:rPr lang="ru-RU" sz="4400" dirty="0" err="1">
-                <a:latin typeface="Comic Sans MS" panose="030F0702030302020204" pitchFamily="66" charset="0"/>
-              </a:rPr>
-              <a:t>Свитшот</a:t>
-            </a:r>
-            <a:endParaRPr lang="ru-RU" sz="4400" dirty="0">
-              <a:latin typeface="Comic Sans MS" panose="030F0702030302020204" pitchFamily="66" charset="0"/>
-            </a:endParaRPr>
-          </a:p>
-          <a:p>
-            <a:pPr marL="0" indent="0">
-              <a:buNone/>
-            </a:pPr>
-            <a:r>
-              <a:rPr lang="ru-RU" sz="4400" dirty="0">
-                <a:latin typeface="Comic Sans MS" panose="030F0702030302020204" pitchFamily="66" charset="0"/>
-              </a:rPr>
-              <a:t>7. Бомбер</a:t>
-            </a:r>
-          </a:p>
-          <a:p>
-            <a:endParaRPr lang="ru-RU" dirty="0"/>
-          </a:p>
-        </p:txBody>
-      </p:sp>
-    </p:spTree>
-    <p:extLst>
-      <p:ext uri="{BB962C8B-B14F-4D97-AF65-F5344CB8AC3E}">
-        <p14:creationId xmlns:p14="http://schemas.microsoft.com/office/powerpoint/2010/main" val="1818878953"/>
-      </p:ext>
-    </p:extLst>
-  </p:cSld>
-  <p:clrMapOvr>
-    <a:masterClrMapping/>
-  </p:clrMapOvr>
-</p:sld>
-</file>
-
-<file path=ppt/slides/slide7.xml><?xml version="1.0" encoding="utf-8"?>
-<p:sld xmlns:a="http://schemas.openxmlformats.org/drawingml/2006/main" xmlns:r="http://schemas.openxmlformats.org/officeDocument/2006/relationships" xmlns:p="http://schemas.openxmlformats.org/presentationml/2006/main">
-  <p:cSld>
-    <p:spTree>
-      <p:nvGrpSpPr>
-        <p:cNvPr id="1" name=""/>
-        <p:cNvGrpSpPr/>
-        <p:nvPr/>
-      </p:nvGrpSpPr>
-      <p:grpSpPr>
-        <a:xfrm>
-          <a:off x="0" y="0"/>
-          <a:ext cx="0" cy="0"/>
-          <a:chOff x="0" y="0"/>
-          <a:chExt cx="0" cy="0"/>
-        </a:xfrm>
-      </p:grpSpPr>
-      <p:sp>
-        <p:nvSpPr>
-          <p:cNvPr id="2" name="Заголовок 1">
-            <a:extLst>
-              <a:ext uri="{FF2B5EF4-FFF2-40B4-BE49-F238E27FC236}">
-                <a16:creationId xmlns:a16="http://schemas.microsoft.com/office/drawing/2014/main" id="{C917E327-0B3E-1896-4485-1E61CFA9B26A}"/>
-              </a:ext>
-            </a:extLst>
-          </p:cNvPr>
-          <p:cNvSpPr>
-            <a:spLocks noGrp="1"/>
-          </p:cNvSpPr>
-          <p:nvPr>
-            <p:ph type="title"/>
-          </p:nvPr>
-        </p:nvSpPr>
-        <p:spPr/>
-        <p:txBody>
-          <a:bodyPr/>
-          <a:lstStyle/>
-          <a:p>
-            <a:pPr algn="ctr"/>
-            <a:r>
-              <a:rPr lang="ru-RU" dirty="0">
-                <a:solidFill>
-                  <a:srgbClr val="00B050"/>
-                </a:solidFill>
-              </a:rPr>
-              <a:t>Задание</a:t>
-            </a:r>
-            <a:br>
-              <a:rPr lang="ru-RU" dirty="0"/>
-            </a:br>
-            <a:r>
-              <a:rPr lang="ru-RU" dirty="0"/>
-              <a:t>1. Ну и какое же застолье без песен?</a:t>
-            </a:r>
-          </a:p>
-        </p:txBody>
-      </p:sp>
-      <p:sp>
-        <p:nvSpPr>
-          <p:cNvPr id="3" name="Объект 2">
-            <a:extLst>
-              <a:ext uri="{FF2B5EF4-FFF2-40B4-BE49-F238E27FC236}">
-                <a16:creationId xmlns:a16="http://schemas.microsoft.com/office/drawing/2014/main" id="{4C092099-7D44-5CAC-84FF-7D0921D95C88}"/>
-              </a:ext>
-            </a:extLst>
-          </p:cNvPr>
-          <p:cNvSpPr>
-            <a:spLocks noGrp="1"/>
-          </p:cNvSpPr>
-          <p:nvPr>
-            <p:ph sz="half" idx="1"/>
-          </p:nvPr>
-        </p:nvSpPr>
-        <p:spPr/>
-        <p:txBody>
-          <a:bodyPr>
-            <a:normAutofit fontScale="77500" lnSpcReduction="20000"/>
-          </a:bodyPr>
-          <a:lstStyle/>
-          <a:p>
-            <a:pPr marL="0" indent="0">
-              <a:buNone/>
-            </a:pPr>
-            <a:r>
-              <a:rPr lang="ru-RU" dirty="0"/>
-              <a:t>2. Блиц. Угадай песню</a:t>
-            </a:r>
-          </a:p>
-          <a:p>
-            <a:pPr marL="0" indent="0">
-              <a:buNone/>
-            </a:pPr>
-            <a:endParaRPr lang="ru-RU" dirty="0"/>
-          </a:p>
-        </p:txBody>
-      </p:sp>
-      <p:sp>
-        <p:nvSpPr>
-          <p:cNvPr id="4" name="Объект 3">
-            <a:extLst>
-              <a:ext uri="{FF2B5EF4-FFF2-40B4-BE49-F238E27FC236}">
-                <a16:creationId xmlns:a16="http://schemas.microsoft.com/office/drawing/2014/main" id="{2B416C13-00FB-3C26-35DE-49A9B33329BA}"/>
-              </a:ext>
-            </a:extLst>
-          </p:cNvPr>
-          <p:cNvSpPr>
-            <a:spLocks noGrp="1"/>
-          </p:cNvSpPr>
-          <p:nvPr>
-            <p:ph sz="half" idx="2"/>
-          </p:nvPr>
-        </p:nvSpPr>
-        <p:spPr/>
-        <p:txBody>
-          <a:bodyPr>
-            <a:normAutofit fontScale="77500" lnSpcReduction="20000"/>
-          </a:bodyPr>
-          <a:lstStyle/>
-          <a:p>
-            <a:pPr marL="0" indent="0">
-              <a:buNone/>
-            </a:pPr>
-            <a:r>
-              <a:rPr lang="ru-RU" dirty="0">
-                <a:solidFill>
-                  <a:srgbClr val="FF0000"/>
-                </a:solidFill>
-              </a:rPr>
-              <a:t>картинка 1</a:t>
-            </a:r>
-          </a:p>
-          <a:p>
-            <a:pPr marL="0" indent="0">
-              <a:buNone/>
-            </a:pPr>
-            <a:r>
-              <a:rPr lang="ru-RU" dirty="0">
-                <a:solidFill>
-                  <a:srgbClr val="002060"/>
-                </a:solidFill>
-              </a:rPr>
-              <a:t>Введите название песни:</a:t>
-            </a:r>
-          </a:p>
-          <a:p>
-            <a:pPr marL="0" indent="0">
-              <a:buNone/>
-            </a:pPr>
-            <a:r>
-              <a:rPr lang="ru-RU" dirty="0"/>
-              <a:t>Верный ответ: Выйду ночью в поле с конём</a:t>
-            </a:r>
-          </a:p>
-          <a:p>
-            <a:pPr marL="0" indent="0">
-              <a:buNone/>
-            </a:pPr>
-            <a:r>
-              <a:rPr lang="ru-RU" dirty="0">
-                <a:solidFill>
-                  <a:srgbClr val="FF0000"/>
-                </a:solidFill>
-              </a:rPr>
-              <a:t>картинка 2</a:t>
-            </a:r>
-          </a:p>
-          <a:p>
-            <a:pPr marL="0" indent="0">
-              <a:buNone/>
-            </a:pPr>
-            <a:r>
-              <a:rPr lang="ru-RU" dirty="0">
-                <a:solidFill>
-                  <a:srgbClr val="002060"/>
-                </a:solidFill>
-              </a:rPr>
-              <a:t>Введите название песни:</a:t>
-            </a:r>
-          </a:p>
-          <a:p>
-            <a:pPr marL="0" indent="0">
-              <a:buNone/>
-            </a:pPr>
-            <a:r>
-              <a:rPr lang="ru-RU" dirty="0"/>
-              <a:t>Верный </a:t>
-            </a:r>
-            <a:r>
-              <a:rPr lang="ru-RU" dirty="0" err="1"/>
-              <a:t>ответ:Ой</a:t>
-            </a:r>
-            <a:r>
-              <a:rPr lang="ru-RU" dirty="0"/>
-              <a:t> цветет калина в поле у ручья</a:t>
-            </a:r>
-          </a:p>
-          <a:p>
-            <a:pPr marL="0" indent="0">
-              <a:buNone/>
-            </a:pPr>
-            <a:endParaRPr lang="ru-RU" dirty="0"/>
-          </a:p>
-          <a:p>
-            <a:pPr marL="0" indent="0">
-              <a:buNone/>
-            </a:pPr>
-            <a:r>
-              <a:rPr lang="ru-RU" dirty="0">
-                <a:solidFill>
-                  <a:srgbClr val="FF0000"/>
-                </a:solidFill>
-              </a:rPr>
-              <a:t>картинка 3</a:t>
-            </a:r>
-          </a:p>
-          <a:p>
-            <a:pPr marL="0" indent="0">
-              <a:buNone/>
-            </a:pPr>
-            <a:r>
-              <a:rPr lang="ru-RU" dirty="0">
-                <a:solidFill>
-                  <a:srgbClr val="002060"/>
-                </a:solidFill>
-              </a:rPr>
-              <a:t>Введите название песни:</a:t>
-            </a:r>
-          </a:p>
-          <a:p>
-            <a:pPr marL="0" indent="0">
-              <a:buNone/>
-            </a:pPr>
-            <a:r>
-              <a:rPr lang="ru-RU" dirty="0"/>
-              <a:t>Верный ответ: Изгиб гитары жёлтой ты обнимаешь нежно</a:t>
-            </a:r>
-          </a:p>
-          <a:p>
-            <a:pPr marL="0" indent="0">
-              <a:buNone/>
-            </a:pPr>
-            <a:endParaRPr lang="ru-RU" dirty="0"/>
-          </a:p>
-        </p:txBody>
-      </p:sp>
-      <p:pic>
-        <p:nvPicPr>
-          <p:cNvPr id="5" name="Объект 4">
-            <a:extLst>
-              <a:ext uri="{FF2B5EF4-FFF2-40B4-BE49-F238E27FC236}">
-                <a16:creationId xmlns:a16="http://schemas.microsoft.com/office/drawing/2014/main" id="{DED57425-022E-0BC0-E8AB-3D0CC9B7AF5E}"/>
-              </a:ext>
-            </a:extLst>
-          </p:cNvPr>
-          <p:cNvPicPr>
-            <a:picLocks noChangeAspect="1"/>
-          </p:cNvPicPr>
-          <p:nvPr/>
-        </p:nvPicPr>
-        <p:blipFill>
-          <a:blip r:embed="rId2"/>
-          <a:stretch>
-            <a:fillRect/>
-          </a:stretch>
-        </p:blipFill>
-        <p:spPr>
-          <a:xfrm>
-            <a:off x="962395" y="2459497"/>
-            <a:ext cx="3539434" cy="904522"/>
-          </a:xfrm>
-          <a:prstGeom prst="rect">
-            <a:avLst/>
-          </a:prstGeom>
-        </p:spPr>
-      </p:pic>
-      <p:pic>
-        <p:nvPicPr>
-          <p:cNvPr id="6" name="Рисунок 5">
-            <a:extLst>
-              <a:ext uri="{FF2B5EF4-FFF2-40B4-BE49-F238E27FC236}">
-                <a16:creationId xmlns:a16="http://schemas.microsoft.com/office/drawing/2014/main" id="{9240BD44-329B-660B-2AB9-BC0EB59327A6}"/>
-              </a:ext>
-            </a:extLst>
-          </p:cNvPr>
-          <p:cNvPicPr>
-            <a:picLocks noChangeAspect="1"/>
-          </p:cNvPicPr>
-          <p:nvPr/>
-        </p:nvPicPr>
-        <p:blipFill>
-          <a:blip r:embed="rId3"/>
-          <a:stretch>
-            <a:fillRect/>
-          </a:stretch>
-        </p:blipFill>
-        <p:spPr>
-          <a:xfrm>
-            <a:off x="962395" y="3551926"/>
-            <a:ext cx="4155567" cy="1200497"/>
-          </a:xfrm>
-          <a:prstGeom prst="rect">
-            <a:avLst/>
-          </a:prstGeom>
-        </p:spPr>
-      </p:pic>
-      <p:pic>
-        <p:nvPicPr>
-          <p:cNvPr id="7" name="Рисунок 6">
-            <a:extLst>
-              <a:ext uri="{FF2B5EF4-FFF2-40B4-BE49-F238E27FC236}">
-                <a16:creationId xmlns:a16="http://schemas.microsoft.com/office/drawing/2014/main" id="{FD312D6D-50FB-62E6-297F-5B52E34AE5E7}"/>
-              </a:ext>
-            </a:extLst>
-          </p:cNvPr>
-          <p:cNvPicPr>
-            <a:picLocks noChangeAspect="1"/>
-          </p:cNvPicPr>
-          <p:nvPr/>
-        </p:nvPicPr>
-        <p:blipFill>
-          <a:blip r:embed="rId4"/>
-          <a:stretch>
-            <a:fillRect/>
-          </a:stretch>
-        </p:blipFill>
-        <p:spPr>
-          <a:xfrm>
-            <a:off x="962395" y="4887360"/>
-            <a:ext cx="3663890" cy="1099167"/>
-          </a:xfrm>
-          <a:prstGeom prst="rect">
-            <a:avLst/>
-          </a:prstGeom>
-        </p:spPr>
-      </p:pic>
-    </p:spTree>
-    <p:extLst>
-      <p:ext uri="{BB962C8B-B14F-4D97-AF65-F5344CB8AC3E}">
-        <p14:creationId xmlns:p14="http://schemas.microsoft.com/office/powerpoint/2010/main" val="1803973287"/>
-      </p:ext>
-    </p:extLst>
-  </p:cSld>
-  <p:clrMapOvr>
-    <a:masterClrMapping/>
-  </p:clrMapOvr>
-</p:sld>
-</file>
-
 <file path=ppt/slides/slide8.xml><?xml version="1.0" encoding="utf-8"?>
 <p:sld xmlns:a="http://schemas.openxmlformats.org/drawingml/2006/main" xmlns:r="http://schemas.openxmlformats.org/officeDocument/2006/relationships" xmlns:p="http://schemas.openxmlformats.org/presentationml/2006/main">
   <p:cSld>
@@ -7047,52 +7064,29 @@
       </p:grpSpPr>
       <p:sp>
         <p:nvSpPr>
-          <p:cNvPr id="2" name="Заголовок 1">
-            <a:extLst>
-              <a:ext uri="{FF2B5EF4-FFF2-40B4-BE49-F238E27FC236}">
-                <a16:creationId xmlns:a16="http://schemas.microsoft.com/office/drawing/2014/main" id="{98E767A6-9FEB-84BA-EB93-5CC9FC5CF612}"/>
-              </a:ext>
-            </a:extLst>
-          </p:cNvPr>
-          <p:cNvSpPr>
-            <a:spLocks noGrp="1"/>
-          </p:cNvSpPr>
-          <p:nvPr>
-            <p:ph type="title"/>
-          </p:nvPr>
-        </p:nvSpPr>
-        <p:spPr/>
-        <p:txBody>
-          <a:bodyPr/>
-          <a:lstStyle/>
-          <a:p>
-            <a:r>
-              <a:rPr lang="ru-RU" dirty="0"/>
-              <a:t>Блиц. Угадай песню</a:t>
-            </a:r>
-          </a:p>
-        </p:txBody>
-      </p:sp>
-      <p:sp>
-        <p:nvSpPr>
-          <p:cNvPr id="4" name="Объект 3">
-            <a:extLst>
-              <a:ext uri="{FF2B5EF4-FFF2-40B4-BE49-F238E27FC236}">
-                <a16:creationId xmlns:a16="http://schemas.microsoft.com/office/drawing/2014/main" id="{4093EF2D-C47B-AF81-1480-6408C585AF27}"/>
-              </a:ext>
-            </a:extLst>
-          </p:cNvPr>
-          <p:cNvSpPr>
-            <a:spLocks noGrp="1"/>
-          </p:cNvSpPr>
-          <p:nvPr>
-            <p:ph sz="half" idx="2"/>
-          </p:nvPr>
-        </p:nvSpPr>
-        <p:spPr/>
+          <p:cNvPr id="3" name="Объект 2">
+            <a:extLst>
+              <a:ext uri="{FF2B5EF4-FFF2-40B4-BE49-F238E27FC236}">
+                <a16:creationId xmlns:a16="http://schemas.microsoft.com/office/drawing/2014/main" id="{67618F1F-8D77-1E6F-6D02-F72EF9478418}"/>
+              </a:ext>
+            </a:extLst>
+          </p:cNvPr>
+          <p:cNvSpPr>
+            <a:spLocks noGrp="1"/>
+          </p:cNvSpPr>
+          <p:nvPr>
+            <p:ph idx="1"/>
+          </p:nvPr>
+        </p:nvSpPr>
+        <p:spPr>
+          <a:xfrm>
+            <a:off x="838200" y="476250"/>
+            <a:ext cx="4953000" cy="5700713"/>
+          </a:xfrm>
+        </p:spPr>
         <p:txBody>
           <a:bodyPr>
-            <a:normAutofit lnSpcReduction="10000"/>
+            <a:normAutofit/>
           </a:bodyPr>
           <a:lstStyle/>
           <a:p>
@@ -7100,159 +7094,129 @@
               <a:buNone/>
             </a:pPr>
             <a:r>
-              <a:rPr lang="ru-RU" dirty="0"/>
-              <a:t>Верные ответы:</a:t>
+              <a:rPr lang="ru-RU" sz="4800" dirty="0">
+                <a:latin typeface="Comic Sans MS" panose="030F0702030302020204" pitchFamily="66" charset="0"/>
+              </a:rPr>
+              <a:t>1. </a:t>
+            </a:r>
+            <a:r>
+              <a:rPr lang="ru-RU" sz="4400" dirty="0">
+                <a:latin typeface="Comic Sans MS" panose="030F0702030302020204" pitchFamily="66" charset="0"/>
+              </a:rPr>
+              <a:t>Палаццо</a:t>
             </a:r>
           </a:p>
           <a:p>
             <a:pPr marL="0" indent="0">
               <a:buNone/>
             </a:pPr>
+            <a:r>
+              <a:rPr lang="ru-RU" sz="4400" dirty="0">
+                <a:latin typeface="Comic Sans MS" panose="030F0702030302020204" pitchFamily="66" charset="0"/>
+              </a:rPr>
+              <a:t>2. </a:t>
+            </a:r>
+            <a:r>
+              <a:rPr lang="ru-RU" sz="4400" dirty="0" err="1">
+                <a:latin typeface="Comic Sans MS" panose="030F0702030302020204" pitchFamily="66" charset="0"/>
+              </a:rPr>
+              <a:t>Лонгслив</a:t>
+            </a:r>
+            <a:endParaRPr lang="ru-RU" sz="4400" dirty="0">
+              <a:latin typeface="Comic Sans MS" panose="030F0702030302020204" pitchFamily="66" charset="0"/>
+            </a:endParaRPr>
+          </a:p>
+          <a:p>
+            <a:pPr marL="0" indent="0">
+              <a:buNone/>
+            </a:pPr>
+            <a:r>
+              <a:rPr lang="ru-RU" sz="4400" dirty="0">
+                <a:latin typeface="Comic Sans MS" panose="030F0702030302020204" pitchFamily="66" charset="0"/>
+              </a:rPr>
+              <a:t>3. </a:t>
+            </a:r>
+            <a:r>
+              <a:rPr lang="ru-RU" sz="4400" dirty="0" err="1">
+                <a:latin typeface="Comic Sans MS" panose="030F0702030302020204" pitchFamily="66" charset="0"/>
+              </a:rPr>
+              <a:t>Честерфильд</a:t>
+            </a:r>
+            <a:endParaRPr lang="ru-RU" sz="4400" dirty="0">
+              <a:latin typeface="Comic Sans MS" panose="030F0702030302020204" pitchFamily="66" charset="0"/>
+            </a:endParaRPr>
+          </a:p>
+          <a:p>
+            <a:pPr marL="0" indent="0">
+              <a:buNone/>
+            </a:pPr>
+            <a:r>
+              <a:rPr lang="ru-RU" sz="4400" dirty="0">
+                <a:latin typeface="Comic Sans MS" panose="030F0702030302020204" pitchFamily="66" charset="0"/>
+              </a:rPr>
+              <a:t>4. Плиссе</a:t>
+            </a:r>
+          </a:p>
+          <a:p>
+            <a:pPr marL="0" indent="0">
+              <a:buNone/>
+            </a:pPr>
+            <a:r>
+              <a:rPr lang="ru-RU" sz="4400" dirty="0">
+                <a:latin typeface="Comic Sans MS" panose="030F0702030302020204" pitchFamily="66" charset="0"/>
+              </a:rPr>
+              <a:t>5. </a:t>
+            </a:r>
+            <a:r>
+              <a:rPr lang="ru-RU" sz="4400" dirty="0" err="1">
+                <a:latin typeface="Comic Sans MS" panose="030F0702030302020204" pitchFamily="66" charset="0"/>
+              </a:rPr>
+              <a:t>Чиносы</a:t>
+            </a:r>
+            <a:endParaRPr lang="ru-RU" sz="4400" dirty="0">
+              <a:latin typeface="Comic Sans MS" panose="030F0702030302020204" pitchFamily="66" charset="0"/>
+            </a:endParaRPr>
+          </a:p>
+          <a:p>
+            <a:pPr marL="0" indent="0">
+              <a:buNone/>
+            </a:pPr>
+            <a:r>
+              <a:rPr lang="ru-RU" sz="4400" dirty="0">
+                <a:latin typeface="Comic Sans MS" panose="030F0702030302020204" pitchFamily="66" charset="0"/>
+              </a:rPr>
+              <a:t>6. </a:t>
+            </a:r>
+            <a:r>
+              <a:rPr lang="ru-RU" sz="4400" dirty="0" err="1">
+                <a:latin typeface="Comic Sans MS" panose="030F0702030302020204" pitchFamily="66" charset="0"/>
+              </a:rPr>
+              <a:t>Свитшот</a:t>
+            </a:r>
+            <a:endParaRPr lang="ru-RU" sz="4400" dirty="0">
+              <a:latin typeface="Comic Sans MS" panose="030F0702030302020204" pitchFamily="66" charset="0"/>
+            </a:endParaRPr>
+          </a:p>
+          <a:p>
+            <a:pPr marL="0" indent="0">
+              <a:buNone/>
+            </a:pPr>
+            <a:r>
+              <a:rPr lang="ru-RU" sz="4400" dirty="0">
+                <a:latin typeface="Comic Sans MS" panose="030F0702030302020204" pitchFamily="66" charset="0"/>
+              </a:rPr>
+              <a:t>7. Бомбер</a:t>
+            </a:r>
+          </a:p>
+          <a:p>
             <a:endParaRPr lang="ru-RU" dirty="0"/>
           </a:p>
-          <a:p>
-            <a:pPr marL="0" indent="0">
-              <a:buNone/>
-            </a:pPr>
-            <a:r>
-              <a:rPr lang="ru-RU" dirty="0"/>
-              <a:t>Выйду ночью в поле с конём</a:t>
-            </a:r>
-          </a:p>
-          <a:p>
-            <a:pPr marL="0" indent="0">
-              <a:buNone/>
-            </a:pPr>
-            <a:endParaRPr lang="ru-RU" dirty="0"/>
-          </a:p>
-          <a:p>
-            <a:pPr marL="0" indent="0">
-              <a:buNone/>
-            </a:pPr>
-            <a:r>
-              <a:rPr lang="ru-RU" dirty="0"/>
-              <a:t>Ой цветет калина в поле у ручья</a:t>
-            </a:r>
-          </a:p>
-          <a:p>
-            <a:pPr marL="0" indent="0">
-              <a:buNone/>
-            </a:pPr>
-            <a:endParaRPr lang="ru-RU" dirty="0"/>
-          </a:p>
-          <a:p>
-            <a:pPr marL="0" indent="0">
-              <a:buNone/>
-            </a:pPr>
-            <a:endParaRPr lang="ru-RU" dirty="0"/>
-          </a:p>
-          <a:p>
-            <a:pPr marL="0" indent="0">
-              <a:buNone/>
-            </a:pPr>
-            <a:r>
-              <a:rPr lang="ru-RU" dirty="0"/>
-              <a:t>Изгиб гитары жёлтой ты обнимаешь нежно</a:t>
-            </a:r>
-          </a:p>
-        </p:txBody>
-      </p:sp>
-      <p:pic>
-        <p:nvPicPr>
-          <p:cNvPr id="5" name="Объект 4">
-            <a:extLst>
-              <a:ext uri="{FF2B5EF4-FFF2-40B4-BE49-F238E27FC236}">
-                <a16:creationId xmlns:a16="http://schemas.microsoft.com/office/drawing/2014/main" id="{2C2CA764-524D-C4C7-0AE2-9A416CF9C2CE}"/>
-              </a:ext>
-            </a:extLst>
-          </p:cNvPr>
-          <p:cNvPicPr>
-            <a:picLocks noGrp="1" noChangeAspect="1"/>
-          </p:cNvPicPr>
-          <p:nvPr>
-            <p:ph sz="half" idx="1"/>
-          </p:nvPr>
-        </p:nvPicPr>
-        <p:blipFill>
-          <a:blip r:embed="rId2"/>
-          <a:stretch>
-            <a:fillRect/>
-          </a:stretch>
-        </p:blipFill>
-        <p:spPr>
-          <a:xfrm>
-            <a:off x="962395" y="2074700"/>
-            <a:ext cx="3539434" cy="904522"/>
-          </a:xfrm>
-          <a:prstGeom prst="rect">
-            <a:avLst/>
-          </a:prstGeom>
-        </p:spPr>
-      </p:pic>
-      <p:pic>
-        <p:nvPicPr>
-          <p:cNvPr id="6" name="Рисунок 5">
-            <a:extLst>
-              <a:ext uri="{FF2B5EF4-FFF2-40B4-BE49-F238E27FC236}">
-                <a16:creationId xmlns:a16="http://schemas.microsoft.com/office/drawing/2014/main" id="{A1E531F8-2008-9DA9-5979-89D6B896FC8B}"/>
-              </a:ext>
-            </a:extLst>
-          </p:cNvPr>
-          <p:cNvPicPr>
-            <a:picLocks noChangeAspect="1"/>
-          </p:cNvPicPr>
-          <p:nvPr/>
-        </p:nvPicPr>
-        <p:blipFill>
-          <a:blip r:embed="rId3"/>
-          <a:stretch>
-            <a:fillRect/>
-          </a:stretch>
-        </p:blipFill>
-        <p:spPr>
-          <a:xfrm>
-            <a:off x="838200" y="3256093"/>
-            <a:ext cx="4155567" cy="1200497"/>
-          </a:xfrm>
-          <a:prstGeom prst="rect">
-            <a:avLst/>
-          </a:prstGeom>
-        </p:spPr>
-      </p:pic>
-      <p:pic>
-        <p:nvPicPr>
-          <p:cNvPr id="8" name="Рисунок 7">
-            <a:extLst>
-              <a:ext uri="{FF2B5EF4-FFF2-40B4-BE49-F238E27FC236}">
-                <a16:creationId xmlns:a16="http://schemas.microsoft.com/office/drawing/2014/main" id="{460C896C-6921-A990-ABF9-A061128FD339}"/>
-              </a:ext>
-            </a:extLst>
-          </p:cNvPr>
-          <p:cNvPicPr>
-            <a:picLocks noChangeAspect="1"/>
-          </p:cNvPicPr>
-          <p:nvPr/>
-        </p:nvPicPr>
-        <p:blipFill>
-          <a:blip r:embed="rId4"/>
-          <a:stretch>
-            <a:fillRect/>
-          </a:stretch>
-        </p:blipFill>
-        <p:spPr>
-          <a:xfrm>
-            <a:off x="962395" y="4733461"/>
-            <a:ext cx="3663890" cy="1099167"/>
-          </a:xfrm>
-          <a:prstGeom prst="rect">
-            <a:avLst/>
-          </a:prstGeom>
-        </p:spPr>
-      </p:pic>
+        </p:txBody>
+      </p:sp>
     </p:spTree>
     <p:extLst>
       <p:ext uri="{BB962C8B-B14F-4D97-AF65-F5344CB8AC3E}">
-        <p14:creationId xmlns:p14="http://schemas.microsoft.com/office/powerpoint/2010/main" val="2374342276"/>
+        <p14:creationId xmlns:p14="http://schemas.microsoft.com/office/powerpoint/2010/main" val="1818878953"/>
       </p:ext>
     </p:extLst>
   </p:cSld>
@@ -7284,7 +7248,7 @@
           <p:cNvPr id="2" name="Заголовок 1">
             <a:extLst>
               <a:ext uri="{FF2B5EF4-FFF2-40B4-BE49-F238E27FC236}">
-                <a16:creationId xmlns:a16="http://schemas.microsoft.com/office/drawing/2014/main" id="{2A8E5D28-4504-DD5D-2B15-0438CBDBCC13}"/>
+                <a16:creationId xmlns:a16="http://schemas.microsoft.com/office/drawing/2014/main" id="{C917E327-0B3E-1896-4485-1E61CFA9B26A}"/>
               </a:ext>
             </a:extLst>
           </p:cNvPr>
@@ -7307,93 +7271,300 @@
                   <a:srgbClr val="00B050"/>
                 </a:solidFill>
               </a:rPr>
-              <a:t>Задание </a:t>
+              <a:t>Задание 5</a:t>
             </a:r>
             <a:br>
+              <a:rPr lang="ru-RU" dirty="0"/>
+            </a:br>
+            <a:r>
+              <a:rPr lang="ru-RU" dirty="0"/>
+              <a:t>1. Ну и какое же застолье без песен?</a:t>
+            </a:r>
+          </a:p>
+        </p:txBody>
+      </p:sp>
+      <p:sp>
+        <p:nvSpPr>
+          <p:cNvPr id="3" name="Объект 2">
+            <a:extLst>
+              <a:ext uri="{FF2B5EF4-FFF2-40B4-BE49-F238E27FC236}">
+                <a16:creationId xmlns:a16="http://schemas.microsoft.com/office/drawing/2014/main" id="{4C092099-7D44-5CAC-84FF-7D0921D95C88}"/>
+              </a:ext>
+            </a:extLst>
+          </p:cNvPr>
+          <p:cNvSpPr>
+            <a:spLocks noGrp="1"/>
+          </p:cNvSpPr>
+          <p:nvPr>
+            <p:ph sz="half" idx="1"/>
+          </p:nvPr>
+        </p:nvSpPr>
+        <p:spPr/>
+        <p:txBody>
+          <a:bodyPr>
+            <a:normAutofit fontScale="77500" lnSpcReduction="20000"/>
+          </a:bodyPr>
+          <a:lstStyle/>
+          <a:p>
+            <a:pPr marL="0" indent="0">
+              <a:buNone/>
+            </a:pPr>
+            <a:r>
+              <a:rPr lang="ru-RU" dirty="0"/>
+              <a:t>2. Блиц. Угадай песню</a:t>
+            </a:r>
+          </a:p>
+          <a:p>
+            <a:pPr marL="0" indent="0">
+              <a:buNone/>
+            </a:pPr>
+            <a:endParaRPr lang="ru-RU" dirty="0"/>
+          </a:p>
+        </p:txBody>
+      </p:sp>
+      <p:sp>
+        <p:nvSpPr>
+          <p:cNvPr id="4" name="Объект 3">
+            <a:extLst>
+              <a:ext uri="{FF2B5EF4-FFF2-40B4-BE49-F238E27FC236}">
+                <a16:creationId xmlns:a16="http://schemas.microsoft.com/office/drawing/2014/main" id="{2B416C13-00FB-3C26-35DE-49A9B33329BA}"/>
+              </a:ext>
+            </a:extLst>
+          </p:cNvPr>
+          <p:cNvSpPr>
+            <a:spLocks noGrp="1"/>
+          </p:cNvSpPr>
+          <p:nvPr>
+            <p:ph sz="half" idx="2"/>
+          </p:nvPr>
+        </p:nvSpPr>
+        <p:spPr/>
+        <p:txBody>
+          <a:bodyPr>
+            <a:normAutofit fontScale="77500" lnSpcReduction="20000"/>
+          </a:bodyPr>
+          <a:lstStyle/>
+          <a:p>
+            <a:pPr marL="0" indent="0">
+              <a:buNone/>
+            </a:pPr>
+            <a:r>
               <a:rPr lang="ru-RU" dirty="0">
                 <a:solidFill>
-                  <a:srgbClr val="00B050"/>
-                </a:solidFill>
-              </a:rPr>
-            </a:br>
+                  <a:srgbClr val="FF0000"/>
+                </a:solidFill>
+              </a:rPr>
+              <a:t>картинка 1</a:t>
+            </a:r>
+          </a:p>
+          <a:p>
+            <a:pPr marL="0" indent="0">
+              <a:buNone/>
+            </a:pPr>
+            <a:r>
+              <a:rPr lang="ru-RU" dirty="0">
+                <a:solidFill>
+                  <a:srgbClr val="002060"/>
+                </a:solidFill>
+              </a:rPr>
+              <a:t>Введите название песни:</a:t>
+            </a:r>
+          </a:p>
+          <a:p>
+            <a:pPr marL="0" indent="0">
+              <a:buNone/>
+            </a:pPr>
             <a:r>
               <a:rPr lang="ru-RU" dirty="0"/>
-              <a:t>1.Кто поёт?</a:t>
-            </a:r>
-          </a:p>
-        </p:txBody>
-      </p:sp>
-      <p:sp>
-        <p:nvSpPr>
-          <p:cNvPr id="3" name="Объект 2">
-            <a:extLst>
-              <a:ext uri="{FF2B5EF4-FFF2-40B4-BE49-F238E27FC236}">
-                <a16:creationId xmlns:a16="http://schemas.microsoft.com/office/drawing/2014/main" id="{0287DC10-8234-C510-1353-03CD4A67D296}"/>
-              </a:ext>
-            </a:extLst>
-          </p:cNvPr>
-          <p:cNvSpPr>
-            <a:spLocks noGrp="1"/>
-          </p:cNvSpPr>
-          <p:nvPr>
-            <p:ph sz="half" idx="1"/>
-          </p:nvPr>
-        </p:nvSpPr>
-        <p:spPr/>
-        <p:txBody>
-          <a:bodyPr/>
-          <a:lstStyle/>
-          <a:p>
+              <a:t>Верный ответ: Выйду ночью в поле с конём</a:t>
+            </a:r>
+          </a:p>
+          <a:p>
+            <a:pPr marL="0" indent="0">
+              <a:buNone/>
+            </a:pPr>
+            <a:r>
+              <a:rPr lang="ru-RU" dirty="0">
+                <a:solidFill>
+                  <a:srgbClr val="FF0000"/>
+                </a:solidFill>
+              </a:rPr>
+              <a:t>картинка 2</a:t>
+            </a:r>
+          </a:p>
+          <a:p>
+            <a:pPr marL="0" indent="0">
+              <a:buNone/>
+            </a:pPr>
+            <a:r>
+              <a:rPr lang="ru-RU" dirty="0">
+                <a:solidFill>
+                  <a:srgbClr val="002060"/>
+                </a:solidFill>
+              </a:rPr>
+              <a:t>Введите название песни:</a:t>
+            </a:r>
+          </a:p>
+          <a:p>
+            <a:pPr marL="0" indent="0">
+              <a:buNone/>
+            </a:pPr>
             <a:r>
               <a:rPr lang="ru-RU" dirty="0"/>
-              <a:t>Видео </a:t>
-            </a:r>
-            <a:r>
-              <a:rPr lang="en-US" dirty="0"/>
-              <a:t>Who</a:t>
-            </a:r>
+              <a:t>Верный </a:t>
+            </a:r>
+            <a:r>
+              <a:rPr lang="ru-RU" dirty="0" err="1"/>
+              <a:t>ответ:Ой</a:t>
+            </a:r>
+            <a:r>
+              <a:rPr lang="ru-RU" dirty="0"/>
+              <a:t> цветет калина в поле у ручья</a:t>
+            </a:r>
+          </a:p>
+          <a:p>
+            <a:pPr marL="0" indent="0">
+              <a:buNone/>
+            </a:pPr>
             <a:endParaRPr lang="ru-RU" dirty="0"/>
           </a:p>
           <a:p>
+            <a:pPr marL="0" indent="0">
+              <a:buNone/>
+            </a:pPr>
+            <a:r>
+              <a:rPr lang="ru-RU" dirty="0">
+                <a:solidFill>
+                  <a:srgbClr val="FF0000"/>
+                </a:solidFill>
+              </a:rPr>
+              <a:t>картинка 3</a:t>
+            </a:r>
+          </a:p>
+          <a:p>
+            <a:pPr marL="0" indent="0">
+              <a:buNone/>
+            </a:pPr>
+            <a:r>
+              <a:rPr lang="ru-RU" dirty="0">
+                <a:solidFill>
+                  <a:srgbClr val="002060"/>
+                </a:solidFill>
+              </a:rPr>
+              <a:t>Введите название песни:</a:t>
+            </a:r>
+          </a:p>
+          <a:p>
+            <a:pPr marL="0" indent="0">
+              <a:buNone/>
+            </a:pPr>
             <a:r>
               <a:rPr lang="ru-RU" dirty="0"/>
-              <a:t>Верный ответ: Ляпис</a:t>
-            </a:r>
-          </a:p>
-          <a:p>
+              <a:t>Верный ответ: Изгиб гитары жёлтой ты обнимаешь нежно</a:t>
+            </a:r>
+          </a:p>
+          <a:p>
+            <a:pPr marL="0" indent="0">
+              <a:buNone/>
+            </a:pPr>
             <a:endParaRPr lang="ru-RU" dirty="0"/>
           </a:p>
         </p:txBody>
       </p:sp>
-      <p:sp>
-        <p:nvSpPr>
-          <p:cNvPr id="4" name="Объект 3">
-            <a:extLst>
-              <a:ext uri="{FF2B5EF4-FFF2-40B4-BE49-F238E27FC236}">
-                <a16:creationId xmlns:a16="http://schemas.microsoft.com/office/drawing/2014/main" id="{161CAEDC-1C82-56EB-2471-91CA30CCD948}"/>
-              </a:ext>
-            </a:extLst>
-          </p:cNvPr>
-          <p:cNvSpPr>
-            <a:spLocks noGrp="1"/>
-          </p:cNvSpPr>
-          <p:nvPr>
-            <p:ph sz="half" idx="2"/>
-          </p:nvPr>
-        </p:nvSpPr>
-        <p:spPr/>
-        <p:txBody>
-          <a:bodyPr/>
-          <a:lstStyle/>
-          <a:p>
-            <a:endParaRPr lang="ru-RU"/>
-          </a:p>
-        </p:txBody>
-      </p:sp>
+      <p:pic>
+        <p:nvPicPr>
+          <p:cNvPr id="5" name="Объект 4">
+            <a:extLst>
+              <a:ext uri="{FF2B5EF4-FFF2-40B4-BE49-F238E27FC236}">
+                <a16:creationId xmlns:a16="http://schemas.microsoft.com/office/drawing/2014/main" id="{DED57425-022E-0BC0-E8AB-3D0CC9B7AF5E}"/>
+              </a:ext>
+            </a:extLst>
+          </p:cNvPr>
+          <p:cNvPicPr>
+            <a:picLocks noChangeAspect="1"/>
+          </p:cNvPicPr>
+          <p:nvPr/>
+        </p:nvPicPr>
+        <p:blipFill>
+          <a:blip r:embed="rId2"/>
+          <a:stretch>
+            <a:fillRect/>
+          </a:stretch>
+        </p:blipFill>
+        <p:spPr>
+          <a:xfrm>
+            <a:off x="962395" y="2459497"/>
+            <a:ext cx="3539434" cy="904522"/>
+          </a:xfrm>
+          <a:prstGeom prst="rect">
+            <a:avLst/>
+          </a:prstGeom>
+        </p:spPr>
+      </p:pic>
+      <p:pic>
+        <p:nvPicPr>
+          <p:cNvPr id="6" name="Рисунок 5">
+            <a:extLst>
+              <a:ext uri="{FF2B5EF4-FFF2-40B4-BE49-F238E27FC236}">
+                <a16:creationId xmlns:a16="http://schemas.microsoft.com/office/drawing/2014/main" id="{9240BD44-329B-660B-2AB9-BC0EB59327A6}"/>
+              </a:ext>
+            </a:extLst>
+          </p:cNvPr>
+          <p:cNvPicPr>
+            <a:picLocks noChangeAspect="1"/>
+          </p:cNvPicPr>
+          <p:nvPr/>
+        </p:nvPicPr>
+        <p:blipFill>
+          <a:blip r:embed="rId3"/>
+          <a:stretch>
+            <a:fillRect/>
+          </a:stretch>
+        </p:blipFill>
+        <p:spPr>
+          <a:xfrm>
+            <a:off x="962395" y="3551926"/>
+            <a:ext cx="4155567" cy="1200497"/>
+          </a:xfrm>
+          <a:prstGeom prst="rect">
+            <a:avLst/>
+          </a:prstGeom>
+        </p:spPr>
+      </p:pic>
+      <p:pic>
+        <p:nvPicPr>
+          <p:cNvPr id="7" name="Рисунок 6">
+            <a:extLst>
+              <a:ext uri="{FF2B5EF4-FFF2-40B4-BE49-F238E27FC236}">
+                <a16:creationId xmlns:a16="http://schemas.microsoft.com/office/drawing/2014/main" id="{FD312D6D-50FB-62E6-297F-5B52E34AE5E7}"/>
+              </a:ext>
+            </a:extLst>
+          </p:cNvPr>
+          <p:cNvPicPr>
+            <a:picLocks noChangeAspect="1"/>
+          </p:cNvPicPr>
+          <p:nvPr/>
+        </p:nvPicPr>
+        <p:blipFill>
+          <a:blip r:embed="rId4"/>
+          <a:stretch>
+            <a:fillRect/>
+          </a:stretch>
+        </p:blipFill>
+        <p:spPr>
+          <a:xfrm>
+            <a:off x="962395" y="4887360"/>
+            <a:ext cx="3663890" cy="1099167"/>
+          </a:xfrm>
+          <a:prstGeom prst="rect">
+            <a:avLst/>
+          </a:prstGeom>
+        </p:spPr>
+      </p:pic>
     </p:spTree>
     <p:extLst>
       <p:ext uri="{BB962C8B-B14F-4D97-AF65-F5344CB8AC3E}">
-        <p14:creationId xmlns:p14="http://schemas.microsoft.com/office/powerpoint/2010/main" val="4032933705"/>
+        <p14:creationId xmlns:p14="http://schemas.microsoft.com/office/powerpoint/2010/main" val="1803973287"/>
       </p:ext>
     </p:extLst>
   </p:cSld>

--- a/КВЕСТ/Kvest 0504.pptx
+++ b/КВЕСТ/Kvest 0504.pptx
@@ -3864,7 +3864,11 @@
             </a:br>
             <a:r>
               <a:rPr lang="ru-RU" b="1" dirty="0"/>
-              <a:t>1.Угадайте имя героя на изображении</a:t>
+              <a:t>1.Соберите изображение героя и </a:t>
+            </a:r>
+            <a:r>
+              <a:rPr lang="ru-RU" b="1"/>
+              <a:t>введите его имя</a:t>
             </a:r>
             <a:br>
               <a:rPr lang="ru-RU" dirty="0"/>

--- a/КВЕСТ/Kvest 0504.pptx
+++ b/КВЕСТ/Kvest 0504.pptx
@@ -4597,7 +4597,23 @@
                   <a:srgbClr val="00B050"/>
                 </a:solidFill>
               </a:rPr>
-              <a:t>Задание </a:t>
+              <a:t>Задание</a:t>
+            </a:r>
+            <a:r>
+              <a:rPr lang="en-US">
+                <a:solidFill>
+                  <a:srgbClr val="00B050"/>
+                </a:solidFill>
+              </a:rPr>
+              <a:t> 8</a:t>
+            </a:r>
+            <a:r>
+              <a:rPr lang="ru-RU">
+                <a:solidFill>
+                  <a:srgbClr val="00B050"/>
+                </a:solidFill>
+              </a:rPr>
+              <a:t> </a:t>
             </a:r>
             <a:br>
               <a:rPr lang="ru-RU" dirty="0">
@@ -5642,7 +5658,15 @@
                   <a:srgbClr val="00B050"/>
                 </a:solidFill>
               </a:rPr>
-              <a:t>Задание 4</a:t>
+              <a:t>Задание </a:t>
+            </a:r>
+            <a:r>
+              <a:rPr lang="en-US" sz="4000" dirty="0">
+                <a:solidFill>
+                  <a:srgbClr val="00B050"/>
+                </a:solidFill>
+              </a:rPr>
+              <a:t>3</a:t>
             </a:r>
             <a:br>
               <a:rPr lang="ru-RU" dirty="0"/>

--- a/КВЕСТ/Kvest 0504.pptx
+++ b/КВЕСТ/Kvest 0504.pptx
@@ -321,7 +321,7 @@
           <a:p>
             <a:fld id="{FA5C04FF-87D3-4A5E-B15F-10675CBF19BD}" type="datetimeFigureOut">
               <a:rPr lang="ru-RU" smtClean="0"/>
-              <a:t>24.03.2024</a:t>
+              <a:t>25.03.2024</a:t>
             </a:fld>
             <a:endParaRPr lang="ru-RU"/>
           </a:p>
@@ -737,7 +737,7 @@
           <a:p>
             <a:fld id="{4B97895D-DA35-40F5-989A-72840795F350}" type="datetimeFigureOut">
               <a:rPr lang="ru-RU" smtClean="0"/>
-              <a:t>24.03.2024</a:t>
+              <a:t>25.03.2024</a:t>
             </a:fld>
             <a:endParaRPr lang="ru-RU"/>
           </a:p>
@@ -937,7 +937,7 @@
           <a:p>
             <a:fld id="{4B97895D-DA35-40F5-989A-72840795F350}" type="datetimeFigureOut">
               <a:rPr lang="ru-RU" smtClean="0"/>
-              <a:t>24.03.2024</a:t>
+              <a:t>25.03.2024</a:t>
             </a:fld>
             <a:endParaRPr lang="ru-RU"/>
           </a:p>
@@ -1147,7 +1147,7 @@
           <a:p>
             <a:fld id="{4B97895D-DA35-40F5-989A-72840795F350}" type="datetimeFigureOut">
               <a:rPr lang="ru-RU" smtClean="0"/>
-              <a:t>24.03.2024</a:t>
+              <a:t>25.03.2024</a:t>
             </a:fld>
             <a:endParaRPr lang="ru-RU"/>
           </a:p>
@@ -1347,7 +1347,7 @@
           <a:p>
             <a:fld id="{4B97895D-DA35-40F5-989A-72840795F350}" type="datetimeFigureOut">
               <a:rPr lang="ru-RU" smtClean="0"/>
-              <a:t>24.03.2024</a:t>
+              <a:t>25.03.2024</a:t>
             </a:fld>
             <a:endParaRPr lang="ru-RU"/>
           </a:p>
@@ -1623,7 +1623,7 @@
           <a:p>
             <a:fld id="{4B97895D-DA35-40F5-989A-72840795F350}" type="datetimeFigureOut">
               <a:rPr lang="ru-RU" smtClean="0"/>
-              <a:t>24.03.2024</a:t>
+              <a:t>25.03.2024</a:t>
             </a:fld>
             <a:endParaRPr lang="ru-RU"/>
           </a:p>
@@ -1891,7 +1891,7 @@
           <a:p>
             <a:fld id="{4B97895D-DA35-40F5-989A-72840795F350}" type="datetimeFigureOut">
               <a:rPr lang="ru-RU" smtClean="0"/>
-              <a:t>24.03.2024</a:t>
+              <a:t>25.03.2024</a:t>
             </a:fld>
             <a:endParaRPr lang="ru-RU"/>
           </a:p>
@@ -2306,7 +2306,7 @@
           <a:p>
             <a:fld id="{4B97895D-DA35-40F5-989A-72840795F350}" type="datetimeFigureOut">
               <a:rPr lang="ru-RU" smtClean="0"/>
-              <a:t>24.03.2024</a:t>
+              <a:t>25.03.2024</a:t>
             </a:fld>
             <a:endParaRPr lang="ru-RU"/>
           </a:p>
@@ -2448,7 +2448,7 @@
           <a:p>
             <a:fld id="{4B97895D-DA35-40F5-989A-72840795F350}" type="datetimeFigureOut">
               <a:rPr lang="ru-RU" smtClean="0"/>
-              <a:t>24.03.2024</a:t>
+              <a:t>25.03.2024</a:t>
             </a:fld>
             <a:endParaRPr lang="ru-RU"/>
           </a:p>
@@ -2561,7 +2561,7 @@
           <a:p>
             <a:fld id="{4B97895D-DA35-40F5-989A-72840795F350}" type="datetimeFigureOut">
               <a:rPr lang="ru-RU" smtClean="0"/>
-              <a:t>24.03.2024</a:t>
+              <a:t>25.03.2024</a:t>
             </a:fld>
             <a:endParaRPr lang="ru-RU"/>
           </a:p>
@@ -2874,7 +2874,7 @@
           <a:p>
             <a:fld id="{4B97895D-DA35-40F5-989A-72840795F350}" type="datetimeFigureOut">
               <a:rPr lang="ru-RU" smtClean="0"/>
-              <a:t>24.03.2024</a:t>
+              <a:t>25.03.2024</a:t>
             </a:fld>
             <a:endParaRPr lang="ru-RU"/>
           </a:p>
@@ -3163,7 +3163,7 @@
           <a:p>
             <a:fld id="{4B97895D-DA35-40F5-989A-72840795F350}" type="datetimeFigureOut">
               <a:rPr lang="ru-RU" smtClean="0"/>
-              <a:t>24.03.2024</a:t>
+              <a:t>25.03.2024</a:t>
             </a:fld>
             <a:endParaRPr lang="ru-RU"/>
           </a:p>
@@ -3406,7 +3406,7 @@
           <a:p>
             <a:fld id="{4B97895D-DA35-40F5-989A-72840795F350}" type="datetimeFigureOut">
               <a:rPr lang="ru-RU" smtClean="0"/>
-              <a:t>24.03.2024</a:t>
+              <a:t>25.03.2024</a:t>
             </a:fld>
             <a:endParaRPr lang="ru-RU"/>
           </a:p>
@@ -4195,8 +4195,8 @@
         </p:blipFill>
         <p:spPr>
           <a:xfrm>
-            <a:off x="962395" y="4733461"/>
-            <a:ext cx="3663890" cy="1099167"/>
+            <a:off x="962394" y="4733461"/>
+            <a:ext cx="4155567" cy="1099167"/>
           </a:xfrm>
           <a:prstGeom prst="rect">
             <a:avLst/>
